--- a/planning/presentation_online_note_tool.pptx
+++ b/planning/presentation_online_note_tool.pptx
@@ -109,6 +109,11 @@
       </a:defRPr>
     </a:lvl9pPr>
   </p:defaultTextStyle>
+  <p:extLst>
+    <p:ext uri="{EFAFB233-063F-42B5-8137-9DF3F51BA10A}">
+      <p15:sldGuideLst xmlns:p15="http://schemas.microsoft.com/office/powerpoint/2012/main"/>
+    </p:ext>
+  </p:extLst>
 </p:presentation>
 </file>
 
@@ -243,7 +248,7 @@
           <a:p>
             <a:fld id="{331B0D19-E56F-644B-AEE4-C9C3AC1728CA}" type="datetimeFigureOut">
               <a:rPr lang="en-US" smtClean="0"/>
-              <a:t>10/29/17</a:t>
+              <a:t>10/30/17</a:t>
             </a:fld>
             <a:endParaRPr lang="en-US"/>
           </a:p>
@@ -408,7 +413,7 @@
           <a:p>
             <a:fld id="{331B0D19-E56F-644B-AEE4-C9C3AC1728CA}" type="datetimeFigureOut">
               <a:rPr lang="en-US" smtClean="0"/>
-              <a:t>10/29/17</a:t>
+              <a:t>10/30/17</a:t>
             </a:fld>
             <a:endParaRPr lang="en-US"/>
           </a:p>
@@ -583,7 +588,7 @@
           <a:p>
             <a:fld id="{331B0D19-E56F-644B-AEE4-C9C3AC1728CA}" type="datetimeFigureOut">
               <a:rPr lang="en-US" smtClean="0"/>
-              <a:t>10/29/17</a:t>
+              <a:t>10/30/17</a:t>
             </a:fld>
             <a:endParaRPr lang="en-US"/>
           </a:p>
@@ -748,7 +753,7 @@
           <a:p>
             <a:fld id="{331B0D19-E56F-644B-AEE4-C9C3AC1728CA}" type="datetimeFigureOut">
               <a:rPr lang="en-US" smtClean="0"/>
-              <a:t>10/29/17</a:t>
+              <a:t>10/30/17</a:t>
             </a:fld>
             <a:endParaRPr lang="en-US"/>
           </a:p>
@@ -989,7 +994,7 @@
           <a:p>
             <a:fld id="{331B0D19-E56F-644B-AEE4-C9C3AC1728CA}" type="datetimeFigureOut">
               <a:rPr lang="en-US" smtClean="0"/>
-              <a:t>10/29/17</a:t>
+              <a:t>10/30/17</a:t>
             </a:fld>
             <a:endParaRPr lang="en-US"/>
           </a:p>
@@ -1216,7 +1221,7 @@
           <a:p>
             <a:fld id="{331B0D19-E56F-644B-AEE4-C9C3AC1728CA}" type="datetimeFigureOut">
               <a:rPr lang="en-US" smtClean="0"/>
-              <a:t>10/29/17</a:t>
+              <a:t>10/30/17</a:t>
             </a:fld>
             <a:endParaRPr lang="en-US"/>
           </a:p>
@@ -1578,7 +1583,7 @@
           <a:p>
             <a:fld id="{331B0D19-E56F-644B-AEE4-C9C3AC1728CA}" type="datetimeFigureOut">
               <a:rPr lang="en-US" smtClean="0"/>
-              <a:t>10/29/17</a:t>
+              <a:t>10/30/17</a:t>
             </a:fld>
             <a:endParaRPr lang="en-US"/>
           </a:p>
@@ -1691,7 +1696,7 @@
           <a:p>
             <a:fld id="{331B0D19-E56F-644B-AEE4-C9C3AC1728CA}" type="datetimeFigureOut">
               <a:rPr lang="en-US" smtClean="0"/>
-              <a:t>10/29/17</a:t>
+              <a:t>10/30/17</a:t>
             </a:fld>
             <a:endParaRPr lang="en-US"/>
           </a:p>
@@ -1781,7 +1786,7 @@
           <a:p>
             <a:fld id="{331B0D19-E56F-644B-AEE4-C9C3AC1728CA}" type="datetimeFigureOut">
               <a:rPr lang="en-US" smtClean="0"/>
-              <a:t>10/29/17</a:t>
+              <a:t>10/30/17</a:t>
             </a:fld>
             <a:endParaRPr lang="en-US"/>
           </a:p>
@@ -2053,7 +2058,7 @@
           <a:p>
             <a:fld id="{331B0D19-E56F-644B-AEE4-C9C3AC1728CA}" type="datetimeFigureOut">
               <a:rPr lang="en-US" smtClean="0"/>
-              <a:t>10/29/17</a:t>
+              <a:t>10/30/17</a:t>
             </a:fld>
             <a:endParaRPr lang="en-US"/>
           </a:p>
@@ -2301,7 +2306,7 @@
           <a:p>
             <a:fld id="{331B0D19-E56F-644B-AEE4-C9C3AC1728CA}" type="datetimeFigureOut">
               <a:rPr lang="en-US" smtClean="0"/>
-              <a:t>10/29/17</a:t>
+              <a:t>10/30/17</a:t>
             </a:fld>
             <a:endParaRPr lang="en-US"/>
           </a:p>
@@ -2509,7 +2514,7 @@
           <a:p>
             <a:fld id="{331B0D19-E56F-644B-AEE4-C9C3AC1728CA}" type="datetimeFigureOut">
               <a:rPr lang="en-US" smtClean="0"/>
-              <a:t>10/29/17</a:t>
+              <a:t>10/30/17</a:t>
             </a:fld>
             <a:endParaRPr lang="en-US"/>
           </a:p>
@@ -3254,6 +3259,14 @@
               </a:rPr>
               <a:t>Projektziele</a:t>
             </a:r>
+            <a:r>
+              <a:rPr lang="en-US" dirty="0" smtClean="0">
+                <a:latin typeface="Roboto Medium" charset="0"/>
+                <a:ea typeface="Roboto Medium" charset="0"/>
+                <a:cs typeface="Roboto Medium" charset="0"/>
+              </a:rPr>
+              <a:t> (SMART)</a:t>
+            </a:r>
             <a:endParaRPr lang="en-US" dirty="0">
               <a:latin typeface="Roboto Medium" charset="0"/>
               <a:ea typeface="Roboto Medium" charset="0"/>
@@ -4012,6 +4025,30 @@
               </a:rPr>
               <a:t>Teambildungsprozess</a:t>
             </a:r>
+            <a:r>
+              <a:rPr lang="en-US" dirty="0" smtClean="0">
+                <a:latin typeface="Roboto Medium" charset="0"/>
+                <a:ea typeface="Roboto Medium" charset="0"/>
+                <a:cs typeface="Roboto Medium" charset="0"/>
+              </a:rPr>
+              <a:t> (</a:t>
+            </a:r>
+            <a:r>
+              <a:rPr lang="en-US" dirty="0" err="1" smtClean="0">
+                <a:latin typeface="Roboto Medium" charset="0"/>
+                <a:ea typeface="Roboto Medium" charset="0"/>
+                <a:cs typeface="Roboto Medium" charset="0"/>
+              </a:rPr>
+              <a:t>Truckmann</a:t>
+            </a:r>
+            <a:r>
+              <a:rPr lang="en-US" dirty="0" smtClean="0">
+                <a:latin typeface="Roboto Medium" charset="0"/>
+                <a:ea typeface="Roboto Medium" charset="0"/>
+                <a:cs typeface="Roboto Medium" charset="0"/>
+              </a:rPr>
+              <a:t>)</a:t>
+            </a:r>
             <a:endParaRPr lang="en-US" dirty="0">
               <a:latin typeface="Roboto Medium" charset="0"/>
               <a:ea typeface="Roboto Medium" charset="0"/>
@@ -4871,6 +4908,13 @@
   <p:clrMapOvr>
     <a:masterClrMapping/>
   </p:clrMapOvr>
+  <p:timing>
+    <p:tnLst>
+      <p:par>
+        <p:cTn id="1" dur="indefinite" restart="never" nodeType="tmRoot"/>
+      </p:par>
+    </p:tnLst>
+  </p:timing>
 </p:sld>
 </file>
 

--- a/planning/presentation_online_note_tool.pptx
+++ b/planning/presentation_online_note_tool.pptx
@@ -10,7 +10,8 @@
     <p:sldId id="258" r:id="rId4"/>
     <p:sldId id="260" r:id="rId5"/>
     <p:sldId id="259" r:id="rId6"/>
-    <p:sldId id="261" r:id="rId7"/>
+    <p:sldId id="262" r:id="rId7"/>
+    <p:sldId id="261" r:id="rId8"/>
   </p:sldIdLst>
   <p:sldSz cx="12192000" cy="6858000"/>
   <p:notesSz cx="6858000" cy="9144000"/>
@@ -115,6 +116,4080 @@
     </p:ext>
   </p:extLst>
 </p:presentation>
+</file>
+
+<file path=ppt/diagrams/colors1.xml><?xml version="1.0" encoding="utf-8"?>
+<dgm:colorsDef xmlns:dgm="http://schemas.openxmlformats.org/drawingml/2006/diagram" xmlns:a="http://schemas.openxmlformats.org/drawingml/2006/main" uniqueId="urn:microsoft.com/office/officeart/2005/8/colors/colorful1">
+  <dgm:title val=""/>
+  <dgm:desc val=""/>
+  <dgm:catLst>
+    <dgm:cat type="colorful" pri="10100"/>
+  </dgm:catLst>
+  <dgm:styleLbl name="node0">
+    <dgm:fillClrLst meth="repeat">
+      <a:schemeClr val="accent1"/>
+    </dgm:fillClrLst>
+    <dgm:linClrLst meth="repeat">
+      <a:schemeClr val="lt1"/>
+    </dgm:linClrLst>
+    <dgm:effectClrLst/>
+    <dgm:txLinClrLst/>
+    <dgm:txFillClrLst/>
+    <dgm:txEffectClrLst/>
+  </dgm:styleLbl>
+  <dgm:styleLbl name="node1">
+    <dgm:fillClrLst meth="repeat">
+      <a:schemeClr val="accent2"/>
+      <a:schemeClr val="accent3"/>
+      <a:schemeClr val="accent4"/>
+      <a:schemeClr val="accent5"/>
+      <a:schemeClr val="accent6"/>
+    </dgm:fillClrLst>
+    <dgm:linClrLst meth="repeat">
+      <a:schemeClr val="lt1"/>
+    </dgm:linClrLst>
+    <dgm:effectClrLst/>
+    <dgm:txLinClrLst/>
+    <dgm:txFillClrLst/>
+    <dgm:txEffectClrLst/>
+  </dgm:styleLbl>
+  <dgm:styleLbl name="alignNode1">
+    <dgm:fillClrLst meth="repeat">
+      <a:schemeClr val="accent2"/>
+      <a:schemeClr val="accent3"/>
+      <a:schemeClr val="accent4"/>
+      <a:schemeClr val="accent5"/>
+      <a:schemeClr val="accent6"/>
+    </dgm:fillClrLst>
+    <dgm:linClrLst meth="repeat">
+      <a:schemeClr val="accent2"/>
+      <a:schemeClr val="accent3"/>
+      <a:schemeClr val="accent4"/>
+      <a:schemeClr val="accent5"/>
+      <a:schemeClr val="accent6"/>
+    </dgm:linClrLst>
+    <dgm:effectClrLst/>
+    <dgm:txLinClrLst/>
+    <dgm:txFillClrLst/>
+    <dgm:txEffectClrLst/>
+  </dgm:styleLbl>
+  <dgm:styleLbl name="lnNode1">
+    <dgm:fillClrLst meth="repeat">
+      <a:schemeClr val="accent2"/>
+      <a:schemeClr val="accent3"/>
+      <a:schemeClr val="accent4"/>
+      <a:schemeClr val="accent5"/>
+      <a:schemeClr val="accent6"/>
+    </dgm:fillClrLst>
+    <dgm:linClrLst meth="repeat">
+      <a:schemeClr val="lt1"/>
+    </dgm:linClrLst>
+    <dgm:effectClrLst/>
+    <dgm:txLinClrLst/>
+    <dgm:txFillClrLst/>
+    <dgm:txEffectClrLst/>
+  </dgm:styleLbl>
+  <dgm:styleLbl name="vennNode1">
+    <dgm:fillClrLst meth="repeat">
+      <a:schemeClr val="accent2">
+        <a:alpha val="50000"/>
+      </a:schemeClr>
+      <a:schemeClr val="accent3">
+        <a:alpha val="50000"/>
+      </a:schemeClr>
+      <a:schemeClr val="accent4">
+        <a:alpha val="50000"/>
+      </a:schemeClr>
+      <a:schemeClr val="accent5">
+        <a:alpha val="50000"/>
+      </a:schemeClr>
+      <a:schemeClr val="accent6">
+        <a:alpha val="50000"/>
+      </a:schemeClr>
+    </dgm:fillClrLst>
+    <dgm:linClrLst meth="repeat">
+      <a:schemeClr val="lt1"/>
+    </dgm:linClrLst>
+    <dgm:effectClrLst/>
+    <dgm:txLinClrLst/>
+    <dgm:txFillClrLst/>
+    <dgm:txEffectClrLst/>
+  </dgm:styleLbl>
+  <dgm:styleLbl name="node2">
+    <dgm:fillClrLst>
+      <a:schemeClr val="accent2"/>
+    </dgm:fillClrLst>
+    <dgm:linClrLst meth="repeat">
+      <a:schemeClr val="lt1"/>
+    </dgm:linClrLst>
+    <dgm:effectClrLst/>
+    <dgm:txLinClrLst/>
+    <dgm:txFillClrLst/>
+    <dgm:txEffectClrLst/>
+  </dgm:styleLbl>
+  <dgm:styleLbl name="node3">
+    <dgm:fillClrLst>
+      <a:schemeClr val="accent3"/>
+    </dgm:fillClrLst>
+    <dgm:linClrLst meth="repeat">
+      <a:schemeClr val="lt1"/>
+    </dgm:linClrLst>
+    <dgm:effectClrLst/>
+    <dgm:txLinClrLst/>
+    <dgm:txFillClrLst/>
+    <dgm:txEffectClrLst/>
+  </dgm:styleLbl>
+  <dgm:styleLbl name="node4">
+    <dgm:fillClrLst>
+      <a:schemeClr val="accent4"/>
+    </dgm:fillClrLst>
+    <dgm:linClrLst meth="repeat">
+      <a:schemeClr val="lt1"/>
+    </dgm:linClrLst>
+    <dgm:effectClrLst/>
+    <dgm:txLinClrLst/>
+    <dgm:txFillClrLst/>
+    <dgm:txEffectClrLst/>
+  </dgm:styleLbl>
+  <dgm:styleLbl name="fgImgPlace1">
+    <dgm:fillClrLst meth="repeat">
+      <a:schemeClr val="accent2">
+        <a:tint val="50000"/>
+      </a:schemeClr>
+      <a:schemeClr val="accent3">
+        <a:tint val="50000"/>
+      </a:schemeClr>
+      <a:schemeClr val="accent4">
+        <a:tint val="50000"/>
+      </a:schemeClr>
+      <a:schemeClr val="accent5">
+        <a:tint val="50000"/>
+      </a:schemeClr>
+      <a:schemeClr val="accent6">
+        <a:tint val="50000"/>
+      </a:schemeClr>
+    </dgm:fillClrLst>
+    <dgm:linClrLst meth="repeat">
+      <a:schemeClr val="lt1"/>
+    </dgm:linClrLst>
+    <dgm:effectClrLst/>
+    <dgm:txLinClrLst/>
+    <dgm:txFillClrLst meth="repeat">
+      <a:schemeClr val="lt1"/>
+    </dgm:txFillClrLst>
+    <dgm:txEffectClrLst/>
+  </dgm:styleLbl>
+  <dgm:styleLbl name="alignImgPlace1">
+    <dgm:fillClrLst>
+      <a:schemeClr val="accent1">
+        <a:tint val="50000"/>
+      </a:schemeClr>
+      <a:schemeClr val="accent2">
+        <a:tint val="20000"/>
+      </a:schemeClr>
+    </dgm:fillClrLst>
+    <dgm:linClrLst meth="repeat">
+      <a:schemeClr val="lt1"/>
+    </dgm:linClrLst>
+    <dgm:effectClrLst/>
+    <dgm:txLinClrLst/>
+    <dgm:txFillClrLst meth="repeat">
+      <a:schemeClr val="lt1"/>
+    </dgm:txFillClrLst>
+    <dgm:txEffectClrLst/>
+  </dgm:styleLbl>
+  <dgm:styleLbl name="bgImgPlace1">
+    <dgm:fillClrLst>
+      <a:schemeClr val="accent1">
+        <a:tint val="50000"/>
+      </a:schemeClr>
+      <a:schemeClr val="accent2">
+        <a:tint val="20000"/>
+      </a:schemeClr>
+    </dgm:fillClrLst>
+    <dgm:linClrLst meth="repeat">
+      <a:schemeClr val="lt1"/>
+    </dgm:linClrLst>
+    <dgm:effectClrLst/>
+    <dgm:txLinClrLst/>
+    <dgm:txFillClrLst meth="repeat">
+      <a:schemeClr val="lt1"/>
+    </dgm:txFillClrLst>
+    <dgm:txEffectClrLst/>
+  </dgm:styleLbl>
+  <dgm:styleLbl name="sibTrans2D1">
+    <dgm:fillClrLst meth="repeat">
+      <a:schemeClr val="accent2"/>
+      <a:schemeClr val="accent3"/>
+      <a:schemeClr val="accent4"/>
+      <a:schemeClr val="accent5"/>
+      <a:schemeClr val="accent6"/>
+    </dgm:fillClrLst>
+    <dgm:linClrLst meth="cycle">
+      <a:schemeClr val="lt1"/>
+    </dgm:linClrLst>
+    <dgm:effectClrLst/>
+    <dgm:txLinClrLst/>
+    <dgm:txFillClrLst/>
+    <dgm:txEffectClrLst/>
+  </dgm:styleLbl>
+  <dgm:styleLbl name="fgSibTrans2D1">
+    <dgm:fillClrLst meth="repeat">
+      <a:schemeClr val="accent2"/>
+      <a:schemeClr val="accent3"/>
+      <a:schemeClr val="accent4"/>
+      <a:schemeClr val="accent5"/>
+      <a:schemeClr val="accent6"/>
+    </dgm:fillClrLst>
+    <dgm:linClrLst meth="cycle">
+      <a:schemeClr val="lt1"/>
+    </dgm:linClrLst>
+    <dgm:effectClrLst/>
+    <dgm:txLinClrLst/>
+    <dgm:txFillClrLst meth="repeat">
+      <a:schemeClr val="lt1"/>
+    </dgm:txFillClrLst>
+    <dgm:txEffectClrLst/>
+  </dgm:styleLbl>
+  <dgm:styleLbl name="bgSibTrans2D1">
+    <dgm:fillClrLst meth="repeat">
+      <a:schemeClr val="accent2"/>
+      <a:schemeClr val="accent3"/>
+      <a:schemeClr val="accent4"/>
+      <a:schemeClr val="accent5"/>
+      <a:schemeClr val="accent6"/>
+    </dgm:fillClrLst>
+    <dgm:linClrLst meth="cycle">
+      <a:schemeClr val="lt1"/>
+    </dgm:linClrLst>
+    <dgm:effectClrLst/>
+    <dgm:txLinClrLst/>
+    <dgm:txFillClrLst meth="repeat">
+      <a:schemeClr val="lt1"/>
+    </dgm:txFillClrLst>
+    <dgm:txEffectClrLst/>
+  </dgm:styleLbl>
+  <dgm:styleLbl name="sibTrans1D1">
+    <dgm:fillClrLst meth="repeat">
+      <a:schemeClr val="accent2"/>
+      <a:schemeClr val="accent3"/>
+      <a:schemeClr val="accent4"/>
+      <a:schemeClr val="accent5"/>
+      <a:schemeClr val="accent6"/>
+    </dgm:fillClrLst>
+    <dgm:linClrLst meth="repeat">
+      <a:schemeClr val="accent2"/>
+      <a:schemeClr val="accent3"/>
+      <a:schemeClr val="accent4"/>
+      <a:schemeClr val="accent5"/>
+      <a:schemeClr val="accent6"/>
+    </dgm:linClrLst>
+    <dgm:effectClrLst/>
+    <dgm:txLinClrLst/>
+    <dgm:txFillClrLst meth="repeat">
+      <a:schemeClr val="tx1"/>
+    </dgm:txFillClrLst>
+    <dgm:txEffectClrLst/>
+  </dgm:styleLbl>
+  <dgm:styleLbl name="callout">
+    <dgm:fillClrLst meth="repeat">
+      <a:schemeClr val="accent2"/>
+    </dgm:fillClrLst>
+    <dgm:linClrLst meth="repeat">
+      <a:schemeClr val="accent2">
+        <a:tint val="50000"/>
+      </a:schemeClr>
+    </dgm:linClrLst>
+    <dgm:effectClrLst/>
+    <dgm:txLinClrLst/>
+    <dgm:txFillClrLst meth="repeat">
+      <a:schemeClr val="tx1"/>
+    </dgm:txFillClrLst>
+    <dgm:txEffectClrLst/>
+  </dgm:styleLbl>
+  <dgm:styleLbl name="asst0">
+    <dgm:fillClrLst meth="repeat">
+      <a:schemeClr val="accent1"/>
+    </dgm:fillClrLst>
+    <dgm:linClrLst meth="repeat">
+      <a:schemeClr val="lt1"/>
+    </dgm:linClrLst>
+    <dgm:effectClrLst/>
+    <dgm:txLinClrLst/>
+    <dgm:txFillClrLst/>
+    <dgm:txEffectClrLst/>
+  </dgm:styleLbl>
+  <dgm:styleLbl name="asst1">
+    <dgm:fillClrLst meth="repeat">
+      <a:schemeClr val="accent2"/>
+    </dgm:fillClrLst>
+    <dgm:linClrLst meth="repeat">
+      <a:schemeClr val="lt1"/>
+    </dgm:linClrLst>
+    <dgm:effectClrLst/>
+    <dgm:txLinClrLst/>
+    <dgm:txFillClrLst/>
+    <dgm:txEffectClrLst/>
+  </dgm:styleLbl>
+  <dgm:styleLbl name="asst2">
+    <dgm:fillClrLst>
+      <a:schemeClr val="accent3"/>
+    </dgm:fillClrLst>
+    <dgm:linClrLst meth="repeat">
+      <a:schemeClr val="lt1"/>
+    </dgm:linClrLst>
+    <dgm:effectClrLst/>
+    <dgm:txLinClrLst/>
+    <dgm:txFillClrLst/>
+    <dgm:txEffectClrLst/>
+  </dgm:styleLbl>
+  <dgm:styleLbl name="asst3">
+    <dgm:fillClrLst>
+      <a:schemeClr val="accent4"/>
+    </dgm:fillClrLst>
+    <dgm:linClrLst meth="repeat">
+      <a:schemeClr val="lt1"/>
+    </dgm:linClrLst>
+    <dgm:effectClrLst/>
+    <dgm:txLinClrLst/>
+    <dgm:txFillClrLst/>
+    <dgm:txEffectClrLst/>
+  </dgm:styleLbl>
+  <dgm:styleLbl name="asst4">
+    <dgm:fillClrLst>
+      <a:schemeClr val="accent5"/>
+    </dgm:fillClrLst>
+    <dgm:linClrLst meth="repeat">
+      <a:schemeClr val="lt1"/>
+    </dgm:linClrLst>
+    <dgm:effectClrLst/>
+    <dgm:txLinClrLst/>
+    <dgm:txFillClrLst/>
+    <dgm:txEffectClrLst/>
+  </dgm:styleLbl>
+  <dgm:styleLbl name="parChTrans2D1">
+    <dgm:fillClrLst meth="repeat">
+      <a:schemeClr val="accent2"/>
+    </dgm:fillClrLst>
+    <dgm:linClrLst meth="repeat">
+      <a:schemeClr val="lt1"/>
+    </dgm:linClrLst>
+    <dgm:effectClrLst/>
+    <dgm:txLinClrLst/>
+    <dgm:txFillClrLst meth="repeat">
+      <a:schemeClr val="lt1"/>
+    </dgm:txFillClrLst>
+    <dgm:txEffectClrLst/>
+  </dgm:styleLbl>
+  <dgm:styleLbl name="parChTrans2D2">
+    <dgm:fillClrLst meth="repeat">
+      <a:schemeClr val="accent3"/>
+    </dgm:fillClrLst>
+    <dgm:linClrLst meth="repeat">
+      <a:schemeClr val="lt1"/>
+    </dgm:linClrLst>
+    <dgm:effectClrLst/>
+    <dgm:txLinClrLst/>
+    <dgm:txFillClrLst/>
+    <dgm:txEffectClrLst/>
+  </dgm:styleLbl>
+  <dgm:styleLbl name="parChTrans2D3">
+    <dgm:fillClrLst meth="repeat">
+      <a:schemeClr val="accent4"/>
+    </dgm:fillClrLst>
+    <dgm:linClrLst meth="repeat">
+      <a:schemeClr val="lt1"/>
+    </dgm:linClrLst>
+    <dgm:effectClrLst/>
+    <dgm:txLinClrLst/>
+    <dgm:txFillClrLst/>
+    <dgm:txEffectClrLst/>
+  </dgm:styleLbl>
+  <dgm:styleLbl name="parChTrans2D4">
+    <dgm:fillClrLst meth="repeat">
+      <a:schemeClr val="accent5"/>
+    </dgm:fillClrLst>
+    <dgm:linClrLst meth="repeat">
+      <a:schemeClr val="lt1"/>
+    </dgm:linClrLst>
+    <dgm:effectClrLst/>
+    <dgm:txLinClrLst/>
+    <dgm:txFillClrLst meth="repeat">
+      <a:schemeClr val="lt1"/>
+    </dgm:txFillClrLst>
+    <dgm:txEffectClrLst/>
+  </dgm:styleLbl>
+  <dgm:styleLbl name="parChTrans1D1">
+    <dgm:fillClrLst meth="repeat">
+      <a:schemeClr val="accent2"/>
+    </dgm:fillClrLst>
+    <dgm:linClrLst meth="repeat">
+      <a:schemeClr val="accent1"/>
+    </dgm:linClrLst>
+    <dgm:effectClrLst/>
+    <dgm:txLinClrLst/>
+    <dgm:txFillClrLst meth="repeat">
+      <a:schemeClr val="tx1"/>
+    </dgm:txFillClrLst>
+    <dgm:txEffectClrLst/>
+  </dgm:styleLbl>
+  <dgm:styleLbl name="parChTrans1D2">
+    <dgm:fillClrLst meth="repeat">
+      <a:schemeClr val="accent3">
+        <a:tint val="90000"/>
+      </a:schemeClr>
+    </dgm:fillClrLst>
+    <dgm:linClrLst meth="repeat">
+      <a:schemeClr val="accent2"/>
+    </dgm:linClrLst>
+    <dgm:effectClrLst/>
+    <dgm:txLinClrLst/>
+    <dgm:txFillClrLst meth="repeat">
+      <a:schemeClr val="tx1"/>
+    </dgm:txFillClrLst>
+    <dgm:txEffectClrLst/>
+  </dgm:styleLbl>
+  <dgm:styleLbl name="parChTrans1D3">
+    <dgm:fillClrLst meth="repeat">
+      <a:schemeClr val="accent4">
+        <a:tint val="70000"/>
+      </a:schemeClr>
+    </dgm:fillClrLst>
+    <dgm:linClrLst meth="repeat">
+      <a:schemeClr val="accent3"/>
+    </dgm:linClrLst>
+    <dgm:effectClrLst/>
+    <dgm:txLinClrLst/>
+    <dgm:txFillClrLst meth="repeat">
+      <a:schemeClr val="tx1"/>
+    </dgm:txFillClrLst>
+    <dgm:txEffectClrLst/>
+  </dgm:styleLbl>
+  <dgm:styleLbl name="parChTrans1D4">
+    <dgm:fillClrLst meth="repeat">
+      <a:schemeClr val="accent5">
+        <a:tint val="50000"/>
+      </a:schemeClr>
+    </dgm:fillClrLst>
+    <dgm:linClrLst meth="repeat">
+      <a:schemeClr val="accent4"/>
+    </dgm:linClrLst>
+    <dgm:effectClrLst/>
+    <dgm:txLinClrLst/>
+    <dgm:txFillClrLst meth="repeat">
+      <a:schemeClr val="tx1"/>
+    </dgm:txFillClrLst>
+    <dgm:txEffectClrLst/>
+  </dgm:styleLbl>
+  <dgm:styleLbl name="fgAcc1">
+    <dgm:fillClrLst meth="repeat">
+      <a:schemeClr val="lt1">
+        <a:alpha val="90000"/>
+      </a:schemeClr>
+    </dgm:fillClrLst>
+    <dgm:linClrLst meth="repeat">
+      <a:schemeClr val="accent2"/>
+      <a:schemeClr val="accent3"/>
+      <a:schemeClr val="accent4"/>
+      <a:schemeClr val="accent5"/>
+      <a:schemeClr val="accent6"/>
+    </dgm:linClrLst>
+    <dgm:effectClrLst/>
+    <dgm:txLinClrLst/>
+    <dgm:txFillClrLst meth="repeat">
+      <a:schemeClr val="dk1"/>
+    </dgm:txFillClrLst>
+    <dgm:txEffectClrLst/>
+  </dgm:styleLbl>
+  <dgm:styleLbl name="conFgAcc1">
+    <dgm:fillClrLst meth="repeat">
+      <a:schemeClr val="lt1">
+        <a:alpha val="90000"/>
+      </a:schemeClr>
+    </dgm:fillClrLst>
+    <dgm:linClrLst meth="repeat">
+      <a:schemeClr val="accent2"/>
+      <a:schemeClr val="accent3"/>
+      <a:schemeClr val="accent4"/>
+      <a:schemeClr val="accent5"/>
+      <a:schemeClr val="accent6"/>
+    </dgm:linClrLst>
+    <dgm:effectClrLst/>
+    <dgm:txLinClrLst/>
+    <dgm:txFillClrLst meth="repeat">
+      <a:schemeClr val="dk1"/>
+    </dgm:txFillClrLst>
+    <dgm:txEffectClrLst/>
+  </dgm:styleLbl>
+  <dgm:styleLbl name="alignAcc1">
+    <dgm:fillClrLst meth="repeat">
+      <a:schemeClr val="lt1">
+        <a:alpha val="90000"/>
+      </a:schemeClr>
+    </dgm:fillClrLst>
+    <dgm:linClrLst meth="repeat">
+      <a:schemeClr val="accent2"/>
+      <a:schemeClr val="accent3"/>
+      <a:schemeClr val="accent4"/>
+      <a:schemeClr val="accent5"/>
+      <a:schemeClr val="accent6"/>
+    </dgm:linClrLst>
+    <dgm:effectClrLst/>
+    <dgm:txLinClrLst/>
+    <dgm:txFillClrLst meth="repeat">
+      <a:schemeClr val="dk1"/>
+    </dgm:txFillClrLst>
+    <dgm:txEffectClrLst/>
+  </dgm:styleLbl>
+  <dgm:styleLbl name="trAlignAcc1">
+    <dgm:fillClrLst meth="repeat">
+      <a:schemeClr val="lt1">
+        <a:alpha val="40000"/>
+      </a:schemeClr>
+    </dgm:fillClrLst>
+    <dgm:linClrLst meth="repeat">
+      <a:schemeClr val="accent1"/>
+    </dgm:linClrLst>
+    <dgm:effectClrLst/>
+    <dgm:txLinClrLst/>
+    <dgm:txFillClrLst meth="repeat">
+      <a:schemeClr val="dk1"/>
+    </dgm:txFillClrLst>
+    <dgm:txEffectClrLst/>
+  </dgm:styleLbl>
+  <dgm:styleLbl name="bgAcc1">
+    <dgm:fillClrLst meth="repeat">
+      <a:schemeClr val="lt1">
+        <a:alpha val="90000"/>
+      </a:schemeClr>
+    </dgm:fillClrLst>
+    <dgm:linClrLst meth="repeat">
+      <a:schemeClr val="accent2"/>
+      <a:schemeClr val="accent3"/>
+      <a:schemeClr val="accent4"/>
+      <a:schemeClr val="accent5"/>
+      <a:schemeClr val="accent6"/>
+    </dgm:linClrLst>
+    <dgm:effectClrLst/>
+    <dgm:txLinClrLst/>
+    <dgm:txFillClrLst meth="repeat">
+      <a:schemeClr val="dk1"/>
+    </dgm:txFillClrLst>
+    <dgm:txEffectClrLst/>
+  </dgm:styleLbl>
+  <dgm:styleLbl name="solidFgAcc1">
+    <dgm:fillClrLst meth="repeat">
+      <a:schemeClr val="lt1"/>
+    </dgm:fillClrLst>
+    <dgm:linClrLst meth="repeat">
+      <a:schemeClr val="accent2"/>
+      <a:schemeClr val="accent3"/>
+      <a:schemeClr val="accent4"/>
+      <a:schemeClr val="accent5"/>
+      <a:schemeClr val="accent6"/>
+    </dgm:linClrLst>
+    <dgm:effectClrLst/>
+    <dgm:txLinClrLst/>
+    <dgm:txFillClrLst meth="repeat">
+      <a:schemeClr val="dk1"/>
+    </dgm:txFillClrLst>
+    <dgm:txEffectClrLst/>
+  </dgm:styleLbl>
+  <dgm:styleLbl name="solidAlignAcc1">
+    <dgm:fillClrLst meth="repeat">
+      <a:schemeClr val="lt1"/>
+    </dgm:fillClrLst>
+    <dgm:linClrLst meth="repeat">
+      <a:schemeClr val="accent2"/>
+      <a:schemeClr val="accent3"/>
+      <a:schemeClr val="accent4"/>
+      <a:schemeClr val="accent5"/>
+      <a:schemeClr val="accent6"/>
+    </dgm:linClrLst>
+    <dgm:effectClrLst/>
+    <dgm:txLinClrLst/>
+    <dgm:txFillClrLst meth="repeat">
+      <a:schemeClr val="dk1"/>
+    </dgm:txFillClrLst>
+    <dgm:txEffectClrLst/>
+  </dgm:styleLbl>
+  <dgm:styleLbl name="solidBgAcc1">
+    <dgm:fillClrLst meth="repeat">
+      <a:schemeClr val="lt1"/>
+    </dgm:fillClrLst>
+    <dgm:linClrLst meth="repeat">
+      <a:schemeClr val="accent2"/>
+      <a:schemeClr val="accent3"/>
+      <a:schemeClr val="accent4"/>
+      <a:schemeClr val="accent5"/>
+      <a:schemeClr val="accent6"/>
+    </dgm:linClrLst>
+    <dgm:effectClrLst/>
+    <dgm:txLinClrLst/>
+    <dgm:txFillClrLst meth="repeat">
+      <a:schemeClr val="dk1"/>
+    </dgm:txFillClrLst>
+    <dgm:txEffectClrLst/>
+  </dgm:styleLbl>
+  <dgm:styleLbl name="fgAccFollowNode1">
+    <dgm:fillClrLst meth="repeat">
+      <a:schemeClr val="accent2">
+        <a:tint val="40000"/>
+        <a:alpha val="90000"/>
+      </a:schemeClr>
+      <a:schemeClr val="accent3">
+        <a:tint val="40000"/>
+        <a:alpha val="90000"/>
+      </a:schemeClr>
+      <a:schemeClr val="accent4">
+        <a:tint val="40000"/>
+        <a:alpha val="90000"/>
+      </a:schemeClr>
+      <a:schemeClr val="accent5">
+        <a:tint val="40000"/>
+        <a:alpha val="90000"/>
+      </a:schemeClr>
+      <a:schemeClr val="accent6">
+        <a:tint val="40000"/>
+        <a:alpha val="90000"/>
+      </a:schemeClr>
+    </dgm:fillClrLst>
+    <dgm:linClrLst meth="repeat">
+      <a:schemeClr val="accent2">
+        <a:tint val="40000"/>
+        <a:alpha val="90000"/>
+      </a:schemeClr>
+      <a:schemeClr val="accent3">
+        <a:tint val="40000"/>
+        <a:alpha val="90000"/>
+      </a:schemeClr>
+      <a:schemeClr val="accent4">
+        <a:tint val="40000"/>
+        <a:alpha val="90000"/>
+      </a:schemeClr>
+      <a:schemeClr val="accent5">
+        <a:tint val="40000"/>
+        <a:alpha val="90000"/>
+      </a:schemeClr>
+      <a:schemeClr val="accent6">
+        <a:tint val="40000"/>
+        <a:alpha val="90000"/>
+      </a:schemeClr>
+    </dgm:linClrLst>
+    <dgm:effectClrLst/>
+    <dgm:txLinClrLst/>
+    <dgm:txFillClrLst meth="repeat">
+      <a:schemeClr val="dk1"/>
+    </dgm:txFillClrLst>
+    <dgm:txEffectClrLst/>
+  </dgm:styleLbl>
+  <dgm:styleLbl name="alignAccFollowNode1">
+    <dgm:fillClrLst meth="repeat">
+      <a:schemeClr val="accent2">
+        <a:tint val="40000"/>
+        <a:alpha val="90000"/>
+      </a:schemeClr>
+      <a:schemeClr val="accent3">
+        <a:tint val="40000"/>
+        <a:alpha val="90000"/>
+      </a:schemeClr>
+      <a:schemeClr val="accent4">
+        <a:tint val="40000"/>
+        <a:alpha val="90000"/>
+      </a:schemeClr>
+      <a:schemeClr val="accent5">
+        <a:tint val="40000"/>
+        <a:alpha val="90000"/>
+      </a:schemeClr>
+      <a:schemeClr val="accent6">
+        <a:tint val="40000"/>
+        <a:alpha val="90000"/>
+      </a:schemeClr>
+    </dgm:fillClrLst>
+    <dgm:linClrLst meth="repeat">
+      <a:schemeClr val="accent2">
+        <a:tint val="40000"/>
+        <a:alpha val="90000"/>
+      </a:schemeClr>
+      <a:schemeClr val="accent3">
+        <a:tint val="40000"/>
+        <a:alpha val="90000"/>
+      </a:schemeClr>
+      <a:schemeClr val="accent4">
+        <a:tint val="40000"/>
+        <a:alpha val="90000"/>
+      </a:schemeClr>
+      <a:schemeClr val="accent5">
+        <a:tint val="40000"/>
+        <a:alpha val="90000"/>
+      </a:schemeClr>
+      <a:schemeClr val="accent6">
+        <a:tint val="40000"/>
+        <a:alpha val="90000"/>
+      </a:schemeClr>
+    </dgm:linClrLst>
+    <dgm:effectClrLst/>
+    <dgm:txLinClrLst/>
+    <dgm:txFillClrLst meth="repeat">
+      <a:schemeClr val="dk1"/>
+    </dgm:txFillClrLst>
+    <dgm:txEffectClrLst/>
+  </dgm:styleLbl>
+  <dgm:styleLbl name="bgAccFollowNode1">
+    <dgm:fillClrLst meth="repeat">
+      <a:schemeClr val="accent2">
+        <a:tint val="40000"/>
+        <a:alpha val="90000"/>
+      </a:schemeClr>
+      <a:schemeClr val="accent3">
+        <a:tint val="40000"/>
+        <a:alpha val="90000"/>
+      </a:schemeClr>
+      <a:schemeClr val="accent4">
+        <a:tint val="40000"/>
+        <a:alpha val="90000"/>
+      </a:schemeClr>
+      <a:schemeClr val="accent5">
+        <a:tint val="40000"/>
+        <a:alpha val="90000"/>
+      </a:schemeClr>
+      <a:schemeClr val="accent6">
+        <a:tint val="40000"/>
+        <a:alpha val="90000"/>
+      </a:schemeClr>
+    </dgm:fillClrLst>
+    <dgm:linClrLst meth="repeat">
+      <a:schemeClr val="accent2">
+        <a:tint val="40000"/>
+        <a:alpha val="90000"/>
+      </a:schemeClr>
+      <a:schemeClr val="accent3">
+        <a:tint val="40000"/>
+        <a:alpha val="90000"/>
+      </a:schemeClr>
+      <a:schemeClr val="accent4">
+        <a:tint val="40000"/>
+        <a:alpha val="90000"/>
+      </a:schemeClr>
+      <a:schemeClr val="accent5">
+        <a:tint val="40000"/>
+        <a:alpha val="90000"/>
+      </a:schemeClr>
+      <a:schemeClr val="accent6">
+        <a:tint val="40000"/>
+        <a:alpha val="90000"/>
+      </a:schemeClr>
+    </dgm:linClrLst>
+    <dgm:effectClrLst/>
+    <dgm:txLinClrLst/>
+    <dgm:txFillClrLst meth="repeat">
+      <a:schemeClr val="dk1"/>
+    </dgm:txFillClrLst>
+    <dgm:txEffectClrLst/>
+  </dgm:styleLbl>
+  <dgm:styleLbl name="fgAcc0">
+    <dgm:fillClrLst meth="repeat">
+      <a:schemeClr val="lt1">
+        <a:alpha val="90000"/>
+      </a:schemeClr>
+    </dgm:fillClrLst>
+    <dgm:linClrLst>
+      <a:schemeClr val="accent1"/>
+    </dgm:linClrLst>
+    <dgm:effectClrLst/>
+    <dgm:txLinClrLst/>
+    <dgm:txFillClrLst meth="repeat">
+      <a:schemeClr val="dk1"/>
+    </dgm:txFillClrLst>
+    <dgm:txEffectClrLst/>
+  </dgm:styleLbl>
+  <dgm:styleLbl name="fgAcc2">
+    <dgm:fillClrLst meth="repeat">
+      <a:schemeClr val="lt1">
+        <a:alpha val="90000"/>
+      </a:schemeClr>
+    </dgm:fillClrLst>
+    <dgm:linClrLst>
+      <a:schemeClr val="accent2"/>
+    </dgm:linClrLst>
+    <dgm:effectClrLst/>
+    <dgm:txLinClrLst/>
+    <dgm:txFillClrLst meth="repeat">
+      <a:schemeClr val="dk1"/>
+    </dgm:txFillClrLst>
+    <dgm:txEffectClrLst/>
+  </dgm:styleLbl>
+  <dgm:styleLbl name="fgAcc3">
+    <dgm:fillClrLst meth="repeat">
+      <a:schemeClr val="lt1">
+        <a:alpha val="90000"/>
+      </a:schemeClr>
+    </dgm:fillClrLst>
+    <dgm:linClrLst>
+      <a:schemeClr val="accent3"/>
+    </dgm:linClrLst>
+    <dgm:effectClrLst/>
+    <dgm:txLinClrLst/>
+    <dgm:txFillClrLst meth="repeat">
+      <a:schemeClr val="dk1"/>
+    </dgm:txFillClrLst>
+    <dgm:txEffectClrLst/>
+  </dgm:styleLbl>
+  <dgm:styleLbl name="fgAcc4">
+    <dgm:fillClrLst meth="repeat">
+      <a:schemeClr val="lt1">
+        <a:alpha val="90000"/>
+      </a:schemeClr>
+    </dgm:fillClrLst>
+    <dgm:linClrLst>
+      <a:schemeClr val="accent4"/>
+    </dgm:linClrLst>
+    <dgm:effectClrLst/>
+    <dgm:txLinClrLst/>
+    <dgm:txFillClrLst meth="repeat">
+      <a:schemeClr val="dk1"/>
+    </dgm:txFillClrLst>
+    <dgm:txEffectClrLst/>
+  </dgm:styleLbl>
+  <dgm:styleLbl name="bgShp">
+    <dgm:fillClrLst meth="repeat">
+      <a:schemeClr val="accent2">
+        <a:tint val="40000"/>
+      </a:schemeClr>
+    </dgm:fillClrLst>
+    <dgm:linClrLst meth="repeat">
+      <a:schemeClr val="dk1"/>
+    </dgm:linClrLst>
+    <dgm:effectClrLst/>
+    <dgm:txLinClrLst/>
+    <dgm:txFillClrLst meth="repeat">
+      <a:schemeClr val="dk1"/>
+    </dgm:txFillClrLst>
+    <dgm:txEffectClrLst/>
+  </dgm:styleLbl>
+  <dgm:styleLbl name="dkBgShp">
+    <dgm:fillClrLst meth="repeat">
+      <a:schemeClr val="accent2">
+        <a:shade val="90000"/>
+      </a:schemeClr>
+    </dgm:fillClrLst>
+    <dgm:linClrLst meth="repeat">
+      <a:schemeClr val="dk1"/>
+    </dgm:linClrLst>
+    <dgm:effectClrLst/>
+    <dgm:txLinClrLst/>
+    <dgm:txFillClrLst meth="repeat">
+      <a:schemeClr val="lt1"/>
+    </dgm:txFillClrLst>
+    <dgm:txEffectClrLst/>
+  </dgm:styleLbl>
+  <dgm:styleLbl name="trBgShp">
+    <dgm:fillClrLst meth="repeat">
+      <a:schemeClr val="accent1">
+        <a:tint val="50000"/>
+        <a:alpha val="40000"/>
+      </a:schemeClr>
+    </dgm:fillClrLst>
+    <dgm:linClrLst meth="repeat">
+      <a:schemeClr val="accent2"/>
+    </dgm:linClrLst>
+    <dgm:effectClrLst/>
+    <dgm:txLinClrLst/>
+    <dgm:txFillClrLst meth="repeat">
+      <a:schemeClr val="lt1"/>
+    </dgm:txFillClrLst>
+    <dgm:txEffectClrLst/>
+  </dgm:styleLbl>
+  <dgm:styleLbl name="fgShp">
+    <dgm:fillClrLst meth="repeat">
+      <a:schemeClr val="accent2">
+        <a:tint val="40000"/>
+      </a:schemeClr>
+    </dgm:fillClrLst>
+    <dgm:linClrLst meth="repeat">
+      <a:schemeClr val="lt1"/>
+    </dgm:linClrLst>
+    <dgm:effectClrLst/>
+    <dgm:txLinClrLst/>
+    <dgm:txFillClrLst meth="repeat">
+      <a:schemeClr val="dk1"/>
+    </dgm:txFillClrLst>
+    <dgm:txEffectClrLst/>
+  </dgm:styleLbl>
+  <dgm:styleLbl name="revTx">
+    <dgm:fillClrLst meth="repeat">
+      <a:schemeClr val="lt1">
+        <a:alpha val="0"/>
+      </a:schemeClr>
+    </dgm:fillClrLst>
+    <dgm:linClrLst meth="repeat">
+      <a:schemeClr val="dk1">
+        <a:alpha val="0"/>
+      </a:schemeClr>
+    </dgm:linClrLst>
+    <dgm:effectClrLst/>
+    <dgm:txLinClrLst/>
+    <dgm:txFillClrLst meth="repeat">
+      <a:schemeClr val="tx1"/>
+    </dgm:txFillClrLst>
+    <dgm:txEffectClrLst/>
+  </dgm:styleLbl>
+</dgm:colorsDef>
+</file>
+
+<file path=ppt/diagrams/data1.xml><?xml version="1.0" encoding="utf-8"?>
+<dgm:dataModel xmlns:dgm="http://schemas.openxmlformats.org/drawingml/2006/diagram" xmlns:a="http://schemas.openxmlformats.org/drawingml/2006/main">
+  <dgm:ptLst>
+    <dgm:pt modelId="{D0D25C11-AD8B-418C-9E5D-CE0B02AE08AA}" type="doc">
+      <dgm:prSet loTypeId="urn:microsoft.com/office/officeart/2005/8/layout/orgChart1" loCatId="hierarchy" qsTypeId="urn:microsoft.com/office/officeart/2005/8/quickstyle/simple1" qsCatId="simple" csTypeId="urn:microsoft.com/office/officeart/2005/8/colors/colorful1" csCatId="colorful" phldr="1"/>
+      <dgm:spPr/>
+      <dgm:t>
+        <a:bodyPr/>
+        <a:lstStyle/>
+        <a:p>
+          <a:endParaRPr lang="de-DE"/>
+        </a:p>
+      </dgm:t>
+    </dgm:pt>
+    <dgm:pt modelId="{6D20A6CF-1B52-4AF0-A5F9-F6D5B0EFB2BE}">
+      <dgm:prSet phldrT="[Text]" custT="1"/>
+      <dgm:spPr/>
+      <dgm:t>
+        <a:bodyPr/>
+        <a:lstStyle/>
+        <a:p>
+          <a:r>
+            <a:rPr lang="de-DE" sz="1600"/>
+            <a:t>Fabian Baechli (Product Owner</a:t>
+          </a:r>
+          <a:r>
+            <a:rPr lang="de-DE" sz="1800"/>
+            <a:t>)</a:t>
+          </a:r>
+        </a:p>
+      </dgm:t>
+    </dgm:pt>
+    <dgm:pt modelId="{1B47223F-FAB7-4FD3-88DE-E8CAD34A6FC6}" type="parTrans" cxnId="{C3AB13F4-D419-496D-85DE-385BF926A955}">
+      <dgm:prSet/>
+      <dgm:spPr/>
+      <dgm:t>
+        <a:bodyPr/>
+        <a:lstStyle/>
+        <a:p>
+          <a:endParaRPr lang="de-DE"/>
+        </a:p>
+      </dgm:t>
+    </dgm:pt>
+    <dgm:pt modelId="{9C478415-3C39-4D0A-8F2B-4D8724AE8CCA}" type="sibTrans" cxnId="{C3AB13F4-D419-496D-85DE-385BF926A955}">
+      <dgm:prSet/>
+      <dgm:spPr/>
+      <dgm:t>
+        <a:bodyPr/>
+        <a:lstStyle/>
+        <a:p>
+          <a:endParaRPr lang="de-DE"/>
+        </a:p>
+      </dgm:t>
+    </dgm:pt>
+    <dgm:pt modelId="{CD7CCB7D-47E7-4595-BCD3-4CD3BA5F4011}" type="asst">
+      <dgm:prSet phldrT="[Text]" custT="1"/>
+      <dgm:spPr/>
+      <dgm:t>
+        <a:bodyPr/>
+        <a:lstStyle/>
+        <a:p>
+          <a:r>
+            <a:rPr lang="de-DE" sz="1600" dirty="0"/>
+            <a:t>Fabrice </a:t>
+          </a:r>
+          <a:r>
+            <a:rPr lang="de-DE" sz="1600" dirty="0" err="1"/>
+            <a:t>Bosshard</a:t>
+          </a:r>
+          <a:r>
+            <a:rPr lang="de-DE" sz="1600" dirty="0"/>
+            <a:t> (Entwicklungsteam, Administration)</a:t>
+          </a:r>
+        </a:p>
+      </dgm:t>
+    </dgm:pt>
+    <dgm:pt modelId="{54758FAE-0DE9-4244-A984-F59A45E247D8}" type="parTrans" cxnId="{110AA1E5-15A0-44EC-955B-A5529A1BE11F}">
+      <dgm:prSet/>
+      <dgm:spPr/>
+      <dgm:t>
+        <a:bodyPr/>
+        <a:lstStyle/>
+        <a:p>
+          <a:endParaRPr lang="de-DE"/>
+        </a:p>
+      </dgm:t>
+    </dgm:pt>
+    <dgm:pt modelId="{A173D705-D733-4624-9BEB-51AE7BCB711E}" type="sibTrans" cxnId="{110AA1E5-15A0-44EC-955B-A5529A1BE11F}">
+      <dgm:prSet/>
+      <dgm:spPr/>
+      <dgm:t>
+        <a:bodyPr/>
+        <a:lstStyle/>
+        <a:p>
+          <a:endParaRPr lang="de-DE"/>
+        </a:p>
+      </dgm:t>
+    </dgm:pt>
+    <dgm:pt modelId="{7850C7F1-BFEF-4A62-838D-98F48BFDD02A}">
+      <dgm:prSet phldrT="[Text]" custT="1"/>
+      <dgm:spPr/>
+      <dgm:t>
+        <a:bodyPr/>
+        <a:lstStyle/>
+        <a:p>
+          <a:r>
+            <a:rPr lang="de-DE" sz="1600"/>
+            <a:t>Igor (Entwicklungsteam)</a:t>
+          </a:r>
+        </a:p>
+      </dgm:t>
+    </dgm:pt>
+    <dgm:pt modelId="{7D1910DA-B8EE-4C3B-AE0A-C497038BA8D4}" type="parTrans" cxnId="{61122BAB-BF81-49FD-8705-51FC90553666}">
+      <dgm:prSet/>
+      <dgm:spPr/>
+      <dgm:t>
+        <a:bodyPr/>
+        <a:lstStyle/>
+        <a:p>
+          <a:endParaRPr lang="de-DE"/>
+        </a:p>
+      </dgm:t>
+    </dgm:pt>
+    <dgm:pt modelId="{4C125880-1CBB-4C91-B375-A767504FCB42}" type="sibTrans" cxnId="{61122BAB-BF81-49FD-8705-51FC90553666}">
+      <dgm:prSet/>
+      <dgm:spPr/>
+      <dgm:t>
+        <a:bodyPr/>
+        <a:lstStyle/>
+        <a:p>
+          <a:endParaRPr lang="de-DE"/>
+        </a:p>
+      </dgm:t>
+    </dgm:pt>
+    <dgm:pt modelId="{9D670C3D-C2F0-4CB9-8949-DC325EF161EE}">
+      <dgm:prSet phldrT="[Text]" custT="1"/>
+      <dgm:spPr/>
+      <dgm:t>
+        <a:bodyPr/>
+        <a:lstStyle/>
+        <a:p>
+          <a:r>
+            <a:rPr lang="de-DE" sz="1600"/>
+            <a:t>Leonard Schuetz (Entwicklungsteam)</a:t>
+          </a:r>
+        </a:p>
+      </dgm:t>
+    </dgm:pt>
+    <dgm:pt modelId="{2186FC62-9E22-4A5A-9E47-E17DF1636B82}" type="parTrans" cxnId="{5DB95A59-FB8F-4B2F-8667-54B0676C6A2A}">
+      <dgm:prSet/>
+      <dgm:spPr/>
+      <dgm:t>
+        <a:bodyPr/>
+        <a:lstStyle/>
+        <a:p>
+          <a:endParaRPr lang="de-DE"/>
+        </a:p>
+      </dgm:t>
+    </dgm:pt>
+    <dgm:pt modelId="{22A3B962-6165-4D0A-9573-FEDEB1C39DE3}" type="sibTrans" cxnId="{5DB95A59-FB8F-4B2F-8667-54B0676C6A2A}">
+      <dgm:prSet/>
+      <dgm:spPr/>
+      <dgm:t>
+        <a:bodyPr/>
+        <a:lstStyle/>
+        <a:p>
+          <a:endParaRPr lang="de-DE"/>
+        </a:p>
+      </dgm:t>
+    </dgm:pt>
+    <dgm:pt modelId="{849894A9-D4E8-40DD-A687-C068304E9F6A}" type="pres">
+      <dgm:prSet presAssocID="{D0D25C11-AD8B-418C-9E5D-CE0B02AE08AA}" presName="hierChild1" presStyleCnt="0">
+        <dgm:presLayoutVars>
+          <dgm:orgChart val="1"/>
+          <dgm:chPref val="1"/>
+          <dgm:dir/>
+          <dgm:animOne val="branch"/>
+          <dgm:animLvl val="lvl"/>
+          <dgm:resizeHandles/>
+        </dgm:presLayoutVars>
+      </dgm:prSet>
+      <dgm:spPr/>
+      <dgm:t>
+        <a:bodyPr/>
+        <a:lstStyle/>
+        <a:p>
+          <a:endParaRPr lang="en-GB"/>
+        </a:p>
+      </dgm:t>
+    </dgm:pt>
+    <dgm:pt modelId="{A0677A2D-EF10-4573-B594-6E121764D3CB}" type="pres">
+      <dgm:prSet presAssocID="{6D20A6CF-1B52-4AF0-A5F9-F6D5B0EFB2BE}" presName="hierRoot1" presStyleCnt="0">
+        <dgm:presLayoutVars>
+          <dgm:hierBranch val="init"/>
+        </dgm:presLayoutVars>
+      </dgm:prSet>
+      <dgm:spPr/>
+    </dgm:pt>
+    <dgm:pt modelId="{4E7B3589-E2D5-4662-87BD-5B2C969BBB0B}" type="pres">
+      <dgm:prSet presAssocID="{6D20A6CF-1B52-4AF0-A5F9-F6D5B0EFB2BE}" presName="rootComposite1" presStyleCnt="0"/>
+      <dgm:spPr/>
+    </dgm:pt>
+    <dgm:pt modelId="{1A893771-28AD-437D-A3CB-A6B4D552559D}" type="pres">
+      <dgm:prSet presAssocID="{6D20A6CF-1B52-4AF0-A5F9-F6D5B0EFB2BE}" presName="rootText1" presStyleLbl="node0" presStyleIdx="0" presStyleCnt="1" custScaleX="179900" custLinFactNeighborX="-4751" custLinFactNeighborY="-16">
+        <dgm:presLayoutVars>
+          <dgm:chPref val="3"/>
+        </dgm:presLayoutVars>
+      </dgm:prSet>
+      <dgm:spPr/>
+      <dgm:t>
+        <a:bodyPr/>
+        <a:lstStyle/>
+        <a:p>
+          <a:endParaRPr lang="en-GB"/>
+        </a:p>
+      </dgm:t>
+    </dgm:pt>
+    <dgm:pt modelId="{BDC3F7BA-E77F-47A8-9E08-DE96A30B5ADF}" type="pres">
+      <dgm:prSet presAssocID="{6D20A6CF-1B52-4AF0-A5F9-F6D5B0EFB2BE}" presName="rootConnector1" presStyleLbl="node1" presStyleIdx="0" presStyleCnt="0"/>
+      <dgm:spPr/>
+      <dgm:t>
+        <a:bodyPr/>
+        <a:lstStyle/>
+        <a:p>
+          <a:endParaRPr lang="en-GB"/>
+        </a:p>
+      </dgm:t>
+    </dgm:pt>
+    <dgm:pt modelId="{D45BAF63-25F3-496D-860E-AC4B57F117FB}" type="pres">
+      <dgm:prSet presAssocID="{6D20A6CF-1B52-4AF0-A5F9-F6D5B0EFB2BE}" presName="hierChild2" presStyleCnt="0"/>
+      <dgm:spPr/>
+    </dgm:pt>
+    <dgm:pt modelId="{60AB4EA0-962C-415E-B9DD-B2C150F3D463}" type="pres">
+      <dgm:prSet presAssocID="{7D1910DA-B8EE-4C3B-AE0A-C497038BA8D4}" presName="Name37" presStyleLbl="parChTrans1D2" presStyleIdx="0" presStyleCnt="3"/>
+      <dgm:spPr/>
+      <dgm:t>
+        <a:bodyPr/>
+        <a:lstStyle/>
+        <a:p>
+          <a:endParaRPr lang="en-GB"/>
+        </a:p>
+      </dgm:t>
+    </dgm:pt>
+    <dgm:pt modelId="{B0D9E324-2AD1-441A-895D-1FD6F46B04A8}" type="pres">
+      <dgm:prSet presAssocID="{7850C7F1-BFEF-4A62-838D-98F48BFDD02A}" presName="hierRoot2" presStyleCnt="0">
+        <dgm:presLayoutVars>
+          <dgm:hierBranch val="init"/>
+        </dgm:presLayoutVars>
+      </dgm:prSet>
+      <dgm:spPr/>
+    </dgm:pt>
+    <dgm:pt modelId="{FE557FE5-051E-4B56-AA21-D2B8521566C9}" type="pres">
+      <dgm:prSet presAssocID="{7850C7F1-BFEF-4A62-838D-98F48BFDD02A}" presName="rootComposite" presStyleCnt="0"/>
+      <dgm:spPr/>
+    </dgm:pt>
+    <dgm:pt modelId="{828E383C-85BF-4294-965A-EDBFF4EEAAD6}" type="pres">
+      <dgm:prSet presAssocID="{7850C7F1-BFEF-4A62-838D-98F48BFDD02A}" presName="rootText" presStyleLbl="node2" presStyleIdx="0" presStyleCnt="2" custScaleX="121487" custScaleY="109568">
+        <dgm:presLayoutVars>
+          <dgm:chPref val="3"/>
+        </dgm:presLayoutVars>
+      </dgm:prSet>
+      <dgm:spPr/>
+      <dgm:t>
+        <a:bodyPr/>
+        <a:lstStyle/>
+        <a:p>
+          <a:endParaRPr lang="en-GB"/>
+        </a:p>
+      </dgm:t>
+    </dgm:pt>
+    <dgm:pt modelId="{B9CD8A73-4EBA-4D1A-9711-4AE46F946800}" type="pres">
+      <dgm:prSet presAssocID="{7850C7F1-BFEF-4A62-838D-98F48BFDD02A}" presName="rootConnector" presStyleLbl="node2" presStyleIdx="0" presStyleCnt="2"/>
+      <dgm:spPr/>
+      <dgm:t>
+        <a:bodyPr/>
+        <a:lstStyle/>
+        <a:p>
+          <a:endParaRPr lang="en-GB"/>
+        </a:p>
+      </dgm:t>
+    </dgm:pt>
+    <dgm:pt modelId="{49465176-C3C8-4009-9507-05A3690A4AC8}" type="pres">
+      <dgm:prSet presAssocID="{7850C7F1-BFEF-4A62-838D-98F48BFDD02A}" presName="hierChild4" presStyleCnt="0"/>
+      <dgm:spPr/>
+    </dgm:pt>
+    <dgm:pt modelId="{6CA6C129-D0DC-4C34-9699-45B9E7A2877D}" type="pres">
+      <dgm:prSet presAssocID="{7850C7F1-BFEF-4A62-838D-98F48BFDD02A}" presName="hierChild5" presStyleCnt="0"/>
+      <dgm:spPr/>
+    </dgm:pt>
+    <dgm:pt modelId="{33D2C3BA-01D6-419F-BFD9-9C7CFB05C624}" type="pres">
+      <dgm:prSet presAssocID="{2186FC62-9E22-4A5A-9E47-E17DF1636B82}" presName="Name37" presStyleLbl="parChTrans1D2" presStyleIdx="1" presStyleCnt="3"/>
+      <dgm:spPr/>
+      <dgm:t>
+        <a:bodyPr/>
+        <a:lstStyle/>
+        <a:p>
+          <a:endParaRPr lang="en-GB"/>
+        </a:p>
+      </dgm:t>
+    </dgm:pt>
+    <dgm:pt modelId="{17EC3984-ECD6-48DB-A7A2-7914E3BB38CB}" type="pres">
+      <dgm:prSet presAssocID="{9D670C3D-C2F0-4CB9-8949-DC325EF161EE}" presName="hierRoot2" presStyleCnt="0">
+        <dgm:presLayoutVars>
+          <dgm:hierBranch val="init"/>
+        </dgm:presLayoutVars>
+      </dgm:prSet>
+      <dgm:spPr/>
+    </dgm:pt>
+    <dgm:pt modelId="{3C5288AD-09A1-4335-94A3-E60789892B13}" type="pres">
+      <dgm:prSet presAssocID="{9D670C3D-C2F0-4CB9-8949-DC325EF161EE}" presName="rootComposite" presStyleCnt="0"/>
+      <dgm:spPr/>
+    </dgm:pt>
+    <dgm:pt modelId="{1E84AC57-7408-43F1-A5E8-C8FA5B452CB3}" type="pres">
+      <dgm:prSet presAssocID="{9D670C3D-C2F0-4CB9-8949-DC325EF161EE}" presName="rootText" presStyleLbl="node2" presStyleIdx="1" presStyleCnt="2" custScaleX="119662" custScaleY="112108">
+        <dgm:presLayoutVars>
+          <dgm:chPref val="3"/>
+        </dgm:presLayoutVars>
+      </dgm:prSet>
+      <dgm:spPr/>
+      <dgm:t>
+        <a:bodyPr/>
+        <a:lstStyle/>
+        <a:p>
+          <a:endParaRPr lang="en-GB"/>
+        </a:p>
+      </dgm:t>
+    </dgm:pt>
+    <dgm:pt modelId="{CE1AD3CD-C0BD-4957-834D-67CD120A4F97}" type="pres">
+      <dgm:prSet presAssocID="{9D670C3D-C2F0-4CB9-8949-DC325EF161EE}" presName="rootConnector" presStyleLbl="node2" presStyleIdx="1" presStyleCnt="2"/>
+      <dgm:spPr/>
+      <dgm:t>
+        <a:bodyPr/>
+        <a:lstStyle/>
+        <a:p>
+          <a:endParaRPr lang="en-GB"/>
+        </a:p>
+      </dgm:t>
+    </dgm:pt>
+    <dgm:pt modelId="{194D086B-130F-4764-888C-2CBC17B41FBD}" type="pres">
+      <dgm:prSet presAssocID="{9D670C3D-C2F0-4CB9-8949-DC325EF161EE}" presName="hierChild4" presStyleCnt="0"/>
+      <dgm:spPr/>
+    </dgm:pt>
+    <dgm:pt modelId="{C9FFCAA3-5F6A-4884-B0A3-5E08FA0939C7}" type="pres">
+      <dgm:prSet presAssocID="{9D670C3D-C2F0-4CB9-8949-DC325EF161EE}" presName="hierChild5" presStyleCnt="0"/>
+      <dgm:spPr/>
+    </dgm:pt>
+    <dgm:pt modelId="{DB33CA9E-130C-4DBB-8312-EC54678F10B9}" type="pres">
+      <dgm:prSet presAssocID="{6D20A6CF-1B52-4AF0-A5F9-F6D5B0EFB2BE}" presName="hierChild3" presStyleCnt="0"/>
+      <dgm:spPr/>
+    </dgm:pt>
+    <dgm:pt modelId="{A52E3086-2EFD-4BCE-8CB6-150E937FAA29}" type="pres">
+      <dgm:prSet presAssocID="{54758FAE-0DE9-4244-A984-F59A45E247D8}" presName="Name111" presStyleLbl="parChTrans1D2" presStyleIdx="2" presStyleCnt="3"/>
+      <dgm:spPr/>
+      <dgm:t>
+        <a:bodyPr/>
+        <a:lstStyle/>
+        <a:p>
+          <a:endParaRPr lang="en-GB"/>
+        </a:p>
+      </dgm:t>
+    </dgm:pt>
+    <dgm:pt modelId="{EEE3708A-420E-4AD6-A9A3-D28AD853F5DF}" type="pres">
+      <dgm:prSet presAssocID="{CD7CCB7D-47E7-4595-BCD3-4CD3BA5F4011}" presName="hierRoot3" presStyleCnt="0">
+        <dgm:presLayoutVars>
+          <dgm:hierBranch val="init"/>
+        </dgm:presLayoutVars>
+      </dgm:prSet>
+      <dgm:spPr/>
+    </dgm:pt>
+    <dgm:pt modelId="{E7212DEE-380D-4E1A-8B95-DE4D0456D2C3}" type="pres">
+      <dgm:prSet presAssocID="{CD7CCB7D-47E7-4595-BCD3-4CD3BA5F4011}" presName="rootComposite3" presStyleCnt="0"/>
+      <dgm:spPr/>
+    </dgm:pt>
+    <dgm:pt modelId="{555FBFFB-C9DF-4169-AB9D-A14D723B9988}" type="pres">
+      <dgm:prSet presAssocID="{CD7CCB7D-47E7-4595-BCD3-4CD3BA5F4011}" presName="rootText3" presStyleLbl="asst1" presStyleIdx="0" presStyleCnt="1" custScaleX="127138" custScaleY="102914">
+        <dgm:presLayoutVars>
+          <dgm:chPref val="3"/>
+        </dgm:presLayoutVars>
+      </dgm:prSet>
+      <dgm:spPr/>
+      <dgm:t>
+        <a:bodyPr/>
+        <a:lstStyle/>
+        <a:p>
+          <a:endParaRPr lang="en-GB"/>
+        </a:p>
+      </dgm:t>
+    </dgm:pt>
+    <dgm:pt modelId="{A8CFE193-EB90-49BA-970C-9C9221CC2D64}" type="pres">
+      <dgm:prSet presAssocID="{CD7CCB7D-47E7-4595-BCD3-4CD3BA5F4011}" presName="rootConnector3" presStyleLbl="asst1" presStyleIdx="0" presStyleCnt="1"/>
+      <dgm:spPr/>
+      <dgm:t>
+        <a:bodyPr/>
+        <a:lstStyle/>
+        <a:p>
+          <a:endParaRPr lang="en-GB"/>
+        </a:p>
+      </dgm:t>
+    </dgm:pt>
+    <dgm:pt modelId="{571C0BE3-40AB-469C-81D1-EE5F43FFE8C9}" type="pres">
+      <dgm:prSet presAssocID="{CD7CCB7D-47E7-4595-BCD3-4CD3BA5F4011}" presName="hierChild6" presStyleCnt="0"/>
+      <dgm:spPr/>
+    </dgm:pt>
+    <dgm:pt modelId="{BAF5D4F0-1D90-4699-A9D7-343CDF608E6C}" type="pres">
+      <dgm:prSet presAssocID="{CD7CCB7D-47E7-4595-BCD3-4CD3BA5F4011}" presName="hierChild7" presStyleCnt="0"/>
+      <dgm:spPr/>
+    </dgm:pt>
+  </dgm:ptLst>
+  <dgm:cxnLst>
+    <dgm:cxn modelId="{7FEC6F6E-1169-AF4E-84AF-644EC95BAE3C}" type="presOf" srcId="{6D20A6CF-1B52-4AF0-A5F9-F6D5B0EFB2BE}" destId="{BDC3F7BA-E77F-47A8-9E08-DE96A30B5ADF}" srcOrd="1" destOrd="0" presId="urn:microsoft.com/office/officeart/2005/8/layout/orgChart1"/>
+    <dgm:cxn modelId="{DFB32536-4406-E04B-9FA5-A9C3B2A57DB4}" type="presOf" srcId="{9D670C3D-C2F0-4CB9-8949-DC325EF161EE}" destId="{1E84AC57-7408-43F1-A5E8-C8FA5B452CB3}" srcOrd="0" destOrd="0" presId="urn:microsoft.com/office/officeart/2005/8/layout/orgChart1"/>
+    <dgm:cxn modelId="{3A95F5C6-7DC0-6D4F-9603-62DFD826DF58}" type="presOf" srcId="{6D20A6CF-1B52-4AF0-A5F9-F6D5B0EFB2BE}" destId="{1A893771-28AD-437D-A3CB-A6B4D552559D}" srcOrd="0" destOrd="0" presId="urn:microsoft.com/office/officeart/2005/8/layout/orgChart1"/>
+    <dgm:cxn modelId="{A09E8483-CE6B-0640-8C87-BA7F1E2514C9}" type="presOf" srcId="{CD7CCB7D-47E7-4595-BCD3-4CD3BA5F4011}" destId="{555FBFFB-C9DF-4169-AB9D-A14D723B9988}" srcOrd="0" destOrd="0" presId="urn:microsoft.com/office/officeart/2005/8/layout/orgChart1"/>
+    <dgm:cxn modelId="{B07DEDA7-0FAC-D14B-A15C-5452754CD7CE}" type="presOf" srcId="{9D670C3D-C2F0-4CB9-8949-DC325EF161EE}" destId="{CE1AD3CD-C0BD-4957-834D-67CD120A4F97}" srcOrd="1" destOrd="0" presId="urn:microsoft.com/office/officeart/2005/8/layout/orgChart1"/>
+    <dgm:cxn modelId="{96A78313-2E2B-7B47-B5D7-AC49F34F10A7}" type="presOf" srcId="{D0D25C11-AD8B-418C-9E5D-CE0B02AE08AA}" destId="{849894A9-D4E8-40DD-A687-C068304E9F6A}" srcOrd="0" destOrd="0" presId="urn:microsoft.com/office/officeart/2005/8/layout/orgChart1"/>
+    <dgm:cxn modelId="{110AA1E5-15A0-44EC-955B-A5529A1BE11F}" srcId="{6D20A6CF-1B52-4AF0-A5F9-F6D5B0EFB2BE}" destId="{CD7CCB7D-47E7-4595-BCD3-4CD3BA5F4011}" srcOrd="0" destOrd="0" parTransId="{54758FAE-0DE9-4244-A984-F59A45E247D8}" sibTransId="{A173D705-D733-4624-9BEB-51AE7BCB711E}"/>
+    <dgm:cxn modelId="{C9CBC9A4-B63E-E346-896D-D060046B3FFF}" type="presOf" srcId="{2186FC62-9E22-4A5A-9E47-E17DF1636B82}" destId="{33D2C3BA-01D6-419F-BFD9-9C7CFB05C624}" srcOrd="0" destOrd="0" presId="urn:microsoft.com/office/officeart/2005/8/layout/orgChart1"/>
+    <dgm:cxn modelId="{F5329D84-8700-A642-9EE0-6C0CE1CD619B}" type="presOf" srcId="{54758FAE-0DE9-4244-A984-F59A45E247D8}" destId="{A52E3086-2EFD-4BCE-8CB6-150E937FAA29}" srcOrd="0" destOrd="0" presId="urn:microsoft.com/office/officeart/2005/8/layout/orgChart1"/>
+    <dgm:cxn modelId="{C3AB13F4-D419-496D-85DE-385BF926A955}" srcId="{D0D25C11-AD8B-418C-9E5D-CE0B02AE08AA}" destId="{6D20A6CF-1B52-4AF0-A5F9-F6D5B0EFB2BE}" srcOrd="0" destOrd="0" parTransId="{1B47223F-FAB7-4FD3-88DE-E8CAD34A6FC6}" sibTransId="{9C478415-3C39-4D0A-8F2B-4D8724AE8CCA}"/>
+    <dgm:cxn modelId="{61122BAB-BF81-49FD-8705-51FC90553666}" srcId="{6D20A6CF-1B52-4AF0-A5F9-F6D5B0EFB2BE}" destId="{7850C7F1-BFEF-4A62-838D-98F48BFDD02A}" srcOrd="1" destOrd="0" parTransId="{7D1910DA-B8EE-4C3B-AE0A-C497038BA8D4}" sibTransId="{4C125880-1CBB-4C91-B375-A767504FCB42}"/>
+    <dgm:cxn modelId="{AA3FEF6D-714D-C741-BD04-964993441BE5}" type="presOf" srcId="{7D1910DA-B8EE-4C3B-AE0A-C497038BA8D4}" destId="{60AB4EA0-962C-415E-B9DD-B2C150F3D463}" srcOrd="0" destOrd="0" presId="urn:microsoft.com/office/officeart/2005/8/layout/orgChart1"/>
+    <dgm:cxn modelId="{5DB95A59-FB8F-4B2F-8667-54B0676C6A2A}" srcId="{6D20A6CF-1B52-4AF0-A5F9-F6D5B0EFB2BE}" destId="{9D670C3D-C2F0-4CB9-8949-DC325EF161EE}" srcOrd="2" destOrd="0" parTransId="{2186FC62-9E22-4A5A-9E47-E17DF1636B82}" sibTransId="{22A3B962-6165-4D0A-9573-FEDEB1C39DE3}"/>
+    <dgm:cxn modelId="{6C200A14-791B-A548-8EAC-40A4838C9698}" type="presOf" srcId="{7850C7F1-BFEF-4A62-838D-98F48BFDD02A}" destId="{828E383C-85BF-4294-965A-EDBFF4EEAAD6}" srcOrd="0" destOrd="0" presId="urn:microsoft.com/office/officeart/2005/8/layout/orgChart1"/>
+    <dgm:cxn modelId="{99FCA44E-C4B0-A243-BBE7-C29E628257B8}" type="presOf" srcId="{CD7CCB7D-47E7-4595-BCD3-4CD3BA5F4011}" destId="{A8CFE193-EB90-49BA-970C-9C9221CC2D64}" srcOrd="1" destOrd="0" presId="urn:microsoft.com/office/officeart/2005/8/layout/orgChart1"/>
+    <dgm:cxn modelId="{9B5CAD70-0E4D-5341-A588-4C8FC9DA1DB5}" type="presOf" srcId="{7850C7F1-BFEF-4A62-838D-98F48BFDD02A}" destId="{B9CD8A73-4EBA-4D1A-9711-4AE46F946800}" srcOrd="1" destOrd="0" presId="urn:microsoft.com/office/officeart/2005/8/layout/orgChart1"/>
+    <dgm:cxn modelId="{2C05335B-94ED-6243-B9F8-E3A81FC059C9}" type="presParOf" srcId="{849894A9-D4E8-40DD-A687-C068304E9F6A}" destId="{A0677A2D-EF10-4573-B594-6E121764D3CB}" srcOrd="0" destOrd="0" presId="urn:microsoft.com/office/officeart/2005/8/layout/orgChart1"/>
+    <dgm:cxn modelId="{5BB1304C-79E7-C04E-B080-35DC95A6E79B}" type="presParOf" srcId="{A0677A2D-EF10-4573-B594-6E121764D3CB}" destId="{4E7B3589-E2D5-4662-87BD-5B2C969BBB0B}" srcOrd="0" destOrd="0" presId="urn:microsoft.com/office/officeart/2005/8/layout/orgChart1"/>
+    <dgm:cxn modelId="{A8F03851-E824-9541-B287-FEB17EBE8E31}" type="presParOf" srcId="{4E7B3589-E2D5-4662-87BD-5B2C969BBB0B}" destId="{1A893771-28AD-437D-A3CB-A6B4D552559D}" srcOrd="0" destOrd="0" presId="urn:microsoft.com/office/officeart/2005/8/layout/orgChart1"/>
+    <dgm:cxn modelId="{C73FCF77-9A8F-3A48-8F11-A5C65FC102FB}" type="presParOf" srcId="{4E7B3589-E2D5-4662-87BD-5B2C969BBB0B}" destId="{BDC3F7BA-E77F-47A8-9E08-DE96A30B5ADF}" srcOrd="1" destOrd="0" presId="urn:microsoft.com/office/officeart/2005/8/layout/orgChart1"/>
+    <dgm:cxn modelId="{B3C919EF-85A2-8845-B47D-D80B9746E78E}" type="presParOf" srcId="{A0677A2D-EF10-4573-B594-6E121764D3CB}" destId="{D45BAF63-25F3-496D-860E-AC4B57F117FB}" srcOrd="1" destOrd="0" presId="urn:microsoft.com/office/officeart/2005/8/layout/orgChart1"/>
+    <dgm:cxn modelId="{6E4855F2-F761-EF41-9A1C-880A18300324}" type="presParOf" srcId="{D45BAF63-25F3-496D-860E-AC4B57F117FB}" destId="{60AB4EA0-962C-415E-B9DD-B2C150F3D463}" srcOrd="0" destOrd="0" presId="urn:microsoft.com/office/officeart/2005/8/layout/orgChart1"/>
+    <dgm:cxn modelId="{5BF7F041-0D89-BB49-A9F3-A27CB86702C5}" type="presParOf" srcId="{D45BAF63-25F3-496D-860E-AC4B57F117FB}" destId="{B0D9E324-2AD1-441A-895D-1FD6F46B04A8}" srcOrd="1" destOrd="0" presId="urn:microsoft.com/office/officeart/2005/8/layout/orgChart1"/>
+    <dgm:cxn modelId="{9A24DFA4-3202-F548-9D05-636B3290BDAC}" type="presParOf" srcId="{B0D9E324-2AD1-441A-895D-1FD6F46B04A8}" destId="{FE557FE5-051E-4B56-AA21-D2B8521566C9}" srcOrd="0" destOrd="0" presId="urn:microsoft.com/office/officeart/2005/8/layout/orgChart1"/>
+    <dgm:cxn modelId="{273AF1F1-ADAB-AC4F-9100-ACC1EBE60D48}" type="presParOf" srcId="{FE557FE5-051E-4B56-AA21-D2B8521566C9}" destId="{828E383C-85BF-4294-965A-EDBFF4EEAAD6}" srcOrd="0" destOrd="0" presId="urn:microsoft.com/office/officeart/2005/8/layout/orgChart1"/>
+    <dgm:cxn modelId="{6CC3825A-DC2E-ED49-ACFC-29631A69F64A}" type="presParOf" srcId="{FE557FE5-051E-4B56-AA21-D2B8521566C9}" destId="{B9CD8A73-4EBA-4D1A-9711-4AE46F946800}" srcOrd="1" destOrd="0" presId="urn:microsoft.com/office/officeart/2005/8/layout/orgChart1"/>
+    <dgm:cxn modelId="{54D22B33-F308-054B-A444-FC03363B6EE9}" type="presParOf" srcId="{B0D9E324-2AD1-441A-895D-1FD6F46B04A8}" destId="{49465176-C3C8-4009-9507-05A3690A4AC8}" srcOrd="1" destOrd="0" presId="urn:microsoft.com/office/officeart/2005/8/layout/orgChart1"/>
+    <dgm:cxn modelId="{2BB4A970-2E51-9446-9978-207DD8E925DD}" type="presParOf" srcId="{B0D9E324-2AD1-441A-895D-1FD6F46B04A8}" destId="{6CA6C129-D0DC-4C34-9699-45B9E7A2877D}" srcOrd="2" destOrd="0" presId="urn:microsoft.com/office/officeart/2005/8/layout/orgChart1"/>
+    <dgm:cxn modelId="{FEFABBFF-EDE5-2C47-A3E7-60FB4FDCCC73}" type="presParOf" srcId="{D45BAF63-25F3-496D-860E-AC4B57F117FB}" destId="{33D2C3BA-01D6-419F-BFD9-9C7CFB05C624}" srcOrd="2" destOrd="0" presId="urn:microsoft.com/office/officeart/2005/8/layout/orgChart1"/>
+    <dgm:cxn modelId="{38D04782-AD91-EB48-B604-B5BBDB3F19DB}" type="presParOf" srcId="{D45BAF63-25F3-496D-860E-AC4B57F117FB}" destId="{17EC3984-ECD6-48DB-A7A2-7914E3BB38CB}" srcOrd="3" destOrd="0" presId="urn:microsoft.com/office/officeart/2005/8/layout/orgChart1"/>
+    <dgm:cxn modelId="{5723B13A-7CB1-8344-9D9B-FDAE12BF3834}" type="presParOf" srcId="{17EC3984-ECD6-48DB-A7A2-7914E3BB38CB}" destId="{3C5288AD-09A1-4335-94A3-E60789892B13}" srcOrd="0" destOrd="0" presId="urn:microsoft.com/office/officeart/2005/8/layout/orgChart1"/>
+    <dgm:cxn modelId="{DEFAC17E-1614-974F-9A6F-84F85CA904FF}" type="presParOf" srcId="{3C5288AD-09A1-4335-94A3-E60789892B13}" destId="{1E84AC57-7408-43F1-A5E8-C8FA5B452CB3}" srcOrd="0" destOrd="0" presId="urn:microsoft.com/office/officeart/2005/8/layout/orgChart1"/>
+    <dgm:cxn modelId="{D54F2614-DCEC-A645-85B0-EB5AB08AFD34}" type="presParOf" srcId="{3C5288AD-09A1-4335-94A3-E60789892B13}" destId="{CE1AD3CD-C0BD-4957-834D-67CD120A4F97}" srcOrd="1" destOrd="0" presId="urn:microsoft.com/office/officeart/2005/8/layout/orgChart1"/>
+    <dgm:cxn modelId="{8E8A6311-02A4-3843-AEB9-D3CB4C0E9A12}" type="presParOf" srcId="{17EC3984-ECD6-48DB-A7A2-7914E3BB38CB}" destId="{194D086B-130F-4764-888C-2CBC17B41FBD}" srcOrd="1" destOrd="0" presId="urn:microsoft.com/office/officeart/2005/8/layout/orgChart1"/>
+    <dgm:cxn modelId="{8F279F99-EA4C-7740-A586-C86EE679CDD9}" type="presParOf" srcId="{17EC3984-ECD6-48DB-A7A2-7914E3BB38CB}" destId="{C9FFCAA3-5F6A-4884-B0A3-5E08FA0939C7}" srcOrd="2" destOrd="0" presId="urn:microsoft.com/office/officeart/2005/8/layout/orgChart1"/>
+    <dgm:cxn modelId="{B6DBF89B-7E53-694B-9383-9038E629FC33}" type="presParOf" srcId="{A0677A2D-EF10-4573-B594-6E121764D3CB}" destId="{DB33CA9E-130C-4DBB-8312-EC54678F10B9}" srcOrd="2" destOrd="0" presId="urn:microsoft.com/office/officeart/2005/8/layout/orgChart1"/>
+    <dgm:cxn modelId="{881FA2AF-D20F-3446-BDC5-FCAAD85C4714}" type="presParOf" srcId="{DB33CA9E-130C-4DBB-8312-EC54678F10B9}" destId="{A52E3086-2EFD-4BCE-8CB6-150E937FAA29}" srcOrd="0" destOrd="0" presId="urn:microsoft.com/office/officeart/2005/8/layout/orgChart1"/>
+    <dgm:cxn modelId="{2799FF5E-25D7-AC43-A2A5-65423C23A202}" type="presParOf" srcId="{DB33CA9E-130C-4DBB-8312-EC54678F10B9}" destId="{EEE3708A-420E-4AD6-A9A3-D28AD853F5DF}" srcOrd="1" destOrd="0" presId="urn:microsoft.com/office/officeart/2005/8/layout/orgChart1"/>
+    <dgm:cxn modelId="{047B91A2-5945-9B42-807B-D50FFC871611}" type="presParOf" srcId="{EEE3708A-420E-4AD6-A9A3-D28AD853F5DF}" destId="{E7212DEE-380D-4E1A-8B95-DE4D0456D2C3}" srcOrd="0" destOrd="0" presId="urn:microsoft.com/office/officeart/2005/8/layout/orgChart1"/>
+    <dgm:cxn modelId="{537796A1-E518-C646-A937-7614C1DA8376}" type="presParOf" srcId="{E7212DEE-380D-4E1A-8B95-DE4D0456D2C3}" destId="{555FBFFB-C9DF-4169-AB9D-A14D723B9988}" srcOrd="0" destOrd="0" presId="urn:microsoft.com/office/officeart/2005/8/layout/orgChart1"/>
+    <dgm:cxn modelId="{371A6260-4E79-314E-8C1C-4BD0FA59F3BD}" type="presParOf" srcId="{E7212DEE-380D-4E1A-8B95-DE4D0456D2C3}" destId="{A8CFE193-EB90-49BA-970C-9C9221CC2D64}" srcOrd="1" destOrd="0" presId="urn:microsoft.com/office/officeart/2005/8/layout/orgChart1"/>
+    <dgm:cxn modelId="{D252F755-B4EC-AA4F-9615-8FE5993DA496}" type="presParOf" srcId="{EEE3708A-420E-4AD6-A9A3-D28AD853F5DF}" destId="{571C0BE3-40AB-469C-81D1-EE5F43FFE8C9}" srcOrd="1" destOrd="0" presId="urn:microsoft.com/office/officeart/2005/8/layout/orgChart1"/>
+    <dgm:cxn modelId="{6A79BB4A-97BA-2642-B81F-820A70C19A56}" type="presParOf" srcId="{EEE3708A-420E-4AD6-A9A3-D28AD853F5DF}" destId="{BAF5D4F0-1D90-4699-A9D7-343CDF608E6C}" srcOrd="2" destOrd="0" presId="urn:microsoft.com/office/officeart/2005/8/layout/orgChart1"/>
+  </dgm:cxnLst>
+  <dgm:bg/>
+  <dgm:whole/>
+  <dgm:extLst>
+    <a:ext uri="http://schemas.microsoft.com/office/drawing/2008/diagram">
+      <dsp:dataModelExt xmlns:dsp="http://schemas.microsoft.com/office/drawing/2008/diagram" relId="rId6" minVer="http://schemas.openxmlformats.org/drawingml/2006/diagram"/>
+    </a:ext>
+  </dgm:extLst>
+</dgm:dataModel>
+</file>
+
+<file path=ppt/diagrams/drawing1.xml><?xml version="1.0" encoding="utf-8"?>
+<dsp:drawing xmlns:dgm="http://schemas.openxmlformats.org/drawingml/2006/diagram" xmlns:dsp="http://schemas.microsoft.com/office/drawing/2008/diagram" xmlns:a="http://schemas.openxmlformats.org/drawingml/2006/main">
+  <dsp:spTree>
+    <dsp:nvGrpSpPr>
+      <dsp:cNvPr id="0" name=""/>
+      <dsp:cNvGrpSpPr/>
+    </dsp:nvGrpSpPr>
+    <dsp:grpSpPr/>
+    <dsp:sp modelId="{A52E3086-2EFD-4BCE-8CB6-150E937FAA29}">
+      <dsp:nvSpPr>
+        <dsp:cNvPr id="0" name=""/>
+        <dsp:cNvSpPr/>
+      </dsp:nvSpPr>
+      <dsp:spPr>
+        <a:xfrm>
+          <a:off x="2627419" y="801997"/>
+          <a:ext cx="92213" cy="749649"/>
+        </a:xfrm>
+        <a:custGeom>
+          <a:avLst/>
+          <a:gdLst/>
+          <a:ahLst/>
+          <a:cxnLst/>
+          <a:rect l="0" t="0" r="0" b="0"/>
+          <a:pathLst>
+            <a:path>
+              <a:moveTo>
+                <a:pt x="92213" y="0"/>
+              </a:moveTo>
+              <a:lnTo>
+                <a:pt x="92213" y="749649"/>
+              </a:lnTo>
+              <a:lnTo>
+                <a:pt x="0" y="749649"/>
+              </a:lnTo>
+            </a:path>
+          </a:pathLst>
+        </a:custGeom>
+        <a:noFill/>
+        <a:ln w="12700" cap="flat" cmpd="sng" algn="ctr">
+          <a:solidFill>
+            <a:schemeClr val="accent2">
+              <a:hueOff val="0"/>
+              <a:satOff val="0"/>
+              <a:lumOff val="0"/>
+              <a:alphaOff val="0"/>
+            </a:schemeClr>
+          </a:solidFill>
+          <a:prstDash val="solid"/>
+          <a:miter lim="800000"/>
+        </a:ln>
+        <a:effectLst/>
+      </dsp:spPr>
+      <dsp:style>
+        <a:lnRef idx="2">
+          <a:scrgbClr r="0" g="0" b="0"/>
+        </a:lnRef>
+        <a:fillRef idx="0">
+          <a:scrgbClr r="0" g="0" b="0"/>
+        </a:fillRef>
+        <a:effectRef idx="0">
+          <a:scrgbClr r="0" g="0" b="0"/>
+        </a:effectRef>
+        <a:fontRef idx="minor"/>
+      </dsp:style>
+    </dsp:sp>
+    <dsp:sp modelId="{33D2C3BA-01D6-419F-BFD9-9C7CFB05C624}">
+      <dsp:nvSpPr>
+        <dsp:cNvPr id="0" name=""/>
+        <dsp:cNvSpPr/>
+      </dsp:nvSpPr>
+      <dsp:spPr>
+        <a:xfrm>
+          <a:off x="2719633" y="801997"/>
+          <a:ext cx="1218948" cy="1499172"/>
+        </a:xfrm>
+        <a:custGeom>
+          <a:avLst/>
+          <a:gdLst/>
+          <a:ahLst/>
+          <a:cxnLst/>
+          <a:rect l="0" t="0" r="0" b="0"/>
+          <a:pathLst>
+            <a:path>
+              <a:moveTo>
+                <a:pt x="0" y="0"/>
+              </a:moveTo>
+              <a:lnTo>
+                <a:pt x="0" y="1330752"/>
+              </a:lnTo>
+              <a:lnTo>
+                <a:pt x="1218948" y="1330752"/>
+              </a:lnTo>
+              <a:lnTo>
+                <a:pt x="1218948" y="1499172"/>
+              </a:lnTo>
+            </a:path>
+          </a:pathLst>
+        </a:custGeom>
+        <a:noFill/>
+        <a:ln w="12700" cap="flat" cmpd="sng" algn="ctr">
+          <a:solidFill>
+            <a:schemeClr val="accent2">
+              <a:hueOff val="0"/>
+              <a:satOff val="0"/>
+              <a:lumOff val="0"/>
+              <a:alphaOff val="0"/>
+            </a:schemeClr>
+          </a:solidFill>
+          <a:prstDash val="solid"/>
+          <a:miter lim="800000"/>
+        </a:ln>
+        <a:effectLst/>
+      </dsp:spPr>
+      <dsp:style>
+        <a:lnRef idx="2">
+          <a:scrgbClr r="0" g="0" b="0"/>
+        </a:lnRef>
+        <a:fillRef idx="0">
+          <a:scrgbClr r="0" g="0" b="0"/>
+        </a:fillRef>
+        <a:effectRef idx="0">
+          <a:scrgbClr r="0" g="0" b="0"/>
+        </a:effectRef>
+        <a:fontRef idx="minor"/>
+      </dsp:style>
+    </dsp:sp>
+    <dsp:sp modelId="{60AB4EA0-962C-415E-B9DD-B2C150F3D463}">
+      <dsp:nvSpPr>
+        <dsp:cNvPr id="0" name=""/>
+        <dsp:cNvSpPr/>
+      </dsp:nvSpPr>
+      <dsp:spPr>
+        <a:xfrm>
+          <a:off x="1667733" y="801997"/>
+          <a:ext cx="1051899" cy="1499172"/>
+        </a:xfrm>
+        <a:custGeom>
+          <a:avLst/>
+          <a:gdLst/>
+          <a:ahLst/>
+          <a:cxnLst/>
+          <a:rect l="0" t="0" r="0" b="0"/>
+          <a:pathLst>
+            <a:path>
+              <a:moveTo>
+                <a:pt x="1051899" y="0"/>
+              </a:moveTo>
+              <a:lnTo>
+                <a:pt x="1051899" y="1330752"/>
+              </a:lnTo>
+              <a:lnTo>
+                <a:pt x="0" y="1330752"/>
+              </a:lnTo>
+              <a:lnTo>
+                <a:pt x="0" y="1499172"/>
+              </a:lnTo>
+            </a:path>
+          </a:pathLst>
+        </a:custGeom>
+        <a:noFill/>
+        <a:ln w="12700" cap="flat" cmpd="sng" algn="ctr">
+          <a:solidFill>
+            <a:schemeClr val="accent2">
+              <a:hueOff val="0"/>
+              <a:satOff val="0"/>
+              <a:lumOff val="0"/>
+              <a:alphaOff val="0"/>
+            </a:schemeClr>
+          </a:solidFill>
+          <a:prstDash val="solid"/>
+          <a:miter lim="800000"/>
+        </a:ln>
+        <a:effectLst/>
+      </dsp:spPr>
+      <dsp:style>
+        <a:lnRef idx="2">
+          <a:scrgbClr r="0" g="0" b="0"/>
+        </a:lnRef>
+        <a:fillRef idx="0">
+          <a:scrgbClr r="0" g="0" b="0"/>
+        </a:fillRef>
+        <a:effectRef idx="0">
+          <a:scrgbClr r="0" g="0" b="0"/>
+        </a:effectRef>
+        <a:fontRef idx="minor"/>
+      </dsp:style>
+    </dsp:sp>
+    <dsp:sp modelId="{1A893771-28AD-437D-A3CB-A6B4D552559D}">
+      <dsp:nvSpPr>
+        <dsp:cNvPr id="0" name=""/>
+        <dsp:cNvSpPr/>
+      </dsp:nvSpPr>
+      <dsp:spPr>
+        <a:xfrm>
+          <a:off x="1276839" y="0"/>
+          <a:ext cx="2885587" cy="801997"/>
+        </a:xfrm>
+        <a:prstGeom prst="rect">
+          <a:avLst/>
+        </a:prstGeom>
+        <a:solidFill>
+          <a:schemeClr val="accent1">
+            <a:hueOff val="0"/>
+            <a:satOff val="0"/>
+            <a:lumOff val="0"/>
+            <a:alphaOff val="0"/>
+          </a:schemeClr>
+        </a:solidFill>
+        <a:ln w="12700" cap="flat" cmpd="sng" algn="ctr">
+          <a:solidFill>
+            <a:schemeClr val="lt1">
+              <a:hueOff val="0"/>
+              <a:satOff val="0"/>
+              <a:lumOff val="0"/>
+              <a:alphaOff val="0"/>
+            </a:schemeClr>
+          </a:solidFill>
+          <a:prstDash val="solid"/>
+          <a:miter lim="800000"/>
+        </a:ln>
+        <a:effectLst/>
+      </dsp:spPr>
+      <dsp:style>
+        <a:lnRef idx="2">
+          <a:scrgbClr r="0" g="0" b="0"/>
+        </a:lnRef>
+        <a:fillRef idx="1">
+          <a:scrgbClr r="0" g="0" b="0"/>
+        </a:fillRef>
+        <a:effectRef idx="0">
+          <a:scrgbClr r="0" g="0" b="0"/>
+        </a:effectRef>
+        <a:fontRef idx="minor">
+          <a:schemeClr val="lt1"/>
+        </a:fontRef>
+      </dsp:style>
+      <dsp:txBody>
+        <a:bodyPr spcFirstLastPara="0" vert="horz" wrap="square" lIns="10160" tIns="10160" rIns="10160" bIns="10160" numCol="1" spcCol="1270" anchor="ctr" anchorCtr="0">
+          <a:noAutofit/>
+        </a:bodyPr>
+        <a:lstStyle/>
+        <a:p>
+          <a:pPr lvl="0" algn="ctr" defTabSz="711200">
+            <a:lnSpc>
+              <a:spcPct val="90000"/>
+            </a:lnSpc>
+            <a:spcBef>
+              <a:spcPct val="0"/>
+            </a:spcBef>
+            <a:spcAft>
+              <a:spcPct val="35000"/>
+            </a:spcAft>
+          </a:pPr>
+          <a:r>
+            <a:rPr lang="de-DE" sz="1600" kern="1200"/>
+            <a:t>Fabian Baechli (Product Owner</a:t>
+          </a:r>
+          <a:r>
+            <a:rPr lang="de-DE" sz="1800" kern="1200"/>
+            <a:t>)</a:t>
+          </a:r>
+        </a:p>
+      </dsp:txBody>
+      <dsp:txXfrm>
+        <a:off x="1276839" y="0"/>
+        <a:ext cx="2885587" cy="801997"/>
+      </dsp:txXfrm>
+    </dsp:sp>
+    <dsp:sp modelId="{828E383C-85BF-4294-965A-EDBFF4EEAAD6}">
+      <dsp:nvSpPr>
+        <dsp:cNvPr id="0" name=""/>
+        <dsp:cNvSpPr/>
+      </dsp:nvSpPr>
+      <dsp:spPr>
+        <a:xfrm>
+          <a:off x="693410" y="2301169"/>
+          <a:ext cx="1948645" cy="878732"/>
+        </a:xfrm>
+        <a:prstGeom prst="rect">
+          <a:avLst/>
+        </a:prstGeom>
+        <a:solidFill>
+          <a:schemeClr val="accent2">
+            <a:hueOff val="0"/>
+            <a:satOff val="0"/>
+            <a:lumOff val="0"/>
+            <a:alphaOff val="0"/>
+          </a:schemeClr>
+        </a:solidFill>
+        <a:ln w="12700" cap="flat" cmpd="sng" algn="ctr">
+          <a:solidFill>
+            <a:schemeClr val="lt1">
+              <a:hueOff val="0"/>
+              <a:satOff val="0"/>
+              <a:lumOff val="0"/>
+              <a:alphaOff val="0"/>
+            </a:schemeClr>
+          </a:solidFill>
+          <a:prstDash val="solid"/>
+          <a:miter lim="800000"/>
+        </a:ln>
+        <a:effectLst/>
+      </dsp:spPr>
+      <dsp:style>
+        <a:lnRef idx="2">
+          <a:scrgbClr r="0" g="0" b="0"/>
+        </a:lnRef>
+        <a:fillRef idx="1">
+          <a:scrgbClr r="0" g="0" b="0"/>
+        </a:fillRef>
+        <a:effectRef idx="0">
+          <a:scrgbClr r="0" g="0" b="0"/>
+        </a:effectRef>
+        <a:fontRef idx="minor">
+          <a:schemeClr val="lt1"/>
+        </a:fontRef>
+      </dsp:style>
+      <dsp:txBody>
+        <a:bodyPr spcFirstLastPara="0" vert="horz" wrap="square" lIns="10160" tIns="10160" rIns="10160" bIns="10160" numCol="1" spcCol="1270" anchor="ctr" anchorCtr="0">
+          <a:noAutofit/>
+        </a:bodyPr>
+        <a:lstStyle/>
+        <a:p>
+          <a:pPr lvl="0" algn="ctr" defTabSz="711200">
+            <a:lnSpc>
+              <a:spcPct val="90000"/>
+            </a:lnSpc>
+            <a:spcBef>
+              <a:spcPct val="0"/>
+            </a:spcBef>
+            <a:spcAft>
+              <a:spcPct val="35000"/>
+            </a:spcAft>
+          </a:pPr>
+          <a:r>
+            <a:rPr lang="de-DE" sz="1600" kern="1200"/>
+            <a:t>Igor (Entwicklungsteam)</a:t>
+          </a:r>
+        </a:p>
+      </dsp:txBody>
+      <dsp:txXfrm>
+        <a:off x="693410" y="2301169"/>
+        <a:ext cx="1948645" cy="878732"/>
+      </dsp:txXfrm>
+    </dsp:sp>
+    <dsp:sp modelId="{1E84AC57-7408-43F1-A5E8-C8FA5B452CB3}">
+      <dsp:nvSpPr>
+        <dsp:cNvPr id="0" name=""/>
+        <dsp:cNvSpPr/>
+      </dsp:nvSpPr>
+      <dsp:spPr>
+        <a:xfrm>
+          <a:off x="2978895" y="2301169"/>
+          <a:ext cx="1919372" cy="899103"/>
+        </a:xfrm>
+        <a:prstGeom prst="rect">
+          <a:avLst/>
+        </a:prstGeom>
+        <a:solidFill>
+          <a:schemeClr val="accent2">
+            <a:hueOff val="0"/>
+            <a:satOff val="0"/>
+            <a:lumOff val="0"/>
+            <a:alphaOff val="0"/>
+          </a:schemeClr>
+        </a:solidFill>
+        <a:ln w="12700" cap="flat" cmpd="sng" algn="ctr">
+          <a:solidFill>
+            <a:schemeClr val="lt1">
+              <a:hueOff val="0"/>
+              <a:satOff val="0"/>
+              <a:lumOff val="0"/>
+              <a:alphaOff val="0"/>
+            </a:schemeClr>
+          </a:solidFill>
+          <a:prstDash val="solid"/>
+          <a:miter lim="800000"/>
+        </a:ln>
+        <a:effectLst/>
+      </dsp:spPr>
+      <dsp:style>
+        <a:lnRef idx="2">
+          <a:scrgbClr r="0" g="0" b="0"/>
+        </a:lnRef>
+        <a:fillRef idx="1">
+          <a:scrgbClr r="0" g="0" b="0"/>
+        </a:fillRef>
+        <a:effectRef idx="0">
+          <a:scrgbClr r="0" g="0" b="0"/>
+        </a:effectRef>
+        <a:fontRef idx="minor">
+          <a:schemeClr val="lt1"/>
+        </a:fontRef>
+      </dsp:style>
+      <dsp:txBody>
+        <a:bodyPr spcFirstLastPara="0" vert="horz" wrap="square" lIns="10160" tIns="10160" rIns="10160" bIns="10160" numCol="1" spcCol="1270" anchor="ctr" anchorCtr="0">
+          <a:noAutofit/>
+        </a:bodyPr>
+        <a:lstStyle/>
+        <a:p>
+          <a:pPr lvl="0" algn="ctr" defTabSz="711200">
+            <a:lnSpc>
+              <a:spcPct val="90000"/>
+            </a:lnSpc>
+            <a:spcBef>
+              <a:spcPct val="0"/>
+            </a:spcBef>
+            <a:spcAft>
+              <a:spcPct val="35000"/>
+            </a:spcAft>
+          </a:pPr>
+          <a:r>
+            <a:rPr lang="de-DE" sz="1600" kern="1200"/>
+            <a:t>Leonard Schuetz (Entwicklungsteam)</a:t>
+          </a:r>
+        </a:p>
+      </dsp:txBody>
+      <dsp:txXfrm>
+        <a:off x="2978895" y="2301169"/>
+        <a:ext cx="1919372" cy="899103"/>
+      </dsp:txXfrm>
+    </dsp:sp>
+    <dsp:sp modelId="{555FBFFB-C9DF-4169-AB9D-A14D723B9988}">
+      <dsp:nvSpPr>
+        <dsp:cNvPr id="0" name=""/>
+        <dsp:cNvSpPr/>
+      </dsp:nvSpPr>
+      <dsp:spPr>
+        <a:xfrm>
+          <a:off x="588132" y="1138963"/>
+          <a:ext cx="2039287" cy="825367"/>
+        </a:xfrm>
+        <a:prstGeom prst="rect">
+          <a:avLst/>
+        </a:prstGeom>
+        <a:solidFill>
+          <a:schemeClr val="accent2">
+            <a:hueOff val="0"/>
+            <a:satOff val="0"/>
+            <a:lumOff val="0"/>
+            <a:alphaOff val="0"/>
+          </a:schemeClr>
+        </a:solidFill>
+        <a:ln w="12700" cap="flat" cmpd="sng" algn="ctr">
+          <a:solidFill>
+            <a:schemeClr val="lt1">
+              <a:hueOff val="0"/>
+              <a:satOff val="0"/>
+              <a:lumOff val="0"/>
+              <a:alphaOff val="0"/>
+            </a:schemeClr>
+          </a:solidFill>
+          <a:prstDash val="solid"/>
+          <a:miter lim="800000"/>
+        </a:ln>
+        <a:effectLst/>
+      </dsp:spPr>
+      <dsp:style>
+        <a:lnRef idx="2">
+          <a:scrgbClr r="0" g="0" b="0"/>
+        </a:lnRef>
+        <a:fillRef idx="1">
+          <a:scrgbClr r="0" g="0" b="0"/>
+        </a:fillRef>
+        <a:effectRef idx="0">
+          <a:scrgbClr r="0" g="0" b="0"/>
+        </a:effectRef>
+        <a:fontRef idx="minor">
+          <a:schemeClr val="lt1"/>
+        </a:fontRef>
+      </dsp:style>
+      <dsp:txBody>
+        <a:bodyPr spcFirstLastPara="0" vert="horz" wrap="square" lIns="10160" tIns="10160" rIns="10160" bIns="10160" numCol="1" spcCol="1270" anchor="ctr" anchorCtr="0">
+          <a:noAutofit/>
+        </a:bodyPr>
+        <a:lstStyle/>
+        <a:p>
+          <a:pPr lvl="0" algn="ctr" defTabSz="711200">
+            <a:lnSpc>
+              <a:spcPct val="90000"/>
+            </a:lnSpc>
+            <a:spcBef>
+              <a:spcPct val="0"/>
+            </a:spcBef>
+            <a:spcAft>
+              <a:spcPct val="35000"/>
+            </a:spcAft>
+          </a:pPr>
+          <a:r>
+            <a:rPr lang="de-DE" sz="1600" kern="1200" dirty="0"/>
+            <a:t>Fabrice </a:t>
+          </a:r>
+          <a:r>
+            <a:rPr lang="de-DE" sz="1600" kern="1200" dirty="0" err="1"/>
+            <a:t>Bosshard</a:t>
+          </a:r>
+          <a:r>
+            <a:rPr lang="de-DE" sz="1600" kern="1200" dirty="0"/>
+            <a:t> (Entwicklungsteam, Administration)</a:t>
+          </a:r>
+        </a:p>
+      </dsp:txBody>
+      <dsp:txXfrm>
+        <a:off x="588132" y="1138963"/>
+        <a:ext cx="2039287" cy="825367"/>
+      </dsp:txXfrm>
+    </dsp:sp>
+  </dsp:spTree>
+</dsp:drawing>
+</file>
+
+<file path=ppt/diagrams/layout1.xml><?xml version="1.0" encoding="utf-8"?>
+<dgm:layoutDef xmlns:dgm="http://schemas.openxmlformats.org/drawingml/2006/diagram" xmlns:a="http://schemas.openxmlformats.org/drawingml/2006/main" uniqueId="urn:microsoft.com/office/officeart/2005/8/layout/orgChart1">
+  <dgm:title val=""/>
+  <dgm:desc val=""/>
+  <dgm:catLst>
+    <dgm:cat type="hierarchy" pri="1000"/>
+    <dgm:cat type="convert" pri="6000"/>
+  </dgm:catLst>
+  <dgm:sampData>
+    <dgm:dataModel>
+      <dgm:ptLst>
+        <dgm:pt modelId="0" type="doc"/>
+        <dgm:pt modelId="1">
+          <dgm:prSet phldr="1"/>
+        </dgm:pt>
+        <dgm:pt modelId="2" type="asst">
+          <dgm:prSet phldr="1"/>
+        </dgm:pt>
+        <dgm:pt modelId="3">
+          <dgm:prSet phldr="1"/>
+        </dgm:pt>
+        <dgm:pt modelId="4">
+          <dgm:prSet phldr="1"/>
+        </dgm:pt>
+        <dgm:pt modelId="5">
+          <dgm:prSet phldr="1"/>
+        </dgm:pt>
+      </dgm:ptLst>
+      <dgm:cxnLst>
+        <dgm:cxn modelId="5" srcId="0" destId="1" srcOrd="0" destOrd="0"/>
+        <dgm:cxn modelId="6" srcId="1" destId="2" srcOrd="0" destOrd="0"/>
+        <dgm:cxn modelId="7" srcId="1" destId="3" srcOrd="1" destOrd="0"/>
+        <dgm:cxn modelId="8" srcId="1" destId="4" srcOrd="2" destOrd="0"/>
+        <dgm:cxn modelId="9" srcId="1" destId="5" srcOrd="3" destOrd="0"/>
+      </dgm:cxnLst>
+      <dgm:bg/>
+      <dgm:whole/>
+    </dgm:dataModel>
+  </dgm:sampData>
+  <dgm:styleData>
+    <dgm:dataModel>
+      <dgm:ptLst>
+        <dgm:pt modelId="0" type="doc"/>
+        <dgm:pt modelId="1"/>
+        <dgm:pt modelId="12"/>
+        <dgm:pt modelId="13"/>
+      </dgm:ptLst>
+      <dgm:cxnLst>
+        <dgm:cxn modelId="2" srcId="0" destId="1" srcOrd="0" destOrd="0"/>
+        <dgm:cxn modelId="16" srcId="1" destId="12" srcOrd="1" destOrd="0"/>
+        <dgm:cxn modelId="17" srcId="1" destId="13" srcOrd="2" destOrd="0"/>
+      </dgm:cxnLst>
+      <dgm:bg/>
+      <dgm:whole/>
+    </dgm:dataModel>
+  </dgm:styleData>
+  <dgm:clrData>
+    <dgm:dataModel>
+      <dgm:ptLst>
+        <dgm:pt modelId="0" type="doc"/>
+        <dgm:pt modelId="1"/>
+        <dgm:pt modelId="11" type="asst"/>
+        <dgm:pt modelId="12"/>
+        <dgm:pt modelId="13"/>
+        <dgm:pt modelId="14"/>
+      </dgm:ptLst>
+      <dgm:cxnLst>
+        <dgm:cxn modelId="2" srcId="0" destId="1" srcOrd="0" destOrd="0"/>
+        <dgm:cxn modelId="15" srcId="1" destId="11" srcOrd="0" destOrd="0"/>
+        <dgm:cxn modelId="16" srcId="1" destId="12" srcOrd="1" destOrd="0"/>
+        <dgm:cxn modelId="17" srcId="1" destId="13" srcOrd="2" destOrd="0"/>
+        <dgm:cxn modelId="18" srcId="1" destId="14" srcOrd="2" destOrd="0"/>
+      </dgm:cxnLst>
+      <dgm:bg/>
+      <dgm:whole/>
+    </dgm:dataModel>
+  </dgm:clrData>
+  <dgm:layoutNode name="hierChild1">
+    <dgm:varLst>
+      <dgm:orgChart val="1"/>
+      <dgm:chPref val="1"/>
+      <dgm:dir/>
+      <dgm:animOne val="branch"/>
+      <dgm:animLvl val="lvl"/>
+      <dgm:resizeHandles/>
+    </dgm:varLst>
+    <dgm:choose name="Name0">
+      <dgm:if name="Name1" func="var" arg="dir" op="equ" val="norm">
+        <dgm:alg type="hierChild">
+          <dgm:param type="linDir" val="fromL"/>
+        </dgm:alg>
+      </dgm:if>
+      <dgm:else name="Name2">
+        <dgm:alg type="hierChild">
+          <dgm:param type="linDir" val="fromR"/>
+        </dgm:alg>
+      </dgm:else>
+    </dgm:choose>
+    <dgm:shape xmlns:r="http://schemas.openxmlformats.org/officeDocument/2006/relationships" r:blip="">
+      <dgm:adjLst/>
+    </dgm:shape>
+    <dgm:presOf/>
+    <dgm:constrLst>
+      <dgm:constr type="w" for="des" forName="rootComposite1" refType="w" fact="10"/>
+      <dgm:constr type="h" for="des" forName="rootComposite1" refType="w" refFor="des" refForName="rootComposite1" fact="0.5"/>
+      <dgm:constr type="w" for="des" forName="rootComposite" refType="w" fact="10"/>
+      <dgm:constr type="h" for="des" forName="rootComposite" refType="w" refFor="des" refForName="rootComposite1" fact="0.5"/>
+      <dgm:constr type="w" for="des" forName="rootComposite3" refType="w" fact="10"/>
+      <dgm:constr type="h" for="des" forName="rootComposite3" refType="w" refFor="des" refForName="rootComposite1" fact="0.5"/>
+      <dgm:constr type="primFontSz" for="des" ptType="node" op="equ"/>
+      <dgm:constr type="sp" for="des" op="equ"/>
+      <dgm:constr type="sp" for="des" forName="hierRoot1" refType="w" refFor="des" refForName="rootComposite1" fact="0.21"/>
+      <dgm:constr type="sp" for="des" forName="hierRoot2" refType="sp" refFor="des" refForName="hierRoot1"/>
+      <dgm:constr type="sp" for="des" forName="hierRoot3" refType="sp" refFor="des" refForName="hierRoot1"/>
+      <dgm:constr type="sibSp" refType="w" refFor="des" refForName="rootComposite1" fact="0.21"/>
+      <dgm:constr type="sibSp" for="des" forName="hierChild2" refType="sibSp"/>
+      <dgm:constr type="sibSp" for="des" forName="hierChild3" refType="sibSp"/>
+      <dgm:constr type="sibSp" for="des" forName="hierChild4" refType="sibSp"/>
+      <dgm:constr type="sibSp" for="des" forName="hierChild5" refType="sibSp"/>
+      <dgm:constr type="sibSp" for="des" forName="hierChild6" refType="sibSp"/>
+      <dgm:constr type="sibSp" for="des" forName="hierChild7" refType="sibSp"/>
+      <dgm:constr type="secSibSp" refType="w" refFor="des" refForName="rootComposite1" fact="0.21"/>
+      <dgm:constr type="secSibSp" for="des" forName="hierChild2" refType="secSibSp"/>
+      <dgm:constr type="secSibSp" for="des" forName="hierChild3" refType="secSibSp"/>
+      <dgm:constr type="secSibSp" for="des" forName="hierChild4" refType="secSibSp"/>
+      <dgm:constr type="secSibSp" for="des" forName="hierChild5" refType="secSibSp"/>
+      <dgm:constr type="secSibSp" for="des" forName="hierChild6" refType="secSibSp"/>
+      <dgm:constr type="secSibSp" for="des" forName="hierChild7" refType="secSibSp"/>
+    </dgm:constrLst>
+    <dgm:ruleLst/>
+    <dgm:forEach name="Name3" axis="ch">
+      <dgm:forEach name="Name4" axis="self" ptType="node">
+        <dgm:layoutNode name="hierRoot1">
+          <dgm:varLst>
+            <dgm:hierBranch val="init"/>
+          </dgm:varLst>
+          <dgm:choose name="Name5">
+            <dgm:if name="Name6" func="var" arg="hierBranch" op="equ" val="l">
+              <dgm:choose name="Name7">
+                <dgm:if name="Name8" axis="ch" ptType="asst" func="cnt" op="gte" val="1">
+                  <dgm:alg type="hierRoot">
+                    <dgm:param type="hierAlign" val="tR"/>
+                  </dgm:alg>
+                  <dgm:constrLst>
+                    <dgm:constr type="alignOff" val="0.65"/>
+                  </dgm:constrLst>
+                </dgm:if>
+                <dgm:else name="Name9">
+                  <dgm:alg type="hierRoot">
+                    <dgm:param type="hierAlign" val="tR"/>
+                  </dgm:alg>
+                  <dgm:constrLst>
+                    <dgm:constr type="alignOff" val="0.25"/>
+                  </dgm:constrLst>
+                </dgm:else>
+              </dgm:choose>
+            </dgm:if>
+            <dgm:if name="Name10" func="var" arg="hierBranch" op="equ" val="r">
+              <dgm:choose name="Name11">
+                <dgm:if name="Name12" axis="ch" ptType="asst" func="cnt" op="gte" val="1">
+                  <dgm:alg type="hierRoot">
+                    <dgm:param type="hierAlign" val="tL"/>
+                  </dgm:alg>
+                  <dgm:constrLst>
+                    <dgm:constr type="alignOff" val="0.65"/>
+                  </dgm:constrLst>
+                </dgm:if>
+                <dgm:else name="Name13">
+                  <dgm:alg type="hierRoot">
+                    <dgm:param type="hierAlign" val="tL"/>
+                  </dgm:alg>
+                  <dgm:constrLst>
+                    <dgm:constr type="alignOff" val="0.25"/>
+                  </dgm:constrLst>
+                </dgm:else>
+              </dgm:choose>
+            </dgm:if>
+            <dgm:if name="Name14" func="var" arg="hierBranch" op="equ" val="hang">
+              <dgm:alg type="hierRoot"/>
+              <dgm:constrLst>
+                <dgm:constr type="alignOff" val="0.65"/>
+              </dgm:constrLst>
+            </dgm:if>
+            <dgm:else name="Name15">
+              <dgm:alg type="hierRoot"/>
+              <dgm:constrLst>
+                <dgm:constr type="alignOff"/>
+                <dgm:constr type="bendDist" for="des" ptType="parTrans" refType="sp" fact="0.5"/>
+              </dgm:constrLst>
+            </dgm:else>
+          </dgm:choose>
+          <dgm:shape xmlns:r="http://schemas.openxmlformats.org/officeDocument/2006/relationships" r:blip="">
+            <dgm:adjLst/>
+          </dgm:shape>
+          <dgm:presOf/>
+          <dgm:ruleLst/>
+          <dgm:layoutNode name="rootComposite1">
+            <dgm:alg type="composite"/>
+            <dgm:shape xmlns:r="http://schemas.openxmlformats.org/officeDocument/2006/relationships" r:blip="">
+              <dgm:adjLst/>
+            </dgm:shape>
+            <dgm:presOf axis="self" ptType="node" cnt="1"/>
+            <dgm:choose name="Name16">
+              <dgm:if name="Name17" func="var" arg="hierBranch" op="equ" val="init">
+                <dgm:constrLst>
+                  <dgm:constr type="l" for="ch" forName="rootText1"/>
+                  <dgm:constr type="t" for="ch" forName="rootText1"/>
+                  <dgm:constr type="w" for="ch" forName="rootText1" refType="w"/>
+                  <dgm:constr type="h" for="ch" forName="rootText1" refType="h"/>
+                  <dgm:constr type="l" for="ch" forName="rootConnector1"/>
+                  <dgm:constr type="t" for="ch" forName="rootConnector1"/>
+                  <dgm:constr type="w" for="ch" forName="rootConnector1" refType="w" refFor="ch" refForName="rootText1" fact="0.2"/>
+                  <dgm:constr type="h" for="ch" forName="rootConnector1" refType="h" refFor="ch" refForName="rootText1"/>
+                </dgm:constrLst>
+              </dgm:if>
+              <dgm:if name="Name18" func="var" arg="hierBranch" op="equ" val="l">
+                <dgm:constrLst>
+                  <dgm:constr type="l" for="ch" forName="rootText1"/>
+                  <dgm:constr type="t" for="ch" forName="rootText1"/>
+                  <dgm:constr type="w" for="ch" forName="rootText1" refType="w"/>
+                  <dgm:constr type="h" for="ch" forName="rootText1" refType="h"/>
+                  <dgm:constr type="r" for="ch" forName="rootConnector1" refType="w"/>
+                  <dgm:constr type="t" for="ch" forName="rootConnector1"/>
+                  <dgm:constr type="w" for="ch" forName="rootConnector1" refType="w" refFor="ch" refForName="rootText1" fact="0.2"/>
+                  <dgm:constr type="h" for="ch" forName="rootConnector1" refType="h" refFor="ch" refForName="rootText1"/>
+                </dgm:constrLst>
+              </dgm:if>
+              <dgm:if name="Name19" func="var" arg="hierBranch" op="equ" val="r">
+                <dgm:constrLst>
+                  <dgm:constr type="l" for="ch" forName="rootText1"/>
+                  <dgm:constr type="t" for="ch" forName="rootText1"/>
+                  <dgm:constr type="w" for="ch" forName="rootText1" refType="w"/>
+                  <dgm:constr type="h" for="ch" forName="rootText1" refType="h"/>
+                  <dgm:constr type="l" for="ch" forName="rootConnector1"/>
+                  <dgm:constr type="t" for="ch" forName="rootConnector1"/>
+                  <dgm:constr type="w" for="ch" forName="rootConnector1" refType="w" refFor="ch" refForName="rootText1" fact="0.2"/>
+                  <dgm:constr type="h" for="ch" forName="rootConnector1" refType="h" refFor="ch" refForName="rootText1"/>
+                </dgm:constrLst>
+              </dgm:if>
+              <dgm:else name="Name20">
+                <dgm:constrLst>
+                  <dgm:constr type="l" for="ch" forName="rootText1"/>
+                  <dgm:constr type="t" for="ch" forName="rootText1"/>
+                  <dgm:constr type="w" for="ch" forName="rootText1" refType="w"/>
+                  <dgm:constr type="h" for="ch" forName="rootText1" refType="h"/>
+                  <dgm:constr type="r" for="ch" forName="rootConnector1" refType="w"/>
+                  <dgm:constr type="t" for="ch" forName="rootConnector1"/>
+                  <dgm:constr type="w" for="ch" forName="rootConnector1" refType="w" refFor="ch" refForName="rootText1" fact="0.2"/>
+                  <dgm:constr type="h" for="ch" forName="rootConnector1" refType="h" refFor="ch" refForName="rootText1"/>
+                </dgm:constrLst>
+              </dgm:else>
+            </dgm:choose>
+            <dgm:ruleLst/>
+            <dgm:layoutNode name="rootText1" styleLbl="node0">
+              <dgm:varLst>
+                <dgm:chPref val="3"/>
+              </dgm:varLst>
+              <dgm:alg type="tx"/>
+              <dgm:shape xmlns:r="http://schemas.openxmlformats.org/officeDocument/2006/relationships" type="rect" r:blip="">
+                <dgm:adjLst/>
+              </dgm:shape>
+              <dgm:presOf axis="self" ptType="node" cnt="1"/>
+              <dgm:constrLst>
+                <dgm:constr type="primFontSz" val="65"/>
+                <dgm:constr type="lMarg" refType="primFontSz" fact="0.05"/>
+                <dgm:constr type="rMarg" refType="primFontSz" fact="0.05"/>
+                <dgm:constr type="tMarg" refType="primFontSz" fact="0.05"/>
+                <dgm:constr type="bMarg" refType="primFontSz" fact="0.05"/>
+              </dgm:constrLst>
+              <dgm:ruleLst>
+                <dgm:rule type="primFontSz" val="5" fact="NaN" max="NaN"/>
+              </dgm:ruleLst>
+            </dgm:layoutNode>
+            <dgm:layoutNode name="rootConnector1" moveWith="rootText1">
+              <dgm:alg type="sp"/>
+              <dgm:shape xmlns:r="http://schemas.openxmlformats.org/officeDocument/2006/relationships" type="rect" r:blip="" hideGeom="1">
+                <dgm:adjLst/>
+              </dgm:shape>
+              <dgm:presOf axis="self" ptType="node" cnt="1"/>
+              <dgm:constrLst/>
+              <dgm:ruleLst/>
+            </dgm:layoutNode>
+          </dgm:layoutNode>
+          <dgm:layoutNode name="hierChild2">
+            <dgm:choose name="Name21">
+              <dgm:if name="Name22" func="var" arg="hierBranch" op="equ" val="l">
+                <dgm:alg type="hierChild">
+                  <dgm:param type="chAlign" val="r"/>
+                  <dgm:param type="linDir" val="fromT"/>
+                </dgm:alg>
+              </dgm:if>
+              <dgm:if name="Name23" func="var" arg="hierBranch" op="equ" val="r">
+                <dgm:alg type="hierChild">
+                  <dgm:param type="chAlign" val="l"/>
+                  <dgm:param type="linDir" val="fromT"/>
+                </dgm:alg>
+              </dgm:if>
+              <dgm:if name="Name24" func="var" arg="hierBranch" op="equ" val="hang">
+                <dgm:choose name="Name25">
+                  <dgm:if name="Name26" func="var" arg="dir" op="equ" val="norm">
+                    <dgm:alg type="hierChild">
+                      <dgm:param type="chAlign" val="l"/>
+                      <dgm:param type="linDir" val="fromL"/>
+                      <dgm:param type="secChAlign" val="t"/>
+                      <dgm:param type="secLinDir" val="fromT"/>
+                    </dgm:alg>
+                  </dgm:if>
+                  <dgm:else name="Name27">
+                    <dgm:alg type="hierChild">
+                      <dgm:param type="chAlign" val="l"/>
+                      <dgm:param type="linDir" val="fromR"/>
+                      <dgm:param type="secChAlign" val="t"/>
+                      <dgm:param type="secLinDir" val="fromT"/>
+                    </dgm:alg>
+                  </dgm:else>
+                </dgm:choose>
+              </dgm:if>
+              <dgm:else name="Name28">
+                <dgm:choose name="Name29">
+                  <dgm:if name="Name30" func="var" arg="dir" op="equ" val="norm">
+                    <dgm:alg type="hierChild"/>
+                  </dgm:if>
+                  <dgm:else name="Name31">
+                    <dgm:alg type="hierChild">
+                      <dgm:param type="linDir" val="fromR"/>
+                    </dgm:alg>
+                  </dgm:else>
+                </dgm:choose>
+              </dgm:else>
+            </dgm:choose>
+            <dgm:shape xmlns:r="http://schemas.openxmlformats.org/officeDocument/2006/relationships" r:blip="">
+              <dgm:adjLst/>
+            </dgm:shape>
+            <dgm:presOf/>
+            <dgm:constrLst/>
+            <dgm:ruleLst/>
+            <dgm:forEach name="rep2a" axis="ch" ptType="nonAsst">
+              <dgm:forEach name="Name32" axis="precedSib" ptType="parTrans" st="-1" cnt="1">
+                <dgm:choose name="Name33">
+                  <dgm:if name="Name34" func="var" arg="hierBranch" op="equ" val="std">
+                    <dgm:layoutNode name="Name35">
+                      <dgm:alg type="conn">
+                        <dgm:param type="connRout" val="bend"/>
+                        <dgm:param type="dim" val="1D"/>
+                        <dgm:param type="endSty" val="noArr"/>
+                        <dgm:param type="begPts" val="bCtr"/>
+                        <dgm:param type="endPts" val="tCtr"/>
+                        <dgm:param type="bendPt" val="end"/>
+                      </dgm:alg>
+                      <dgm:shape xmlns:r="http://schemas.openxmlformats.org/officeDocument/2006/relationships" type="conn" r:blip="" zOrderOff="-99999">
+                        <dgm:adjLst/>
+                      </dgm:shape>
+                      <dgm:presOf axis="self"/>
+                      <dgm:constrLst>
+                        <dgm:constr type="begPad"/>
+                        <dgm:constr type="endPad"/>
+                      </dgm:constrLst>
+                      <dgm:ruleLst/>
+                    </dgm:layoutNode>
+                  </dgm:if>
+                  <dgm:if name="Name36" func="var" arg="hierBranch" op="equ" val="init">
+                    <dgm:layoutNode name="Name37">
+                      <dgm:choose name="Name38">
+                        <dgm:if name="Name39" axis="self" func="depth" op="lte" val="2">
+                          <dgm:alg type="conn">
+                            <dgm:param type="connRout" val="bend"/>
+                            <dgm:param type="dim" val="1D"/>
+                            <dgm:param type="endSty" val="noArr"/>
+                            <dgm:param type="begPts" val="bCtr"/>
+                            <dgm:param type="endPts" val="tCtr"/>
+                            <dgm:param type="bendPt" val="end"/>
+                          </dgm:alg>
+                        </dgm:if>
+                        <dgm:else name="Name40">
+                          <dgm:choose name="Name41">
+                            <dgm:if name="Name42" axis="par des" func="maxDepth" op="lte" val="1">
+                              <dgm:choose name="Name43">
+                                <dgm:if name="Name44" axis="par ch" ptType="node asst" func="cnt" op="gte" val="1">
+                                  <dgm:alg type="conn">
+                                    <dgm:param type="connRout" val="bend"/>
+                                    <dgm:param type="dim" val="1D"/>
+                                    <dgm:param type="endSty" val="noArr"/>
+                                    <dgm:param type="begPts" val="bCtr"/>
+                                    <dgm:param type="endPts" val="midL midR"/>
+                                  </dgm:alg>
+                                </dgm:if>
+                                <dgm:else name="Name45">
+                                  <dgm:alg type="conn">
+                                    <dgm:param type="connRout" val="bend"/>
+                                    <dgm:param type="dim" val="1D"/>
+                                    <dgm:param type="endSty" val="noArr"/>
+                                    <dgm:param type="begPts" val="bCtr"/>
+                                    <dgm:param type="endPts" val="midL midR"/>
+                                    <dgm:param type="srcNode" val="rootConnector"/>
+                                  </dgm:alg>
+                                </dgm:else>
+                              </dgm:choose>
+                            </dgm:if>
+                            <dgm:else name="Name46">
+                              <dgm:alg type="conn">
+                                <dgm:param type="connRout" val="bend"/>
+                                <dgm:param type="dim" val="1D"/>
+                                <dgm:param type="endSty" val="noArr"/>
+                                <dgm:param type="begPts" val="bCtr"/>
+                                <dgm:param type="endPts" val="tCtr"/>
+                                <dgm:param type="bendPt" val="end"/>
+                              </dgm:alg>
+                            </dgm:else>
+                          </dgm:choose>
+                        </dgm:else>
+                      </dgm:choose>
+                      <dgm:shape xmlns:r="http://schemas.openxmlformats.org/officeDocument/2006/relationships" type="conn" r:blip="" zOrderOff="-99999">
+                        <dgm:adjLst/>
+                      </dgm:shape>
+                      <dgm:presOf axis="self"/>
+                      <dgm:constrLst>
+                        <dgm:constr type="begPad"/>
+                        <dgm:constr type="endPad"/>
+                      </dgm:constrLst>
+                      <dgm:ruleLst/>
+                    </dgm:layoutNode>
+                  </dgm:if>
+                  <dgm:if name="Name47" func="var" arg="hierBranch" op="equ" val="hang">
+                    <dgm:layoutNode name="Name48">
+                      <dgm:alg type="conn">
+                        <dgm:param type="connRout" val="bend"/>
+                        <dgm:param type="dim" val="1D"/>
+                        <dgm:param type="endSty" val="noArr"/>
+                        <dgm:param type="begPts" val="bCtr"/>
+                        <dgm:param type="endPts" val="midL midR"/>
+                      </dgm:alg>
+                      <dgm:shape xmlns:r="http://schemas.openxmlformats.org/officeDocument/2006/relationships" type="conn" r:blip="" zOrderOff="-99999">
+                        <dgm:adjLst/>
+                      </dgm:shape>
+                      <dgm:presOf axis="self"/>
+                      <dgm:constrLst>
+                        <dgm:constr type="begPad"/>
+                        <dgm:constr type="endPad"/>
+                      </dgm:constrLst>
+                      <dgm:ruleLst/>
+                    </dgm:layoutNode>
+                  </dgm:if>
+                  <dgm:else name="Name49">
+                    <dgm:layoutNode name="Name50">
+                      <dgm:choose name="Name51">
+                        <dgm:if name="Name52" axis="self" func="depth" op="lte" val="2">
+                          <dgm:choose name="Name53">
+                            <dgm:if name="Name54" axis="par ch" ptType="node asst" func="cnt" op="gte" val="1">
+                              <dgm:alg type="conn">
+                                <dgm:param type="connRout" val="bend"/>
+                                <dgm:param type="dim" val="1D"/>
+                                <dgm:param type="endSty" val="noArr"/>
+                                <dgm:param type="begPts" val="bCtr"/>
+                                <dgm:param type="endPts" val="midL midR"/>
+                              </dgm:alg>
+                            </dgm:if>
+                            <dgm:else name="Name55">
+                              <dgm:alg type="conn">
+                                <dgm:param type="connRout" val="bend"/>
+                                <dgm:param type="dim" val="1D"/>
+                                <dgm:param type="endSty" val="noArr"/>
+                                <dgm:param type="begPts" val="bCtr"/>
+                                <dgm:param type="endPts" val="midL midR"/>
+                                <dgm:param type="srcNode" val="rootConnector1"/>
+                              </dgm:alg>
+                            </dgm:else>
+                          </dgm:choose>
+                        </dgm:if>
+                        <dgm:else name="Name56">
+                          <dgm:choose name="Name57">
+                            <dgm:if name="Name58" axis="par ch" ptType="node asst" func="cnt" op="gte" val="1">
+                              <dgm:alg type="conn">
+                                <dgm:param type="connRout" val="bend"/>
+                                <dgm:param type="dim" val="1D"/>
+                                <dgm:param type="endSty" val="noArr"/>
+                                <dgm:param type="begPts" val="bCtr"/>
+                                <dgm:param type="endPts" val="midL midR"/>
+                              </dgm:alg>
+                            </dgm:if>
+                            <dgm:else name="Name59">
+                              <dgm:alg type="conn">
+                                <dgm:param type="connRout" val="bend"/>
+                                <dgm:param type="dim" val="1D"/>
+                                <dgm:param type="endSty" val="noArr"/>
+                                <dgm:param type="begPts" val="bCtr"/>
+                                <dgm:param type="endPts" val="midL midR"/>
+                                <dgm:param type="srcNode" val="rootConnector"/>
+                              </dgm:alg>
+                            </dgm:else>
+                          </dgm:choose>
+                        </dgm:else>
+                      </dgm:choose>
+                      <dgm:shape xmlns:r="http://schemas.openxmlformats.org/officeDocument/2006/relationships" type="conn" r:blip="" zOrderOff="-99999">
+                        <dgm:adjLst/>
+                      </dgm:shape>
+                      <dgm:presOf axis="self"/>
+                      <dgm:constrLst>
+                        <dgm:constr type="begPad"/>
+                        <dgm:constr type="endPad"/>
+                      </dgm:constrLst>
+                      <dgm:ruleLst/>
+                    </dgm:layoutNode>
+                  </dgm:else>
+                </dgm:choose>
+              </dgm:forEach>
+              <dgm:layoutNode name="hierRoot2">
+                <dgm:varLst>
+                  <dgm:hierBranch val="init"/>
+                </dgm:varLst>
+                <dgm:choose name="Name60">
+                  <dgm:if name="Name61" func="var" arg="hierBranch" op="equ" val="l">
+                    <dgm:choose name="Name62">
+                      <dgm:if name="Name63" axis="ch" ptType="asst" func="cnt" op="gte" val="1">
+                        <dgm:alg type="hierRoot">
+                          <dgm:param type="hierAlign" val="tR"/>
+                        </dgm:alg>
+                        <dgm:shape xmlns:r="http://schemas.openxmlformats.org/officeDocument/2006/relationships" r:blip="">
+                          <dgm:adjLst/>
+                        </dgm:shape>
+                        <dgm:presOf/>
+                        <dgm:constrLst>
+                          <dgm:constr type="alignOff" val="0.65"/>
+                        </dgm:constrLst>
+                      </dgm:if>
+                      <dgm:else name="Name64">
+                        <dgm:alg type="hierRoot">
+                          <dgm:param type="hierAlign" val="tR"/>
+                        </dgm:alg>
+                        <dgm:shape xmlns:r="http://schemas.openxmlformats.org/officeDocument/2006/relationships" r:blip="">
+                          <dgm:adjLst/>
+                        </dgm:shape>
+                        <dgm:presOf/>
+                        <dgm:constrLst>
+                          <dgm:constr type="alignOff" val="0.25"/>
+                        </dgm:constrLst>
+                      </dgm:else>
+                    </dgm:choose>
+                  </dgm:if>
+                  <dgm:if name="Name65" func="var" arg="hierBranch" op="equ" val="r">
+                    <dgm:choose name="Name66">
+                      <dgm:if name="Name67" axis="ch" ptType="asst" func="cnt" op="gte" val="1">
+                        <dgm:alg type="hierRoot">
+                          <dgm:param type="hierAlign" val="tL"/>
+                        </dgm:alg>
+                        <dgm:shape xmlns:r="http://schemas.openxmlformats.org/officeDocument/2006/relationships" r:blip="">
+                          <dgm:adjLst/>
+                        </dgm:shape>
+                        <dgm:presOf/>
+                        <dgm:constrLst>
+                          <dgm:constr type="alignOff" val="0.65"/>
+                        </dgm:constrLst>
+                      </dgm:if>
+                      <dgm:else name="Name68">
+                        <dgm:alg type="hierRoot">
+                          <dgm:param type="hierAlign" val="tL"/>
+                        </dgm:alg>
+                        <dgm:shape xmlns:r="http://schemas.openxmlformats.org/officeDocument/2006/relationships" r:blip="">
+                          <dgm:adjLst/>
+                        </dgm:shape>
+                        <dgm:presOf/>
+                        <dgm:constrLst>
+                          <dgm:constr type="alignOff" val="0.25"/>
+                        </dgm:constrLst>
+                      </dgm:else>
+                    </dgm:choose>
+                  </dgm:if>
+                  <dgm:if name="Name69" func="var" arg="hierBranch" op="equ" val="std">
+                    <dgm:alg type="hierRoot"/>
+                    <dgm:shape xmlns:r="http://schemas.openxmlformats.org/officeDocument/2006/relationships" r:blip="">
+                      <dgm:adjLst/>
+                    </dgm:shape>
+                    <dgm:presOf/>
+                    <dgm:constrLst>
+                      <dgm:constr type="alignOff"/>
+                      <dgm:constr type="bendDist" for="des" ptType="parTrans" refType="sp" fact="0.5"/>
+                    </dgm:constrLst>
+                  </dgm:if>
+                  <dgm:if name="Name70" func="var" arg="hierBranch" op="equ" val="init">
+                    <dgm:choose name="Name71">
+                      <dgm:if name="Name72" axis="des" func="maxDepth" op="lte" val="1">
+                        <dgm:choose name="Name73">
+                          <dgm:if name="Name74" axis="ch" ptType="asst" func="cnt" op="gte" val="1">
+                            <dgm:alg type="hierRoot">
+                              <dgm:param type="hierAlign" val="tL"/>
+                            </dgm:alg>
+                            <dgm:shape xmlns:r="http://schemas.openxmlformats.org/officeDocument/2006/relationships" r:blip="">
+                              <dgm:adjLst/>
+                            </dgm:shape>
+                            <dgm:presOf/>
+                            <dgm:constrLst>
+                              <dgm:constr type="alignOff" val="0.65"/>
+                            </dgm:constrLst>
+                          </dgm:if>
+                          <dgm:else name="Name75">
+                            <dgm:alg type="hierRoot">
+                              <dgm:param type="hierAlign" val="tL"/>
+                            </dgm:alg>
+                            <dgm:shape xmlns:r="http://schemas.openxmlformats.org/officeDocument/2006/relationships" r:blip="">
+                              <dgm:adjLst/>
+                            </dgm:shape>
+                            <dgm:presOf/>
+                            <dgm:constrLst>
+                              <dgm:constr type="alignOff" val="0.25"/>
+                            </dgm:constrLst>
+                          </dgm:else>
+                        </dgm:choose>
+                      </dgm:if>
+                      <dgm:else name="Name76">
+                        <dgm:alg type="hierRoot"/>
+                        <dgm:shape xmlns:r="http://schemas.openxmlformats.org/officeDocument/2006/relationships" r:blip="">
+                          <dgm:adjLst/>
+                        </dgm:shape>
+                        <dgm:presOf/>
+                        <dgm:constrLst>
+                          <dgm:constr type="alignOff"/>
+                          <dgm:constr type="bendDist" for="des" ptType="parTrans" refType="sp" fact="0.5"/>
+                        </dgm:constrLst>
+                      </dgm:else>
+                    </dgm:choose>
+                  </dgm:if>
+                  <dgm:else name="Name77">
+                    <dgm:alg type="hierRoot"/>
+                    <dgm:shape xmlns:r="http://schemas.openxmlformats.org/officeDocument/2006/relationships" r:blip="">
+                      <dgm:adjLst/>
+                    </dgm:shape>
+                    <dgm:presOf/>
+                    <dgm:constrLst>
+                      <dgm:constr type="alignOff" val="0.65"/>
+                    </dgm:constrLst>
+                  </dgm:else>
+                </dgm:choose>
+                <dgm:ruleLst/>
+                <dgm:layoutNode name="rootComposite">
+                  <dgm:alg type="composite"/>
+                  <dgm:shape xmlns:r="http://schemas.openxmlformats.org/officeDocument/2006/relationships" r:blip="">
+                    <dgm:adjLst/>
+                  </dgm:shape>
+                  <dgm:presOf axis="self" ptType="node" cnt="1"/>
+                  <dgm:choose name="Name78">
+                    <dgm:if name="Name79" func="var" arg="hierBranch" op="equ" val="init">
+                      <dgm:constrLst>
+                        <dgm:constr type="l" for="ch" forName="rootText"/>
+                        <dgm:constr type="t" for="ch" forName="rootText"/>
+                        <dgm:constr type="w" for="ch" forName="rootText" refType="w"/>
+                        <dgm:constr type="h" for="ch" forName="rootText" refType="h"/>
+                        <dgm:constr type="l" for="ch" forName="rootConnector"/>
+                        <dgm:constr type="t" for="ch" forName="rootConnector"/>
+                        <dgm:constr type="w" for="ch" forName="rootConnector" refType="w" refFor="ch" refForName="rootText" fact="0.2"/>
+                        <dgm:constr type="h" for="ch" forName="rootConnector" refType="h" refFor="ch" refForName="rootText"/>
+                      </dgm:constrLst>
+                    </dgm:if>
+                    <dgm:if name="Name80" func="var" arg="hierBranch" op="equ" val="l">
+                      <dgm:constrLst>
+                        <dgm:constr type="l" for="ch" forName="rootText"/>
+                        <dgm:constr type="t" for="ch" forName="rootText"/>
+                        <dgm:constr type="w" for="ch" forName="rootText" refType="w"/>
+                        <dgm:constr type="h" for="ch" forName="rootText" refType="h"/>
+                        <dgm:constr type="r" for="ch" forName="rootConnector" refType="w"/>
+                        <dgm:constr type="t" for="ch" forName="rootConnector"/>
+                        <dgm:constr type="w" for="ch" forName="rootConnector" refType="w" refFor="ch" refForName="rootText" fact="0.2"/>
+                        <dgm:constr type="h" for="ch" forName="rootConnector" refType="h" refFor="ch" refForName="rootText"/>
+                      </dgm:constrLst>
+                    </dgm:if>
+                    <dgm:if name="Name81" func="var" arg="hierBranch" op="equ" val="r">
+                      <dgm:constrLst>
+                        <dgm:constr type="l" for="ch" forName="rootText"/>
+                        <dgm:constr type="t" for="ch" forName="rootText"/>
+                        <dgm:constr type="w" for="ch" forName="rootText" refType="w"/>
+                        <dgm:constr type="h" for="ch" forName="rootText" refType="h"/>
+                        <dgm:constr type="l" for="ch" forName="rootConnector"/>
+                        <dgm:constr type="t" for="ch" forName="rootConnector"/>
+                        <dgm:constr type="w" for="ch" forName="rootConnector" refType="w" refFor="ch" refForName="rootText" fact="0.2"/>
+                        <dgm:constr type="h" for="ch" forName="rootConnector" refType="h" refFor="ch" refForName="rootText"/>
+                      </dgm:constrLst>
+                    </dgm:if>
+                    <dgm:else name="Name82">
+                      <dgm:constrLst>
+                        <dgm:constr type="l" for="ch" forName="rootText"/>
+                        <dgm:constr type="t" for="ch" forName="rootText"/>
+                        <dgm:constr type="w" for="ch" forName="rootText" refType="w"/>
+                        <dgm:constr type="h" for="ch" forName="rootText" refType="h"/>
+                        <dgm:constr type="r" for="ch" forName="rootConnector" refType="w"/>
+                        <dgm:constr type="t" for="ch" forName="rootConnector"/>
+                        <dgm:constr type="w" for="ch" forName="rootConnector" refType="w" refFor="ch" refForName="rootText" fact="0.2"/>
+                        <dgm:constr type="h" for="ch" forName="rootConnector" refType="h" refFor="ch" refForName="rootText"/>
+                      </dgm:constrLst>
+                    </dgm:else>
+                  </dgm:choose>
+                  <dgm:ruleLst/>
+                  <dgm:layoutNode name="rootText">
+                    <dgm:varLst>
+                      <dgm:chPref val="3"/>
+                    </dgm:varLst>
+                    <dgm:alg type="tx"/>
+                    <dgm:shape xmlns:r="http://schemas.openxmlformats.org/officeDocument/2006/relationships" type="rect" r:blip="">
+                      <dgm:adjLst/>
+                    </dgm:shape>
+                    <dgm:presOf axis="self" ptType="node" cnt="1"/>
+                    <dgm:constrLst>
+                      <dgm:constr type="primFontSz" val="65"/>
+                      <dgm:constr type="lMarg" refType="primFontSz" fact="0.05"/>
+                      <dgm:constr type="rMarg" refType="primFontSz" fact="0.05"/>
+                      <dgm:constr type="tMarg" refType="primFontSz" fact="0.05"/>
+                      <dgm:constr type="bMarg" refType="primFontSz" fact="0.05"/>
+                    </dgm:constrLst>
+                    <dgm:ruleLst>
+                      <dgm:rule type="primFontSz" val="5" fact="NaN" max="NaN"/>
+                    </dgm:ruleLst>
+                  </dgm:layoutNode>
+                  <dgm:layoutNode name="rootConnector" moveWith="rootText">
+                    <dgm:alg type="sp"/>
+                    <dgm:shape xmlns:r="http://schemas.openxmlformats.org/officeDocument/2006/relationships" type="rect" r:blip="" hideGeom="1">
+                      <dgm:adjLst/>
+                    </dgm:shape>
+                    <dgm:presOf axis="self" ptType="node" cnt="1"/>
+                    <dgm:constrLst/>
+                    <dgm:ruleLst/>
+                  </dgm:layoutNode>
+                </dgm:layoutNode>
+                <dgm:layoutNode name="hierChild4">
+                  <dgm:choose name="Name83">
+                    <dgm:if name="Name84" func="var" arg="hierBranch" op="equ" val="l">
+                      <dgm:alg type="hierChild">
+                        <dgm:param type="chAlign" val="r"/>
+                        <dgm:param type="linDir" val="fromT"/>
+                      </dgm:alg>
+                    </dgm:if>
+                    <dgm:if name="Name85" func="var" arg="hierBranch" op="equ" val="r">
+                      <dgm:alg type="hierChild">
+                        <dgm:param type="chAlign" val="l"/>
+                        <dgm:param type="linDir" val="fromT"/>
+                      </dgm:alg>
+                    </dgm:if>
+                    <dgm:if name="Name86" func="var" arg="hierBranch" op="equ" val="hang">
+                      <dgm:choose name="Name87">
+                        <dgm:if name="Name88" func="var" arg="dir" op="equ" val="norm">
+                          <dgm:alg type="hierChild">
+                            <dgm:param type="chAlign" val="l"/>
+                            <dgm:param type="linDir" val="fromL"/>
+                            <dgm:param type="secChAlign" val="t"/>
+                            <dgm:param type="secLinDir" val="fromT"/>
+                          </dgm:alg>
+                        </dgm:if>
+                        <dgm:else name="Name89">
+                          <dgm:alg type="hierChild">
+                            <dgm:param type="chAlign" val="l"/>
+                            <dgm:param type="linDir" val="fromR"/>
+                            <dgm:param type="secChAlign" val="t"/>
+                            <dgm:param type="secLinDir" val="fromT"/>
+                          </dgm:alg>
+                        </dgm:else>
+                      </dgm:choose>
+                    </dgm:if>
+                    <dgm:if name="Name90" func="var" arg="hierBranch" op="equ" val="std">
+                      <dgm:choose name="Name91">
+                        <dgm:if name="Name92" func="var" arg="dir" op="equ" val="norm">
+                          <dgm:alg type="hierChild"/>
+                        </dgm:if>
+                        <dgm:else name="Name93">
+                          <dgm:alg type="hierChild">
+                            <dgm:param type="linDir" val="fromR"/>
+                          </dgm:alg>
+                        </dgm:else>
+                      </dgm:choose>
+                    </dgm:if>
+                    <dgm:if name="Name94" func="var" arg="hierBranch" op="equ" val="init">
+                      <dgm:choose name="Name95">
+                        <dgm:if name="Name96" axis="des" func="maxDepth" op="lte" val="1">
+                          <dgm:alg type="hierChild">
+                            <dgm:param type="chAlign" val="l"/>
+                            <dgm:param type="linDir" val="fromT"/>
+                          </dgm:alg>
+                        </dgm:if>
+                        <dgm:else name="Name97">
+                          <dgm:choose name="Name98">
+                            <dgm:if name="Name99" func="var" arg="dir" op="equ" val="norm">
+                              <dgm:alg type="hierChild"/>
+                            </dgm:if>
+                            <dgm:else name="Name100">
+                              <dgm:alg type="hierChild">
+                                <dgm:param type="linDir" val="fromR"/>
+                              </dgm:alg>
+                            </dgm:else>
+                          </dgm:choose>
+                        </dgm:else>
+                      </dgm:choose>
+                    </dgm:if>
+                    <dgm:else name="Name101"/>
+                  </dgm:choose>
+                  <dgm:shape xmlns:r="http://schemas.openxmlformats.org/officeDocument/2006/relationships" r:blip="">
+                    <dgm:adjLst/>
+                  </dgm:shape>
+                  <dgm:presOf/>
+                  <dgm:constrLst/>
+                  <dgm:ruleLst/>
+                  <dgm:forEach name="Name102" ref="rep2a"/>
+                </dgm:layoutNode>
+                <dgm:layoutNode name="hierChild5">
+                  <dgm:choose name="Name103">
+                    <dgm:if name="Name104" func="var" arg="dir" op="equ" val="norm">
+                      <dgm:alg type="hierChild">
+                        <dgm:param type="chAlign" val="l"/>
+                        <dgm:param type="linDir" val="fromL"/>
+                        <dgm:param type="secChAlign" val="t"/>
+                        <dgm:param type="secLinDir" val="fromT"/>
+                      </dgm:alg>
+                    </dgm:if>
+                    <dgm:else name="Name105">
+                      <dgm:alg type="hierChild">
+                        <dgm:param type="chAlign" val="l"/>
+                        <dgm:param type="linDir" val="fromR"/>
+                        <dgm:param type="secChAlign" val="t"/>
+                        <dgm:param type="secLinDir" val="fromT"/>
+                      </dgm:alg>
+                    </dgm:else>
+                  </dgm:choose>
+                  <dgm:shape xmlns:r="http://schemas.openxmlformats.org/officeDocument/2006/relationships" r:blip="">
+                    <dgm:adjLst/>
+                  </dgm:shape>
+                  <dgm:presOf/>
+                  <dgm:constrLst/>
+                  <dgm:ruleLst/>
+                  <dgm:forEach name="Name106" ref="rep2b"/>
+                </dgm:layoutNode>
+              </dgm:layoutNode>
+            </dgm:forEach>
+          </dgm:layoutNode>
+          <dgm:layoutNode name="hierChild3">
+            <dgm:choose name="Name107">
+              <dgm:if name="Name108" func="var" arg="dir" op="equ" val="norm">
+                <dgm:alg type="hierChild">
+                  <dgm:param type="chAlign" val="l"/>
+                  <dgm:param type="linDir" val="fromL"/>
+                  <dgm:param type="secChAlign" val="t"/>
+                  <dgm:param type="secLinDir" val="fromT"/>
+                </dgm:alg>
+              </dgm:if>
+              <dgm:else name="Name109">
+                <dgm:alg type="hierChild">
+                  <dgm:param type="chAlign" val="l"/>
+                  <dgm:param type="linDir" val="fromR"/>
+                  <dgm:param type="secChAlign" val="t"/>
+                  <dgm:param type="secLinDir" val="fromT"/>
+                </dgm:alg>
+              </dgm:else>
+            </dgm:choose>
+            <dgm:shape xmlns:r="http://schemas.openxmlformats.org/officeDocument/2006/relationships" r:blip="">
+              <dgm:adjLst/>
+            </dgm:shape>
+            <dgm:presOf/>
+            <dgm:constrLst/>
+            <dgm:ruleLst/>
+            <dgm:forEach name="rep2b" axis="ch" ptType="asst">
+              <dgm:forEach name="Name110" axis="precedSib" ptType="parTrans" st="-1" cnt="1">
+                <dgm:layoutNode name="Name111">
+                  <dgm:alg type="conn">
+                    <dgm:param type="connRout" val="bend"/>
+                    <dgm:param type="dim" val="1D"/>
+                    <dgm:param type="endSty" val="noArr"/>
+                    <dgm:param type="begPts" val="bCtr"/>
+                    <dgm:param type="endPts" val="midL midR"/>
+                  </dgm:alg>
+                  <dgm:shape xmlns:r="http://schemas.openxmlformats.org/officeDocument/2006/relationships" type="conn" r:blip="" zOrderOff="-99999">
+                    <dgm:adjLst/>
+                  </dgm:shape>
+                  <dgm:presOf axis="self"/>
+                  <dgm:constrLst>
+                    <dgm:constr type="begPad"/>
+                    <dgm:constr type="endPad"/>
+                  </dgm:constrLst>
+                  <dgm:ruleLst/>
+                </dgm:layoutNode>
+              </dgm:forEach>
+              <dgm:layoutNode name="hierRoot3">
+                <dgm:varLst>
+                  <dgm:hierBranch val="init"/>
+                </dgm:varLst>
+                <dgm:choose name="Name112">
+                  <dgm:if name="Name113" func="var" arg="hierBranch" op="equ" val="l">
+                    <dgm:alg type="hierRoot">
+                      <dgm:param type="hierAlign" val="tR"/>
+                    </dgm:alg>
+                    <dgm:shape xmlns:r="http://schemas.openxmlformats.org/officeDocument/2006/relationships" r:blip="">
+                      <dgm:adjLst/>
+                    </dgm:shape>
+                    <dgm:presOf/>
+                    <dgm:constrLst>
+                      <dgm:constr type="alignOff" val="0.65"/>
+                    </dgm:constrLst>
+                  </dgm:if>
+                  <dgm:if name="Name114" func="var" arg="hierBranch" op="equ" val="r">
+                    <dgm:alg type="hierRoot">
+                      <dgm:param type="hierAlign" val="tL"/>
+                    </dgm:alg>
+                    <dgm:shape xmlns:r="http://schemas.openxmlformats.org/officeDocument/2006/relationships" r:blip="">
+                      <dgm:adjLst/>
+                    </dgm:shape>
+                    <dgm:presOf/>
+                    <dgm:constrLst>
+                      <dgm:constr type="alignOff" val="0.65"/>
+                    </dgm:constrLst>
+                  </dgm:if>
+                  <dgm:if name="Name115" func="var" arg="hierBranch" op="equ" val="hang">
+                    <dgm:alg type="hierRoot"/>
+                    <dgm:shape xmlns:r="http://schemas.openxmlformats.org/officeDocument/2006/relationships" r:blip="">
+                      <dgm:adjLst/>
+                    </dgm:shape>
+                    <dgm:presOf/>
+                    <dgm:constrLst>
+                      <dgm:constr type="alignOff" val="0.65"/>
+                    </dgm:constrLst>
+                  </dgm:if>
+                  <dgm:if name="Name116" func="var" arg="hierBranch" op="equ" val="std">
+                    <dgm:alg type="hierRoot"/>
+                    <dgm:shape xmlns:r="http://schemas.openxmlformats.org/officeDocument/2006/relationships" r:blip="">
+                      <dgm:adjLst/>
+                    </dgm:shape>
+                    <dgm:presOf/>
+                    <dgm:constrLst>
+                      <dgm:constr type="alignOff"/>
+                      <dgm:constr type="bendDist" for="des" ptType="parTrans" refType="sp" fact="0.5"/>
+                    </dgm:constrLst>
+                  </dgm:if>
+                  <dgm:if name="Name117" func="var" arg="hierBranch" op="equ" val="init">
+                    <dgm:choose name="Name118">
+                      <dgm:if name="Name119" axis="des" func="maxDepth" op="lte" val="1">
+                        <dgm:alg type="hierRoot">
+                          <dgm:param type="hierAlign" val="tL"/>
+                        </dgm:alg>
+                        <dgm:shape xmlns:r="http://schemas.openxmlformats.org/officeDocument/2006/relationships" r:blip="">
+                          <dgm:adjLst/>
+                        </dgm:shape>
+                        <dgm:presOf/>
+                        <dgm:constrLst>
+                          <dgm:constr type="alignOff" val="0.65"/>
+                        </dgm:constrLst>
+                      </dgm:if>
+                      <dgm:else name="Name120">
+                        <dgm:alg type="hierRoot"/>
+                        <dgm:shape xmlns:r="http://schemas.openxmlformats.org/officeDocument/2006/relationships" r:blip="">
+                          <dgm:adjLst/>
+                        </dgm:shape>
+                        <dgm:presOf/>
+                        <dgm:constrLst>
+                          <dgm:constr type="alignOff"/>
+                          <dgm:constr type="bendDist" for="des" ptType="parTrans" refType="sp" fact="0.5"/>
+                        </dgm:constrLst>
+                      </dgm:else>
+                    </dgm:choose>
+                  </dgm:if>
+                  <dgm:else name="Name121"/>
+                </dgm:choose>
+                <dgm:ruleLst/>
+                <dgm:layoutNode name="rootComposite3">
+                  <dgm:alg type="composite"/>
+                  <dgm:shape xmlns:r="http://schemas.openxmlformats.org/officeDocument/2006/relationships" r:blip="">
+                    <dgm:adjLst/>
+                  </dgm:shape>
+                  <dgm:presOf axis="self" ptType="node" cnt="1"/>
+                  <dgm:choose name="Name122">
+                    <dgm:if name="Name123" func="var" arg="hierBranch" op="equ" val="init">
+                      <dgm:constrLst>
+                        <dgm:constr type="l" for="ch" forName="rootText3"/>
+                        <dgm:constr type="t" for="ch" forName="rootText3"/>
+                        <dgm:constr type="w" for="ch" forName="rootText3" refType="w"/>
+                        <dgm:constr type="h" for="ch" forName="rootText3" refType="h"/>
+                        <dgm:constr type="l" for="ch" forName="rootConnector3"/>
+                        <dgm:constr type="t" for="ch" forName="rootConnector3"/>
+                        <dgm:constr type="w" for="ch" forName="rootConnector3" refType="w" refFor="ch" refForName="rootText3" fact="0.2"/>
+                        <dgm:constr type="h" for="ch" forName="rootConnector3" refType="h" refFor="ch" refForName="rootText3"/>
+                      </dgm:constrLst>
+                    </dgm:if>
+                    <dgm:if name="Name124" func="var" arg="hierBranch" op="equ" val="l">
+                      <dgm:constrLst>
+                        <dgm:constr type="l" for="ch" forName="rootText3"/>
+                        <dgm:constr type="t" for="ch" forName="rootText3"/>
+                        <dgm:constr type="w" for="ch" forName="rootText3" refType="w"/>
+                        <dgm:constr type="h" for="ch" forName="rootText3" refType="h"/>
+                        <dgm:constr type="r" for="ch" forName="rootConnector3" refType="w"/>
+                        <dgm:constr type="t" for="ch" forName="rootConnector3"/>
+                        <dgm:constr type="w" for="ch" forName="rootConnector3" refType="w" refFor="ch" refForName="rootText3" fact="0.2"/>
+                        <dgm:constr type="h" for="ch" forName="rootConnector3" refType="h" refFor="ch" refForName="rootText3"/>
+                      </dgm:constrLst>
+                    </dgm:if>
+                    <dgm:if name="Name125" func="var" arg="hierBranch" op="equ" val="r">
+                      <dgm:constrLst>
+                        <dgm:constr type="l" for="ch" forName="rootText3"/>
+                        <dgm:constr type="t" for="ch" forName="rootText3"/>
+                        <dgm:constr type="w" for="ch" forName="rootText3" refType="w"/>
+                        <dgm:constr type="h" for="ch" forName="rootText3" refType="h"/>
+                        <dgm:constr type="l" for="ch" forName="rootConnector3"/>
+                        <dgm:constr type="t" for="ch" forName="rootConnector3"/>
+                        <dgm:constr type="w" for="ch" forName="rootConnector3" refType="w" refFor="ch" refForName="rootText3" fact="0.2"/>
+                        <dgm:constr type="h" for="ch" forName="rootConnector3" refType="h" refFor="ch" refForName="rootText3"/>
+                      </dgm:constrLst>
+                    </dgm:if>
+                    <dgm:else name="Name126">
+                      <dgm:constrLst>
+                        <dgm:constr type="l" for="ch" forName="rootText3"/>
+                        <dgm:constr type="t" for="ch" forName="rootText3"/>
+                        <dgm:constr type="w" for="ch" forName="rootText3" refType="w"/>
+                        <dgm:constr type="h" for="ch" forName="rootText3" refType="h"/>
+                        <dgm:constr type="r" for="ch" forName="rootConnector3" refType="w"/>
+                        <dgm:constr type="t" for="ch" forName="rootConnector3"/>
+                        <dgm:constr type="w" for="ch" forName="rootConnector3" refType="w" refFor="ch" refForName="rootText3" fact="0.2"/>
+                        <dgm:constr type="h" for="ch" forName="rootConnector3" refType="h" refFor="ch" refForName="rootText3"/>
+                      </dgm:constrLst>
+                    </dgm:else>
+                  </dgm:choose>
+                  <dgm:ruleLst/>
+                  <dgm:layoutNode name="rootText3">
+                    <dgm:varLst>
+                      <dgm:chPref val="3"/>
+                    </dgm:varLst>
+                    <dgm:alg type="tx"/>
+                    <dgm:shape xmlns:r="http://schemas.openxmlformats.org/officeDocument/2006/relationships" type="rect" r:blip="">
+                      <dgm:adjLst/>
+                    </dgm:shape>
+                    <dgm:presOf axis="self" ptType="node" cnt="1"/>
+                    <dgm:constrLst>
+                      <dgm:constr type="primFontSz" val="65"/>
+                      <dgm:constr type="lMarg" refType="primFontSz" fact="0.05"/>
+                      <dgm:constr type="rMarg" refType="primFontSz" fact="0.05"/>
+                      <dgm:constr type="tMarg" refType="primFontSz" fact="0.05"/>
+                      <dgm:constr type="bMarg" refType="primFontSz" fact="0.05"/>
+                    </dgm:constrLst>
+                    <dgm:ruleLst>
+                      <dgm:rule type="primFontSz" val="5" fact="NaN" max="NaN"/>
+                    </dgm:ruleLst>
+                  </dgm:layoutNode>
+                  <dgm:layoutNode name="rootConnector3" moveWith="rootText1">
+                    <dgm:alg type="sp"/>
+                    <dgm:shape xmlns:r="http://schemas.openxmlformats.org/officeDocument/2006/relationships" type="rect" r:blip="" hideGeom="1">
+                      <dgm:adjLst/>
+                    </dgm:shape>
+                    <dgm:presOf axis="self" ptType="node" cnt="1"/>
+                    <dgm:constrLst/>
+                    <dgm:ruleLst/>
+                  </dgm:layoutNode>
+                </dgm:layoutNode>
+                <dgm:layoutNode name="hierChild6">
+                  <dgm:choose name="Name127">
+                    <dgm:if name="Name128" func="var" arg="hierBranch" op="equ" val="l">
+                      <dgm:alg type="hierChild">
+                        <dgm:param type="chAlign" val="r"/>
+                        <dgm:param type="linDir" val="fromT"/>
+                      </dgm:alg>
+                    </dgm:if>
+                    <dgm:if name="Name129" func="var" arg="hierBranch" op="equ" val="r">
+                      <dgm:alg type="hierChild">
+                        <dgm:param type="chAlign" val="l"/>
+                        <dgm:param type="linDir" val="fromT"/>
+                      </dgm:alg>
+                    </dgm:if>
+                    <dgm:if name="Name130" func="var" arg="hierBranch" op="equ" val="hang">
+                      <dgm:choose name="Name131">
+                        <dgm:if name="Name132" func="var" arg="dir" op="equ" val="norm">
+                          <dgm:alg type="hierChild">
+                            <dgm:param type="chAlign" val="l"/>
+                            <dgm:param type="linDir" val="fromL"/>
+                            <dgm:param type="secChAlign" val="t"/>
+                            <dgm:param type="secLinDir" val="fromT"/>
+                          </dgm:alg>
+                        </dgm:if>
+                        <dgm:else name="Name133">
+                          <dgm:alg type="hierChild">
+                            <dgm:param type="chAlign" val="l"/>
+                            <dgm:param type="linDir" val="fromR"/>
+                            <dgm:param type="secChAlign" val="t"/>
+                            <dgm:param type="secLinDir" val="fromT"/>
+                          </dgm:alg>
+                        </dgm:else>
+                      </dgm:choose>
+                    </dgm:if>
+                    <dgm:if name="Name134" func="var" arg="hierBranch" op="equ" val="std">
+                      <dgm:choose name="Name135">
+                        <dgm:if name="Name136" func="var" arg="dir" op="equ" val="norm">
+                          <dgm:alg type="hierChild"/>
+                        </dgm:if>
+                        <dgm:else name="Name137">
+                          <dgm:alg type="hierChild">
+                            <dgm:param type="linDir" val="fromR"/>
+                          </dgm:alg>
+                        </dgm:else>
+                      </dgm:choose>
+                    </dgm:if>
+                    <dgm:if name="Name138" func="var" arg="hierBranch" op="equ" val="init">
+                      <dgm:choose name="Name139">
+                        <dgm:if name="Name140" axis="des" func="maxDepth" op="lte" val="1">
+                          <dgm:alg type="hierChild">
+                            <dgm:param type="chAlign" val="l"/>
+                            <dgm:param type="linDir" val="fromT"/>
+                          </dgm:alg>
+                        </dgm:if>
+                        <dgm:else name="Name141">
+                          <dgm:alg type="hierChild"/>
+                        </dgm:else>
+                      </dgm:choose>
+                    </dgm:if>
+                    <dgm:else name="Name142"/>
+                  </dgm:choose>
+                  <dgm:shape xmlns:r="http://schemas.openxmlformats.org/officeDocument/2006/relationships" r:blip="">
+                    <dgm:adjLst/>
+                  </dgm:shape>
+                  <dgm:presOf/>
+                  <dgm:constrLst/>
+                  <dgm:ruleLst/>
+                  <dgm:forEach name="Name143" ref="rep2a"/>
+                </dgm:layoutNode>
+                <dgm:layoutNode name="hierChild7">
+                  <dgm:choose name="Name144">
+                    <dgm:if name="Name145" func="var" arg="dir" op="equ" val="norm">
+                      <dgm:alg type="hierChild">
+                        <dgm:param type="chAlign" val="l"/>
+                        <dgm:param type="linDir" val="fromL"/>
+                        <dgm:param type="secChAlign" val="t"/>
+                        <dgm:param type="secLinDir" val="fromT"/>
+                      </dgm:alg>
+                    </dgm:if>
+                    <dgm:else name="Name146">
+                      <dgm:alg type="hierChild">
+                        <dgm:param type="chAlign" val="l"/>
+                        <dgm:param type="linDir" val="fromR"/>
+                        <dgm:param type="secChAlign" val="t"/>
+                        <dgm:param type="secLinDir" val="fromT"/>
+                      </dgm:alg>
+                    </dgm:else>
+                  </dgm:choose>
+                  <dgm:shape xmlns:r="http://schemas.openxmlformats.org/officeDocument/2006/relationships" r:blip="">
+                    <dgm:adjLst/>
+                  </dgm:shape>
+                  <dgm:presOf/>
+                  <dgm:constrLst/>
+                  <dgm:ruleLst/>
+                  <dgm:forEach name="Name147" ref="rep2b"/>
+                </dgm:layoutNode>
+              </dgm:layoutNode>
+            </dgm:forEach>
+          </dgm:layoutNode>
+        </dgm:layoutNode>
+      </dgm:forEach>
+    </dgm:forEach>
+  </dgm:layoutNode>
+</dgm:layoutDef>
+</file>
+
+<file path=ppt/diagrams/quickStyle1.xml><?xml version="1.0" encoding="utf-8"?>
+<dgm:styleDef xmlns:dgm="http://schemas.openxmlformats.org/drawingml/2006/diagram" xmlns:a="http://schemas.openxmlformats.org/drawingml/2006/main" uniqueId="urn:microsoft.com/office/officeart/2005/8/quickstyle/simple1">
+  <dgm:title val=""/>
+  <dgm:desc val=""/>
+  <dgm:catLst>
+    <dgm:cat type="simple" pri="10100"/>
+  </dgm:catLst>
+  <dgm:scene3d>
+    <a:camera prst="orthographicFront"/>
+    <a:lightRig rig="threePt" dir="t"/>
+  </dgm:scene3d>
+  <dgm:styleLbl name="node0">
+    <dgm:scene3d>
+      <a:camera prst="orthographicFront"/>
+      <a:lightRig rig="threePt" dir="t"/>
+    </dgm:scene3d>
+    <dgm:sp3d/>
+    <dgm:txPr/>
+    <dgm:style>
+      <a:lnRef idx="2">
+        <a:scrgbClr r="0" g="0" b="0"/>
+      </a:lnRef>
+      <a:fillRef idx="1">
+        <a:scrgbClr r="0" g="0" b="0"/>
+      </a:fillRef>
+      <a:effectRef idx="0">
+        <a:scrgbClr r="0" g="0" b="0"/>
+      </a:effectRef>
+      <a:fontRef idx="minor">
+        <a:schemeClr val="lt1"/>
+      </a:fontRef>
+    </dgm:style>
+  </dgm:styleLbl>
+  <dgm:styleLbl name="lnNode1">
+    <dgm:scene3d>
+      <a:camera prst="orthographicFront"/>
+      <a:lightRig rig="threePt" dir="t"/>
+    </dgm:scene3d>
+    <dgm:sp3d/>
+    <dgm:txPr/>
+    <dgm:style>
+      <a:lnRef idx="2">
+        <a:scrgbClr r="0" g="0" b="0"/>
+      </a:lnRef>
+      <a:fillRef idx="1">
+        <a:scrgbClr r="0" g="0" b="0"/>
+      </a:fillRef>
+      <a:effectRef idx="0">
+        <a:scrgbClr r="0" g="0" b="0"/>
+      </a:effectRef>
+      <a:fontRef idx="minor">
+        <a:schemeClr val="lt1"/>
+      </a:fontRef>
+    </dgm:style>
+  </dgm:styleLbl>
+  <dgm:styleLbl name="vennNode1">
+    <dgm:scene3d>
+      <a:camera prst="orthographicFront"/>
+      <a:lightRig rig="threePt" dir="t"/>
+    </dgm:scene3d>
+    <dgm:sp3d/>
+    <dgm:txPr/>
+    <dgm:style>
+      <a:lnRef idx="2">
+        <a:scrgbClr r="0" g="0" b="0"/>
+      </a:lnRef>
+      <a:fillRef idx="1">
+        <a:scrgbClr r="0" g="0" b="0"/>
+      </a:fillRef>
+      <a:effectRef idx="0">
+        <a:scrgbClr r="0" g="0" b="0"/>
+      </a:effectRef>
+      <a:fontRef idx="minor">
+        <a:schemeClr val="tx1"/>
+      </a:fontRef>
+    </dgm:style>
+  </dgm:styleLbl>
+  <dgm:styleLbl name="alignNode1">
+    <dgm:scene3d>
+      <a:camera prst="orthographicFront"/>
+      <a:lightRig rig="threePt" dir="t"/>
+    </dgm:scene3d>
+    <dgm:sp3d/>
+    <dgm:txPr/>
+    <dgm:style>
+      <a:lnRef idx="2">
+        <a:scrgbClr r="0" g="0" b="0"/>
+      </a:lnRef>
+      <a:fillRef idx="1">
+        <a:scrgbClr r="0" g="0" b="0"/>
+      </a:fillRef>
+      <a:effectRef idx="0">
+        <a:scrgbClr r="0" g="0" b="0"/>
+      </a:effectRef>
+      <a:fontRef idx="minor">
+        <a:schemeClr val="lt1"/>
+      </a:fontRef>
+    </dgm:style>
+  </dgm:styleLbl>
+  <dgm:styleLbl name="node1">
+    <dgm:scene3d>
+      <a:camera prst="orthographicFront"/>
+      <a:lightRig rig="threePt" dir="t"/>
+    </dgm:scene3d>
+    <dgm:sp3d/>
+    <dgm:txPr/>
+    <dgm:style>
+      <a:lnRef idx="2">
+        <a:scrgbClr r="0" g="0" b="0"/>
+      </a:lnRef>
+      <a:fillRef idx="1">
+        <a:scrgbClr r="0" g="0" b="0"/>
+      </a:fillRef>
+      <a:effectRef idx="0">
+        <a:scrgbClr r="0" g="0" b="0"/>
+      </a:effectRef>
+      <a:fontRef idx="minor">
+        <a:schemeClr val="lt1"/>
+      </a:fontRef>
+    </dgm:style>
+  </dgm:styleLbl>
+  <dgm:styleLbl name="node2">
+    <dgm:scene3d>
+      <a:camera prst="orthographicFront"/>
+      <a:lightRig rig="threePt" dir="t"/>
+    </dgm:scene3d>
+    <dgm:sp3d/>
+    <dgm:txPr/>
+    <dgm:style>
+      <a:lnRef idx="2">
+        <a:scrgbClr r="0" g="0" b="0"/>
+      </a:lnRef>
+      <a:fillRef idx="1">
+        <a:scrgbClr r="0" g="0" b="0"/>
+      </a:fillRef>
+      <a:effectRef idx="0">
+        <a:scrgbClr r="0" g="0" b="0"/>
+      </a:effectRef>
+      <a:fontRef idx="minor">
+        <a:schemeClr val="lt1"/>
+      </a:fontRef>
+    </dgm:style>
+  </dgm:styleLbl>
+  <dgm:styleLbl name="node3">
+    <dgm:scene3d>
+      <a:camera prst="orthographicFront"/>
+      <a:lightRig rig="threePt" dir="t"/>
+    </dgm:scene3d>
+    <dgm:sp3d/>
+    <dgm:txPr/>
+    <dgm:style>
+      <a:lnRef idx="2">
+        <a:scrgbClr r="0" g="0" b="0"/>
+      </a:lnRef>
+      <a:fillRef idx="1">
+        <a:scrgbClr r="0" g="0" b="0"/>
+      </a:fillRef>
+      <a:effectRef idx="0">
+        <a:scrgbClr r="0" g="0" b="0"/>
+      </a:effectRef>
+      <a:fontRef idx="minor">
+        <a:schemeClr val="lt1"/>
+      </a:fontRef>
+    </dgm:style>
+  </dgm:styleLbl>
+  <dgm:styleLbl name="node4">
+    <dgm:scene3d>
+      <a:camera prst="orthographicFront"/>
+      <a:lightRig rig="threePt" dir="t"/>
+    </dgm:scene3d>
+    <dgm:sp3d/>
+    <dgm:txPr/>
+    <dgm:style>
+      <a:lnRef idx="2">
+        <a:scrgbClr r="0" g="0" b="0"/>
+      </a:lnRef>
+      <a:fillRef idx="1">
+        <a:scrgbClr r="0" g="0" b="0"/>
+      </a:fillRef>
+      <a:effectRef idx="0">
+        <a:scrgbClr r="0" g="0" b="0"/>
+      </a:effectRef>
+      <a:fontRef idx="minor">
+        <a:schemeClr val="lt1"/>
+      </a:fontRef>
+    </dgm:style>
+  </dgm:styleLbl>
+  <dgm:styleLbl name="fgImgPlace1">
+    <dgm:scene3d>
+      <a:camera prst="orthographicFront"/>
+      <a:lightRig rig="threePt" dir="t"/>
+    </dgm:scene3d>
+    <dgm:sp3d/>
+    <dgm:txPr/>
+    <dgm:style>
+      <a:lnRef idx="2">
+        <a:scrgbClr r="0" g="0" b="0"/>
+      </a:lnRef>
+      <a:fillRef idx="1">
+        <a:scrgbClr r="0" g="0" b="0"/>
+      </a:fillRef>
+      <a:effectRef idx="0">
+        <a:scrgbClr r="0" g="0" b="0"/>
+      </a:effectRef>
+      <a:fontRef idx="minor"/>
+    </dgm:style>
+  </dgm:styleLbl>
+  <dgm:styleLbl name="alignImgPlace1">
+    <dgm:scene3d>
+      <a:camera prst="orthographicFront"/>
+      <a:lightRig rig="threePt" dir="t"/>
+    </dgm:scene3d>
+    <dgm:sp3d/>
+    <dgm:txPr/>
+    <dgm:style>
+      <a:lnRef idx="2">
+        <a:scrgbClr r="0" g="0" b="0"/>
+      </a:lnRef>
+      <a:fillRef idx="1">
+        <a:scrgbClr r="0" g="0" b="0"/>
+      </a:fillRef>
+      <a:effectRef idx="0">
+        <a:scrgbClr r="0" g="0" b="0"/>
+      </a:effectRef>
+      <a:fontRef idx="minor"/>
+    </dgm:style>
+  </dgm:styleLbl>
+  <dgm:styleLbl name="bgImgPlace1">
+    <dgm:scene3d>
+      <a:camera prst="orthographicFront"/>
+      <a:lightRig rig="threePt" dir="t"/>
+    </dgm:scene3d>
+    <dgm:sp3d/>
+    <dgm:txPr/>
+    <dgm:style>
+      <a:lnRef idx="2">
+        <a:scrgbClr r="0" g="0" b="0"/>
+      </a:lnRef>
+      <a:fillRef idx="1">
+        <a:scrgbClr r="0" g="0" b="0"/>
+      </a:fillRef>
+      <a:effectRef idx="0">
+        <a:scrgbClr r="0" g="0" b="0"/>
+      </a:effectRef>
+      <a:fontRef idx="minor"/>
+    </dgm:style>
+  </dgm:styleLbl>
+  <dgm:styleLbl name="sibTrans2D1">
+    <dgm:scene3d>
+      <a:camera prst="orthographicFront"/>
+      <a:lightRig rig="threePt" dir="t"/>
+    </dgm:scene3d>
+    <dgm:sp3d/>
+    <dgm:txPr/>
+    <dgm:style>
+      <a:lnRef idx="0">
+        <a:scrgbClr r="0" g="0" b="0"/>
+      </a:lnRef>
+      <a:fillRef idx="1">
+        <a:scrgbClr r="0" g="0" b="0"/>
+      </a:fillRef>
+      <a:effectRef idx="0">
+        <a:scrgbClr r="0" g="0" b="0"/>
+      </a:effectRef>
+      <a:fontRef idx="minor">
+        <a:schemeClr val="lt1"/>
+      </a:fontRef>
+    </dgm:style>
+  </dgm:styleLbl>
+  <dgm:styleLbl name="fgSibTrans2D1">
+    <dgm:scene3d>
+      <a:camera prst="orthographicFront"/>
+      <a:lightRig rig="threePt" dir="t"/>
+    </dgm:scene3d>
+    <dgm:sp3d/>
+    <dgm:txPr/>
+    <dgm:style>
+      <a:lnRef idx="0">
+        <a:scrgbClr r="0" g="0" b="0"/>
+      </a:lnRef>
+      <a:fillRef idx="1">
+        <a:scrgbClr r="0" g="0" b="0"/>
+      </a:fillRef>
+      <a:effectRef idx="0">
+        <a:scrgbClr r="0" g="0" b="0"/>
+      </a:effectRef>
+      <a:fontRef idx="minor">
+        <a:schemeClr val="lt1"/>
+      </a:fontRef>
+    </dgm:style>
+  </dgm:styleLbl>
+  <dgm:styleLbl name="bgSibTrans2D1">
+    <dgm:scene3d>
+      <a:camera prst="orthographicFront"/>
+      <a:lightRig rig="threePt" dir="t"/>
+    </dgm:scene3d>
+    <dgm:sp3d/>
+    <dgm:txPr/>
+    <dgm:style>
+      <a:lnRef idx="0">
+        <a:scrgbClr r="0" g="0" b="0"/>
+      </a:lnRef>
+      <a:fillRef idx="1">
+        <a:scrgbClr r="0" g="0" b="0"/>
+      </a:fillRef>
+      <a:effectRef idx="0">
+        <a:scrgbClr r="0" g="0" b="0"/>
+      </a:effectRef>
+      <a:fontRef idx="minor">
+        <a:schemeClr val="lt1"/>
+      </a:fontRef>
+    </dgm:style>
+  </dgm:styleLbl>
+  <dgm:styleLbl name="sibTrans1D1">
+    <dgm:scene3d>
+      <a:camera prst="orthographicFront"/>
+      <a:lightRig rig="threePt" dir="t"/>
+    </dgm:scene3d>
+    <dgm:sp3d/>
+    <dgm:txPr/>
+    <dgm:style>
+      <a:lnRef idx="1">
+        <a:scrgbClr r="0" g="0" b="0"/>
+      </a:lnRef>
+      <a:fillRef idx="0">
+        <a:scrgbClr r="0" g="0" b="0"/>
+      </a:fillRef>
+      <a:effectRef idx="0">
+        <a:scrgbClr r="0" g="0" b="0"/>
+      </a:effectRef>
+      <a:fontRef idx="minor"/>
+    </dgm:style>
+  </dgm:styleLbl>
+  <dgm:styleLbl name="callout">
+    <dgm:scene3d>
+      <a:camera prst="orthographicFront"/>
+      <a:lightRig rig="threePt" dir="t"/>
+    </dgm:scene3d>
+    <dgm:sp3d/>
+    <dgm:txPr/>
+    <dgm:style>
+      <a:lnRef idx="2">
+        <a:scrgbClr r="0" g="0" b="0"/>
+      </a:lnRef>
+      <a:fillRef idx="1">
+        <a:scrgbClr r="0" g="0" b="0"/>
+      </a:fillRef>
+      <a:effectRef idx="0">
+        <a:scrgbClr r="0" g="0" b="0"/>
+      </a:effectRef>
+      <a:fontRef idx="minor"/>
+    </dgm:style>
+  </dgm:styleLbl>
+  <dgm:styleLbl name="asst0">
+    <dgm:scene3d>
+      <a:camera prst="orthographicFront"/>
+      <a:lightRig rig="threePt" dir="t"/>
+    </dgm:scene3d>
+    <dgm:sp3d/>
+    <dgm:txPr/>
+    <dgm:style>
+      <a:lnRef idx="2">
+        <a:scrgbClr r="0" g="0" b="0"/>
+      </a:lnRef>
+      <a:fillRef idx="1">
+        <a:scrgbClr r="0" g="0" b="0"/>
+      </a:fillRef>
+      <a:effectRef idx="0">
+        <a:scrgbClr r="0" g="0" b="0"/>
+      </a:effectRef>
+      <a:fontRef idx="minor">
+        <a:schemeClr val="lt1"/>
+      </a:fontRef>
+    </dgm:style>
+  </dgm:styleLbl>
+  <dgm:styleLbl name="asst1">
+    <dgm:scene3d>
+      <a:camera prst="orthographicFront"/>
+      <a:lightRig rig="threePt" dir="t"/>
+    </dgm:scene3d>
+    <dgm:sp3d/>
+    <dgm:txPr/>
+    <dgm:style>
+      <a:lnRef idx="2">
+        <a:scrgbClr r="0" g="0" b="0"/>
+      </a:lnRef>
+      <a:fillRef idx="1">
+        <a:scrgbClr r="0" g="0" b="0"/>
+      </a:fillRef>
+      <a:effectRef idx="0">
+        <a:scrgbClr r="0" g="0" b="0"/>
+      </a:effectRef>
+      <a:fontRef idx="minor">
+        <a:schemeClr val="lt1"/>
+      </a:fontRef>
+    </dgm:style>
+  </dgm:styleLbl>
+  <dgm:styleLbl name="asst2">
+    <dgm:scene3d>
+      <a:camera prst="orthographicFront"/>
+      <a:lightRig rig="threePt" dir="t"/>
+    </dgm:scene3d>
+    <dgm:sp3d/>
+    <dgm:txPr/>
+    <dgm:style>
+      <a:lnRef idx="2">
+        <a:scrgbClr r="0" g="0" b="0"/>
+      </a:lnRef>
+      <a:fillRef idx="1">
+        <a:scrgbClr r="0" g="0" b="0"/>
+      </a:fillRef>
+      <a:effectRef idx="0">
+        <a:scrgbClr r="0" g="0" b="0"/>
+      </a:effectRef>
+      <a:fontRef idx="minor">
+        <a:schemeClr val="lt1"/>
+      </a:fontRef>
+    </dgm:style>
+  </dgm:styleLbl>
+  <dgm:styleLbl name="asst3">
+    <dgm:scene3d>
+      <a:camera prst="orthographicFront"/>
+      <a:lightRig rig="threePt" dir="t"/>
+    </dgm:scene3d>
+    <dgm:sp3d/>
+    <dgm:txPr/>
+    <dgm:style>
+      <a:lnRef idx="2">
+        <a:scrgbClr r="0" g="0" b="0"/>
+      </a:lnRef>
+      <a:fillRef idx="1">
+        <a:scrgbClr r="0" g="0" b="0"/>
+      </a:fillRef>
+      <a:effectRef idx="0">
+        <a:scrgbClr r="0" g="0" b="0"/>
+      </a:effectRef>
+      <a:fontRef idx="minor">
+        <a:schemeClr val="lt1"/>
+      </a:fontRef>
+    </dgm:style>
+  </dgm:styleLbl>
+  <dgm:styleLbl name="asst4">
+    <dgm:scene3d>
+      <a:camera prst="orthographicFront"/>
+      <a:lightRig rig="threePt" dir="t"/>
+    </dgm:scene3d>
+    <dgm:sp3d/>
+    <dgm:txPr/>
+    <dgm:style>
+      <a:lnRef idx="2">
+        <a:scrgbClr r="0" g="0" b="0"/>
+      </a:lnRef>
+      <a:fillRef idx="1">
+        <a:scrgbClr r="0" g="0" b="0"/>
+      </a:fillRef>
+      <a:effectRef idx="0">
+        <a:scrgbClr r="0" g="0" b="0"/>
+      </a:effectRef>
+      <a:fontRef idx="minor">
+        <a:schemeClr val="lt1"/>
+      </a:fontRef>
+    </dgm:style>
+  </dgm:styleLbl>
+  <dgm:styleLbl name="parChTrans2D1">
+    <dgm:scene3d>
+      <a:camera prst="orthographicFront"/>
+      <a:lightRig rig="threePt" dir="t"/>
+    </dgm:scene3d>
+    <dgm:sp3d/>
+    <dgm:txPr/>
+    <dgm:style>
+      <a:lnRef idx="2">
+        <a:scrgbClr r="0" g="0" b="0"/>
+      </a:lnRef>
+      <a:fillRef idx="1">
+        <a:scrgbClr r="0" g="0" b="0"/>
+      </a:fillRef>
+      <a:effectRef idx="0">
+        <a:scrgbClr r="0" g="0" b="0"/>
+      </a:effectRef>
+      <a:fontRef idx="minor">
+        <a:schemeClr val="lt1"/>
+      </a:fontRef>
+    </dgm:style>
+  </dgm:styleLbl>
+  <dgm:styleLbl name="parChTrans2D2">
+    <dgm:scene3d>
+      <a:camera prst="orthographicFront"/>
+      <a:lightRig rig="threePt" dir="t"/>
+    </dgm:scene3d>
+    <dgm:sp3d/>
+    <dgm:txPr/>
+    <dgm:style>
+      <a:lnRef idx="2">
+        <a:scrgbClr r="0" g="0" b="0"/>
+      </a:lnRef>
+      <a:fillRef idx="1">
+        <a:scrgbClr r="0" g="0" b="0"/>
+      </a:fillRef>
+      <a:effectRef idx="0">
+        <a:scrgbClr r="0" g="0" b="0"/>
+      </a:effectRef>
+      <a:fontRef idx="minor">
+        <a:schemeClr val="lt1"/>
+      </a:fontRef>
+    </dgm:style>
+  </dgm:styleLbl>
+  <dgm:styleLbl name="parChTrans2D3">
+    <dgm:scene3d>
+      <a:camera prst="orthographicFront"/>
+      <a:lightRig rig="threePt" dir="t"/>
+    </dgm:scene3d>
+    <dgm:sp3d/>
+    <dgm:txPr/>
+    <dgm:style>
+      <a:lnRef idx="2">
+        <a:scrgbClr r="0" g="0" b="0"/>
+      </a:lnRef>
+      <a:fillRef idx="1">
+        <a:scrgbClr r="0" g="0" b="0"/>
+      </a:fillRef>
+      <a:effectRef idx="0">
+        <a:scrgbClr r="0" g="0" b="0"/>
+      </a:effectRef>
+      <a:fontRef idx="minor">
+        <a:schemeClr val="lt1"/>
+      </a:fontRef>
+    </dgm:style>
+  </dgm:styleLbl>
+  <dgm:styleLbl name="parChTrans2D4">
+    <dgm:scene3d>
+      <a:camera prst="orthographicFront"/>
+      <a:lightRig rig="threePt" dir="t"/>
+    </dgm:scene3d>
+    <dgm:sp3d/>
+    <dgm:txPr/>
+    <dgm:style>
+      <a:lnRef idx="2">
+        <a:scrgbClr r="0" g="0" b="0"/>
+      </a:lnRef>
+      <a:fillRef idx="1">
+        <a:scrgbClr r="0" g="0" b="0"/>
+      </a:fillRef>
+      <a:effectRef idx="0">
+        <a:scrgbClr r="0" g="0" b="0"/>
+      </a:effectRef>
+      <a:fontRef idx="minor">
+        <a:schemeClr val="lt1"/>
+      </a:fontRef>
+    </dgm:style>
+  </dgm:styleLbl>
+  <dgm:styleLbl name="parChTrans1D1">
+    <dgm:scene3d>
+      <a:camera prst="orthographicFront"/>
+      <a:lightRig rig="threePt" dir="t"/>
+    </dgm:scene3d>
+    <dgm:sp3d/>
+    <dgm:txPr/>
+    <dgm:style>
+      <a:lnRef idx="2">
+        <a:scrgbClr r="0" g="0" b="0"/>
+      </a:lnRef>
+      <a:fillRef idx="0">
+        <a:scrgbClr r="0" g="0" b="0"/>
+      </a:fillRef>
+      <a:effectRef idx="0">
+        <a:scrgbClr r="0" g="0" b="0"/>
+      </a:effectRef>
+      <a:fontRef idx="minor"/>
+    </dgm:style>
+  </dgm:styleLbl>
+  <dgm:styleLbl name="parChTrans1D2">
+    <dgm:scene3d>
+      <a:camera prst="orthographicFront"/>
+      <a:lightRig rig="threePt" dir="t"/>
+    </dgm:scene3d>
+    <dgm:sp3d/>
+    <dgm:txPr/>
+    <dgm:style>
+      <a:lnRef idx="2">
+        <a:scrgbClr r="0" g="0" b="0"/>
+      </a:lnRef>
+      <a:fillRef idx="0">
+        <a:scrgbClr r="0" g="0" b="0"/>
+      </a:fillRef>
+      <a:effectRef idx="0">
+        <a:scrgbClr r="0" g="0" b="0"/>
+      </a:effectRef>
+      <a:fontRef idx="minor"/>
+    </dgm:style>
+  </dgm:styleLbl>
+  <dgm:styleLbl name="parChTrans1D3">
+    <dgm:scene3d>
+      <a:camera prst="orthographicFront"/>
+      <a:lightRig rig="threePt" dir="t"/>
+    </dgm:scene3d>
+    <dgm:sp3d/>
+    <dgm:txPr/>
+    <dgm:style>
+      <a:lnRef idx="2">
+        <a:scrgbClr r="0" g="0" b="0"/>
+      </a:lnRef>
+      <a:fillRef idx="0">
+        <a:scrgbClr r="0" g="0" b="0"/>
+      </a:fillRef>
+      <a:effectRef idx="0">
+        <a:scrgbClr r="0" g="0" b="0"/>
+      </a:effectRef>
+      <a:fontRef idx="minor"/>
+    </dgm:style>
+  </dgm:styleLbl>
+  <dgm:styleLbl name="parChTrans1D4">
+    <dgm:scene3d>
+      <a:camera prst="orthographicFront"/>
+      <a:lightRig rig="threePt" dir="t"/>
+    </dgm:scene3d>
+    <dgm:sp3d/>
+    <dgm:txPr/>
+    <dgm:style>
+      <a:lnRef idx="2">
+        <a:scrgbClr r="0" g="0" b="0"/>
+      </a:lnRef>
+      <a:fillRef idx="0">
+        <a:scrgbClr r="0" g="0" b="0"/>
+      </a:fillRef>
+      <a:effectRef idx="0">
+        <a:scrgbClr r="0" g="0" b="0"/>
+      </a:effectRef>
+      <a:fontRef idx="minor"/>
+    </dgm:style>
+  </dgm:styleLbl>
+  <dgm:styleLbl name="fgAcc1">
+    <dgm:scene3d>
+      <a:camera prst="orthographicFront"/>
+      <a:lightRig rig="threePt" dir="t"/>
+    </dgm:scene3d>
+    <dgm:sp3d/>
+    <dgm:txPr/>
+    <dgm:style>
+      <a:lnRef idx="2">
+        <a:scrgbClr r="0" g="0" b="0"/>
+      </a:lnRef>
+      <a:fillRef idx="1">
+        <a:scrgbClr r="0" g="0" b="0"/>
+      </a:fillRef>
+      <a:effectRef idx="0">
+        <a:scrgbClr r="0" g="0" b="0"/>
+      </a:effectRef>
+      <a:fontRef idx="minor"/>
+    </dgm:style>
+  </dgm:styleLbl>
+  <dgm:styleLbl name="conFgAcc1">
+    <dgm:scene3d>
+      <a:camera prst="orthographicFront"/>
+      <a:lightRig rig="threePt" dir="t"/>
+    </dgm:scene3d>
+    <dgm:sp3d/>
+    <dgm:txPr/>
+    <dgm:style>
+      <a:lnRef idx="2">
+        <a:scrgbClr r="0" g="0" b="0"/>
+      </a:lnRef>
+      <a:fillRef idx="1">
+        <a:scrgbClr r="0" g="0" b="0"/>
+      </a:fillRef>
+      <a:effectRef idx="0">
+        <a:scrgbClr r="0" g="0" b="0"/>
+      </a:effectRef>
+      <a:fontRef idx="minor"/>
+    </dgm:style>
+  </dgm:styleLbl>
+  <dgm:styleLbl name="alignAcc1">
+    <dgm:scene3d>
+      <a:camera prst="orthographicFront"/>
+      <a:lightRig rig="threePt" dir="t"/>
+    </dgm:scene3d>
+    <dgm:sp3d/>
+    <dgm:txPr/>
+    <dgm:style>
+      <a:lnRef idx="2">
+        <a:scrgbClr r="0" g="0" b="0"/>
+      </a:lnRef>
+      <a:fillRef idx="1">
+        <a:scrgbClr r="0" g="0" b="0"/>
+      </a:fillRef>
+      <a:effectRef idx="0">
+        <a:scrgbClr r="0" g="0" b="0"/>
+      </a:effectRef>
+      <a:fontRef idx="minor"/>
+    </dgm:style>
+  </dgm:styleLbl>
+  <dgm:styleLbl name="trAlignAcc1">
+    <dgm:scene3d>
+      <a:camera prst="orthographicFront"/>
+      <a:lightRig rig="threePt" dir="t"/>
+    </dgm:scene3d>
+    <dgm:sp3d/>
+    <dgm:txPr/>
+    <dgm:style>
+      <a:lnRef idx="1">
+        <a:scrgbClr r="0" g="0" b="0"/>
+      </a:lnRef>
+      <a:fillRef idx="1">
+        <a:scrgbClr r="0" g="0" b="0"/>
+      </a:fillRef>
+      <a:effectRef idx="0">
+        <a:scrgbClr r="0" g="0" b="0"/>
+      </a:effectRef>
+      <a:fontRef idx="minor"/>
+    </dgm:style>
+  </dgm:styleLbl>
+  <dgm:styleLbl name="bgAcc1">
+    <dgm:scene3d>
+      <a:camera prst="orthographicFront"/>
+      <a:lightRig rig="threePt" dir="t"/>
+    </dgm:scene3d>
+    <dgm:sp3d/>
+    <dgm:txPr/>
+    <dgm:style>
+      <a:lnRef idx="2">
+        <a:scrgbClr r="0" g="0" b="0"/>
+      </a:lnRef>
+      <a:fillRef idx="1">
+        <a:scrgbClr r="0" g="0" b="0"/>
+      </a:fillRef>
+      <a:effectRef idx="0">
+        <a:scrgbClr r="0" g="0" b="0"/>
+      </a:effectRef>
+      <a:fontRef idx="minor"/>
+    </dgm:style>
+  </dgm:styleLbl>
+  <dgm:styleLbl name="solidFgAcc1">
+    <dgm:scene3d>
+      <a:camera prst="orthographicFront"/>
+      <a:lightRig rig="threePt" dir="t"/>
+    </dgm:scene3d>
+    <dgm:sp3d/>
+    <dgm:txPr/>
+    <dgm:style>
+      <a:lnRef idx="2">
+        <a:scrgbClr r="0" g="0" b="0"/>
+      </a:lnRef>
+      <a:fillRef idx="1">
+        <a:scrgbClr r="0" g="0" b="0"/>
+      </a:fillRef>
+      <a:effectRef idx="0">
+        <a:scrgbClr r="0" g="0" b="0"/>
+      </a:effectRef>
+      <a:fontRef idx="minor"/>
+    </dgm:style>
+  </dgm:styleLbl>
+  <dgm:styleLbl name="solidAlignAcc1">
+    <dgm:scene3d>
+      <a:camera prst="orthographicFront"/>
+      <a:lightRig rig="threePt" dir="t"/>
+    </dgm:scene3d>
+    <dgm:sp3d/>
+    <dgm:txPr/>
+    <dgm:style>
+      <a:lnRef idx="2">
+        <a:scrgbClr r="0" g="0" b="0"/>
+      </a:lnRef>
+      <a:fillRef idx="1">
+        <a:scrgbClr r="0" g="0" b="0"/>
+      </a:fillRef>
+      <a:effectRef idx="0">
+        <a:scrgbClr r="0" g="0" b="0"/>
+      </a:effectRef>
+      <a:fontRef idx="minor"/>
+    </dgm:style>
+  </dgm:styleLbl>
+  <dgm:styleLbl name="solidBgAcc1">
+    <dgm:scene3d>
+      <a:camera prst="orthographicFront"/>
+      <a:lightRig rig="threePt" dir="t"/>
+    </dgm:scene3d>
+    <dgm:sp3d/>
+    <dgm:txPr/>
+    <dgm:style>
+      <a:lnRef idx="2">
+        <a:scrgbClr r="0" g="0" b="0"/>
+      </a:lnRef>
+      <a:fillRef idx="1">
+        <a:scrgbClr r="0" g="0" b="0"/>
+      </a:fillRef>
+      <a:effectRef idx="0">
+        <a:scrgbClr r="0" g="0" b="0"/>
+      </a:effectRef>
+      <a:fontRef idx="minor"/>
+    </dgm:style>
+  </dgm:styleLbl>
+  <dgm:styleLbl name="fgAccFollowNode1">
+    <dgm:scene3d>
+      <a:camera prst="orthographicFront"/>
+      <a:lightRig rig="threePt" dir="t"/>
+    </dgm:scene3d>
+    <dgm:sp3d/>
+    <dgm:txPr/>
+    <dgm:style>
+      <a:lnRef idx="2">
+        <a:scrgbClr r="0" g="0" b="0"/>
+      </a:lnRef>
+      <a:fillRef idx="1">
+        <a:scrgbClr r="0" g="0" b="0"/>
+      </a:fillRef>
+      <a:effectRef idx="0">
+        <a:scrgbClr r="0" g="0" b="0"/>
+      </a:effectRef>
+      <a:fontRef idx="minor"/>
+    </dgm:style>
+  </dgm:styleLbl>
+  <dgm:styleLbl name="alignAccFollowNode1">
+    <dgm:scene3d>
+      <a:camera prst="orthographicFront"/>
+      <a:lightRig rig="threePt" dir="t"/>
+    </dgm:scene3d>
+    <dgm:sp3d/>
+    <dgm:txPr/>
+    <dgm:style>
+      <a:lnRef idx="2">
+        <a:scrgbClr r="0" g="0" b="0"/>
+      </a:lnRef>
+      <a:fillRef idx="1">
+        <a:scrgbClr r="0" g="0" b="0"/>
+      </a:fillRef>
+      <a:effectRef idx="0">
+        <a:scrgbClr r="0" g="0" b="0"/>
+      </a:effectRef>
+      <a:fontRef idx="minor"/>
+    </dgm:style>
+  </dgm:styleLbl>
+  <dgm:styleLbl name="bgAccFollowNode1">
+    <dgm:scene3d>
+      <a:camera prst="orthographicFront"/>
+      <a:lightRig rig="threePt" dir="t"/>
+    </dgm:scene3d>
+    <dgm:sp3d/>
+    <dgm:txPr/>
+    <dgm:style>
+      <a:lnRef idx="2">
+        <a:scrgbClr r="0" g="0" b="0"/>
+      </a:lnRef>
+      <a:fillRef idx="1">
+        <a:scrgbClr r="0" g="0" b="0"/>
+      </a:fillRef>
+      <a:effectRef idx="0">
+        <a:scrgbClr r="0" g="0" b="0"/>
+      </a:effectRef>
+      <a:fontRef idx="minor"/>
+    </dgm:style>
+  </dgm:styleLbl>
+  <dgm:styleLbl name="fgAcc0">
+    <dgm:scene3d>
+      <a:camera prst="orthographicFront"/>
+      <a:lightRig rig="threePt" dir="t"/>
+    </dgm:scene3d>
+    <dgm:sp3d/>
+    <dgm:txPr/>
+    <dgm:style>
+      <a:lnRef idx="2">
+        <a:scrgbClr r="0" g="0" b="0"/>
+      </a:lnRef>
+      <a:fillRef idx="1">
+        <a:scrgbClr r="0" g="0" b="0"/>
+      </a:fillRef>
+      <a:effectRef idx="0">
+        <a:scrgbClr r="0" g="0" b="0"/>
+      </a:effectRef>
+      <a:fontRef idx="minor"/>
+    </dgm:style>
+  </dgm:styleLbl>
+  <dgm:styleLbl name="fgAcc2">
+    <dgm:scene3d>
+      <a:camera prst="orthographicFront"/>
+      <a:lightRig rig="threePt" dir="t"/>
+    </dgm:scene3d>
+    <dgm:sp3d/>
+    <dgm:txPr/>
+    <dgm:style>
+      <a:lnRef idx="2">
+        <a:scrgbClr r="0" g="0" b="0"/>
+      </a:lnRef>
+      <a:fillRef idx="1">
+        <a:scrgbClr r="0" g="0" b="0"/>
+      </a:fillRef>
+      <a:effectRef idx="0">
+        <a:scrgbClr r="0" g="0" b="0"/>
+      </a:effectRef>
+      <a:fontRef idx="minor"/>
+    </dgm:style>
+  </dgm:styleLbl>
+  <dgm:styleLbl name="fgAcc3">
+    <dgm:scene3d>
+      <a:camera prst="orthographicFront"/>
+      <a:lightRig rig="threePt" dir="t"/>
+    </dgm:scene3d>
+    <dgm:sp3d/>
+    <dgm:txPr/>
+    <dgm:style>
+      <a:lnRef idx="2">
+        <a:scrgbClr r="0" g="0" b="0"/>
+      </a:lnRef>
+      <a:fillRef idx="1">
+        <a:scrgbClr r="0" g="0" b="0"/>
+      </a:fillRef>
+      <a:effectRef idx="0">
+        <a:scrgbClr r="0" g="0" b="0"/>
+      </a:effectRef>
+      <a:fontRef idx="minor"/>
+    </dgm:style>
+  </dgm:styleLbl>
+  <dgm:styleLbl name="fgAcc4">
+    <dgm:scene3d>
+      <a:camera prst="orthographicFront"/>
+      <a:lightRig rig="threePt" dir="t"/>
+    </dgm:scene3d>
+    <dgm:sp3d/>
+    <dgm:txPr/>
+    <dgm:style>
+      <a:lnRef idx="2">
+        <a:scrgbClr r="0" g="0" b="0"/>
+      </a:lnRef>
+      <a:fillRef idx="1">
+        <a:scrgbClr r="0" g="0" b="0"/>
+      </a:fillRef>
+      <a:effectRef idx="0">
+        <a:scrgbClr r="0" g="0" b="0"/>
+      </a:effectRef>
+      <a:fontRef idx="minor"/>
+    </dgm:style>
+  </dgm:styleLbl>
+  <dgm:styleLbl name="bgShp">
+    <dgm:scene3d>
+      <a:camera prst="orthographicFront"/>
+      <a:lightRig rig="threePt" dir="t"/>
+    </dgm:scene3d>
+    <dgm:sp3d/>
+    <dgm:txPr/>
+    <dgm:style>
+      <a:lnRef idx="0">
+        <a:scrgbClr r="0" g="0" b="0"/>
+      </a:lnRef>
+      <a:fillRef idx="1">
+        <a:scrgbClr r="0" g="0" b="0"/>
+      </a:fillRef>
+      <a:effectRef idx="0">
+        <a:scrgbClr r="0" g="0" b="0"/>
+      </a:effectRef>
+      <a:fontRef idx="minor"/>
+    </dgm:style>
+  </dgm:styleLbl>
+  <dgm:styleLbl name="dkBgShp">
+    <dgm:scene3d>
+      <a:camera prst="orthographicFront"/>
+      <a:lightRig rig="threePt" dir="t"/>
+    </dgm:scene3d>
+    <dgm:sp3d/>
+    <dgm:txPr/>
+    <dgm:style>
+      <a:lnRef idx="0">
+        <a:scrgbClr r="0" g="0" b="0"/>
+      </a:lnRef>
+      <a:fillRef idx="1">
+        <a:scrgbClr r="0" g="0" b="0"/>
+      </a:fillRef>
+      <a:effectRef idx="0">
+        <a:scrgbClr r="0" g="0" b="0"/>
+      </a:effectRef>
+      <a:fontRef idx="minor"/>
+    </dgm:style>
+  </dgm:styleLbl>
+  <dgm:styleLbl name="trBgShp">
+    <dgm:scene3d>
+      <a:camera prst="orthographicFront"/>
+      <a:lightRig rig="threePt" dir="t"/>
+    </dgm:scene3d>
+    <dgm:sp3d/>
+    <dgm:txPr/>
+    <dgm:style>
+      <a:lnRef idx="0">
+        <a:scrgbClr r="0" g="0" b="0"/>
+      </a:lnRef>
+      <a:fillRef idx="1">
+        <a:scrgbClr r="0" g="0" b="0"/>
+      </a:fillRef>
+      <a:effectRef idx="0">
+        <a:scrgbClr r="0" g="0" b="0"/>
+      </a:effectRef>
+      <a:fontRef idx="minor"/>
+    </dgm:style>
+  </dgm:styleLbl>
+  <dgm:styleLbl name="fgShp">
+    <dgm:scene3d>
+      <a:camera prst="orthographicFront"/>
+      <a:lightRig rig="threePt" dir="t"/>
+    </dgm:scene3d>
+    <dgm:sp3d/>
+    <dgm:txPr/>
+    <dgm:style>
+      <a:lnRef idx="2">
+        <a:scrgbClr r="0" g="0" b="0"/>
+      </a:lnRef>
+      <a:fillRef idx="1">
+        <a:scrgbClr r="0" g="0" b="0"/>
+      </a:fillRef>
+      <a:effectRef idx="0">
+        <a:scrgbClr r="0" g="0" b="0"/>
+      </a:effectRef>
+      <a:fontRef idx="minor"/>
+    </dgm:style>
+  </dgm:styleLbl>
+  <dgm:styleLbl name="revTx">
+    <dgm:scene3d>
+      <a:camera prst="orthographicFront"/>
+      <a:lightRig rig="threePt" dir="t"/>
+    </dgm:scene3d>
+    <dgm:sp3d/>
+    <dgm:txPr/>
+    <dgm:style>
+      <a:lnRef idx="0">
+        <a:scrgbClr r="0" g="0" b="0"/>
+      </a:lnRef>
+      <a:fillRef idx="0">
+        <a:scrgbClr r="0" g="0" b="0"/>
+      </a:fillRef>
+      <a:effectRef idx="0">
+        <a:scrgbClr r="0" g="0" b="0"/>
+      </a:effectRef>
+      <a:fontRef idx="minor"/>
+    </dgm:style>
+  </dgm:styleLbl>
+</dgm:styleDef>
 </file>
 
 <file path=ppt/slideLayouts/slideLayout1.xml><?xml version="1.0" encoding="utf-8"?>
@@ -3965,6 +8040,158 @@
           </a:p>
         </p:txBody>
       </p:sp>
+      <p:sp>
+        <p:nvSpPr>
+          <p:cNvPr id="5" name="Rectangle 2"/>
+          <p:cNvSpPr>
+            <a:spLocks noChangeArrowheads="1"/>
+          </p:cNvSpPr>
+          <p:nvPr/>
+        </p:nvSpPr>
+        <p:spPr bwMode="auto">
+          <a:xfrm>
+            <a:off x="6832120" y="1242203"/>
+            <a:ext cx="12192000" cy="457200"/>
+          </a:xfrm>
+          <a:prstGeom prst="rect">
+            <a:avLst/>
+          </a:prstGeom>
+          <a:noFill/>
+          <a:ln>
+            <a:noFill/>
+          </a:ln>
+          <a:effectLst/>
+          <a:extLst>
+            <a:ext uri="{909E8E84-426E-40DD-AFC4-6F175D3DCCD1}">
+              <a14:hiddenFill xmlns:a14="http://schemas.microsoft.com/office/drawing/2010/main">
+                <a:solidFill>
+                  <a:schemeClr val="accent1"/>
+                </a:solidFill>
+              </a14:hiddenFill>
+            </a:ext>
+            <a:ext uri="{91240B29-F687-4F45-9708-019B960494DF}">
+              <a14:hiddenLine xmlns:a14="http://schemas.microsoft.com/office/drawing/2010/main" w="9525">
+                <a:solidFill>
+                  <a:schemeClr val="tx1"/>
+                </a:solidFill>
+                <a:miter lim="800000"/>
+                <a:headEnd/>
+                <a:tailEnd/>
+              </a14:hiddenLine>
+            </a:ext>
+            <a:ext uri="{AF507438-7753-43E0-B8FC-AC1667EBCBE1}">
+              <a14:hiddenEffects xmlns:a14="http://schemas.microsoft.com/office/drawing/2010/main">
+                <a:effectLst>
+                  <a:outerShdw blurRad="63500" dist="38099" dir="2700000" algn="ctr" rotWithShape="0">
+                    <a:schemeClr val="bg2">
+                      <a:alpha val="74998"/>
+                    </a:schemeClr>
+                  </a:outerShdw>
+                </a:effectLst>
+              </a14:hiddenEffects>
+            </a:ext>
+          </a:extLst>
+        </p:spPr>
+        <p:txBody>
+          <a:bodyPr vert="horz" wrap="none" lIns="91440" tIns="45720" rIns="91440" bIns="45720" numCol="1" anchor="ctr" anchorCtr="0" compatLnSpc="1">
+            <a:prstTxWarp prst="textNoShape">
+              <a:avLst/>
+            </a:prstTxWarp>
+            <a:spAutoFit/>
+          </a:bodyPr>
+          <a:lstStyle/>
+          <a:p>
+            <a:endParaRPr lang="en-US"/>
+          </a:p>
+        </p:txBody>
+      </p:sp>
+      <p:graphicFrame>
+        <p:nvGraphicFramePr>
+          <p:cNvPr id="6" name="Diagramm 1"/>
+          <p:cNvGraphicFramePr/>
+          <p:nvPr>
+            <p:extLst>
+              <p:ext uri="{D42A27DB-BD31-4B8C-83A1-F6EECF244321}">
+                <p14:modId xmlns:p14="http://schemas.microsoft.com/office/powerpoint/2010/main" val="359753851"/>
+              </p:ext>
+            </p:extLst>
+          </p:nvPr>
+        </p:nvGraphicFramePr>
+        <p:xfrm>
+          <a:off x="6832120" y="1242203"/>
+          <a:ext cx="5486400" cy="3200400"/>
+        </p:xfrm>
+        <a:graphic>
+          <a:graphicData uri="http://schemas.openxmlformats.org/drawingml/2006/diagram">
+            <dgm:relIds xmlns:dgm="http://schemas.openxmlformats.org/drawingml/2006/diagram" xmlns:r="http://schemas.openxmlformats.org/officeDocument/2006/relationships" r:dm="rId2" r:lo="rId3" r:qs="rId4" r:cs="rId5"/>
+          </a:graphicData>
+        </a:graphic>
+      </p:graphicFrame>
+      <p:sp>
+        <p:nvSpPr>
+          <p:cNvPr id="7" name="Rectangle 3"/>
+          <p:cNvSpPr>
+            <a:spLocks noChangeArrowheads="1"/>
+          </p:cNvSpPr>
+          <p:nvPr/>
+        </p:nvSpPr>
+        <p:spPr bwMode="auto">
+          <a:xfrm>
+            <a:off x="6832120" y="4912503"/>
+            <a:ext cx="12192000" cy="0"/>
+          </a:xfrm>
+          <a:prstGeom prst="rect">
+            <a:avLst/>
+          </a:prstGeom>
+          <a:noFill/>
+          <a:ln>
+            <a:noFill/>
+          </a:ln>
+          <a:effectLst/>
+          <a:extLst>
+            <a:ext uri="{909E8E84-426E-40DD-AFC4-6F175D3DCCD1}">
+              <a14:hiddenFill xmlns:a14="http://schemas.microsoft.com/office/drawing/2010/main">
+                <a:solidFill>
+                  <a:schemeClr val="accent1"/>
+                </a:solidFill>
+              </a14:hiddenFill>
+            </a:ext>
+            <a:ext uri="{91240B29-F687-4F45-9708-019B960494DF}">
+              <a14:hiddenLine xmlns:a14="http://schemas.microsoft.com/office/drawing/2010/main" w="9525">
+                <a:solidFill>
+                  <a:schemeClr val="tx1"/>
+                </a:solidFill>
+                <a:miter lim="800000"/>
+                <a:headEnd/>
+                <a:tailEnd/>
+              </a14:hiddenLine>
+            </a:ext>
+            <a:ext uri="{AF507438-7753-43E0-B8FC-AC1667EBCBE1}">
+              <a14:hiddenEffects xmlns:a14="http://schemas.microsoft.com/office/drawing/2010/main">
+                <a:effectLst>
+                  <a:outerShdw blurRad="63500" dist="38099" dir="2700000" algn="ctr" rotWithShape="0">
+                    <a:schemeClr val="bg2">
+                      <a:alpha val="74998"/>
+                    </a:schemeClr>
+                  </a:outerShdw>
+                </a:effectLst>
+              </a14:hiddenEffects>
+            </a:ext>
+          </a:extLst>
+        </p:spPr>
+        <p:txBody>
+          <a:bodyPr vert="horz" wrap="none" lIns="91440" tIns="45720" rIns="91440" bIns="45720" numCol="1" anchor="ctr" anchorCtr="0" compatLnSpc="1">
+            <a:prstTxWarp prst="textNoShape">
+              <a:avLst/>
+            </a:prstTxWarp>
+            <a:spAutoFit/>
+          </a:bodyPr>
+          <a:lstStyle/>
+          <a:p>
+            <a:endParaRPr lang="en-US"/>
+          </a:p>
+        </p:txBody>
+      </p:sp>
     </p:spTree>
     <p:extLst>
       <p:ext uri="{BB962C8B-B14F-4D97-AF65-F5344CB8AC3E}">
@@ -4822,6 +9049,123 @@
 </file>
 
 <file path=ppt/slides/slide6.xml><?xml version="1.0" encoding="utf-8"?>
+<p:sld xmlns:a="http://schemas.openxmlformats.org/drawingml/2006/main" xmlns:r="http://schemas.openxmlformats.org/officeDocument/2006/relationships" xmlns:p="http://schemas.openxmlformats.org/presentationml/2006/main">
+  <p:cSld>
+    <p:spTree>
+      <p:nvGrpSpPr>
+        <p:cNvPr id="1" name=""/>
+        <p:cNvGrpSpPr/>
+        <p:nvPr/>
+      </p:nvGrpSpPr>
+      <p:grpSpPr>
+        <a:xfrm>
+          <a:off x="0" y="0"/>
+          <a:ext cx="0" cy="0"/>
+          <a:chOff x="0" y="0"/>
+          <a:chExt cx="0" cy="0"/>
+        </a:xfrm>
+      </p:grpSpPr>
+      <p:sp>
+        <p:nvSpPr>
+          <p:cNvPr id="2" name="Title 1"/>
+          <p:cNvSpPr>
+            <a:spLocks noGrp="1"/>
+          </p:cNvSpPr>
+          <p:nvPr>
+            <p:ph type="title"/>
+          </p:nvPr>
+        </p:nvSpPr>
+        <p:spPr/>
+        <p:txBody>
+          <a:bodyPr/>
+          <a:lstStyle/>
+          <a:p>
+            <a:r>
+              <a:rPr lang="en-US" dirty="0" err="1" smtClean="0">
+                <a:latin typeface="Roboto Medium" charset="0"/>
+                <a:ea typeface="Roboto Medium" charset="0"/>
+                <a:cs typeface="Roboto Medium" charset="0"/>
+              </a:rPr>
+              <a:t>Risikoanalyse</a:t>
+            </a:r>
+            <a:endParaRPr lang="en-US" dirty="0">
+              <a:latin typeface="Roboto Medium" charset="0"/>
+              <a:ea typeface="Roboto Medium" charset="0"/>
+              <a:cs typeface="Roboto Medium" charset="0"/>
+            </a:endParaRPr>
+          </a:p>
+        </p:txBody>
+      </p:sp>
+      <p:sp>
+        <p:nvSpPr>
+          <p:cNvPr id="5" name="Content Placeholder 4"/>
+          <p:cNvSpPr>
+            <a:spLocks noGrp="1"/>
+          </p:cNvSpPr>
+          <p:nvPr>
+            <p:ph idx="1"/>
+          </p:nvPr>
+        </p:nvSpPr>
+        <p:spPr/>
+        <p:txBody>
+          <a:bodyPr/>
+          <a:lstStyle/>
+          <a:p>
+            <a:r>
+              <a:rPr lang="en-US" dirty="0">
+                <a:latin typeface="Roboto Light" charset="0"/>
+                <a:ea typeface="Roboto Light" charset="0"/>
+                <a:cs typeface="Roboto Light" charset="0"/>
+                <a:hlinkClick r:id="rId2"/>
+              </a:rPr>
+              <a:t>https://</a:t>
+            </a:r>
+            <a:r>
+              <a:rPr lang="en-US" dirty="0" smtClean="0">
+                <a:latin typeface="Roboto Light" charset="0"/>
+                <a:ea typeface="Roboto Light" charset="0"/>
+                <a:cs typeface="Roboto Light" charset="0"/>
+                <a:hlinkClick r:id="rId2"/>
+              </a:rPr>
+              <a:t>github.com/fabianbaechli/online_note_tool/blob/master/documentation/Risikoanalyse.pdf</a:t>
+            </a:r>
+            <a:r>
+              <a:rPr lang="en-US" dirty="0" smtClean="0">
+                <a:latin typeface="Roboto Light" charset="0"/>
+                <a:ea typeface="Roboto Light" charset="0"/>
+                <a:cs typeface="Roboto Light" charset="0"/>
+              </a:rPr>
+              <a:t> </a:t>
+            </a:r>
+            <a:endParaRPr lang="en-US" dirty="0">
+              <a:latin typeface="Roboto Light" charset="0"/>
+              <a:ea typeface="Roboto Light" charset="0"/>
+              <a:cs typeface="Roboto Light" charset="0"/>
+            </a:endParaRPr>
+          </a:p>
+        </p:txBody>
+      </p:sp>
+    </p:spTree>
+    <p:extLst>
+      <p:ext uri="{BB962C8B-B14F-4D97-AF65-F5344CB8AC3E}">
+        <p14:creationId xmlns:p14="http://schemas.microsoft.com/office/powerpoint/2010/main" val="926076516"/>
+      </p:ext>
+    </p:extLst>
+  </p:cSld>
+  <p:clrMapOvr>
+    <a:masterClrMapping/>
+  </p:clrMapOvr>
+  <p:timing>
+    <p:tnLst>
+      <p:par>
+        <p:cTn id="1" dur="indefinite" restart="never" nodeType="tmRoot"/>
+      </p:par>
+    </p:tnLst>
+  </p:timing>
+</p:sld>
+</file>
+
+<file path=ppt/slides/slide7.xml><?xml version="1.0" encoding="utf-8"?>
 <p:sld xmlns:a="http://schemas.openxmlformats.org/drawingml/2006/main" xmlns:r="http://schemas.openxmlformats.org/officeDocument/2006/relationships" xmlns:p="http://schemas.openxmlformats.org/presentationml/2006/main">
   <p:cSld>
     <p:spTree>

--- a/planning/presentation_online_note_tool.pptx
+++ b/planning/presentation_online_note_tool.pptx
@@ -2,16 +2,23 @@
 <file path=ppt/presentation.xml><?xml version="1.0" encoding="utf-8"?>
 <p:presentation xmlns:a="http://schemas.openxmlformats.org/drawingml/2006/main" xmlns:r="http://schemas.openxmlformats.org/officeDocument/2006/relationships" xmlns:p="http://schemas.openxmlformats.org/presentationml/2006/main" saveSubsetFonts="1" autoCompressPictures="0">
   <p:sldMasterIdLst>
-    <p:sldMasterId id="2147483738" r:id="rId1"/>
+    <p:sldMasterId id="2147483750" r:id="rId1"/>
   </p:sldMasterIdLst>
   <p:sldIdLst>
     <p:sldId id="256" r:id="rId2"/>
-    <p:sldId id="257" r:id="rId3"/>
-    <p:sldId id="258" r:id="rId4"/>
-    <p:sldId id="260" r:id="rId5"/>
-    <p:sldId id="259" r:id="rId6"/>
-    <p:sldId id="262" r:id="rId7"/>
-    <p:sldId id="261" r:id="rId8"/>
+    <p:sldId id="267" r:id="rId3"/>
+    <p:sldId id="270" r:id="rId4"/>
+    <p:sldId id="269" r:id="rId5"/>
+    <p:sldId id="266" r:id="rId6"/>
+    <p:sldId id="257" r:id="rId7"/>
+    <p:sldId id="260" r:id="rId8"/>
+    <p:sldId id="268" r:id="rId9"/>
+    <p:sldId id="258" r:id="rId10"/>
+    <p:sldId id="265" r:id="rId11"/>
+    <p:sldId id="264" r:id="rId12"/>
+    <p:sldId id="263" r:id="rId13"/>
+    <p:sldId id="262" r:id="rId14"/>
+    <p:sldId id="261" r:id="rId15"/>
   </p:sldIdLst>
   <p:sldSz cx="12192000" cy="6858000"/>
   <p:notesSz cx="6858000" cy="9144000"/>
@@ -19,7 +26,7 @@
     <a:defPPr>
       <a:defRPr lang="en-US"/>
     </a:defPPr>
-    <a:lvl1pPr marL="0" algn="l" defTabSz="914400" rtl="0" eaLnBrk="1" latinLnBrk="0" hangingPunct="1">
+    <a:lvl1pPr marL="0" algn="l" defTabSz="457200" rtl="0" eaLnBrk="1" latinLnBrk="0" hangingPunct="1">
       <a:defRPr sz="1800" kern="1200">
         <a:solidFill>
           <a:schemeClr val="tx1"/>
@@ -29,7 +36,7 @@
         <a:cs typeface="+mn-cs"/>
       </a:defRPr>
     </a:lvl1pPr>
-    <a:lvl2pPr marL="457200" algn="l" defTabSz="914400" rtl="0" eaLnBrk="1" latinLnBrk="0" hangingPunct="1">
+    <a:lvl2pPr marL="457200" algn="l" defTabSz="457200" rtl="0" eaLnBrk="1" latinLnBrk="0" hangingPunct="1">
       <a:defRPr sz="1800" kern="1200">
         <a:solidFill>
           <a:schemeClr val="tx1"/>
@@ -39,7 +46,7 @@
         <a:cs typeface="+mn-cs"/>
       </a:defRPr>
     </a:lvl2pPr>
-    <a:lvl3pPr marL="914400" algn="l" defTabSz="914400" rtl="0" eaLnBrk="1" latinLnBrk="0" hangingPunct="1">
+    <a:lvl3pPr marL="914400" algn="l" defTabSz="457200" rtl="0" eaLnBrk="1" latinLnBrk="0" hangingPunct="1">
       <a:defRPr sz="1800" kern="1200">
         <a:solidFill>
           <a:schemeClr val="tx1"/>
@@ -49,7 +56,7 @@
         <a:cs typeface="+mn-cs"/>
       </a:defRPr>
     </a:lvl3pPr>
-    <a:lvl4pPr marL="1371600" algn="l" defTabSz="914400" rtl="0" eaLnBrk="1" latinLnBrk="0" hangingPunct="1">
+    <a:lvl4pPr marL="1371600" algn="l" defTabSz="457200" rtl="0" eaLnBrk="1" latinLnBrk="0" hangingPunct="1">
       <a:defRPr sz="1800" kern="1200">
         <a:solidFill>
           <a:schemeClr val="tx1"/>
@@ -59,7 +66,7 @@
         <a:cs typeface="+mn-cs"/>
       </a:defRPr>
     </a:lvl4pPr>
-    <a:lvl5pPr marL="1828800" algn="l" defTabSz="914400" rtl="0" eaLnBrk="1" latinLnBrk="0" hangingPunct="1">
+    <a:lvl5pPr marL="1828800" algn="l" defTabSz="457200" rtl="0" eaLnBrk="1" latinLnBrk="0" hangingPunct="1">
       <a:defRPr sz="1800" kern="1200">
         <a:solidFill>
           <a:schemeClr val="tx1"/>
@@ -69,7 +76,7 @@
         <a:cs typeface="+mn-cs"/>
       </a:defRPr>
     </a:lvl5pPr>
-    <a:lvl6pPr marL="2286000" algn="l" defTabSz="914400" rtl="0" eaLnBrk="1" latinLnBrk="0" hangingPunct="1">
+    <a:lvl6pPr marL="2286000" algn="l" defTabSz="457200" rtl="0" eaLnBrk="1" latinLnBrk="0" hangingPunct="1">
       <a:defRPr sz="1800" kern="1200">
         <a:solidFill>
           <a:schemeClr val="tx1"/>
@@ -79,7 +86,7 @@
         <a:cs typeface="+mn-cs"/>
       </a:defRPr>
     </a:lvl6pPr>
-    <a:lvl7pPr marL="2743200" algn="l" defTabSz="914400" rtl="0" eaLnBrk="1" latinLnBrk="0" hangingPunct="1">
+    <a:lvl7pPr marL="2743200" algn="l" defTabSz="457200" rtl="0" eaLnBrk="1" latinLnBrk="0" hangingPunct="1">
       <a:defRPr sz="1800" kern="1200">
         <a:solidFill>
           <a:schemeClr val="tx1"/>
@@ -89,7 +96,7 @@
         <a:cs typeface="+mn-cs"/>
       </a:defRPr>
     </a:lvl7pPr>
-    <a:lvl8pPr marL="3200400" algn="l" defTabSz="914400" rtl="0" eaLnBrk="1" latinLnBrk="0" hangingPunct="1">
+    <a:lvl8pPr marL="3200400" algn="l" defTabSz="457200" rtl="0" eaLnBrk="1" latinLnBrk="0" hangingPunct="1">
       <a:defRPr sz="1800" kern="1200">
         <a:solidFill>
           <a:schemeClr val="tx1"/>
@@ -99,7 +106,7 @@
         <a:cs typeface="+mn-cs"/>
       </a:defRPr>
     </a:lvl8pPr>
-    <a:lvl9pPr marL="3657600" algn="l" defTabSz="914400" rtl="0" eaLnBrk="1" latinLnBrk="0" hangingPunct="1">
+    <a:lvl9pPr marL="3657600" algn="l" defTabSz="457200" rtl="0" eaLnBrk="1" latinLnBrk="0" hangingPunct="1">
       <a:defRPr sz="1800" kern="1200">
         <a:solidFill>
           <a:schemeClr val="tx1"/>
@@ -116,6 +123,10 @@
     </p:ext>
   </p:extLst>
 </p:presentation>
+</file>
+
+<file path=ppt/revisionInfo.xml><?xml version="1.0" encoding="utf-8"?>
+<p1510:revInfo xmlns:a="http://schemas.openxmlformats.org/drawingml/2006/main" xmlns:r="http://schemas.openxmlformats.org/officeDocument/2006/relationships" xmlns:p1510="http://schemas.microsoft.com/office/powerpoint/2015/10/main"/>
 </file>
 
 <file path=ppt/diagrams/colors1.xml><?xml version="1.0" encoding="utf-8"?>
@@ -1219,13 +1230,6 @@
         </dgm:presLayoutVars>
       </dgm:prSet>
       <dgm:spPr/>
-      <dgm:t>
-        <a:bodyPr/>
-        <a:lstStyle/>
-        <a:p>
-          <a:endParaRPr lang="en-GB"/>
-        </a:p>
-      </dgm:t>
     </dgm:pt>
     <dgm:pt modelId="{A0677A2D-EF10-4573-B594-6E121764D3CB}" type="pres">
       <dgm:prSet presAssocID="{6D20A6CF-1B52-4AF0-A5F9-F6D5B0EFB2BE}" presName="hierRoot1" presStyleCnt="0">
@@ -1246,24 +1250,10 @@
         </dgm:presLayoutVars>
       </dgm:prSet>
       <dgm:spPr/>
-      <dgm:t>
-        <a:bodyPr/>
-        <a:lstStyle/>
-        <a:p>
-          <a:endParaRPr lang="en-GB"/>
-        </a:p>
-      </dgm:t>
     </dgm:pt>
     <dgm:pt modelId="{BDC3F7BA-E77F-47A8-9E08-DE96A30B5ADF}" type="pres">
       <dgm:prSet presAssocID="{6D20A6CF-1B52-4AF0-A5F9-F6D5B0EFB2BE}" presName="rootConnector1" presStyleLbl="node1" presStyleIdx="0" presStyleCnt="0"/>
       <dgm:spPr/>
-      <dgm:t>
-        <a:bodyPr/>
-        <a:lstStyle/>
-        <a:p>
-          <a:endParaRPr lang="en-GB"/>
-        </a:p>
-      </dgm:t>
     </dgm:pt>
     <dgm:pt modelId="{D45BAF63-25F3-496D-860E-AC4B57F117FB}" type="pres">
       <dgm:prSet presAssocID="{6D20A6CF-1B52-4AF0-A5F9-F6D5B0EFB2BE}" presName="hierChild2" presStyleCnt="0"/>
@@ -1272,13 +1262,6 @@
     <dgm:pt modelId="{60AB4EA0-962C-415E-B9DD-B2C150F3D463}" type="pres">
       <dgm:prSet presAssocID="{7D1910DA-B8EE-4C3B-AE0A-C497038BA8D4}" presName="Name37" presStyleLbl="parChTrans1D2" presStyleIdx="0" presStyleCnt="3"/>
       <dgm:spPr/>
-      <dgm:t>
-        <a:bodyPr/>
-        <a:lstStyle/>
-        <a:p>
-          <a:endParaRPr lang="en-GB"/>
-        </a:p>
-      </dgm:t>
     </dgm:pt>
     <dgm:pt modelId="{B0D9E324-2AD1-441A-895D-1FD6F46B04A8}" type="pres">
       <dgm:prSet presAssocID="{7850C7F1-BFEF-4A62-838D-98F48BFDD02A}" presName="hierRoot2" presStyleCnt="0">
@@ -1299,24 +1282,10 @@
         </dgm:presLayoutVars>
       </dgm:prSet>
       <dgm:spPr/>
-      <dgm:t>
-        <a:bodyPr/>
-        <a:lstStyle/>
-        <a:p>
-          <a:endParaRPr lang="en-GB"/>
-        </a:p>
-      </dgm:t>
     </dgm:pt>
     <dgm:pt modelId="{B9CD8A73-4EBA-4D1A-9711-4AE46F946800}" type="pres">
       <dgm:prSet presAssocID="{7850C7F1-BFEF-4A62-838D-98F48BFDD02A}" presName="rootConnector" presStyleLbl="node2" presStyleIdx="0" presStyleCnt="2"/>
       <dgm:spPr/>
-      <dgm:t>
-        <a:bodyPr/>
-        <a:lstStyle/>
-        <a:p>
-          <a:endParaRPr lang="en-GB"/>
-        </a:p>
-      </dgm:t>
     </dgm:pt>
     <dgm:pt modelId="{49465176-C3C8-4009-9507-05A3690A4AC8}" type="pres">
       <dgm:prSet presAssocID="{7850C7F1-BFEF-4A62-838D-98F48BFDD02A}" presName="hierChild4" presStyleCnt="0"/>
@@ -1329,13 +1298,6 @@
     <dgm:pt modelId="{33D2C3BA-01D6-419F-BFD9-9C7CFB05C624}" type="pres">
       <dgm:prSet presAssocID="{2186FC62-9E22-4A5A-9E47-E17DF1636B82}" presName="Name37" presStyleLbl="parChTrans1D2" presStyleIdx="1" presStyleCnt="3"/>
       <dgm:spPr/>
-      <dgm:t>
-        <a:bodyPr/>
-        <a:lstStyle/>
-        <a:p>
-          <a:endParaRPr lang="en-GB"/>
-        </a:p>
-      </dgm:t>
     </dgm:pt>
     <dgm:pt modelId="{17EC3984-ECD6-48DB-A7A2-7914E3BB38CB}" type="pres">
       <dgm:prSet presAssocID="{9D670C3D-C2F0-4CB9-8949-DC325EF161EE}" presName="hierRoot2" presStyleCnt="0">
@@ -1356,24 +1318,10 @@
         </dgm:presLayoutVars>
       </dgm:prSet>
       <dgm:spPr/>
-      <dgm:t>
-        <a:bodyPr/>
-        <a:lstStyle/>
-        <a:p>
-          <a:endParaRPr lang="en-GB"/>
-        </a:p>
-      </dgm:t>
     </dgm:pt>
     <dgm:pt modelId="{CE1AD3CD-C0BD-4957-834D-67CD120A4F97}" type="pres">
       <dgm:prSet presAssocID="{9D670C3D-C2F0-4CB9-8949-DC325EF161EE}" presName="rootConnector" presStyleLbl="node2" presStyleIdx="1" presStyleCnt="2"/>
       <dgm:spPr/>
-      <dgm:t>
-        <a:bodyPr/>
-        <a:lstStyle/>
-        <a:p>
-          <a:endParaRPr lang="en-GB"/>
-        </a:p>
-      </dgm:t>
     </dgm:pt>
     <dgm:pt modelId="{194D086B-130F-4764-888C-2CBC17B41FBD}" type="pres">
       <dgm:prSet presAssocID="{9D670C3D-C2F0-4CB9-8949-DC325EF161EE}" presName="hierChild4" presStyleCnt="0"/>
@@ -1390,13 +1338,6 @@
     <dgm:pt modelId="{A52E3086-2EFD-4BCE-8CB6-150E937FAA29}" type="pres">
       <dgm:prSet presAssocID="{54758FAE-0DE9-4244-A984-F59A45E247D8}" presName="Name111" presStyleLbl="parChTrans1D2" presStyleIdx="2" presStyleCnt="3"/>
       <dgm:spPr/>
-      <dgm:t>
-        <a:bodyPr/>
-        <a:lstStyle/>
-        <a:p>
-          <a:endParaRPr lang="en-GB"/>
-        </a:p>
-      </dgm:t>
     </dgm:pt>
     <dgm:pt modelId="{EEE3708A-420E-4AD6-A9A3-D28AD853F5DF}" type="pres">
       <dgm:prSet presAssocID="{CD7CCB7D-47E7-4595-BCD3-4CD3BA5F4011}" presName="hierRoot3" presStyleCnt="0">
@@ -1417,24 +1358,10 @@
         </dgm:presLayoutVars>
       </dgm:prSet>
       <dgm:spPr/>
-      <dgm:t>
-        <a:bodyPr/>
-        <a:lstStyle/>
-        <a:p>
-          <a:endParaRPr lang="en-GB"/>
-        </a:p>
-      </dgm:t>
     </dgm:pt>
     <dgm:pt modelId="{A8CFE193-EB90-49BA-970C-9C9221CC2D64}" type="pres">
       <dgm:prSet presAssocID="{CD7CCB7D-47E7-4595-BCD3-4CD3BA5F4011}" presName="rootConnector3" presStyleLbl="asst1" presStyleIdx="0" presStyleCnt="1"/>
       <dgm:spPr/>
-      <dgm:t>
-        <a:bodyPr/>
-        <a:lstStyle/>
-        <a:p>
-          <a:endParaRPr lang="en-GB"/>
-        </a:p>
-      </dgm:t>
     </dgm:pt>
     <dgm:pt modelId="{571C0BE3-40AB-469C-81D1-EE5F43FFE8C9}" type="pres">
       <dgm:prSet presAssocID="{CD7CCB7D-47E7-4595-BCD3-4CD3BA5F4011}" presName="hierChild6" presStyleCnt="0"/>
@@ -1446,22 +1373,22 @@
     </dgm:pt>
   </dgm:ptLst>
   <dgm:cxnLst>
+    <dgm:cxn modelId="{96A78313-2E2B-7B47-B5D7-AC49F34F10A7}" type="presOf" srcId="{D0D25C11-AD8B-418C-9E5D-CE0B02AE08AA}" destId="{849894A9-D4E8-40DD-A687-C068304E9F6A}" srcOrd="0" destOrd="0" presId="urn:microsoft.com/office/officeart/2005/8/layout/orgChart1"/>
+    <dgm:cxn modelId="{6C200A14-791B-A548-8EAC-40A4838C9698}" type="presOf" srcId="{7850C7F1-BFEF-4A62-838D-98F48BFDD02A}" destId="{828E383C-85BF-4294-965A-EDBFF4EEAAD6}" srcOrd="0" destOrd="0" presId="urn:microsoft.com/office/officeart/2005/8/layout/orgChart1"/>
+    <dgm:cxn modelId="{DFB32536-4406-E04B-9FA5-A9C3B2A57DB4}" type="presOf" srcId="{9D670C3D-C2F0-4CB9-8949-DC325EF161EE}" destId="{1E84AC57-7408-43F1-A5E8-C8FA5B452CB3}" srcOrd="0" destOrd="0" presId="urn:microsoft.com/office/officeart/2005/8/layout/orgChart1"/>
+    <dgm:cxn modelId="{AA3FEF6D-714D-C741-BD04-964993441BE5}" type="presOf" srcId="{7D1910DA-B8EE-4C3B-AE0A-C497038BA8D4}" destId="{60AB4EA0-962C-415E-B9DD-B2C150F3D463}" srcOrd="0" destOrd="0" presId="urn:microsoft.com/office/officeart/2005/8/layout/orgChart1"/>
     <dgm:cxn modelId="{7FEC6F6E-1169-AF4E-84AF-644EC95BAE3C}" type="presOf" srcId="{6D20A6CF-1B52-4AF0-A5F9-F6D5B0EFB2BE}" destId="{BDC3F7BA-E77F-47A8-9E08-DE96A30B5ADF}" srcOrd="1" destOrd="0" presId="urn:microsoft.com/office/officeart/2005/8/layout/orgChart1"/>
-    <dgm:cxn modelId="{DFB32536-4406-E04B-9FA5-A9C3B2A57DB4}" type="presOf" srcId="{9D670C3D-C2F0-4CB9-8949-DC325EF161EE}" destId="{1E84AC57-7408-43F1-A5E8-C8FA5B452CB3}" srcOrd="0" destOrd="0" presId="urn:microsoft.com/office/officeart/2005/8/layout/orgChart1"/>
-    <dgm:cxn modelId="{3A95F5C6-7DC0-6D4F-9603-62DFD826DF58}" type="presOf" srcId="{6D20A6CF-1B52-4AF0-A5F9-F6D5B0EFB2BE}" destId="{1A893771-28AD-437D-A3CB-A6B4D552559D}" srcOrd="0" destOrd="0" presId="urn:microsoft.com/office/officeart/2005/8/layout/orgChart1"/>
-    <dgm:cxn modelId="{A09E8483-CE6B-0640-8C87-BA7F1E2514C9}" type="presOf" srcId="{CD7CCB7D-47E7-4595-BCD3-4CD3BA5F4011}" destId="{555FBFFB-C9DF-4169-AB9D-A14D723B9988}" srcOrd="0" destOrd="0" presId="urn:microsoft.com/office/officeart/2005/8/layout/orgChart1"/>
-    <dgm:cxn modelId="{B07DEDA7-0FAC-D14B-A15C-5452754CD7CE}" type="presOf" srcId="{9D670C3D-C2F0-4CB9-8949-DC325EF161EE}" destId="{CE1AD3CD-C0BD-4957-834D-67CD120A4F97}" srcOrd="1" destOrd="0" presId="urn:microsoft.com/office/officeart/2005/8/layout/orgChart1"/>
-    <dgm:cxn modelId="{96A78313-2E2B-7B47-B5D7-AC49F34F10A7}" type="presOf" srcId="{D0D25C11-AD8B-418C-9E5D-CE0B02AE08AA}" destId="{849894A9-D4E8-40DD-A687-C068304E9F6A}" srcOrd="0" destOrd="0" presId="urn:microsoft.com/office/officeart/2005/8/layout/orgChart1"/>
-    <dgm:cxn modelId="{110AA1E5-15A0-44EC-955B-A5529A1BE11F}" srcId="{6D20A6CF-1B52-4AF0-A5F9-F6D5B0EFB2BE}" destId="{CD7CCB7D-47E7-4595-BCD3-4CD3BA5F4011}" srcOrd="0" destOrd="0" parTransId="{54758FAE-0DE9-4244-A984-F59A45E247D8}" sibTransId="{A173D705-D733-4624-9BEB-51AE7BCB711E}"/>
-    <dgm:cxn modelId="{C9CBC9A4-B63E-E346-896D-D060046B3FFF}" type="presOf" srcId="{2186FC62-9E22-4A5A-9E47-E17DF1636B82}" destId="{33D2C3BA-01D6-419F-BFD9-9C7CFB05C624}" srcOrd="0" destOrd="0" presId="urn:microsoft.com/office/officeart/2005/8/layout/orgChart1"/>
-    <dgm:cxn modelId="{F5329D84-8700-A642-9EE0-6C0CE1CD619B}" type="presOf" srcId="{54758FAE-0DE9-4244-A984-F59A45E247D8}" destId="{A52E3086-2EFD-4BCE-8CB6-150E937FAA29}" srcOrd="0" destOrd="0" presId="urn:microsoft.com/office/officeart/2005/8/layout/orgChart1"/>
-    <dgm:cxn modelId="{C3AB13F4-D419-496D-85DE-385BF926A955}" srcId="{D0D25C11-AD8B-418C-9E5D-CE0B02AE08AA}" destId="{6D20A6CF-1B52-4AF0-A5F9-F6D5B0EFB2BE}" srcOrd="0" destOrd="0" parTransId="{1B47223F-FAB7-4FD3-88DE-E8CAD34A6FC6}" sibTransId="{9C478415-3C39-4D0A-8F2B-4D8724AE8CCA}"/>
-    <dgm:cxn modelId="{61122BAB-BF81-49FD-8705-51FC90553666}" srcId="{6D20A6CF-1B52-4AF0-A5F9-F6D5B0EFB2BE}" destId="{7850C7F1-BFEF-4A62-838D-98F48BFDD02A}" srcOrd="1" destOrd="0" parTransId="{7D1910DA-B8EE-4C3B-AE0A-C497038BA8D4}" sibTransId="{4C125880-1CBB-4C91-B375-A767504FCB42}"/>
-    <dgm:cxn modelId="{AA3FEF6D-714D-C741-BD04-964993441BE5}" type="presOf" srcId="{7D1910DA-B8EE-4C3B-AE0A-C497038BA8D4}" destId="{60AB4EA0-962C-415E-B9DD-B2C150F3D463}" srcOrd="0" destOrd="0" presId="urn:microsoft.com/office/officeart/2005/8/layout/orgChart1"/>
-    <dgm:cxn modelId="{5DB95A59-FB8F-4B2F-8667-54B0676C6A2A}" srcId="{6D20A6CF-1B52-4AF0-A5F9-F6D5B0EFB2BE}" destId="{9D670C3D-C2F0-4CB9-8949-DC325EF161EE}" srcOrd="2" destOrd="0" parTransId="{2186FC62-9E22-4A5A-9E47-E17DF1636B82}" sibTransId="{22A3B962-6165-4D0A-9573-FEDEB1C39DE3}"/>
-    <dgm:cxn modelId="{6C200A14-791B-A548-8EAC-40A4838C9698}" type="presOf" srcId="{7850C7F1-BFEF-4A62-838D-98F48BFDD02A}" destId="{828E383C-85BF-4294-965A-EDBFF4EEAAD6}" srcOrd="0" destOrd="0" presId="urn:microsoft.com/office/officeart/2005/8/layout/orgChart1"/>
     <dgm:cxn modelId="{99FCA44E-C4B0-A243-BBE7-C29E628257B8}" type="presOf" srcId="{CD7CCB7D-47E7-4595-BCD3-4CD3BA5F4011}" destId="{A8CFE193-EB90-49BA-970C-9C9221CC2D64}" srcOrd="1" destOrd="0" presId="urn:microsoft.com/office/officeart/2005/8/layout/orgChart1"/>
     <dgm:cxn modelId="{9B5CAD70-0E4D-5341-A588-4C8FC9DA1DB5}" type="presOf" srcId="{7850C7F1-BFEF-4A62-838D-98F48BFDD02A}" destId="{B9CD8A73-4EBA-4D1A-9711-4AE46F946800}" srcOrd="1" destOrd="0" presId="urn:microsoft.com/office/officeart/2005/8/layout/orgChart1"/>
+    <dgm:cxn modelId="{5DB95A59-FB8F-4B2F-8667-54B0676C6A2A}" srcId="{6D20A6CF-1B52-4AF0-A5F9-F6D5B0EFB2BE}" destId="{9D670C3D-C2F0-4CB9-8949-DC325EF161EE}" srcOrd="2" destOrd="0" parTransId="{2186FC62-9E22-4A5A-9E47-E17DF1636B82}" sibTransId="{22A3B962-6165-4D0A-9573-FEDEB1C39DE3}"/>
+    <dgm:cxn modelId="{A09E8483-CE6B-0640-8C87-BA7F1E2514C9}" type="presOf" srcId="{CD7CCB7D-47E7-4595-BCD3-4CD3BA5F4011}" destId="{555FBFFB-C9DF-4169-AB9D-A14D723B9988}" srcOrd="0" destOrd="0" presId="urn:microsoft.com/office/officeart/2005/8/layout/orgChart1"/>
+    <dgm:cxn modelId="{F5329D84-8700-A642-9EE0-6C0CE1CD619B}" type="presOf" srcId="{54758FAE-0DE9-4244-A984-F59A45E247D8}" destId="{A52E3086-2EFD-4BCE-8CB6-150E937FAA29}" srcOrd="0" destOrd="0" presId="urn:microsoft.com/office/officeart/2005/8/layout/orgChart1"/>
+    <dgm:cxn modelId="{C9CBC9A4-B63E-E346-896D-D060046B3FFF}" type="presOf" srcId="{2186FC62-9E22-4A5A-9E47-E17DF1636B82}" destId="{33D2C3BA-01D6-419F-BFD9-9C7CFB05C624}" srcOrd="0" destOrd="0" presId="urn:microsoft.com/office/officeart/2005/8/layout/orgChart1"/>
+    <dgm:cxn modelId="{B07DEDA7-0FAC-D14B-A15C-5452754CD7CE}" type="presOf" srcId="{9D670C3D-C2F0-4CB9-8949-DC325EF161EE}" destId="{CE1AD3CD-C0BD-4957-834D-67CD120A4F97}" srcOrd="1" destOrd="0" presId="urn:microsoft.com/office/officeart/2005/8/layout/orgChart1"/>
+    <dgm:cxn modelId="{61122BAB-BF81-49FD-8705-51FC90553666}" srcId="{6D20A6CF-1B52-4AF0-A5F9-F6D5B0EFB2BE}" destId="{7850C7F1-BFEF-4A62-838D-98F48BFDD02A}" srcOrd="1" destOrd="0" parTransId="{7D1910DA-B8EE-4C3B-AE0A-C497038BA8D4}" sibTransId="{4C125880-1CBB-4C91-B375-A767504FCB42}"/>
+    <dgm:cxn modelId="{3A95F5C6-7DC0-6D4F-9603-62DFD826DF58}" type="presOf" srcId="{6D20A6CF-1B52-4AF0-A5F9-F6D5B0EFB2BE}" destId="{1A893771-28AD-437D-A3CB-A6B4D552559D}" srcOrd="0" destOrd="0" presId="urn:microsoft.com/office/officeart/2005/8/layout/orgChart1"/>
+    <dgm:cxn modelId="{110AA1E5-15A0-44EC-955B-A5529A1BE11F}" srcId="{6D20A6CF-1B52-4AF0-A5F9-F6D5B0EFB2BE}" destId="{CD7CCB7D-47E7-4595-BCD3-4CD3BA5F4011}" srcOrd="0" destOrd="0" parTransId="{54758FAE-0DE9-4244-A984-F59A45E247D8}" sibTransId="{A173D705-D733-4624-9BEB-51AE7BCB711E}"/>
+    <dgm:cxn modelId="{C3AB13F4-D419-496D-85DE-385BF926A955}" srcId="{D0D25C11-AD8B-418C-9E5D-CE0B02AE08AA}" destId="{6D20A6CF-1B52-4AF0-A5F9-F6D5B0EFB2BE}" srcOrd="0" destOrd="0" parTransId="{1B47223F-FAB7-4FD3-88DE-E8CAD34A6FC6}" sibTransId="{9C478415-3C39-4D0A-8F2B-4D8724AE8CCA}"/>
     <dgm:cxn modelId="{2C05335B-94ED-6243-B9F8-E3A81FC059C9}" type="presParOf" srcId="{849894A9-D4E8-40DD-A687-C068304E9F6A}" destId="{A0677A2D-EF10-4573-B594-6E121764D3CB}" srcOrd="0" destOrd="0" presId="urn:microsoft.com/office/officeart/2005/8/layout/orgChart1"/>
     <dgm:cxn modelId="{5BB1304C-79E7-C04E-B080-35DC95A6E79B}" type="presParOf" srcId="{A0677A2D-EF10-4573-B594-6E121764D3CB}" destId="{4E7B3589-E2D5-4662-87BD-5B2C969BBB0B}" srcOrd="0" destOrd="0" presId="urn:microsoft.com/office/officeart/2005/8/layout/orgChart1"/>
     <dgm:cxn modelId="{A8F03851-E824-9541-B287-FEB17EBE8E31}" type="presParOf" srcId="{4E7B3589-E2D5-4662-87BD-5B2C969BBB0B}" destId="{1A893771-28AD-437D-A3CB-A6B4D552559D}" srcOrd="0" destOrd="0" presId="urn:microsoft.com/office/officeart/2005/8/layout/orgChart1"/>
@@ -1539,7 +1466,7 @@
           </a:pathLst>
         </a:custGeom>
         <a:noFill/>
-        <a:ln w="12700" cap="flat" cmpd="sng" algn="ctr">
+        <a:ln w="15875" cap="flat" cmpd="sng" algn="ctr">
           <a:solidFill>
             <a:schemeClr val="accent2">
               <a:hueOff val="0"/>
@@ -1549,7 +1476,6 @@
             </a:schemeClr>
           </a:solidFill>
           <a:prstDash val="solid"/>
-          <a:miter lim="800000"/>
         </a:ln>
         <a:effectLst/>
       </dsp:spPr>
@@ -1600,7 +1526,7 @@
           </a:pathLst>
         </a:custGeom>
         <a:noFill/>
-        <a:ln w="12700" cap="flat" cmpd="sng" algn="ctr">
+        <a:ln w="15875" cap="flat" cmpd="sng" algn="ctr">
           <a:solidFill>
             <a:schemeClr val="accent2">
               <a:hueOff val="0"/>
@@ -1610,7 +1536,6 @@
             </a:schemeClr>
           </a:solidFill>
           <a:prstDash val="solid"/>
-          <a:miter lim="800000"/>
         </a:ln>
         <a:effectLst/>
       </dsp:spPr>
@@ -1661,7 +1586,7 @@
           </a:pathLst>
         </a:custGeom>
         <a:noFill/>
-        <a:ln w="12700" cap="flat" cmpd="sng" algn="ctr">
+        <a:ln w="15875" cap="flat" cmpd="sng" algn="ctr">
           <a:solidFill>
             <a:schemeClr val="accent2">
               <a:hueOff val="0"/>
@@ -1671,7 +1596,6 @@
             </a:schemeClr>
           </a:solidFill>
           <a:prstDash val="solid"/>
-          <a:miter lim="800000"/>
         </a:ln>
         <a:effectLst/>
       </dsp:spPr>
@@ -1709,7 +1633,7 @@
             <a:alphaOff val="0"/>
           </a:schemeClr>
         </a:solidFill>
-        <a:ln w="12700" cap="flat" cmpd="sng" algn="ctr">
+        <a:ln w="15875" cap="flat" cmpd="sng" algn="ctr">
           <a:solidFill>
             <a:schemeClr val="lt1">
               <a:hueOff val="0"/>
@@ -1719,7 +1643,6 @@
             </a:schemeClr>
           </a:solidFill>
           <a:prstDash val="solid"/>
-          <a:miter lim="800000"/>
         </a:ln>
         <a:effectLst/>
       </dsp:spPr>
@@ -1743,7 +1666,7 @@
         </a:bodyPr>
         <a:lstStyle/>
         <a:p>
-          <a:pPr lvl="0" algn="ctr" defTabSz="711200">
+          <a:pPr marL="0" lvl="0" indent="0" algn="ctr" defTabSz="711200">
             <a:lnSpc>
               <a:spcPct val="90000"/>
             </a:lnSpc>
@@ -1753,6 +1676,7 @@
             <a:spcAft>
               <a:spcPct val="35000"/>
             </a:spcAft>
+            <a:buNone/>
           </a:pPr>
           <a:r>
             <a:rPr lang="de-DE" sz="1600" kern="1200"/>
@@ -1790,7 +1714,7 @@
             <a:alphaOff val="0"/>
           </a:schemeClr>
         </a:solidFill>
-        <a:ln w="12700" cap="flat" cmpd="sng" algn="ctr">
+        <a:ln w="15875" cap="flat" cmpd="sng" algn="ctr">
           <a:solidFill>
             <a:schemeClr val="lt1">
               <a:hueOff val="0"/>
@@ -1800,7 +1724,6 @@
             </a:schemeClr>
           </a:solidFill>
           <a:prstDash val="solid"/>
-          <a:miter lim="800000"/>
         </a:ln>
         <a:effectLst/>
       </dsp:spPr>
@@ -1824,7 +1747,7 @@
         </a:bodyPr>
         <a:lstStyle/>
         <a:p>
-          <a:pPr lvl="0" algn="ctr" defTabSz="711200">
+          <a:pPr marL="0" lvl="0" indent="0" algn="ctr" defTabSz="711200">
             <a:lnSpc>
               <a:spcPct val="90000"/>
             </a:lnSpc>
@@ -1834,6 +1757,7 @@
             <a:spcAft>
               <a:spcPct val="35000"/>
             </a:spcAft>
+            <a:buNone/>
           </a:pPr>
           <a:r>
             <a:rPr lang="de-DE" sz="1600" kern="1200"/>
@@ -1867,7 +1791,7 @@
             <a:alphaOff val="0"/>
           </a:schemeClr>
         </a:solidFill>
-        <a:ln w="12700" cap="flat" cmpd="sng" algn="ctr">
+        <a:ln w="15875" cap="flat" cmpd="sng" algn="ctr">
           <a:solidFill>
             <a:schemeClr val="lt1">
               <a:hueOff val="0"/>
@@ -1877,7 +1801,6 @@
             </a:schemeClr>
           </a:solidFill>
           <a:prstDash val="solid"/>
-          <a:miter lim="800000"/>
         </a:ln>
         <a:effectLst/>
       </dsp:spPr>
@@ -1901,7 +1824,7 @@
         </a:bodyPr>
         <a:lstStyle/>
         <a:p>
-          <a:pPr lvl="0" algn="ctr" defTabSz="711200">
+          <a:pPr marL="0" lvl="0" indent="0" algn="ctr" defTabSz="711200">
             <a:lnSpc>
               <a:spcPct val="90000"/>
             </a:lnSpc>
@@ -1911,6 +1834,7 @@
             <a:spcAft>
               <a:spcPct val="35000"/>
             </a:spcAft>
+            <a:buNone/>
           </a:pPr>
           <a:r>
             <a:rPr lang="de-DE" sz="1600" kern="1200"/>
@@ -1944,7 +1868,7 @@
             <a:alphaOff val="0"/>
           </a:schemeClr>
         </a:solidFill>
-        <a:ln w="12700" cap="flat" cmpd="sng" algn="ctr">
+        <a:ln w="15875" cap="flat" cmpd="sng" algn="ctr">
           <a:solidFill>
             <a:schemeClr val="lt1">
               <a:hueOff val="0"/>
@@ -1954,7 +1878,6 @@
             </a:schemeClr>
           </a:solidFill>
           <a:prstDash val="solid"/>
-          <a:miter lim="800000"/>
         </a:ln>
         <a:effectLst/>
       </dsp:spPr>
@@ -1978,7 +1901,7 @@
         </a:bodyPr>
         <a:lstStyle/>
         <a:p>
-          <a:pPr lvl="0" algn="ctr" defTabSz="711200">
+          <a:pPr marL="0" lvl="0" indent="0" algn="ctr" defTabSz="711200">
             <a:lnSpc>
               <a:spcPct val="90000"/>
             </a:lnSpc>
@@ -1988,6 +1911,7 @@
             <a:spcAft>
               <a:spcPct val="35000"/>
             </a:spcAft>
+            <a:buNone/>
           </a:pPr>
           <a:r>
             <a:rPr lang="de-DE" sz="1600" kern="1200" dirty="0"/>
@@ -4193,8 +4117,8 @@
 </file>
 
 <file path=ppt/slideLayouts/slideLayout1.xml><?xml version="1.0" encoding="utf-8"?>
-<p:sldLayout xmlns:a="http://schemas.openxmlformats.org/drawingml/2006/main" xmlns:r="http://schemas.openxmlformats.org/officeDocument/2006/relationships" xmlns:p="http://schemas.openxmlformats.org/presentationml/2006/main" type="title" preserve="1">
-  <p:cSld name="Title Slide">
+<p:sldLayout xmlns:a="http://schemas.openxmlformats.org/drawingml/2006/main" xmlns:r="http://schemas.openxmlformats.org/officeDocument/2006/relationships" xmlns:p="http://schemas.openxmlformats.org/presentationml/2006/main" showMasterSp="0" type="title" preserve="1">
+  <p:cSld name="Titelfolie">
     <p:spTree>
       <p:nvGrpSpPr>
         <p:cNvPr id="1" name=""/>
@@ -4211,6 +4135,82 @@
       </p:grpSpPr>
       <p:sp>
         <p:nvSpPr>
+          <p:cNvPr id="7" name="Rectangle 6"/>
+          <p:cNvSpPr/>
+          <p:nvPr/>
+        </p:nvSpPr>
+        <p:spPr>
+          <a:xfrm>
+            <a:off x="3175" y="6400800"/>
+            <a:ext cx="12188825" cy="457200"/>
+          </a:xfrm>
+          <a:prstGeom prst="rect">
+            <a:avLst/>
+          </a:prstGeom>
+          <a:solidFill>
+            <a:schemeClr val="accent2"/>
+          </a:solidFill>
+          <a:ln>
+            <a:noFill/>
+          </a:ln>
+        </p:spPr>
+        <p:style>
+          <a:lnRef idx="2">
+            <a:schemeClr val="accent1">
+              <a:shade val="50000"/>
+            </a:schemeClr>
+          </a:lnRef>
+          <a:fillRef idx="1">
+            <a:schemeClr val="accent1"/>
+          </a:fillRef>
+          <a:effectRef idx="0">
+            <a:schemeClr val="accent1"/>
+          </a:effectRef>
+          <a:fontRef idx="minor">
+            <a:schemeClr val="lt1"/>
+          </a:fontRef>
+        </p:style>
+      </p:sp>
+      <p:sp>
+        <p:nvSpPr>
+          <p:cNvPr id="8" name="Rectangle 7"/>
+          <p:cNvSpPr/>
+          <p:nvPr/>
+        </p:nvSpPr>
+        <p:spPr>
+          <a:xfrm>
+            <a:off x="15" y="6334316"/>
+            <a:ext cx="12188825" cy="64008"/>
+          </a:xfrm>
+          <a:prstGeom prst="rect">
+            <a:avLst/>
+          </a:prstGeom>
+          <a:solidFill>
+            <a:schemeClr val="accent1"/>
+          </a:solidFill>
+          <a:ln>
+            <a:noFill/>
+          </a:ln>
+        </p:spPr>
+        <p:style>
+          <a:lnRef idx="2">
+            <a:schemeClr val="accent1">
+              <a:shade val="50000"/>
+            </a:schemeClr>
+          </a:lnRef>
+          <a:fillRef idx="1">
+            <a:schemeClr val="accent1"/>
+          </a:fillRef>
+          <a:effectRef idx="0">
+            <a:schemeClr val="accent1"/>
+          </a:effectRef>
+          <a:fontRef idx="minor">
+            <a:schemeClr val="lt1"/>
+          </a:fontRef>
+        </p:style>
+      </p:sp>
+      <p:sp>
+        <p:nvSpPr>
           <p:cNvPr id="2" name="Title 1"/>
           <p:cNvSpPr>
             <a:spLocks noGrp="1"/>
@@ -4221,23 +4221,35 @@
         </p:nvSpPr>
         <p:spPr>
           <a:xfrm>
-            <a:off x="1524000" y="1122363"/>
-            <a:ext cx="9144000" cy="2387600"/>
+            <a:off x="1097280" y="758952"/>
+            <a:ext cx="10058400" cy="3566160"/>
           </a:xfrm>
         </p:spPr>
         <p:txBody>
-          <a:bodyPr anchor="b"/>
+          <a:bodyPr anchor="b">
+            <a:normAutofit/>
+          </a:bodyPr>
           <a:lstStyle>
-            <a:lvl1pPr algn="ctr">
-              <a:defRPr sz="6000"/>
+            <a:lvl1pPr algn="l">
+              <a:lnSpc>
+                <a:spcPct val="85000"/>
+              </a:lnSpc>
+              <a:defRPr sz="8000" spc="-50" baseline="0">
+                <a:solidFill>
+                  <a:schemeClr val="tx1">
+                    <a:lumMod val="85000"/>
+                    <a:lumOff val="15000"/>
+                  </a:schemeClr>
+                </a:solidFill>
+              </a:defRPr>
             </a:lvl1pPr>
           </a:lstStyle>
           <a:p>
             <a:r>
-              <a:rPr lang="en-US" smtClean="0"/>
-              <a:t>Click to edit Master title style</a:t>
-            </a:r>
-            <a:endParaRPr lang="en-US"/>
+              <a:rPr lang="de-DE"/>
+              <a:t>Titelmasterformat durch Klicken bearbeiten</a:t>
+            </a:r>
+            <a:endParaRPr lang="en-US" dirty="0"/>
           </a:p>
         </p:txBody>
       </p:sp>
@@ -4253,56 +4265,63 @@
         </p:nvSpPr>
         <p:spPr>
           <a:xfrm>
-            <a:off x="1524000" y="3602038"/>
-            <a:ext cx="9144000" cy="1655762"/>
+            <a:off x="1100051" y="4455620"/>
+            <a:ext cx="10058400" cy="1143000"/>
           </a:xfrm>
         </p:spPr>
         <p:txBody>
-          <a:bodyPr/>
+          <a:bodyPr lIns="91440" rIns="91440">
+            <a:normAutofit/>
+          </a:bodyPr>
           <a:lstStyle>
-            <a:lvl1pPr marL="0" indent="0" algn="ctr">
+            <a:lvl1pPr marL="0" indent="0" algn="l">
               <a:buNone/>
-              <a:defRPr sz="2400"/>
+              <a:defRPr sz="2400" cap="all" spc="200" baseline="0">
+                <a:solidFill>
+                  <a:schemeClr val="tx2"/>
+                </a:solidFill>
+                <a:latin typeface="+mj-lt"/>
+              </a:defRPr>
             </a:lvl1pPr>
             <a:lvl2pPr marL="457200" indent="0" algn="ctr">
               <a:buNone/>
-              <a:defRPr sz="2000"/>
+              <a:defRPr sz="2400"/>
             </a:lvl2pPr>
             <a:lvl3pPr marL="914400" indent="0" algn="ctr">
               <a:buNone/>
-              <a:defRPr sz="1800"/>
+              <a:defRPr sz="2400"/>
             </a:lvl3pPr>
             <a:lvl4pPr marL="1371600" indent="0" algn="ctr">
               <a:buNone/>
-              <a:defRPr sz="1600"/>
+              <a:defRPr sz="2000"/>
             </a:lvl4pPr>
             <a:lvl5pPr marL="1828800" indent="0" algn="ctr">
               <a:buNone/>
-              <a:defRPr sz="1600"/>
+              <a:defRPr sz="2000"/>
             </a:lvl5pPr>
             <a:lvl6pPr marL="2286000" indent="0" algn="ctr">
               <a:buNone/>
-              <a:defRPr sz="1600"/>
+              <a:defRPr sz="2000"/>
             </a:lvl6pPr>
             <a:lvl7pPr marL="2743200" indent="0" algn="ctr">
               <a:buNone/>
-              <a:defRPr sz="1600"/>
+              <a:defRPr sz="2000"/>
             </a:lvl7pPr>
             <a:lvl8pPr marL="3200400" indent="0" algn="ctr">
               <a:buNone/>
-              <a:defRPr sz="1600"/>
+              <a:defRPr sz="2000"/>
             </a:lvl8pPr>
             <a:lvl9pPr marL="3657600" indent="0" algn="ctr">
               <a:buNone/>
-              <a:defRPr sz="1600"/>
+              <a:defRPr sz="2000"/>
             </a:lvl9pPr>
           </a:lstStyle>
           <a:p>
             <a:r>
-              <a:rPr lang="en-US" smtClean="0"/>
-              <a:t>Click to edit Master subtitle style</a:t>
-            </a:r>
-            <a:endParaRPr lang="en-US"/>
+              <a:rPr lang="de-DE"/>
+              <a:t>Formatvorlage des Untertitelmasters durch Klicken bearbeiten</a:t>
+            </a:r>
+            <a:endParaRPr lang="en-US" dirty="0"/>
           </a:p>
         </p:txBody>
       </p:sp>
@@ -4323,7 +4342,7 @@
           <a:p>
             <a:fld id="{331B0D19-E56F-644B-AEE4-C9C3AC1728CA}" type="datetimeFigureOut">
               <a:rPr lang="en-US" smtClean="0"/>
-              <a:t>10/30/17</a:t>
+              <a:t>10/30/2017</a:t>
             </a:fld>
             <a:endParaRPr lang="en-US"/>
           </a:p>
@@ -4365,13 +4384,18 @@
           <a:p>
             <a:fld id="{3553D92C-0872-AC4C-87CF-FFFB4F2ED450}" type="slidenum">
               <a:rPr lang="en-US" smtClean="0"/>
-              <a:t>‹#›</a:t>
+              <a:t>‹Nr.›</a:t>
             </a:fld>
             <a:endParaRPr lang="en-US"/>
           </a:p>
         </p:txBody>
       </p:sp>
     </p:spTree>
+    <p:extLst>
+      <p:ext uri="{BB962C8B-B14F-4D97-AF65-F5344CB8AC3E}">
+        <p14:creationId xmlns:p14="http://schemas.microsoft.com/office/powerpoint/2010/main" val="1100018457"/>
+      </p:ext>
+    </p:extLst>
   </p:cSld>
   <p:clrMapOvr>
     <a:masterClrMapping/>
@@ -4381,7 +4405,7 @@
 
 <file path=ppt/slideLayouts/slideLayout10.xml><?xml version="1.0" encoding="utf-8"?>
 <p:sldLayout xmlns:a="http://schemas.openxmlformats.org/drawingml/2006/main" xmlns:r="http://schemas.openxmlformats.org/officeDocument/2006/relationships" xmlns:p="http://schemas.openxmlformats.org/presentationml/2006/main" type="vertTx" preserve="1">
-  <p:cSld name="Title and Vertical Text">
+  <p:cSld name="Titel und vertikaler Text">
     <p:spTree>
       <p:nvGrpSpPr>
         <p:cNvPr id="1" name=""/>
@@ -4412,10 +4436,10 @@
           <a:lstStyle/>
           <a:p>
             <a:r>
-              <a:rPr lang="en-US" smtClean="0"/>
-              <a:t>Click to edit Master title style</a:t>
-            </a:r>
-            <a:endParaRPr lang="en-US"/>
+              <a:rPr lang="de-DE"/>
+              <a:t>Titelmasterformat durch Klicken bearbeiten</a:t>
+            </a:r>
+            <a:endParaRPr lang="en-US" dirty="0"/>
           </a:p>
         </p:txBody>
       </p:sp>
@@ -4431,43 +4455,43 @@
         </p:nvSpPr>
         <p:spPr/>
         <p:txBody>
-          <a:bodyPr vert="eaVert"/>
+          <a:bodyPr vert="eaVert" lIns="45720" tIns="0" rIns="45720" bIns="0"/>
           <a:lstStyle/>
           <a:p>
             <a:pPr lvl="0"/>
             <a:r>
-              <a:rPr lang="en-US" smtClean="0"/>
-              <a:t>Click to edit Master text styles</a:t>
+              <a:rPr lang="de-DE"/>
+              <a:t>Formatvorlagen des Textmasters bearbeiten</a:t>
             </a:r>
           </a:p>
           <a:p>
             <a:pPr lvl="1"/>
             <a:r>
-              <a:rPr lang="en-US" smtClean="0"/>
-              <a:t>Second level</a:t>
+              <a:rPr lang="de-DE"/>
+              <a:t>Zweite Ebene</a:t>
             </a:r>
           </a:p>
           <a:p>
             <a:pPr lvl="2"/>
             <a:r>
-              <a:rPr lang="en-US" smtClean="0"/>
-              <a:t>Third level</a:t>
+              <a:rPr lang="de-DE"/>
+              <a:t>Dritte Ebene</a:t>
             </a:r>
           </a:p>
           <a:p>
             <a:pPr lvl="3"/>
             <a:r>
-              <a:rPr lang="en-US" smtClean="0"/>
-              <a:t>Fourth level</a:t>
+              <a:rPr lang="de-DE"/>
+              <a:t>Vierte Ebene</a:t>
             </a:r>
           </a:p>
           <a:p>
             <a:pPr lvl="4"/>
             <a:r>
-              <a:rPr lang="en-US" smtClean="0"/>
-              <a:t>Fifth level</a:t>
-            </a:r>
-            <a:endParaRPr lang="en-US"/>
+              <a:rPr lang="de-DE"/>
+              <a:t>Fünfte Ebene</a:t>
+            </a:r>
+            <a:endParaRPr lang="en-US" dirty="0"/>
           </a:p>
         </p:txBody>
       </p:sp>
@@ -4488,7 +4512,7 @@
           <a:p>
             <a:fld id="{331B0D19-E56F-644B-AEE4-C9C3AC1728CA}" type="datetimeFigureOut">
               <a:rPr lang="en-US" smtClean="0"/>
-              <a:t>10/30/17</a:t>
+              <a:t>10/30/2017</a:t>
             </a:fld>
             <a:endParaRPr lang="en-US"/>
           </a:p>
@@ -4530,13 +4554,18 @@
           <a:p>
             <a:fld id="{3553D92C-0872-AC4C-87CF-FFFB4F2ED450}" type="slidenum">
               <a:rPr lang="en-US" smtClean="0"/>
-              <a:t>‹#›</a:t>
+              <a:t>‹Nr.›</a:t>
             </a:fld>
             <a:endParaRPr lang="en-US"/>
           </a:p>
         </p:txBody>
       </p:sp>
     </p:spTree>
+    <p:extLst>
+      <p:ext uri="{BB962C8B-B14F-4D97-AF65-F5344CB8AC3E}">
+        <p14:creationId xmlns:p14="http://schemas.microsoft.com/office/powerpoint/2010/main" val="249448598"/>
+      </p:ext>
+    </p:extLst>
   </p:cSld>
   <p:clrMapOvr>
     <a:masterClrMapping/>
@@ -4545,8 +4574,8 @@
 </file>
 
 <file path=ppt/slideLayouts/slideLayout11.xml><?xml version="1.0" encoding="utf-8"?>
-<p:sldLayout xmlns:a="http://schemas.openxmlformats.org/drawingml/2006/main" xmlns:r="http://schemas.openxmlformats.org/officeDocument/2006/relationships" xmlns:p="http://schemas.openxmlformats.org/presentationml/2006/main" type="vertTitleAndTx" preserve="1">
-  <p:cSld name="Vertical Title and Text">
+<p:sldLayout xmlns:a="http://schemas.openxmlformats.org/drawingml/2006/main" xmlns:r="http://schemas.openxmlformats.org/officeDocument/2006/relationships" xmlns:p="http://schemas.openxmlformats.org/presentationml/2006/main" showMasterSp="0" type="vertTitleAndTx" preserve="1">
+  <p:cSld name="Vertikaler Titel und Text">
     <p:spTree>
       <p:nvGrpSpPr>
         <p:cNvPr id="1" name=""/>
@@ -4563,6 +4592,82 @@
       </p:grpSpPr>
       <p:sp>
         <p:nvSpPr>
+          <p:cNvPr id="7" name="Rectangle 6"/>
+          <p:cNvSpPr/>
+          <p:nvPr/>
+        </p:nvSpPr>
+        <p:spPr>
+          <a:xfrm>
+            <a:off x="3175" y="6400800"/>
+            <a:ext cx="12188825" cy="457200"/>
+          </a:xfrm>
+          <a:prstGeom prst="rect">
+            <a:avLst/>
+          </a:prstGeom>
+          <a:solidFill>
+            <a:schemeClr val="accent2"/>
+          </a:solidFill>
+          <a:ln>
+            <a:noFill/>
+          </a:ln>
+        </p:spPr>
+        <p:style>
+          <a:lnRef idx="2">
+            <a:schemeClr val="accent1">
+              <a:shade val="50000"/>
+            </a:schemeClr>
+          </a:lnRef>
+          <a:fillRef idx="1">
+            <a:schemeClr val="accent1"/>
+          </a:fillRef>
+          <a:effectRef idx="0">
+            <a:schemeClr val="accent1"/>
+          </a:effectRef>
+          <a:fontRef idx="minor">
+            <a:schemeClr val="lt1"/>
+          </a:fontRef>
+        </p:style>
+      </p:sp>
+      <p:sp>
+        <p:nvSpPr>
+          <p:cNvPr id="8" name="Rectangle 7"/>
+          <p:cNvSpPr/>
+          <p:nvPr/>
+        </p:nvSpPr>
+        <p:spPr>
+          <a:xfrm>
+            <a:off x="15" y="6334316"/>
+            <a:ext cx="12188825" cy="64008"/>
+          </a:xfrm>
+          <a:prstGeom prst="rect">
+            <a:avLst/>
+          </a:prstGeom>
+          <a:solidFill>
+            <a:schemeClr val="accent1"/>
+          </a:solidFill>
+          <a:ln>
+            <a:noFill/>
+          </a:ln>
+        </p:spPr>
+        <p:style>
+          <a:lnRef idx="2">
+            <a:schemeClr val="accent1">
+              <a:shade val="50000"/>
+            </a:schemeClr>
+          </a:lnRef>
+          <a:fillRef idx="1">
+            <a:schemeClr val="accent1"/>
+          </a:fillRef>
+          <a:effectRef idx="0">
+            <a:schemeClr val="accent1"/>
+          </a:effectRef>
+          <a:fontRef idx="minor">
+            <a:schemeClr val="lt1"/>
+          </a:fontRef>
+        </p:style>
+      </p:sp>
+      <p:sp>
+        <p:nvSpPr>
           <p:cNvPr id="2" name="Vertical Title 1"/>
           <p:cNvSpPr>
             <a:spLocks noGrp="1"/>
@@ -4573,8 +4678,8 @@
         </p:nvSpPr>
         <p:spPr>
           <a:xfrm>
-            <a:off x="8724900" y="365125"/>
-            <a:ext cx="2628900" cy="5811838"/>
+            <a:off x="8724900" y="414778"/>
+            <a:ext cx="2628900" cy="5757421"/>
           </a:xfrm>
         </p:spPr>
         <p:txBody>
@@ -4582,10 +4687,10 @@
           <a:lstStyle/>
           <a:p>
             <a:r>
-              <a:rPr lang="en-US" smtClean="0"/>
-              <a:t>Click to edit Master title style</a:t>
-            </a:r>
-            <a:endParaRPr lang="en-US"/>
+              <a:rPr lang="de-DE"/>
+              <a:t>Titelmasterformat durch Klicken bearbeiten</a:t>
+            </a:r>
+            <a:endParaRPr lang="en-US" dirty="0"/>
           </a:p>
         </p:txBody>
       </p:sp>
@@ -4601,48 +4706,48 @@
         </p:nvSpPr>
         <p:spPr>
           <a:xfrm>
-            <a:off x="838200" y="365125"/>
-            <a:ext cx="7734300" cy="5811838"/>
+            <a:off x="838200" y="414778"/>
+            <a:ext cx="7734300" cy="5757422"/>
           </a:xfrm>
         </p:spPr>
         <p:txBody>
-          <a:bodyPr vert="eaVert"/>
+          <a:bodyPr vert="eaVert" lIns="45720" tIns="0" rIns="45720" bIns="0"/>
           <a:lstStyle/>
           <a:p>
             <a:pPr lvl="0"/>
             <a:r>
-              <a:rPr lang="en-US" smtClean="0"/>
-              <a:t>Click to edit Master text styles</a:t>
+              <a:rPr lang="de-DE"/>
+              <a:t>Formatvorlagen des Textmasters bearbeiten</a:t>
             </a:r>
           </a:p>
           <a:p>
             <a:pPr lvl="1"/>
             <a:r>
-              <a:rPr lang="en-US" smtClean="0"/>
-              <a:t>Second level</a:t>
+              <a:rPr lang="de-DE"/>
+              <a:t>Zweite Ebene</a:t>
             </a:r>
           </a:p>
           <a:p>
             <a:pPr lvl="2"/>
             <a:r>
-              <a:rPr lang="en-US" smtClean="0"/>
-              <a:t>Third level</a:t>
+              <a:rPr lang="de-DE"/>
+              <a:t>Dritte Ebene</a:t>
             </a:r>
           </a:p>
           <a:p>
             <a:pPr lvl="3"/>
             <a:r>
-              <a:rPr lang="en-US" smtClean="0"/>
-              <a:t>Fourth level</a:t>
+              <a:rPr lang="de-DE"/>
+              <a:t>Vierte Ebene</a:t>
             </a:r>
           </a:p>
           <a:p>
             <a:pPr lvl="4"/>
             <a:r>
-              <a:rPr lang="en-US" smtClean="0"/>
-              <a:t>Fifth level</a:t>
-            </a:r>
-            <a:endParaRPr lang="en-US"/>
+              <a:rPr lang="de-DE"/>
+              <a:t>Fünfte Ebene</a:t>
+            </a:r>
+            <a:endParaRPr lang="en-US" dirty="0"/>
           </a:p>
         </p:txBody>
       </p:sp>
@@ -4663,7 +4768,7 @@
           <a:p>
             <a:fld id="{331B0D19-E56F-644B-AEE4-C9C3AC1728CA}" type="datetimeFigureOut">
               <a:rPr lang="en-US" smtClean="0"/>
-              <a:t>10/30/17</a:t>
+              <a:t>10/30/2017</a:t>
             </a:fld>
             <a:endParaRPr lang="en-US"/>
           </a:p>
@@ -4705,13 +4810,18 @@
           <a:p>
             <a:fld id="{3553D92C-0872-AC4C-87CF-FFFB4F2ED450}" type="slidenum">
               <a:rPr lang="en-US" smtClean="0"/>
-              <a:t>‹#›</a:t>
+              <a:t>‹Nr.›</a:t>
             </a:fld>
             <a:endParaRPr lang="en-US"/>
           </a:p>
         </p:txBody>
       </p:sp>
     </p:spTree>
+    <p:extLst>
+      <p:ext uri="{BB962C8B-B14F-4D97-AF65-F5344CB8AC3E}">
+        <p14:creationId xmlns:p14="http://schemas.microsoft.com/office/powerpoint/2010/main" val="1779619249"/>
+      </p:ext>
+    </p:extLst>
   </p:cSld>
   <p:clrMapOvr>
     <a:masterClrMapping/>
@@ -4721,7 +4831,7 @@
 
 <file path=ppt/slideLayouts/slideLayout2.xml><?xml version="1.0" encoding="utf-8"?>
 <p:sldLayout xmlns:a="http://schemas.openxmlformats.org/drawingml/2006/main" xmlns:r="http://schemas.openxmlformats.org/officeDocument/2006/relationships" xmlns:p="http://schemas.openxmlformats.org/presentationml/2006/main" type="obj" preserve="1">
-  <p:cSld name="Title and Content">
+  <p:cSld name="Titel und Inhalt">
     <p:spTree>
       <p:nvGrpSpPr>
         <p:cNvPr id="1" name=""/>
@@ -4749,13 +4859,17 @@
         <p:spPr/>
         <p:txBody>
           <a:bodyPr/>
-          <a:lstStyle/>
-          <a:p>
-            <a:r>
-              <a:rPr lang="en-US" smtClean="0"/>
-              <a:t>Click to edit Master title style</a:t>
-            </a:r>
-            <a:endParaRPr lang="en-US"/>
+          <a:lstStyle>
+            <a:lvl1pPr marL="0">
+              <a:defRPr/>
+            </a:lvl1pPr>
+          </a:lstStyle>
+          <a:p>
+            <a:r>
+              <a:rPr lang="de-DE"/>
+              <a:t>Titelmasterformat durch Klicken bearbeiten</a:t>
+            </a:r>
+            <a:endParaRPr lang="en-US" dirty="0"/>
           </a:p>
         </p:txBody>
       </p:sp>
@@ -4776,38 +4890,38 @@
           <a:p>
             <a:pPr lvl="0"/>
             <a:r>
-              <a:rPr lang="en-US" smtClean="0"/>
-              <a:t>Click to edit Master text styles</a:t>
+              <a:rPr lang="de-DE"/>
+              <a:t>Formatvorlagen des Textmasters bearbeiten</a:t>
             </a:r>
           </a:p>
           <a:p>
             <a:pPr lvl="1"/>
             <a:r>
-              <a:rPr lang="en-US" smtClean="0"/>
-              <a:t>Second level</a:t>
+              <a:rPr lang="de-DE"/>
+              <a:t>Zweite Ebene</a:t>
             </a:r>
           </a:p>
           <a:p>
             <a:pPr lvl="2"/>
             <a:r>
-              <a:rPr lang="en-US" smtClean="0"/>
-              <a:t>Third level</a:t>
+              <a:rPr lang="de-DE"/>
+              <a:t>Dritte Ebene</a:t>
             </a:r>
           </a:p>
           <a:p>
             <a:pPr lvl="3"/>
             <a:r>
-              <a:rPr lang="en-US" smtClean="0"/>
-              <a:t>Fourth level</a:t>
+              <a:rPr lang="de-DE"/>
+              <a:t>Vierte Ebene</a:t>
             </a:r>
           </a:p>
           <a:p>
             <a:pPr lvl="4"/>
             <a:r>
-              <a:rPr lang="en-US" smtClean="0"/>
-              <a:t>Fifth level</a:t>
-            </a:r>
-            <a:endParaRPr lang="en-US"/>
+              <a:rPr lang="de-DE"/>
+              <a:t>Fünfte Ebene</a:t>
+            </a:r>
+            <a:endParaRPr lang="en-US" dirty="0"/>
           </a:p>
         </p:txBody>
       </p:sp>
@@ -4828,7 +4942,7 @@
           <a:p>
             <a:fld id="{331B0D19-E56F-644B-AEE4-C9C3AC1728CA}" type="datetimeFigureOut">
               <a:rPr lang="en-US" smtClean="0"/>
-              <a:t>10/30/17</a:t>
+              <a:t>10/30/2017</a:t>
             </a:fld>
             <a:endParaRPr lang="en-US"/>
           </a:p>
@@ -4870,13 +4984,18 @@
           <a:p>
             <a:fld id="{3553D92C-0872-AC4C-87CF-FFFB4F2ED450}" type="slidenum">
               <a:rPr lang="en-US" smtClean="0"/>
-              <a:t>‹#›</a:t>
+              <a:t>‹Nr.›</a:t>
             </a:fld>
             <a:endParaRPr lang="en-US"/>
           </a:p>
         </p:txBody>
       </p:sp>
     </p:spTree>
+    <p:extLst>
+      <p:ext uri="{BB962C8B-B14F-4D97-AF65-F5344CB8AC3E}">
+        <p14:creationId xmlns:p14="http://schemas.microsoft.com/office/powerpoint/2010/main" val="2030290189"/>
+      </p:ext>
+    </p:extLst>
   </p:cSld>
   <p:clrMapOvr>
     <a:masterClrMapping/>
@@ -4885,8 +5004,16 @@
 </file>
 
 <file path=ppt/slideLayouts/slideLayout3.xml><?xml version="1.0" encoding="utf-8"?>
-<p:sldLayout xmlns:a="http://schemas.openxmlformats.org/drawingml/2006/main" xmlns:r="http://schemas.openxmlformats.org/officeDocument/2006/relationships" xmlns:p="http://schemas.openxmlformats.org/presentationml/2006/main" type="secHead" preserve="1">
-  <p:cSld name="Section Header">
+<p:sldLayout xmlns:a="http://schemas.openxmlformats.org/drawingml/2006/main" xmlns:r="http://schemas.openxmlformats.org/officeDocument/2006/relationships" xmlns:p="http://schemas.openxmlformats.org/presentationml/2006/main" showMasterSp="0" type="secHead" preserve="1">
+  <p:cSld name="Abschnitts-&#10;überschrift">
+    <p:bg>
+      <p:bgPr>
+        <a:solidFill>
+          <a:schemeClr val="bg1"/>
+        </a:solidFill>
+        <a:effectLst/>
+      </p:bgPr>
+    </p:bg>
     <p:spTree>
       <p:nvGrpSpPr>
         <p:cNvPr id="1" name=""/>
@@ -4903,6 +5030,82 @@
       </p:grpSpPr>
       <p:sp>
         <p:nvSpPr>
+          <p:cNvPr id="7" name="Rectangle 6"/>
+          <p:cNvSpPr/>
+          <p:nvPr/>
+        </p:nvSpPr>
+        <p:spPr>
+          <a:xfrm>
+            <a:off x="3175" y="6400800"/>
+            <a:ext cx="12188825" cy="457200"/>
+          </a:xfrm>
+          <a:prstGeom prst="rect">
+            <a:avLst/>
+          </a:prstGeom>
+          <a:solidFill>
+            <a:schemeClr val="accent2"/>
+          </a:solidFill>
+          <a:ln>
+            <a:noFill/>
+          </a:ln>
+        </p:spPr>
+        <p:style>
+          <a:lnRef idx="2">
+            <a:schemeClr val="accent1">
+              <a:shade val="50000"/>
+            </a:schemeClr>
+          </a:lnRef>
+          <a:fillRef idx="1">
+            <a:schemeClr val="accent1"/>
+          </a:fillRef>
+          <a:effectRef idx="0">
+            <a:schemeClr val="accent1"/>
+          </a:effectRef>
+          <a:fontRef idx="minor">
+            <a:schemeClr val="lt1"/>
+          </a:fontRef>
+        </p:style>
+      </p:sp>
+      <p:sp>
+        <p:nvSpPr>
+          <p:cNvPr id="8" name="Rectangle 7"/>
+          <p:cNvSpPr/>
+          <p:nvPr/>
+        </p:nvSpPr>
+        <p:spPr>
+          <a:xfrm>
+            <a:off x="15" y="6334316"/>
+            <a:ext cx="12188825" cy="64008"/>
+          </a:xfrm>
+          <a:prstGeom prst="rect">
+            <a:avLst/>
+          </a:prstGeom>
+          <a:solidFill>
+            <a:schemeClr val="accent1"/>
+          </a:solidFill>
+          <a:ln>
+            <a:noFill/>
+          </a:ln>
+        </p:spPr>
+        <p:style>
+          <a:lnRef idx="2">
+            <a:schemeClr val="accent1">
+              <a:shade val="50000"/>
+            </a:schemeClr>
+          </a:lnRef>
+          <a:fillRef idx="1">
+            <a:schemeClr val="accent1"/>
+          </a:fillRef>
+          <a:effectRef idx="0">
+            <a:schemeClr val="accent1"/>
+          </a:effectRef>
+          <a:fontRef idx="minor">
+            <a:schemeClr val="lt1"/>
+          </a:fontRef>
+        </p:style>
+      </p:sp>
+      <p:sp>
+        <p:nvSpPr>
           <p:cNvPr id="2" name="Title 1"/>
           <p:cNvSpPr>
             <a:spLocks noGrp="1"/>
@@ -4913,23 +5116,35 @@
         </p:nvSpPr>
         <p:spPr>
           <a:xfrm>
-            <a:off x="831850" y="1709738"/>
-            <a:ext cx="10515600" cy="2852737"/>
+            <a:off x="1097280" y="758952"/>
+            <a:ext cx="10058400" cy="3566160"/>
           </a:xfrm>
         </p:spPr>
         <p:txBody>
-          <a:bodyPr anchor="b"/>
+          <a:bodyPr anchor="b" anchorCtr="0">
+            <a:normAutofit/>
+          </a:bodyPr>
           <a:lstStyle>
             <a:lvl1pPr>
-              <a:defRPr sz="6000"/>
+              <a:lnSpc>
+                <a:spcPct val="85000"/>
+              </a:lnSpc>
+              <a:defRPr sz="8000" b="0">
+                <a:solidFill>
+                  <a:schemeClr val="tx1">
+                    <a:lumMod val="85000"/>
+                    <a:lumOff val="15000"/>
+                  </a:schemeClr>
+                </a:solidFill>
+              </a:defRPr>
             </a:lvl1pPr>
           </a:lstStyle>
           <a:p>
             <a:r>
-              <a:rPr lang="en-US" smtClean="0"/>
-              <a:t>Click to edit Master title style</a:t>
-            </a:r>
-            <a:endParaRPr lang="en-US"/>
+              <a:rPr lang="de-DE"/>
+              <a:t>Titelmasterformat durch Klicken bearbeiten</a:t>
+            </a:r>
+            <a:endParaRPr lang="en-US" dirty="0"/>
           </a:p>
         </p:txBody>
       </p:sp>
@@ -4945,26 +5160,27 @@
         </p:nvSpPr>
         <p:spPr>
           <a:xfrm>
-            <a:off x="831850" y="4589463"/>
-            <a:ext cx="10515600" cy="1500187"/>
+            <a:off x="1097280" y="4453128"/>
+            <a:ext cx="10058400" cy="1143000"/>
           </a:xfrm>
         </p:spPr>
         <p:txBody>
-          <a:bodyPr/>
+          <a:bodyPr lIns="91440" rIns="91440" anchor="t" anchorCtr="0">
+            <a:normAutofit/>
+          </a:bodyPr>
           <a:lstStyle>
             <a:lvl1pPr marL="0" indent="0">
               <a:buNone/>
-              <a:defRPr sz="2400">
+              <a:defRPr sz="2400" cap="all" spc="200" baseline="0">
                 <a:solidFill>
-                  <a:schemeClr val="tx1">
-                    <a:tint val="75000"/>
-                  </a:schemeClr>
+                  <a:schemeClr val="tx2"/>
                 </a:solidFill>
+                <a:latin typeface="+mj-lt"/>
               </a:defRPr>
             </a:lvl1pPr>
             <a:lvl2pPr marL="457200" indent="0">
               <a:buNone/>
-              <a:defRPr sz="2000">
+              <a:defRPr sz="1800">
                 <a:solidFill>
                   <a:schemeClr val="tx1">
                     <a:tint val="75000"/>
@@ -4974,7 +5190,7 @@
             </a:lvl2pPr>
             <a:lvl3pPr marL="914400" indent="0">
               <a:buNone/>
-              <a:defRPr sz="1800">
+              <a:defRPr sz="1600">
                 <a:solidFill>
                   <a:schemeClr val="tx1">
                     <a:tint val="75000"/>
@@ -4984,7 +5200,7 @@
             </a:lvl3pPr>
             <a:lvl4pPr marL="1371600" indent="0">
               <a:buNone/>
-              <a:defRPr sz="1600">
+              <a:defRPr sz="1400">
                 <a:solidFill>
                   <a:schemeClr val="tx1">
                     <a:tint val="75000"/>
@@ -4994,7 +5210,7 @@
             </a:lvl4pPr>
             <a:lvl5pPr marL="1828800" indent="0">
               <a:buNone/>
-              <a:defRPr sz="1600">
+              <a:defRPr sz="1400">
                 <a:solidFill>
                   <a:schemeClr val="tx1">
                     <a:tint val="75000"/>
@@ -5004,7 +5220,7 @@
             </a:lvl5pPr>
             <a:lvl6pPr marL="2286000" indent="0">
               <a:buNone/>
-              <a:defRPr sz="1600">
+              <a:defRPr sz="1400">
                 <a:solidFill>
                   <a:schemeClr val="tx1">
                     <a:tint val="75000"/>
@@ -5014,7 +5230,7 @@
             </a:lvl6pPr>
             <a:lvl7pPr marL="2743200" indent="0">
               <a:buNone/>
-              <a:defRPr sz="1600">
+              <a:defRPr sz="1400">
                 <a:solidFill>
                   <a:schemeClr val="tx1">
                     <a:tint val="75000"/>
@@ -5024,7 +5240,7 @@
             </a:lvl7pPr>
             <a:lvl8pPr marL="3200400" indent="0">
               <a:buNone/>
-              <a:defRPr sz="1600">
+              <a:defRPr sz="1400">
                 <a:solidFill>
                   <a:schemeClr val="tx1">
                     <a:tint val="75000"/>
@@ -5034,7 +5250,7 @@
             </a:lvl8pPr>
             <a:lvl9pPr marL="3657600" indent="0">
               <a:buNone/>
-              <a:defRPr sz="1600">
+              <a:defRPr sz="1400">
                 <a:solidFill>
                   <a:schemeClr val="tx1">
                     <a:tint val="75000"/>
@@ -5046,8 +5262,8 @@
           <a:p>
             <a:pPr lvl="0"/>
             <a:r>
-              <a:rPr lang="en-US" smtClean="0"/>
-              <a:t>Click to edit Master text styles</a:t>
+              <a:rPr lang="de-DE"/>
+              <a:t>Formatvorlagen des Textmasters bearbeiten</a:t>
             </a:r>
           </a:p>
         </p:txBody>
@@ -5069,7 +5285,7 @@
           <a:p>
             <a:fld id="{331B0D19-E56F-644B-AEE4-C9C3AC1728CA}" type="datetimeFigureOut">
               <a:rPr lang="en-US" smtClean="0"/>
-              <a:t>10/30/17</a:t>
+              <a:t>10/30/2017</a:t>
             </a:fld>
             <a:endParaRPr lang="en-US"/>
           </a:p>
@@ -5111,13 +5327,56 @@
           <a:p>
             <a:fld id="{3553D92C-0872-AC4C-87CF-FFFB4F2ED450}" type="slidenum">
               <a:rPr lang="en-US" smtClean="0"/>
-              <a:t>‹#›</a:t>
+              <a:t>‹Nr.›</a:t>
             </a:fld>
             <a:endParaRPr lang="en-US"/>
           </a:p>
         </p:txBody>
       </p:sp>
+      <p:cxnSp>
+        <p:nvCxnSpPr>
+          <p:cNvPr id="9" name="Straight Connector 8"/>
+          <p:cNvCxnSpPr/>
+          <p:nvPr/>
+        </p:nvCxnSpPr>
+        <p:spPr>
+          <a:xfrm>
+            <a:off x="1207658" y="4343400"/>
+            <a:ext cx="9875520" cy="0"/>
+          </a:xfrm>
+          <a:prstGeom prst="line">
+            <a:avLst/>
+          </a:prstGeom>
+          <a:ln w="6350">
+            <a:solidFill>
+              <a:schemeClr val="tx1">
+                <a:lumMod val="50000"/>
+                <a:lumOff val="50000"/>
+              </a:schemeClr>
+            </a:solidFill>
+          </a:ln>
+        </p:spPr>
+        <p:style>
+          <a:lnRef idx="1">
+            <a:schemeClr val="accent1"/>
+          </a:lnRef>
+          <a:fillRef idx="0">
+            <a:schemeClr val="accent1"/>
+          </a:fillRef>
+          <a:effectRef idx="0">
+            <a:schemeClr val="accent1"/>
+          </a:effectRef>
+          <a:fontRef idx="minor">
+            <a:schemeClr val="tx1"/>
+          </a:fontRef>
+        </p:style>
+      </p:cxnSp>
     </p:spTree>
+    <p:extLst>
+      <p:ext uri="{BB962C8B-B14F-4D97-AF65-F5344CB8AC3E}">
+        <p14:creationId xmlns:p14="http://schemas.microsoft.com/office/powerpoint/2010/main" val="4094156498"/>
+      </p:ext>
+    </p:extLst>
   </p:cSld>
   <p:clrMapOvr>
     <a:masterClrMapping/>
@@ -5127,7 +5386,7 @@
 
 <file path=ppt/slideLayouts/slideLayout4.xml><?xml version="1.0" encoding="utf-8"?>
 <p:sldLayout xmlns:a="http://schemas.openxmlformats.org/drawingml/2006/main" xmlns:r="http://schemas.openxmlformats.org/officeDocument/2006/relationships" xmlns:p="http://schemas.openxmlformats.org/presentationml/2006/main" type="twoObj" preserve="1">
-  <p:cSld name="Two Content">
+  <p:cSld name="Zwei Inhalte">
     <p:spTree>
       <p:nvGrpSpPr>
         <p:cNvPr id="1" name=""/>
@@ -5144,7 +5403,7 @@
       </p:grpSpPr>
       <p:sp>
         <p:nvSpPr>
-          <p:cNvPr id="2" name="Title 1"/>
+          <p:cNvPr id="8" name="Title 7"/>
           <p:cNvSpPr>
             <a:spLocks noGrp="1"/>
           </p:cNvSpPr>
@@ -5152,16 +5411,21 @@
             <p:ph type="title"/>
           </p:nvPr>
         </p:nvSpPr>
-        <p:spPr/>
+        <p:spPr>
+          <a:xfrm>
+            <a:off x="1097280" y="286603"/>
+            <a:ext cx="10058400" cy="1450757"/>
+          </a:xfrm>
+        </p:spPr>
         <p:txBody>
           <a:bodyPr/>
           <a:lstStyle/>
           <a:p>
             <a:r>
-              <a:rPr lang="en-US" smtClean="0"/>
-              <a:t>Click to edit Master title style</a:t>
-            </a:r>
-            <a:endParaRPr lang="en-US"/>
+              <a:rPr lang="de-DE"/>
+              <a:t>Titelmasterformat durch Klicken bearbeiten</a:t>
+            </a:r>
+            <a:endParaRPr lang="en-US" dirty="0"/>
           </a:p>
         </p:txBody>
       </p:sp>
@@ -5177,8 +5441,8 @@
         </p:nvSpPr>
         <p:spPr>
           <a:xfrm>
-            <a:off x="838200" y="1825625"/>
-            <a:ext cx="5181600" cy="4351338"/>
+            <a:off x="1097279" y="1845734"/>
+            <a:ext cx="4937760" cy="4023360"/>
           </a:xfrm>
         </p:spPr>
         <p:txBody>
@@ -5187,38 +5451,38 @@
           <a:p>
             <a:pPr lvl="0"/>
             <a:r>
-              <a:rPr lang="en-US" smtClean="0"/>
-              <a:t>Click to edit Master text styles</a:t>
+              <a:rPr lang="de-DE"/>
+              <a:t>Formatvorlagen des Textmasters bearbeiten</a:t>
             </a:r>
           </a:p>
           <a:p>
             <a:pPr lvl="1"/>
             <a:r>
-              <a:rPr lang="en-US" smtClean="0"/>
-              <a:t>Second level</a:t>
+              <a:rPr lang="de-DE"/>
+              <a:t>Zweite Ebene</a:t>
             </a:r>
           </a:p>
           <a:p>
             <a:pPr lvl="2"/>
             <a:r>
-              <a:rPr lang="en-US" smtClean="0"/>
-              <a:t>Third level</a:t>
+              <a:rPr lang="de-DE"/>
+              <a:t>Dritte Ebene</a:t>
             </a:r>
           </a:p>
           <a:p>
             <a:pPr lvl="3"/>
             <a:r>
-              <a:rPr lang="en-US" smtClean="0"/>
-              <a:t>Fourth level</a:t>
+              <a:rPr lang="de-DE"/>
+              <a:t>Vierte Ebene</a:t>
             </a:r>
           </a:p>
           <a:p>
             <a:pPr lvl="4"/>
             <a:r>
-              <a:rPr lang="en-US" smtClean="0"/>
-              <a:t>Fifth level</a:t>
-            </a:r>
-            <a:endParaRPr lang="en-US"/>
+              <a:rPr lang="de-DE"/>
+              <a:t>Fünfte Ebene</a:t>
+            </a:r>
+            <a:endParaRPr lang="en-US" dirty="0"/>
           </a:p>
         </p:txBody>
       </p:sp>
@@ -5234,8 +5498,8 @@
         </p:nvSpPr>
         <p:spPr>
           <a:xfrm>
-            <a:off x="6172200" y="1825625"/>
-            <a:ext cx="5181600" cy="4351338"/>
+            <a:off x="6217920" y="1845735"/>
+            <a:ext cx="4937760" cy="4023360"/>
           </a:xfrm>
         </p:spPr>
         <p:txBody>
@@ -5244,38 +5508,38 @@
           <a:p>
             <a:pPr lvl="0"/>
             <a:r>
-              <a:rPr lang="en-US" smtClean="0"/>
-              <a:t>Click to edit Master text styles</a:t>
+              <a:rPr lang="de-DE"/>
+              <a:t>Formatvorlagen des Textmasters bearbeiten</a:t>
             </a:r>
           </a:p>
           <a:p>
             <a:pPr lvl="1"/>
             <a:r>
-              <a:rPr lang="en-US" smtClean="0"/>
-              <a:t>Second level</a:t>
+              <a:rPr lang="de-DE"/>
+              <a:t>Zweite Ebene</a:t>
             </a:r>
           </a:p>
           <a:p>
             <a:pPr lvl="2"/>
             <a:r>
-              <a:rPr lang="en-US" smtClean="0"/>
-              <a:t>Third level</a:t>
+              <a:rPr lang="de-DE"/>
+              <a:t>Dritte Ebene</a:t>
             </a:r>
           </a:p>
           <a:p>
             <a:pPr lvl="3"/>
             <a:r>
-              <a:rPr lang="en-US" smtClean="0"/>
-              <a:t>Fourth level</a:t>
+              <a:rPr lang="de-DE"/>
+              <a:t>Vierte Ebene</a:t>
             </a:r>
           </a:p>
           <a:p>
             <a:pPr lvl="4"/>
             <a:r>
-              <a:rPr lang="en-US" smtClean="0"/>
-              <a:t>Fifth level</a:t>
-            </a:r>
-            <a:endParaRPr lang="en-US"/>
+              <a:rPr lang="de-DE"/>
+              <a:t>Fünfte Ebene</a:t>
+            </a:r>
+            <a:endParaRPr lang="en-US" dirty="0"/>
           </a:p>
         </p:txBody>
       </p:sp>
@@ -5296,7 +5560,7 @@
           <a:p>
             <a:fld id="{331B0D19-E56F-644B-AEE4-C9C3AC1728CA}" type="datetimeFigureOut">
               <a:rPr lang="en-US" smtClean="0"/>
-              <a:t>10/30/17</a:t>
+              <a:t>10/30/2017</a:t>
             </a:fld>
             <a:endParaRPr lang="en-US"/>
           </a:p>
@@ -5338,13 +5602,18 @@
           <a:p>
             <a:fld id="{3553D92C-0872-AC4C-87CF-FFFB4F2ED450}" type="slidenum">
               <a:rPr lang="en-US" smtClean="0"/>
-              <a:t>‹#›</a:t>
+              <a:t>‹Nr.›</a:t>
             </a:fld>
             <a:endParaRPr lang="en-US"/>
           </a:p>
         </p:txBody>
       </p:sp>
     </p:spTree>
+    <p:extLst>
+      <p:ext uri="{BB962C8B-B14F-4D97-AF65-F5344CB8AC3E}">
+        <p14:creationId xmlns:p14="http://schemas.microsoft.com/office/powerpoint/2010/main" val="3141215761"/>
+      </p:ext>
+    </p:extLst>
   </p:cSld>
   <p:clrMapOvr>
     <a:masterClrMapping/>
@@ -5354,7 +5623,7 @@
 
 <file path=ppt/slideLayouts/slideLayout5.xml><?xml version="1.0" encoding="utf-8"?>
 <p:sldLayout xmlns:a="http://schemas.openxmlformats.org/drawingml/2006/main" xmlns:r="http://schemas.openxmlformats.org/officeDocument/2006/relationships" xmlns:p="http://schemas.openxmlformats.org/presentationml/2006/main" type="twoTxTwoObj" preserve="1">
-  <p:cSld name="Comparison">
+  <p:cSld name="Vergleich">
     <p:spTree>
       <p:nvGrpSpPr>
         <p:cNvPr id="1" name=""/>
@@ -5371,7 +5640,7 @@
       </p:grpSpPr>
       <p:sp>
         <p:nvSpPr>
-          <p:cNvPr id="2" name="Title 1"/>
+          <p:cNvPr id="10" name="Title 9"/>
           <p:cNvSpPr>
             <a:spLocks noGrp="1"/>
           </p:cNvSpPr>
@@ -5381,8 +5650,8 @@
         </p:nvSpPr>
         <p:spPr>
           <a:xfrm>
-            <a:off x="839788" y="365125"/>
-            <a:ext cx="10515600" cy="1325563"/>
+            <a:off x="1097280" y="286603"/>
+            <a:ext cx="10058400" cy="1450757"/>
           </a:xfrm>
         </p:spPr>
         <p:txBody>
@@ -5390,10 +5659,10 @@
           <a:lstStyle/>
           <a:p>
             <a:r>
-              <a:rPr lang="en-US" smtClean="0"/>
-              <a:t>Click to edit Master title style</a:t>
-            </a:r>
-            <a:endParaRPr lang="en-US"/>
+              <a:rPr lang="de-DE"/>
+              <a:t>Titelmasterformat durch Klicken bearbeiten</a:t>
+            </a:r>
+            <a:endParaRPr lang="en-US" dirty="0"/>
           </a:p>
         </p:txBody>
       </p:sp>
@@ -5409,16 +5678,22 @@
         </p:nvSpPr>
         <p:spPr>
           <a:xfrm>
-            <a:off x="839788" y="1681163"/>
-            <a:ext cx="5157787" cy="823912"/>
+            <a:off x="1097280" y="1846052"/>
+            <a:ext cx="4937760" cy="736282"/>
           </a:xfrm>
         </p:spPr>
         <p:txBody>
-          <a:bodyPr anchor="b"/>
+          <a:bodyPr lIns="91440" rIns="91440" anchor="ctr">
+            <a:normAutofit/>
+          </a:bodyPr>
           <a:lstStyle>
             <a:lvl1pPr marL="0" indent="0">
               <a:buNone/>
-              <a:defRPr sz="2400" b="1"/>
+              <a:defRPr sz="2000" b="0" cap="all" baseline="0">
+                <a:solidFill>
+                  <a:schemeClr val="tx2"/>
+                </a:solidFill>
+              </a:defRPr>
             </a:lvl1pPr>
             <a:lvl2pPr marL="457200" indent="0">
               <a:buNone/>
@@ -5456,8 +5731,8 @@
           <a:p>
             <a:pPr lvl="0"/>
             <a:r>
-              <a:rPr lang="en-US" smtClean="0"/>
-              <a:t>Click to edit Master text styles</a:t>
+              <a:rPr lang="de-DE"/>
+              <a:t>Formatvorlagen des Textmasters bearbeiten</a:t>
             </a:r>
           </a:p>
         </p:txBody>
@@ -5474,8 +5749,8 @@
         </p:nvSpPr>
         <p:spPr>
           <a:xfrm>
-            <a:off x="839788" y="2505075"/>
-            <a:ext cx="5157787" cy="3684588"/>
+            <a:off x="1097280" y="2582334"/>
+            <a:ext cx="4937760" cy="3378200"/>
           </a:xfrm>
         </p:spPr>
         <p:txBody>
@@ -5484,38 +5759,38 @@
           <a:p>
             <a:pPr lvl="0"/>
             <a:r>
-              <a:rPr lang="en-US" smtClean="0"/>
-              <a:t>Click to edit Master text styles</a:t>
+              <a:rPr lang="de-DE"/>
+              <a:t>Formatvorlagen des Textmasters bearbeiten</a:t>
             </a:r>
           </a:p>
           <a:p>
             <a:pPr lvl="1"/>
             <a:r>
-              <a:rPr lang="en-US" smtClean="0"/>
-              <a:t>Second level</a:t>
+              <a:rPr lang="de-DE"/>
+              <a:t>Zweite Ebene</a:t>
             </a:r>
           </a:p>
           <a:p>
             <a:pPr lvl="2"/>
             <a:r>
-              <a:rPr lang="en-US" smtClean="0"/>
-              <a:t>Third level</a:t>
+              <a:rPr lang="de-DE"/>
+              <a:t>Dritte Ebene</a:t>
             </a:r>
           </a:p>
           <a:p>
             <a:pPr lvl="3"/>
             <a:r>
-              <a:rPr lang="en-US" smtClean="0"/>
-              <a:t>Fourth level</a:t>
+              <a:rPr lang="de-DE"/>
+              <a:t>Vierte Ebene</a:t>
             </a:r>
           </a:p>
           <a:p>
             <a:pPr lvl="4"/>
             <a:r>
-              <a:rPr lang="en-US" smtClean="0"/>
-              <a:t>Fifth level</a:t>
-            </a:r>
-            <a:endParaRPr lang="en-US"/>
+              <a:rPr lang="de-DE"/>
+              <a:t>Fünfte Ebene</a:t>
+            </a:r>
+            <a:endParaRPr lang="en-US" dirty="0"/>
           </a:p>
         </p:txBody>
       </p:sp>
@@ -5531,16 +5806,22 @@
         </p:nvSpPr>
         <p:spPr>
           <a:xfrm>
-            <a:off x="6172200" y="1681163"/>
-            <a:ext cx="5183188" cy="823912"/>
+            <a:off x="6217920" y="1846052"/>
+            <a:ext cx="4937760" cy="736282"/>
           </a:xfrm>
         </p:spPr>
         <p:txBody>
-          <a:bodyPr anchor="b"/>
+          <a:bodyPr lIns="91440" rIns="91440" anchor="ctr">
+            <a:normAutofit/>
+          </a:bodyPr>
           <a:lstStyle>
             <a:lvl1pPr marL="0" indent="0">
               <a:buNone/>
-              <a:defRPr sz="2400" b="1"/>
+              <a:defRPr sz="2000" b="0" cap="all" baseline="0">
+                <a:solidFill>
+                  <a:schemeClr val="tx2"/>
+                </a:solidFill>
+              </a:defRPr>
             </a:lvl1pPr>
             <a:lvl2pPr marL="457200" indent="0">
               <a:buNone/>
@@ -5578,8 +5859,8 @@
           <a:p>
             <a:pPr lvl="0"/>
             <a:r>
-              <a:rPr lang="en-US" smtClean="0"/>
-              <a:t>Click to edit Master text styles</a:t>
+              <a:rPr lang="de-DE"/>
+              <a:t>Formatvorlagen des Textmasters bearbeiten</a:t>
             </a:r>
           </a:p>
         </p:txBody>
@@ -5596,8 +5877,8 @@
         </p:nvSpPr>
         <p:spPr>
           <a:xfrm>
-            <a:off x="6172200" y="2505075"/>
-            <a:ext cx="5183188" cy="3684588"/>
+            <a:off x="6217920" y="2582334"/>
+            <a:ext cx="4937760" cy="3378200"/>
           </a:xfrm>
         </p:spPr>
         <p:txBody>
@@ -5606,38 +5887,38 @@
           <a:p>
             <a:pPr lvl="0"/>
             <a:r>
-              <a:rPr lang="en-US" smtClean="0"/>
-              <a:t>Click to edit Master text styles</a:t>
+              <a:rPr lang="de-DE"/>
+              <a:t>Formatvorlagen des Textmasters bearbeiten</a:t>
             </a:r>
           </a:p>
           <a:p>
             <a:pPr lvl="1"/>
             <a:r>
-              <a:rPr lang="en-US" smtClean="0"/>
-              <a:t>Second level</a:t>
+              <a:rPr lang="de-DE"/>
+              <a:t>Zweite Ebene</a:t>
             </a:r>
           </a:p>
           <a:p>
             <a:pPr lvl="2"/>
             <a:r>
-              <a:rPr lang="en-US" smtClean="0"/>
-              <a:t>Third level</a:t>
+              <a:rPr lang="de-DE"/>
+              <a:t>Dritte Ebene</a:t>
             </a:r>
           </a:p>
           <a:p>
             <a:pPr lvl="3"/>
             <a:r>
-              <a:rPr lang="en-US" smtClean="0"/>
-              <a:t>Fourth level</a:t>
+              <a:rPr lang="de-DE"/>
+              <a:t>Vierte Ebene</a:t>
             </a:r>
           </a:p>
           <a:p>
             <a:pPr lvl="4"/>
             <a:r>
-              <a:rPr lang="en-US" smtClean="0"/>
-              <a:t>Fifth level</a:t>
-            </a:r>
-            <a:endParaRPr lang="en-US"/>
+              <a:rPr lang="de-DE"/>
+              <a:t>Fünfte Ebene</a:t>
+            </a:r>
+            <a:endParaRPr lang="en-US" dirty="0"/>
           </a:p>
         </p:txBody>
       </p:sp>
@@ -5658,7 +5939,7 @@
           <a:p>
             <a:fld id="{331B0D19-E56F-644B-AEE4-C9C3AC1728CA}" type="datetimeFigureOut">
               <a:rPr lang="en-US" smtClean="0"/>
-              <a:t>10/30/17</a:t>
+              <a:t>10/30/2017</a:t>
             </a:fld>
             <a:endParaRPr lang="en-US"/>
           </a:p>
@@ -5700,13 +5981,18 @@
           <a:p>
             <a:fld id="{3553D92C-0872-AC4C-87CF-FFFB4F2ED450}" type="slidenum">
               <a:rPr lang="en-US" smtClean="0"/>
-              <a:t>‹#›</a:t>
+              <a:t>‹Nr.›</a:t>
             </a:fld>
             <a:endParaRPr lang="en-US"/>
           </a:p>
         </p:txBody>
       </p:sp>
     </p:spTree>
+    <p:extLst>
+      <p:ext uri="{BB962C8B-B14F-4D97-AF65-F5344CB8AC3E}">
+        <p14:creationId xmlns:p14="http://schemas.microsoft.com/office/powerpoint/2010/main" val="3685060863"/>
+      </p:ext>
+    </p:extLst>
   </p:cSld>
   <p:clrMapOvr>
     <a:masterClrMapping/>
@@ -5716,7 +6002,7 @@
 
 <file path=ppt/slideLayouts/slideLayout6.xml><?xml version="1.0" encoding="utf-8"?>
 <p:sldLayout xmlns:a="http://schemas.openxmlformats.org/drawingml/2006/main" xmlns:r="http://schemas.openxmlformats.org/officeDocument/2006/relationships" xmlns:p="http://schemas.openxmlformats.org/presentationml/2006/main" type="titleOnly" preserve="1">
-  <p:cSld name="Title Only">
+  <p:cSld name="Nur Titel">
     <p:spTree>
       <p:nvGrpSpPr>
         <p:cNvPr id="1" name=""/>
@@ -5747,10 +6033,10 @@
           <a:lstStyle/>
           <a:p>
             <a:r>
-              <a:rPr lang="en-US" smtClean="0"/>
-              <a:t>Click to edit Master title style</a:t>
-            </a:r>
-            <a:endParaRPr lang="en-US"/>
+              <a:rPr lang="de-DE"/>
+              <a:t>Titelmasterformat durch Klicken bearbeiten</a:t>
+            </a:r>
+            <a:endParaRPr lang="en-US" dirty="0"/>
           </a:p>
         </p:txBody>
       </p:sp>
@@ -5771,7 +6057,7 @@
           <a:p>
             <a:fld id="{331B0D19-E56F-644B-AEE4-C9C3AC1728CA}" type="datetimeFigureOut">
               <a:rPr lang="en-US" smtClean="0"/>
-              <a:t>10/30/17</a:t>
+              <a:t>10/30/2017</a:t>
             </a:fld>
             <a:endParaRPr lang="en-US"/>
           </a:p>
@@ -5813,13 +6099,18 @@
           <a:p>
             <a:fld id="{3553D92C-0872-AC4C-87CF-FFFB4F2ED450}" type="slidenum">
               <a:rPr lang="en-US" smtClean="0"/>
-              <a:t>‹#›</a:t>
+              <a:t>‹Nr.›</a:t>
             </a:fld>
             <a:endParaRPr lang="en-US"/>
           </a:p>
         </p:txBody>
       </p:sp>
     </p:spTree>
+    <p:extLst>
+      <p:ext uri="{BB962C8B-B14F-4D97-AF65-F5344CB8AC3E}">
+        <p14:creationId xmlns:p14="http://schemas.microsoft.com/office/powerpoint/2010/main" val="3230098928"/>
+      </p:ext>
+    </p:extLst>
   </p:cSld>
   <p:clrMapOvr>
     <a:masterClrMapping/>
@@ -5828,8 +6119,8 @@
 </file>
 
 <file path=ppt/slideLayouts/slideLayout7.xml><?xml version="1.0" encoding="utf-8"?>
-<p:sldLayout xmlns:a="http://schemas.openxmlformats.org/drawingml/2006/main" xmlns:r="http://schemas.openxmlformats.org/officeDocument/2006/relationships" xmlns:p="http://schemas.openxmlformats.org/presentationml/2006/main" type="blank" preserve="1">
-  <p:cSld name="Blank">
+<p:sldLayout xmlns:a="http://schemas.openxmlformats.org/drawingml/2006/main" xmlns:r="http://schemas.openxmlformats.org/officeDocument/2006/relationships" xmlns:p="http://schemas.openxmlformats.org/presentationml/2006/main" showMasterSp="0" type="blank" preserve="1">
+  <p:cSld name="Leer">
     <p:spTree>
       <p:nvGrpSpPr>
         <p:cNvPr id="1" name=""/>
@@ -5846,7 +6137,83 @@
       </p:grpSpPr>
       <p:sp>
         <p:nvSpPr>
-          <p:cNvPr id="2" name="Date Placeholder 1"/>
+          <p:cNvPr id="5" name="Rectangle 4"/>
+          <p:cNvSpPr/>
+          <p:nvPr/>
+        </p:nvSpPr>
+        <p:spPr>
+          <a:xfrm>
+            <a:off x="3175" y="6400800"/>
+            <a:ext cx="12188825" cy="457200"/>
+          </a:xfrm>
+          <a:prstGeom prst="rect">
+            <a:avLst/>
+          </a:prstGeom>
+          <a:solidFill>
+            <a:schemeClr val="accent2"/>
+          </a:solidFill>
+          <a:ln>
+            <a:noFill/>
+          </a:ln>
+        </p:spPr>
+        <p:style>
+          <a:lnRef idx="2">
+            <a:schemeClr val="accent1">
+              <a:shade val="50000"/>
+            </a:schemeClr>
+          </a:lnRef>
+          <a:fillRef idx="1">
+            <a:schemeClr val="accent1"/>
+          </a:fillRef>
+          <a:effectRef idx="0">
+            <a:schemeClr val="accent1"/>
+          </a:effectRef>
+          <a:fontRef idx="minor">
+            <a:schemeClr val="lt1"/>
+          </a:fontRef>
+        </p:style>
+      </p:sp>
+      <p:sp>
+        <p:nvSpPr>
+          <p:cNvPr id="6" name="Rectangle 5"/>
+          <p:cNvSpPr/>
+          <p:nvPr/>
+        </p:nvSpPr>
+        <p:spPr>
+          <a:xfrm>
+            <a:off x="15" y="6334316"/>
+            <a:ext cx="12188825" cy="64008"/>
+          </a:xfrm>
+          <a:prstGeom prst="rect">
+            <a:avLst/>
+          </a:prstGeom>
+          <a:solidFill>
+            <a:schemeClr val="accent1"/>
+          </a:solidFill>
+          <a:ln>
+            <a:noFill/>
+          </a:ln>
+        </p:spPr>
+        <p:style>
+          <a:lnRef idx="2">
+            <a:schemeClr val="accent1">
+              <a:shade val="50000"/>
+            </a:schemeClr>
+          </a:lnRef>
+          <a:fillRef idx="1">
+            <a:schemeClr val="accent1"/>
+          </a:fillRef>
+          <a:effectRef idx="0">
+            <a:schemeClr val="accent1"/>
+          </a:effectRef>
+          <a:fontRef idx="minor">
+            <a:schemeClr val="lt1"/>
+          </a:fontRef>
+        </p:style>
+      </p:sp>
+      <p:sp>
+        <p:nvSpPr>
+          <p:cNvPr id="7" name="Date Placeholder 6"/>
           <p:cNvSpPr>
             <a:spLocks noGrp="1"/>
           </p:cNvSpPr>
@@ -5861,7 +6228,7 @@
           <a:p>
             <a:fld id="{331B0D19-E56F-644B-AEE4-C9C3AC1728CA}" type="datetimeFigureOut">
               <a:rPr lang="en-US" smtClean="0"/>
-              <a:t>10/30/17</a:t>
+              <a:t>10/30/2017</a:t>
             </a:fld>
             <a:endParaRPr lang="en-US"/>
           </a:p>
@@ -5869,7 +6236,7 @@
       </p:sp>
       <p:sp>
         <p:nvSpPr>
-          <p:cNvPr id="3" name="Footer Placeholder 2"/>
+          <p:cNvPr id="8" name="Footer Placeholder 7"/>
           <p:cNvSpPr>
             <a:spLocks noGrp="1"/>
           </p:cNvSpPr>
@@ -5880,7 +6247,15 @@
         <p:spPr/>
         <p:txBody>
           <a:bodyPr/>
-          <a:lstStyle/>
+          <a:lstStyle>
+            <a:lvl1pPr>
+              <a:defRPr>
+                <a:solidFill>
+                  <a:srgbClr val="FFFFFF"/>
+                </a:solidFill>
+              </a:defRPr>
+            </a:lvl1pPr>
+          </a:lstStyle>
           <a:p>
             <a:endParaRPr lang="en-US"/>
           </a:p>
@@ -5888,7 +6263,7 @@
       </p:sp>
       <p:sp>
         <p:nvSpPr>
-          <p:cNvPr id="4" name="Slide Number Placeholder 3"/>
+          <p:cNvPr id="9" name="Slide Number Placeholder 8"/>
           <p:cNvSpPr>
             <a:spLocks noGrp="1"/>
           </p:cNvSpPr>
@@ -5903,13 +6278,18 @@
           <a:p>
             <a:fld id="{3553D92C-0872-AC4C-87CF-FFFB4F2ED450}" type="slidenum">
               <a:rPr lang="en-US" smtClean="0"/>
-              <a:t>‹#›</a:t>
+              <a:t>‹Nr.›</a:t>
             </a:fld>
             <a:endParaRPr lang="en-US"/>
           </a:p>
         </p:txBody>
       </p:sp>
     </p:spTree>
+    <p:extLst>
+      <p:ext uri="{BB962C8B-B14F-4D97-AF65-F5344CB8AC3E}">
+        <p14:creationId xmlns:p14="http://schemas.microsoft.com/office/powerpoint/2010/main" val="3560942105"/>
+      </p:ext>
+    </p:extLst>
   </p:cSld>
   <p:clrMapOvr>
     <a:masterClrMapping/>
@@ -5918,8 +6298,8 @@
 </file>
 
 <file path=ppt/slideLayouts/slideLayout8.xml><?xml version="1.0" encoding="utf-8"?>
-<p:sldLayout xmlns:a="http://schemas.openxmlformats.org/drawingml/2006/main" xmlns:r="http://schemas.openxmlformats.org/officeDocument/2006/relationships" xmlns:p="http://schemas.openxmlformats.org/presentationml/2006/main" type="objTx" preserve="1">
-  <p:cSld name="Content with Caption">
+<p:sldLayout xmlns:a="http://schemas.openxmlformats.org/drawingml/2006/main" xmlns:r="http://schemas.openxmlformats.org/officeDocument/2006/relationships" xmlns:p="http://schemas.openxmlformats.org/presentationml/2006/main" showMasterSp="0" type="objTx" preserve="1">
+  <p:cSld name="Inhalt mit Überschrift">
     <p:spTree>
       <p:nvGrpSpPr>
         <p:cNvPr id="1" name=""/>
@@ -5936,6 +6316,82 @@
       </p:grpSpPr>
       <p:sp>
         <p:nvSpPr>
+          <p:cNvPr id="8" name="Rectangle 7"/>
+          <p:cNvSpPr/>
+          <p:nvPr/>
+        </p:nvSpPr>
+        <p:spPr>
+          <a:xfrm>
+            <a:off x="16" y="0"/>
+            <a:ext cx="4050791" cy="6858000"/>
+          </a:xfrm>
+          <a:prstGeom prst="rect">
+            <a:avLst/>
+          </a:prstGeom>
+          <a:solidFill>
+            <a:schemeClr val="accent2"/>
+          </a:solidFill>
+          <a:ln>
+            <a:noFill/>
+          </a:ln>
+        </p:spPr>
+        <p:style>
+          <a:lnRef idx="2">
+            <a:schemeClr val="accent1">
+              <a:shade val="50000"/>
+            </a:schemeClr>
+          </a:lnRef>
+          <a:fillRef idx="1">
+            <a:schemeClr val="accent1"/>
+          </a:fillRef>
+          <a:effectRef idx="0">
+            <a:schemeClr val="accent1"/>
+          </a:effectRef>
+          <a:fontRef idx="minor">
+            <a:schemeClr val="lt1"/>
+          </a:fontRef>
+        </p:style>
+      </p:sp>
+      <p:sp>
+        <p:nvSpPr>
+          <p:cNvPr id="9" name="Rectangle 8"/>
+          <p:cNvSpPr/>
+          <p:nvPr/>
+        </p:nvSpPr>
+        <p:spPr>
+          <a:xfrm>
+            <a:off x="4040071" y="0"/>
+            <a:ext cx="64008" cy="6858000"/>
+          </a:xfrm>
+          <a:prstGeom prst="rect">
+            <a:avLst/>
+          </a:prstGeom>
+          <a:solidFill>
+            <a:schemeClr val="accent1"/>
+          </a:solidFill>
+          <a:ln>
+            <a:noFill/>
+          </a:ln>
+        </p:spPr>
+        <p:style>
+          <a:lnRef idx="2">
+            <a:schemeClr val="accent1">
+              <a:shade val="50000"/>
+            </a:schemeClr>
+          </a:lnRef>
+          <a:fillRef idx="1">
+            <a:schemeClr val="accent1"/>
+          </a:fillRef>
+          <a:effectRef idx="0">
+            <a:schemeClr val="accent1"/>
+          </a:effectRef>
+          <a:fontRef idx="minor">
+            <a:schemeClr val="lt1"/>
+          </a:fontRef>
+        </p:style>
+      </p:sp>
+      <p:sp>
+        <p:nvSpPr>
           <p:cNvPr id="2" name="Title 1"/>
           <p:cNvSpPr>
             <a:spLocks noGrp="1"/>
@@ -5946,23 +6402,29 @@
         </p:nvSpPr>
         <p:spPr>
           <a:xfrm>
-            <a:off x="839788" y="457200"/>
-            <a:ext cx="3932237" cy="1600200"/>
+            <a:off x="457200" y="594359"/>
+            <a:ext cx="3200400" cy="2286000"/>
           </a:xfrm>
         </p:spPr>
         <p:txBody>
-          <a:bodyPr anchor="b"/>
+          <a:bodyPr anchor="b">
+            <a:normAutofit/>
+          </a:bodyPr>
           <a:lstStyle>
             <a:lvl1pPr>
-              <a:defRPr sz="3200"/>
+              <a:defRPr sz="3600" b="0">
+                <a:solidFill>
+                  <a:srgbClr val="FFFFFF"/>
+                </a:solidFill>
+              </a:defRPr>
             </a:lvl1pPr>
           </a:lstStyle>
           <a:p>
             <a:r>
-              <a:rPr lang="en-US" smtClean="0"/>
-              <a:t>Click to edit Master title style</a:t>
-            </a:r>
-            <a:endParaRPr lang="en-US"/>
+              <a:rPr lang="de-DE"/>
+              <a:t>Titelmasterformat durch Klicken bearbeiten</a:t>
+            </a:r>
+            <a:endParaRPr lang="en-US" dirty="0"/>
           </a:p>
         </p:txBody>
       </p:sp>
@@ -5978,76 +6440,48 @@
         </p:nvSpPr>
         <p:spPr>
           <a:xfrm>
-            <a:off x="5183188" y="987425"/>
-            <a:ext cx="6172200" cy="4873625"/>
+            <a:off x="4800600" y="731520"/>
+            <a:ext cx="6492240" cy="5257800"/>
           </a:xfrm>
         </p:spPr>
         <p:txBody>
           <a:bodyPr/>
-          <a:lstStyle>
-            <a:lvl1pPr>
-              <a:defRPr sz="3200"/>
-            </a:lvl1pPr>
-            <a:lvl2pPr>
-              <a:defRPr sz="2800"/>
-            </a:lvl2pPr>
-            <a:lvl3pPr>
-              <a:defRPr sz="2400"/>
-            </a:lvl3pPr>
-            <a:lvl4pPr>
-              <a:defRPr sz="2000"/>
-            </a:lvl4pPr>
-            <a:lvl5pPr>
-              <a:defRPr sz="2000"/>
-            </a:lvl5pPr>
-            <a:lvl6pPr>
-              <a:defRPr sz="2000"/>
-            </a:lvl6pPr>
-            <a:lvl7pPr>
-              <a:defRPr sz="2000"/>
-            </a:lvl7pPr>
-            <a:lvl8pPr>
-              <a:defRPr sz="2000"/>
-            </a:lvl8pPr>
-            <a:lvl9pPr>
-              <a:defRPr sz="2000"/>
-            </a:lvl9pPr>
-          </a:lstStyle>
+          <a:lstStyle/>
           <a:p>
             <a:pPr lvl="0"/>
             <a:r>
-              <a:rPr lang="en-US" smtClean="0"/>
-              <a:t>Click to edit Master text styles</a:t>
+              <a:rPr lang="de-DE"/>
+              <a:t>Formatvorlagen des Textmasters bearbeiten</a:t>
             </a:r>
           </a:p>
           <a:p>
             <a:pPr lvl="1"/>
             <a:r>
-              <a:rPr lang="en-US" smtClean="0"/>
-              <a:t>Second level</a:t>
+              <a:rPr lang="de-DE"/>
+              <a:t>Zweite Ebene</a:t>
             </a:r>
           </a:p>
           <a:p>
             <a:pPr lvl="2"/>
             <a:r>
-              <a:rPr lang="en-US" smtClean="0"/>
-              <a:t>Third level</a:t>
+              <a:rPr lang="de-DE"/>
+              <a:t>Dritte Ebene</a:t>
             </a:r>
           </a:p>
           <a:p>
             <a:pPr lvl="3"/>
             <a:r>
-              <a:rPr lang="en-US" smtClean="0"/>
-              <a:t>Fourth level</a:t>
+              <a:rPr lang="de-DE"/>
+              <a:t>Vierte Ebene</a:t>
             </a:r>
           </a:p>
           <a:p>
             <a:pPr lvl="4"/>
             <a:r>
-              <a:rPr lang="en-US" smtClean="0"/>
-              <a:t>Fifth level</a:t>
-            </a:r>
-            <a:endParaRPr lang="en-US"/>
+              <a:rPr lang="de-DE"/>
+              <a:t>Fünfte Ebene</a:t>
+            </a:r>
+            <a:endParaRPr lang="en-US" dirty="0"/>
           </a:p>
         </p:txBody>
       </p:sp>
@@ -6063,55 +6497,61 @@
         </p:nvSpPr>
         <p:spPr>
           <a:xfrm>
-            <a:off x="839788" y="2057400"/>
-            <a:ext cx="3932237" cy="3811588"/>
+            <a:off x="457200" y="2926080"/>
+            <a:ext cx="3200400" cy="3379124"/>
           </a:xfrm>
         </p:spPr>
         <p:txBody>
-          <a:bodyPr/>
+          <a:bodyPr lIns="91440" rIns="91440">
+            <a:normAutofit/>
+          </a:bodyPr>
           <a:lstStyle>
             <a:lvl1pPr marL="0" indent="0">
               <a:buNone/>
-              <a:defRPr sz="1600"/>
+              <a:defRPr sz="1500">
+                <a:solidFill>
+                  <a:srgbClr val="FFFFFF"/>
+                </a:solidFill>
+              </a:defRPr>
             </a:lvl1pPr>
             <a:lvl2pPr marL="457200" indent="0">
               <a:buNone/>
-              <a:defRPr sz="1400"/>
+              <a:defRPr sz="1200"/>
             </a:lvl2pPr>
             <a:lvl3pPr marL="914400" indent="0">
               <a:buNone/>
-              <a:defRPr sz="1200"/>
+              <a:defRPr sz="1000"/>
             </a:lvl3pPr>
             <a:lvl4pPr marL="1371600" indent="0">
               <a:buNone/>
-              <a:defRPr sz="1000"/>
+              <a:defRPr sz="900"/>
             </a:lvl4pPr>
             <a:lvl5pPr marL="1828800" indent="0">
               <a:buNone/>
-              <a:defRPr sz="1000"/>
+              <a:defRPr sz="900"/>
             </a:lvl5pPr>
             <a:lvl6pPr marL="2286000" indent="0">
               <a:buNone/>
-              <a:defRPr sz="1000"/>
+              <a:defRPr sz="900"/>
             </a:lvl6pPr>
             <a:lvl7pPr marL="2743200" indent="0">
               <a:buNone/>
-              <a:defRPr sz="1000"/>
+              <a:defRPr sz="900"/>
             </a:lvl7pPr>
             <a:lvl8pPr marL="3200400" indent="0">
               <a:buNone/>
-              <a:defRPr sz="1000"/>
+              <a:defRPr sz="900"/>
             </a:lvl8pPr>
             <a:lvl9pPr marL="3657600" indent="0">
               <a:buNone/>
-              <a:defRPr sz="1000"/>
+              <a:defRPr sz="900"/>
             </a:lvl9pPr>
           </a:lstStyle>
           <a:p>
             <a:pPr lvl="0"/>
             <a:r>
-              <a:rPr lang="en-US" smtClean="0"/>
-              <a:t>Click to edit Master text styles</a:t>
+              <a:rPr lang="de-DE"/>
+              <a:t>Formatvorlagen des Textmasters bearbeiten</a:t>
             </a:r>
           </a:p>
         </p:txBody>
@@ -6126,14 +6566,23 @@
             <p:ph type="dt" sz="half" idx="10"/>
           </p:nvPr>
         </p:nvSpPr>
-        <p:spPr/>
+        <p:spPr>
+          <a:xfrm>
+            <a:off x="465512" y="6459785"/>
+            <a:ext cx="2618510" cy="365125"/>
+          </a:xfrm>
+        </p:spPr>
         <p:txBody>
           <a:bodyPr/>
-          <a:lstStyle/>
+          <a:lstStyle>
+            <a:lvl1pPr algn="l">
+              <a:defRPr/>
+            </a:lvl1pPr>
+          </a:lstStyle>
           <a:p>
             <a:fld id="{331B0D19-E56F-644B-AEE4-C9C3AC1728CA}" type="datetimeFigureOut">
               <a:rPr lang="en-US" smtClean="0"/>
-              <a:t>10/30/17</a:t>
+              <a:t>10/30/2017</a:t>
             </a:fld>
             <a:endParaRPr lang="en-US"/>
           </a:p>
@@ -6149,10 +6598,23 @@
             <p:ph type="ftr" sz="quarter" idx="11"/>
           </p:nvPr>
         </p:nvSpPr>
-        <p:spPr/>
+        <p:spPr>
+          <a:xfrm>
+            <a:off x="4800600" y="6459785"/>
+            <a:ext cx="4648200" cy="365125"/>
+          </a:xfrm>
+        </p:spPr>
         <p:txBody>
           <a:bodyPr/>
-          <a:lstStyle/>
+          <a:lstStyle>
+            <a:lvl1pPr algn="l">
+              <a:defRPr>
+                <a:solidFill>
+                  <a:schemeClr val="tx2"/>
+                </a:solidFill>
+              </a:defRPr>
+            </a:lvl1pPr>
+          </a:lstStyle>
           <a:p>
             <a:endParaRPr lang="en-US"/>
           </a:p>
@@ -6171,17 +6633,30 @@
         <p:spPr/>
         <p:txBody>
           <a:bodyPr/>
-          <a:lstStyle/>
+          <a:lstStyle>
+            <a:lvl1pPr>
+              <a:defRPr>
+                <a:solidFill>
+                  <a:schemeClr val="tx2"/>
+                </a:solidFill>
+              </a:defRPr>
+            </a:lvl1pPr>
+          </a:lstStyle>
           <a:p>
             <a:fld id="{3553D92C-0872-AC4C-87CF-FFFB4F2ED450}" type="slidenum">
               <a:rPr lang="en-US" smtClean="0"/>
-              <a:t>‹#›</a:t>
+              <a:t>‹Nr.›</a:t>
             </a:fld>
             <a:endParaRPr lang="en-US"/>
           </a:p>
         </p:txBody>
       </p:sp>
     </p:spTree>
+    <p:extLst>
+      <p:ext uri="{BB962C8B-B14F-4D97-AF65-F5344CB8AC3E}">
+        <p14:creationId xmlns:p14="http://schemas.microsoft.com/office/powerpoint/2010/main" val="1832977621"/>
+      </p:ext>
+    </p:extLst>
   </p:cSld>
   <p:clrMapOvr>
     <a:masterClrMapping/>
@@ -6190,8 +6665,8 @@
 </file>
 
 <file path=ppt/slideLayouts/slideLayout9.xml><?xml version="1.0" encoding="utf-8"?>
-<p:sldLayout xmlns:a="http://schemas.openxmlformats.org/drawingml/2006/main" xmlns:r="http://schemas.openxmlformats.org/officeDocument/2006/relationships" xmlns:p="http://schemas.openxmlformats.org/presentationml/2006/main" type="picTx" preserve="1">
-  <p:cSld name="Picture with Caption">
+<p:sldLayout xmlns:a="http://schemas.openxmlformats.org/drawingml/2006/main" xmlns:r="http://schemas.openxmlformats.org/officeDocument/2006/relationships" xmlns:p="http://schemas.openxmlformats.org/presentationml/2006/main" showMasterSp="0" type="picTx" preserve="1">
+  <p:cSld name="Bild mit Überschrift">
     <p:spTree>
       <p:nvGrpSpPr>
         <p:cNvPr id="1" name=""/>
@@ -6208,6 +6683,82 @@
       </p:grpSpPr>
       <p:sp>
         <p:nvSpPr>
+          <p:cNvPr id="8" name="Rectangle 7"/>
+          <p:cNvSpPr/>
+          <p:nvPr/>
+        </p:nvSpPr>
+        <p:spPr>
+          <a:xfrm>
+            <a:off x="0" y="4953000"/>
+            <a:ext cx="12188825" cy="1905000"/>
+          </a:xfrm>
+          <a:prstGeom prst="rect">
+            <a:avLst/>
+          </a:prstGeom>
+          <a:solidFill>
+            <a:schemeClr val="accent2"/>
+          </a:solidFill>
+          <a:ln>
+            <a:noFill/>
+          </a:ln>
+        </p:spPr>
+        <p:style>
+          <a:lnRef idx="2">
+            <a:schemeClr val="accent1">
+              <a:shade val="50000"/>
+            </a:schemeClr>
+          </a:lnRef>
+          <a:fillRef idx="1">
+            <a:schemeClr val="accent1"/>
+          </a:fillRef>
+          <a:effectRef idx="0">
+            <a:schemeClr val="accent1"/>
+          </a:effectRef>
+          <a:fontRef idx="minor">
+            <a:schemeClr val="lt1"/>
+          </a:fontRef>
+        </p:style>
+      </p:sp>
+      <p:sp>
+        <p:nvSpPr>
+          <p:cNvPr id="9" name="Rectangle 8"/>
+          <p:cNvSpPr/>
+          <p:nvPr/>
+        </p:nvSpPr>
+        <p:spPr>
+          <a:xfrm>
+            <a:off x="15" y="4915076"/>
+            <a:ext cx="12188825" cy="64008"/>
+          </a:xfrm>
+          <a:prstGeom prst="rect">
+            <a:avLst/>
+          </a:prstGeom>
+          <a:solidFill>
+            <a:schemeClr val="accent1"/>
+          </a:solidFill>
+          <a:ln>
+            <a:noFill/>
+          </a:ln>
+        </p:spPr>
+        <p:style>
+          <a:lnRef idx="2">
+            <a:schemeClr val="accent1">
+              <a:shade val="50000"/>
+            </a:schemeClr>
+          </a:lnRef>
+          <a:fillRef idx="1">
+            <a:schemeClr val="accent1"/>
+          </a:fillRef>
+          <a:effectRef idx="0">
+            <a:schemeClr val="accent1"/>
+          </a:effectRef>
+          <a:fontRef idx="minor">
+            <a:schemeClr val="lt1"/>
+          </a:fontRef>
+        </p:style>
+      </p:sp>
+      <p:sp>
+        <p:nvSpPr>
           <p:cNvPr id="2" name="Title 1"/>
           <p:cNvSpPr>
             <a:spLocks noGrp="1"/>
@@ -6218,23 +6769,29 @@
         </p:nvSpPr>
         <p:spPr>
           <a:xfrm>
-            <a:off x="839788" y="457200"/>
-            <a:ext cx="3932237" cy="1600200"/>
+            <a:off x="1097280" y="5074920"/>
+            <a:ext cx="10113264" cy="822960"/>
           </a:xfrm>
         </p:spPr>
         <p:txBody>
-          <a:bodyPr anchor="b"/>
+          <a:bodyPr lIns="91440" tIns="0" rIns="91440" bIns="0" anchor="b">
+            <a:noAutofit/>
+          </a:bodyPr>
           <a:lstStyle>
             <a:lvl1pPr>
-              <a:defRPr sz="3200"/>
+              <a:defRPr sz="3600" b="0">
+                <a:solidFill>
+                  <a:srgbClr val="FFFFFF"/>
+                </a:solidFill>
+              </a:defRPr>
             </a:lvl1pPr>
           </a:lstStyle>
           <a:p>
             <a:r>
-              <a:rPr lang="en-US" smtClean="0"/>
-              <a:t>Click to edit Master title style</a:t>
-            </a:r>
-            <a:endParaRPr lang="en-US"/>
+              <a:rPr lang="de-DE"/>
+              <a:t>Titelmasterformat durch Klicken bearbeiten</a:t>
+            </a:r>
+            <a:endParaRPr lang="en-US" dirty="0"/>
           </a:p>
         </p:txBody>
       </p:sp>
@@ -6242,7 +6799,7 @@
         <p:nvSpPr>
           <p:cNvPr id="3" name="Picture Placeholder 2"/>
           <p:cNvSpPr>
-            <a:spLocks noGrp="1"/>
+            <a:spLocks noGrp="1" noChangeAspect="1"/>
           </p:cNvSpPr>
           <p:nvPr>
             <p:ph type="pic" idx="1"/>
@@ -6250,16 +6807,26 @@
         </p:nvSpPr>
         <p:spPr>
           <a:xfrm>
-            <a:off x="5183188" y="987425"/>
-            <a:ext cx="6172200" cy="4873625"/>
+            <a:off x="15" y="0"/>
+            <a:ext cx="12191985" cy="4915076"/>
           </a:xfrm>
+          <a:blipFill>
+            <a:blip r:embed="rId2"/>
+            <a:stretch>
+              <a:fillRect/>
+            </a:stretch>
+          </a:blipFill>
         </p:spPr>
         <p:txBody>
-          <a:bodyPr/>
+          <a:bodyPr lIns="457200" tIns="457200" anchor="t"/>
           <a:lstStyle>
             <a:lvl1pPr marL="0" indent="0">
               <a:buNone/>
-              <a:defRPr sz="3200"/>
+              <a:defRPr sz="3200">
+                <a:solidFill>
+                  <a:schemeClr val="bg1"/>
+                </a:solidFill>
+              </a:defRPr>
             </a:lvl1pPr>
             <a:lvl2pPr marL="457200" indent="0">
               <a:buNone/>
@@ -6295,7 +6862,11 @@
             </a:lvl9pPr>
           </a:lstStyle>
           <a:p>
-            <a:endParaRPr lang="en-US"/>
+            <a:r>
+              <a:rPr lang="de-DE"/>
+              <a:t>Bild durch Klicken auf Symbol hinzufügen</a:t>
+            </a:r>
+            <a:endParaRPr lang="en-US" dirty="0"/>
           </a:p>
         </p:txBody>
       </p:sp>
@@ -6311,55 +6882,67 @@
         </p:nvSpPr>
         <p:spPr>
           <a:xfrm>
-            <a:off x="839788" y="2057400"/>
-            <a:ext cx="3932237" cy="3811588"/>
+            <a:off x="1097280" y="5907023"/>
+            <a:ext cx="10113264" cy="594360"/>
           </a:xfrm>
         </p:spPr>
         <p:txBody>
-          <a:bodyPr/>
+          <a:bodyPr lIns="91440" tIns="0" rIns="91440" bIns="0">
+            <a:normAutofit/>
+          </a:bodyPr>
           <a:lstStyle>
             <a:lvl1pPr marL="0" indent="0">
+              <a:spcBef>
+                <a:spcPts val="0"/>
+              </a:spcBef>
+              <a:spcAft>
+                <a:spcPts val="600"/>
+              </a:spcAft>
               <a:buNone/>
-              <a:defRPr sz="1600"/>
+              <a:defRPr sz="1500">
+                <a:solidFill>
+                  <a:srgbClr val="FFFFFF"/>
+                </a:solidFill>
+              </a:defRPr>
             </a:lvl1pPr>
             <a:lvl2pPr marL="457200" indent="0">
               <a:buNone/>
-              <a:defRPr sz="1400"/>
+              <a:defRPr sz="1200"/>
             </a:lvl2pPr>
             <a:lvl3pPr marL="914400" indent="0">
               <a:buNone/>
-              <a:defRPr sz="1200"/>
+              <a:defRPr sz="1000"/>
             </a:lvl3pPr>
             <a:lvl4pPr marL="1371600" indent="0">
               <a:buNone/>
-              <a:defRPr sz="1000"/>
+              <a:defRPr sz="900"/>
             </a:lvl4pPr>
             <a:lvl5pPr marL="1828800" indent="0">
               <a:buNone/>
-              <a:defRPr sz="1000"/>
+              <a:defRPr sz="900"/>
             </a:lvl5pPr>
             <a:lvl6pPr marL="2286000" indent="0">
               <a:buNone/>
-              <a:defRPr sz="1000"/>
+              <a:defRPr sz="900"/>
             </a:lvl6pPr>
             <a:lvl7pPr marL="2743200" indent="0">
               <a:buNone/>
-              <a:defRPr sz="1000"/>
+              <a:defRPr sz="900"/>
             </a:lvl7pPr>
             <a:lvl8pPr marL="3200400" indent="0">
               <a:buNone/>
-              <a:defRPr sz="1000"/>
+              <a:defRPr sz="900"/>
             </a:lvl8pPr>
             <a:lvl9pPr marL="3657600" indent="0">
               <a:buNone/>
-              <a:defRPr sz="1000"/>
+              <a:defRPr sz="900"/>
             </a:lvl9pPr>
           </a:lstStyle>
           <a:p>
             <a:pPr lvl="0"/>
             <a:r>
-              <a:rPr lang="en-US" smtClean="0"/>
-              <a:t>Click to edit Master text styles</a:t>
+              <a:rPr lang="de-DE"/>
+              <a:t>Formatvorlagen des Textmasters bearbeiten</a:t>
             </a:r>
           </a:p>
         </p:txBody>
@@ -6381,7 +6964,7 @@
           <a:p>
             <a:fld id="{331B0D19-E56F-644B-AEE4-C9C3AC1728CA}" type="datetimeFigureOut">
               <a:rPr lang="en-US" smtClean="0"/>
-              <a:t>10/30/17</a:t>
+              <a:t>10/30/2017</a:t>
             </a:fld>
             <a:endParaRPr lang="en-US"/>
           </a:p>
@@ -6423,13 +7006,18 @@
           <a:p>
             <a:fld id="{3553D92C-0872-AC4C-87CF-FFFB4F2ED450}" type="slidenum">
               <a:rPr lang="en-US" smtClean="0"/>
-              <a:t>‹#›</a:t>
+              <a:t>‹Nr.›</a:t>
             </a:fld>
             <a:endParaRPr lang="en-US"/>
           </a:p>
         </p:txBody>
       </p:sp>
     </p:spTree>
+    <p:extLst>
+      <p:ext uri="{BB962C8B-B14F-4D97-AF65-F5344CB8AC3E}">
+        <p14:creationId xmlns:p14="http://schemas.microsoft.com/office/powerpoint/2010/main" val="763445308"/>
+      </p:ext>
+    </p:extLst>
   </p:cSld>
   <p:clrMapOvr>
     <a:masterClrMapping/>
@@ -6461,6 +7049,82 @@
       </p:grpSpPr>
       <p:sp>
         <p:nvSpPr>
+          <p:cNvPr id="7" name="Rectangle 6"/>
+          <p:cNvSpPr/>
+          <p:nvPr/>
+        </p:nvSpPr>
+        <p:spPr>
+          <a:xfrm>
+            <a:off x="1" y="6400800"/>
+            <a:ext cx="12192000" cy="457200"/>
+          </a:xfrm>
+          <a:prstGeom prst="rect">
+            <a:avLst/>
+          </a:prstGeom>
+          <a:solidFill>
+            <a:schemeClr val="accent2"/>
+          </a:solidFill>
+          <a:ln>
+            <a:noFill/>
+          </a:ln>
+        </p:spPr>
+        <p:style>
+          <a:lnRef idx="2">
+            <a:schemeClr val="accent1">
+              <a:shade val="50000"/>
+            </a:schemeClr>
+          </a:lnRef>
+          <a:fillRef idx="1">
+            <a:schemeClr val="accent1"/>
+          </a:fillRef>
+          <a:effectRef idx="0">
+            <a:schemeClr val="accent1"/>
+          </a:effectRef>
+          <a:fontRef idx="minor">
+            <a:schemeClr val="lt1"/>
+          </a:fontRef>
+        </p:style>
+      </p:sp>
+      <p:sp>
+        <p:nvSpPr>
+          <p:cNvPr id="9" name="Rectangle 8"/>
+          <p:cNvSpPr/>
+          <p:nvPr/>
+        </p:nvSpPr>
+        <p:spPr>
+          <a:xfrm>
+            <a:off x="0" y="6334316"/>
+            <a:ext cx="12192001" cy="65998"/>
+          </a:xfrm>
+          <a:prstGeom prst="rect">
+            <a:avLst/>
+          </a:prstGeom>
+          <a:solidFill>
+            <a:schemeClr val="accent1"/>
+          </a:solidFill>
+          <a:ln>
+            <a:noFill/>
+          </a:ln>
+        </p:spPr>
+        <p:style>
+          <a:lnRef idx="2">
+            <a:schemeClr val="accent1">
+              <a:shade val="50000"/>
+            </a:schemeClr>
+          </a:lnRef>
+          <a:fillRef idx="1">
+            <a:schemeClr val="accent1"/>
+          </a:fillRef>
+          <a:effectRef idx="0">
+            <a:schemeClr val="accent1"/>
+          </a:effectRef>
+          <a:fontRef idx="minor">
+            <a:schemeClr val="lt1"/>
+          </a:fontRef>
+        </p:style>
+      </p:sp>
+      <p:sp>
+        <p:nvSpPr>
           <p:cNvPr id="2" name="Title Placeholder 1"/>
           <p:cNvSpPr>
             <a:spLocks noGrp="1"/>
@@ -6471,24 +7135,24 @@
         </p:nvSpPr>
         <p:spPr>
           <a:xfrm>
-            <a:off x="838200" y="365125"/>
-            <a:ext cx="10515600" cy="1325563"/>
+            <a:off x="1097280" y="286603"/>
+            <a:ext cx="10058400" cy="1450757"/>
           </a:xfrm>
           <a:prstGeom prst="rect">
             <a:avLst/>
           </a:prstGeom>
         </p:spPr>
         <p:txBody>
-          <a:bodyPr vert="horz" lIns="91440" tIns="45720" rIns="91440" bIns="45720" rtlCol="0" anchor="ctr">
+          <a:bodyPr vert="horz" lIns="91440" tIns="45720" rIns="91440" bIns="45720" rtlCol="0" anchor="b">
             <a:normAutofit/>
           </a:bodyPr>
           <a:lstStyle/>
           <a:p>
             <a:r>
-              <a:rPr lang="en-US" smtClean="0"/>
-              <a:t>Click to edit Master title style</a:t>
-            </a:r>
-            <a:endParaRPr lang="en-US"/>
+              <a:rPr lang="de-DE"/>
+              <a:t>Titelmasterformat durch Klicken bearbeiten</a:t>
+            </a:r>
+            <a:endParaRPr lang="en-US" dirty="0"/>
           </a:p>
         </p:txBody>
       </p:sp>
@@ -6504,53 +7168,53 @@
         </p:nvSpPr>
         <p:spPr>
           <a:xfrm>
-            <a:off x="838200" y="1825625"/>
-            <a:ext cx="10515600" cy="4351338"/>
+            <a:off x="1097280" y="1845734"/>
+            <a:ext cx="10058400" cy="4023360"/>
           </a:xfrm>
           <a:prstGeom prst="rect">
             <a:avLst/>
           </a:prstGeom>
         </p:spPr>
         <p:txBody>
-          <a:bodyPr vert="horz" lIns="91440" tIns="45720" rIns="91440" bIns="45720" rtlCol="0">
+          <a:bodyPr vert="horz" lIns="0" tIns="45720" rIns="0" bIns="45720" rtlCol="0">
             <a:normAutofit/>
           </a:bodyPr>
           <a:lstStyle/>
           <a:p>
             <a:pPr lvl="0"/>
             <a:r>
-              <a:rPr lang="en-US" smtClean="0"/>
-              <a:t>Click to edit Master text styles</a:t>
+              <a:rPr lang="de-DE"/>
+              <a:t>Formatvorlagen des Textmasters bearbeiten</a:t>
             </a:r>
           </a:p>
           <a:p>
             <a:pPr lvl="1"/>
             <a:r>
-              <a:rPr lang="en-US" smtClean="0"/>
-              <a:t>Second level</a:t>
+              <a:rPr lang="de-DE"/>
+              <a:t>Zweite Ebene</a:t>
             </a:r>
           </a:p>
           <a:p>
             <a:pPr lvl="2"/>
             <a:r>
-              <a:rPr lang="en-US" smtClean="0"/>
-              <a:t>Third level</a:t>
+              <a:rPr lang="de-DE"/>
+              <a:t>Dritte Ebene</a:t>
             </a:r>
           </a:p>
           <a:p>
             <a:pPr lvl="3"/>
             <a:r>
-              <a:rPr lang="en-US" smtClean="0"/>
-              <a:t>Fourth level</a:t>
+              <a:rPr lang="de-DE"/>
+              <a:t>Vierte Ebene</a:t>
             </a:r>
           </a:p>
           <a:p>
             <a:pPr lvl="4"/>
             <a:r>
-              <a:rPr lang="en-US" smtClean="0"/>
-              <a:t>Fifth level</a:t>
-            </a:r>
-            <a:endParaRPr lang="en-US"/>
+              <a:rPr lang="de-DE"/>
+              <a:t>Fünfte Ebene</a:t>
+            </a:r>
+            <a:endParaRPr lang="en-US" dirty="0"/>
           </a:p>
         </p:txBody>
       </p:sp>
@@ -6566,8 +7230,8 @@
         </p:nvSpPr>
         <p:spPr>
           <a:xfrm>
-            <a:off x="838200" y="6356350"/>
-            <a:ext cx="2743200" cy="365125"/>
+            <a:off x="1097280" y="6459785"/>
+            <a:ext cx="2472271" cy="365125"/>
           </a:xfrm>
           <a:prstGeom prst="rect">
             <a:avLst/>
@@ -6577,11 +7241,9 @@
           <a:bodyPr vert="horz" lIns="91440" tIns="45720" rIns="91440" bIns="45720" rtlCol="0" anchor="ctr"/>
           <a:lstStyle>
             <a:lvl1pPr algn="l">
-              <a:defRPr sz="1200">
+              <a:defRPr sz="900">
                 <a:solidFill>
-                  <a:schemeClr val="tx1">
-                    <a:tint val="75000"/>
-                  </a:schemeClr>
+                  <a:srgbClr val="FFFFFF"/>
                 </a:solidFill>
               </a:defRPr>
             </a:lvl1pPr>
@@ -6589,7 +7251,7 @@
           <a:p>
             <a:fld id="{331B0D19-E56F-644B-AEE4-C9C3AC1728CA}" type="datetimeFigureOut">
               <a:rPr lang="en-US" smtClean="0"/>
-              <a:t>10/30/17</a:t>
+              <a:t>10/30/2017</a:t>
             </a:fld>
             <a:endParaRPr lang="en-US"/>
           </a:p>
@@ -6607,8 +7269,8 @@
         </p:nvSpPr>
         <p:spPr>
           <a:xfrm>
-            <a:off x="4038600" y="6356350"/>
-            <a:ext cx="4114800" cy="365125"/>
+            <a:off x="3686185" y="6459785"/>
+            <a:ext cx="4822804" cy="365125"/>
           </a:xfrm>
           <a:prstGeom prst="rect">
             <a:avLst/>
@@ -6618,11 +7280,9 @@
           <a:bodyPr vert="horz" lIns="91440" tIns="45720" rIns="91440" bIns="45720" rtlCol="0" anchor="ctr"/>
           <a:lstStyle>
             <a:lvl1pPr algn="ctr">
-              <a:defRPr sz="1200">
+              <a:defRPr sz="900" cap="all" baseline="0">
                 <a:solidFill>
-                  <a:schemeClr val="tx1">
-                    <a:tint val="75000"/>
-                  </a:schemeClr>
+                  <a:srgbClr val="FFFFFF"/>
                 </a:solidFill>
               </a:defRPr>
             </a:lvl1pPr>
@@ -6644,8 +7304,8 @@
         </p:nvSpPr>
         <p:spPr>
           <a:xfrm>
-            <a:off x="8610600" y="6356350"/>
-            <a:ext cx="2743200" cy="365125"/>
+            <a:off x="9900458" y="6459785"/>
+            <a:ext cx="1312025" cy="365125"/>
           </a:xfrm>
           <a:prstGeom prst="rect">
             <a:avLst/>
@@ -6655,11 +7315,9 @@
           <a:bodyPr vert="horz" lIns="91440" tIns="45720" rIns="91440" bIns="45720" rtlCol="0" anchor="ctr"/>
           <a:lstStyle>
             <a:lvl1pPr algn="r">
-              <a:defRPr sz="1200">
+              <a:defRPr sz="1050">
                 <a:solidFill>
-                  <a:schemeClr val="tx1">
-                    <a:tint val="75000"/>
-                  </a:schemeClr>
+                  <a:srgbClr val="FFFFFF"/>
                 </a:solidFill>
               </a:defRPr>
             </a:lvl1pPr>
@@ -6667,46 +7325,87 @@
           <a:p>
             <a:fld id="{3553D92C-0872-AC4C-87CF-FFFB4F2ED450}" type="slidenum">
               <a:rPr lang="en-US" smtClean="0"/>
-              <a:t>‹#›</a:t>
+              <a:t>‹Nr.›</a:t>
             </a:fld>
             <a:endParaRPr lang="en-US"/>
           </a:p>
         </p:txBody>
       </p:sp>
+      <p:cxnSp>
+        <p:nvCxnSpPr>
+          <p:cNvPr id="10" name="Straight Connector 9"/>
+          <p:cNvCxnSpPr/>
+          <p:nvPr/>
+        </p:nvCxnSpPr>
+        <p:spPr>
+          <a:xfrm>
+            <a:off x="1193532" y="1737845"/>
+            <a:ext cx="9966960" cy="0"/>
+          </a:xfrm>
+          <a:prstGeom prst="line">
+            <a:avLst/>
+          </a:prstGeom>
+          <a:ln w="6350">
+            <a:solidFill>
+              <a:schemeClr val="tx1">
+                <a:lumMod val="50000"/>
+                <a:lumOff val="50000"/>
+              </a:schemeClr>
+            </a:solidFill>
+          </a:ln>
+        </p:spPr>
+        <p:style>
+          <a:lnRef idx="1">
+            <a:schemeClr val="accent1"/>
+          </a:lnRef>
+          <a:fillRef idx="0">
+            <a:schemeClr val="accent1"/>
+          </a:fillRef>
+          <a:effectRef idx="0">
+            <a:schemeClr val="accent1"/>
+          </a:effectRef>
+          <a:fontRef idx="minor">
+            <a:schemeClr val="tx1"/>
+          </a:fontRef>
+        </p:style>
+      </p:cxnSp>
     </p:spTree>
     <p:extLst>
       <p:ext uri="{BB962C8B-B14F-4D97-AF65-F5344CB8AC3E}">
-        <p14:creationId xmlns:p14="http://schemas.microsoft.com/office/powerpoint/2010/main" val="1605294282"/>
+        <p14:creationId xmlns:p14="http://schemas.microsoft.com/office/powerpoint/2010/main" val="3000822942"/>
       </p:ext>
     </p:extLst>
   </p:cSld>
   <p:clrMap bg1="lt1" tx1="dk1" bg2="lt2" tx2="dk2" accent1="accent1" accent2="accent2" accent3="accent3" accent4="accent4" accent5="accent5" accent6="accent6" hlink="hlink" folHlink="folHlink"/>
   <p:sldLayoutIdLst>
-    <p:sldLayoutId id="2147483739" r:id="rId1"/>
-    <p:sldLayoutId id="2147483740" r:id="rId2"/>
-    <p:sldLayoutId id="2147483741" r:id="rId3"/>
-    <p:sldLayoutId id="2147483742" r:id="rId4"/>
-    <p:sldLayoutId id="2147483743" r:id="rId5"/>
-    <p:sldLayoutId id="2147483744" r:id="rId6"/>
-    <p:sldLayoutId id="2147483745" r:id="rId7"/>
-    <p:sldLayoutId id="2147483746" r:id="rId8"/>
-    <p:sldLayoutId id="2147483747" r:id="rId9"/>
-    <p:sldLayoutId id="2147483748" r:id="rId10"/>
-    <p:sldLayoutId id="2147483749" r:id="rId11"/>
+    <p:sldLayoutId id="2147483751" r:id="rId1"/>
+    <p:sldLayoutId id="2147483752" r:id="rId2"/>
+    <p:sldLayoutId id="2147483753" r:id="rId3"/>
+    <p:sldLayoutId id="2147483754" r:id="rId4"/>
+    <p:sldLayoutId id="2147483755" r:id="rId5"/>
+    <p:sldLayoutId id="2147483756" r:id="rId6"/>
+    <p:sldLayoutId id="2147483757" r:id="rId7"/>
+    <p:sldLayoutId id="2147483758" r:id="rId8"/>
+    <p:sldLayoutId id="2147483759" r:id="rId9"/>
+    <p:sldLayoutId id="2147483760" r:id="rId10"/>
+    <p:sldLayoutId id="2147483761" r:id="rId11"/>
   </p:sldLayoutIdLst>
   <p:txStyles>
     <p:titleStyle>
       <a:lvl1pPr algn="l" defTabSz="914400" rtl="0" eaLnBrk="1" latinLnBrk="0" hangingPunct="1">
         <a:lnSpc>
-          <a:spcPct val="90000"/>
+          <a:spcPct val="85000"/>
         </a:lnSpc>
         <a:spcBef>
           <a:spcPct val="0"/>
         </a:spcBef>
         <a:buNone/>
-        <a:defRPr sz="4400" kern="1200">
+        <a:defRPr sz="4800" kern="1200" spc="-50" baseline="0">
           <a:solidFill>
-            <a:schemeClr val="tx1"/>
+            <a:schemeClr val="tx1">
+              <a:lumMod val="75000"/>
+              <a:lumOff val="25000"/>
+            </a:schemeClr>
           </a:solidFill>
           <a:latin typeface="+mj-lt"/>
           <a:ea typeface="+mj-ea"/>
@@ -6715,162 +7414,244 @@
       </a:lvl1pPr>
     </p:titleStyle>
     <p:bodyStyle>
-      <a:lvl1pPr marL="228600" indent="-228600" algn="l" defTabSz="914400" rtl="0" eaLnBrk="1" latinLnBrk="0" hangingPunct="1">
+      <a:lvl1pPr marL="91440" indent="-91440" algn="l" defTabSz="914400" rtl="0" eaLnBrk="1" latinLnBrk="0" hangingPunct="1">
         <a:lnSpc>
           <a:spcPct val="90000"/>
         </a:lnSpc>
         <a:spcBef>
-          <a:spcPts val="1000"/>
+          <a:spcPts val="1200"/>
         </a:spcBef>
-        <a:buFont typeface="Arial"/>
-        <a:buChar char="•"/>
-        <a:defRPr sz="2800" kern="1200">
+        <a:spcAft>
+          <a:spcPts val="200"/>
+        </a:spcAft>
+        <a:buClr>
+          <a:schemeClr val="accent1"/>
+        </a:buClr>
+        <a:buSzPct val="100000"/>
+        <a:buFont typeface="Calibri" panose="020F0502020204030204" pitchFamily="34" charset="0"/>
+        <a:buChar char=" "/>
+        <a:defRPr sz="2000" kern="1200">
           <a:solidFill>
-            <a:schemeClr val="tx1"/>
+            <a:schemeClr val="tx1">
+              <a:lumMod val="75000"/>
+              <a:lumOff val="25000"/>
+            </a:schemeClr>
           </a:solidFill>
           <a:latin typeface="+mn-lt"/>
           <a:ea typeface="+mn-ea"/>
           <a:cs typeface="+mn-cs"/>
         </a:defRPr>
       </a:lvl1pPr>
-      <a:lvl2pPr marL="685800" indent="-228600" algn="l" defTabSz="914400" rtl="0" eaLnBrk="1" latinLnBrk="0" hangingPunct="1">
+      <a:lvl2pPr marL="384048" indent="-182880" algn="l" defTabSz="914400" rtl="0" eaLnBrk="1" latinLnBrk="0" hangingPunct="1">
         <a:lnSpc>
           <a:spcPct val="90000"/>
         </a:lnSpc>
         <a:spcBef>
-          <a:spcPts val="500"/>
+          <a:spcPts val="200"/>
         </a:spcBef>
-        <a:buFont typeface="Arial"/>
-        <a:buChar char="•"/>
-        <a:defRPr sz="2400" kern="1200">
+        <a:spcAft>
+          <a:spcPts val="400"/>
+        </a:spcAft>
+        <a:buClr>
+          <a:schemeClr val="accent1"/>
+        </a:buClr>
+        <a:buFont typeface="Calibri" pitchFamily="34" charset="0"/>
+        <a:buChar char="◦"/>
+        <a:defRPr sz="1800" kern="1200">
           <a:solidFill>
-            <a:schemeClr val="tx1"/>
+            <a:schemeClr val="tx1">
+              <a:lumMod val="75000"/>
+              <a:lumOff val="25000"/>
+            </a:schemeClr>
           </a:solidFill>
           <a:latin typeface="+mn-lt"/>
           <a:ea typeface="+mn-ea"/>
           <a:cs typeface="+mn-cs"/>
         </a:defRPr>
       </a:lvl2pPr>
-      <a:lvl3pPr marL="1143000" indent="-228600" algn="l" defTabSz="914400" rtl="0" eaLnBrk="1" latinLnBrk="0" hangingPunct="1">
+      <a:lvl3pPr marL="566928" indent="-182880" algn="l" defTabSz="914400" rtl="0" eaLnBrk="1" latinLnBrk="0" hangingPunct="1">
         <a:lnSpc>
           <a:spcPct val="90000"/>
         </a:lnSpc>
         <a:spcBef>
-          <a:spcPts val="500"/>
+          <a:spcPts val="200"/>
         </a:spcBef>
-        <a:buFont typeface="Arial"/>
-        <a:buChar char="•"/>
-        <a:defRPr sz="2000" kern="1200">
+        <a:spcAft>
+          <a:spcPts val="400"/>
+        </a:spcAft>
+        <a:buClr>
+          <a:schemeClr val="accent1"/>
+        </a:buClr>
+        <a:buFont typeface="Calibri" pitchFamily="34" charset="0"/>
+        <a:buChar char="◦"/>
+        <a:defRPr sz="1400" kern="1200">
           <a:solidFill>
-            <a:schemeClr val="tx1"/>
+            <a:schemeClr val="tx1">
+              <a:lumMod val="75000"/>
+              <a:lumOff val="25000"/>
+            </a:schemeClr>
           </a:solidFill>
           <a:latin typeface="+mn-lt"/>
           <a:ea typeface="+mn-ea"/>
           <a:cs typeface="+mn-cs"/>
         </a:defRPr>
       </a:lvl3pPr>
-      <a:lvl4pPr marL="1600200" indent="-228600" algn="l" defTabSz="914400" rtl="0" eaLnBrk="1" latinLnBrk="0" hangingPunct="1">
+      <a:lvl4pPr marL="749808" indent="-182880" algn="l" defTabSz="914400" rtl="0" eaLnBrk="1" latinLnBrk="0" hangingPunct="1">
         <a:lnSpc>
           <a:spcPct val="90000"/>
         </a:lnSpc>
         <a:spcBef>
-          <a:spcPts val="500"/>
+          <a:spcPts val="200"/>
         </a:spcBef>
-        <a:buFont typeface="Arial"/>
-        <a:buChar char="•"/>
-        <a:defRPr sz="1800" kern="1200">
+        <a:spcAft>
+          <a:spcPts val="400"/>
+        </a:spcAft>
+        <a:buClr>
+          <a:schemeClr val="accent1"/>
+        </a:buClr>
+        <a:buFont typeface="Calibri" pitchFamily="34" charset="0"/>
+        <a:buChar char="◦"/>
+        <a:defRPr sz="1400" kern="1200">
           <a:solidFill>
-            <a:schemeClr val="tx1"/>
+            <a:schemeClr val="tx1">
+              <a:lumMod val="75000"/>
+              <a:lumOff val="25000"/>
+            </a:schemeClr>
           </a:solidFill>
           <a:latin typeface="+mn-lt"/>
           <a:ea typeface="+mn-ea"/>
           <a:cs typeface="+mn-cs"/>
         </a:defRPr>
       </a:lvl4pPr>
-      <a:lvl5pPr marL="2057400" indent="-228600" algn="l" defTabSz="914400" rtl="0" eaLnBrk="1" latinLnBrk="0" hangingPunct="1">
+      <a:lvl5pPr marL="932688" indent="-182880" algn="l" defTabSz="914400" rtl="0" eaLnBrk="1" latinLnBrk="0" hangingPunct="1">
         <a:lnSpc>
           <a:spcPct val="90000"/>
         </a:lnSpc>
         <a:spcBef>
-          <a:spcPts val="500"/>
+          <a:spcPts val="200"/>
         </a:spcBef>
-        <a:buFont typeface="Arial"/>
-        <a:buChar char="•"/>
-        <a:defRPr sz="1800" kern="1200">
+        <a:spcAft>
+          <a:spcPts val="400"/>
+        </a:spcAft>
+        <a:buClr>
+          <a:schemeClr val="accent1"/>
+        </a:buClr>
+        <a:buFont typeface="Calibri" pitchFamily="34" charset="0"/>
+        <a:buChar char="◦"/>
+        <a:defRPr sz="1400" kern="1200">
           <a:solidFill>
-            <a:schemeClr val="tx1"/>
+            <a:schemeClr val="tx1">
+              <a:lumMod val="75000"/>
+              <a:lumOff val="25000"/>
+            </a:schemeClr>
           </a:solidFill>
           <a:latin typeface="+mn-lt"/>
           <a:ea typeface="+mn-ea"/>
           <a:cs typeface="+mn-cs"/>
         </a:defRPr>
       </a:lvl5pPr>
-      <a:lvl6pPr marL="2514600" indent="-228600" algn="l" defTabSz="914400" rtl="0" eaLnBrk="1" latinLnBrk="0" hangingPunct="1">
+      <a:lvl6pPr marL="1100000" indent="-228600" algn="l" defTabSz="914400" rtl="0" eaLnBrk="1" latinLnBrk="0" hangingPunct="1">
         <a:lnSpc>
           <a:spcPct val="90000"/>
         </a:lnSpc>
         <a:spcBef>
-          <a:spcPts val="500"/>
+          <a:spcPts val="200"/>
         </a:spcBef>
-        <a:buFont typeface="Arial"/>
-        <a:buChar char="•"/>
-        <a:defRPr sz="1800" kern="1200">
+        <a:spcAft>
+          <a:spcPts val="400"/>
+        </a:spcAft>
+        <a:buClr>
+          <a:schemeClr val="accent1"/>
+        </a:buClr>
+        <a:buFont typeface="Calibri" pitchFamily="34" charset="0"/>
+        <a:buChar char="◦"/>
+        <a:defRPr sz="1400" kern="1200">
           <a:solidFill>
-            <a:schemeClr val="tx1"/>
+            <a:schemeClr val="tx1">
+              <a:lumMod val="75000"/>
+              <a:lumOff val="25000"/>
+            </a:schemeClr>
           </a:solidFill>
           <a:latin typeface="+mn-lt"/>
           <a:ea typeface="+mn-ea"/>
           <a:cs typeface="+mn-cs"/>
         </a:defRPr>
       </a:lvl6pPr>
-      <a:lvl7pPr marL="2971800" indent="-228600" algn="l" defTabSz="914400" rtl="0" eaLnBrk="1" latinLnBrk="0" hangingPunct="1">
+      <a:lvl7pPr marL="1300000" indent="-228600" algn="l" defTabSz="914400" rtl="0" eaLnBrk="1" latinLnBrk="0" hangingPunct="1">
         <a:lnSpc>
           <a:spcPct val="90000"/>
         </a:lnSpc>
         <a:spcBef>
-          <a:spcPts val="500"/>
+          <a:spcPts val="200"/>
         </a:spcBef>
-        <a:buFont typeface="Arial"/>
-        <a:buChar char="•"/>
-        <a:defRPr sz="1800" kern="1200">
+        <a:spcAft>
+          <a:spcPts val="400"/>
+        </a:spcAft>
+        <a:buClr>
+          <a:schemeClr val="accent1"/>
+        </a:buClr>
+        <a:buFont typeface="Calibri" pitchFamily="34" charset="0"/>
+        <a:buChar char="◦"/>
+        <a:defRPr sz="1400" kern="1200">
           <a:solidFill>
-            <a:schemeClr val="tx1"/>
+            <a:schemeClr val="tx1">
+              <a:lumMod val="75000"/>
+              <a:lumOff val="25000"/>
+            </a:schemeClr>
           </a:solidFill>
           <a:latin typeface="+mn-lt"/>
           <a:ea typeface="+mn-ea"/>
           <a:cs typeface="+mn-cs"/>
         </a:defRPr>
       </a:lvl7pPr>
-      <a:lvl8pPr marL="3429000" indent="-228600" algn="l" defTabSz="914400" rtl="0" eaLnBrk="1" latinLnBrk="0" hangingPunct="1">
+      <a:lvl8pPr marL="1500000" indent="-228600" algn="l" defTabSz="914400" rtl="0" eaLnBrk="1" latinLnBrk="0" hangingPunct="1">
         <a:lnSpc>
           <a:spcPct val="90000"/>
         </a:lnSpc>
         <a:spcBef>
-          <a:spcPts val="500"/>
+          <a:spcPts val="200"/>
         </a:spcBef>
-        <a:buFont typeface="Arial"/>
-        <a:buChar char="•"/>
-        <a:defRPr sz="1800" kern="1200">
+        <a:spcAft>
+          <a:spcPts val="400"/>
+        </a:spcAft>
+        <a:buClr>
+          <a:schemeClr val="accent1"/>
+        </a:buClr>
+        <a:buFont typeface="Calibri" pitchFamily="34" charset="0"/>
+        <a:buChar char="◦"/>
+        <a:defRPr sz="1400" kern="1200">
           <a:solidFill>
-            <a:schemeClr val="tx1"/>
+            <a:schemeClr val="tx1">
+              <a:lumMod val="75000"/>
+              <a:lumOff val="25000"/>
+            </a:schemeClr>
           </a:solidFill>
           <a:latin typeface="+mn-lt"/>
           <a:ea typeface="+mn-ea"/>
           <a:cs typeface="+mn-cs"/>
         </a:defRPr>
       </a:lvl8pPr>
-      <a:lvl9pPr marL="3886200" indent="-228600" algn="l" defTabSz="914400" rtl="0" eaLnBrk="1" latinLnBrk="0" hangingPunct="1">
+      <a:lvl9pPr marL="1700000" indent="-228600" algn="l" defTabSz="914400" rtl="0" eaLnBrk="1" latinLnBrk="0" hangingPunct="1">
         <a:lnSpc>
           <a:spcPct val="90000"/>
         </a:lnSpc>
         <a:spcBef>
-          <a:spcPts val="500"/>
+          <a:spcPts val="200"/>
         </a:spcBef>
-        <a:buFont typeface="Arial"/>
-        <a:buChar char="•"/>
-        <a:defRPr sz="1800" kern="1200">
+        <a:spcAft>
+          <a:spcPts val="400"/>
+        </a:spcAft>
+        <a:buClr>
+          <a:schemeClr val="accent1"/>
+        </a:buClr>
+        <a:buFont typeface="Calibri" pitchFamily="34" charset="0"/>
+        <a:buChar char="◦"/>
+        <a:defRPr sz="1400" kern="1200">
           <a:solidFill>
-            <a:schemeClr val="tx1"/>
+            <a:schemeClr val="tx1">
+              <a:lumMod val="75000"/>
+              <a:lumOff val="25000"/>
+            </a:schemeClr>
           </a:solidFill>
           <a:latin typeface="+mn-lt"/>
           <a:ea typeface="+mn-ea"/>
@@ -7012,26 +7793,27 @@
             <p:ph type="ctrTitle"/>
           </p:nvPr>
         </p:nvSpPr>
-        <p:spPr/>
+        <p:spPr>
+          <a:xfrm>
+            <a:off x="304800" y="780288"/>
+            <a:ext cx="10850880" cy="2273808"/>
+          </a:xfrm>
+        </p:spPr>
         <p:txBody>
           <a:bodyPr>
             <a:normAutofit/>
           </a:bodyPr>
           <a:lstStyle/>
           <a:p>
-            <a:r>
-              <a:rPr lang="en-US" dirty="0" smtClean="0">
+            <a:pPr algn="ctr"/>
+            <a:r>
+              <a:rPr lang="en-US" dirty="0">
                 <a:latin typeface="Roboto Medium" charset="0"/>
                 <a:ea typeface="Roboto Medium" charset="0"/>
                 <a:cs typeface="Roboto Medium" charset="0"/>
               </a:rPr>
               <a:t>Online-Note-Tool</a:t>
             </a:r>
-            <a:endParaRPr lang="en-US" dirty="0">
-              <a:latin typeface="Roboto Medium" charset="0"/>
-              <a:ea typeface="Roboto Medium" charset="0"/>
-              <a:cs typeface="Roboto Medium" charset="0"/>
-            </a:endParaRPr>
           </a:p>
         </p:txBody>
       </p:sp>
@@ -7047,19 +7829,19 @@
         </p:nvSpPr>
         <p:spPr>
           <a:xfrm>
-            <a:off x="1524000" y="3951822"/>
+            <a:off x="1524000" y="3692742"/>
             <a:ext cx="9144000" cy="1839392"/>
           </a:xfrm>
         </p:spPr>
         <p:txBody>
           <a:bodyPr>
-            <a:normAutofit fontScale="92500" lnSpcReduction="20000"/>
+            <a:normAutofit fontScale="62500" lnSpcReduction="20000"/>
           </a:bodyPr>
           <a:lstStyle/>
           <a:p>
             <a:pPr algn="l"/>
             <a:r>
-              <a:rPr lang="en-US" dirty="0" err="1" smtClean="0">
+              <a:rPr lang="en-US" dirty="0" err="1">
                 <a:latin typeface="Roboto Light" charset="0"/>
                 <a:ea typeface="Roboto Light" charset="0"/>
                 <a:cs typeface="Roboto Light" charset="0"/>
@@ -7067,7 +7849,7 @@
               <a:t>Ein</a:t>
             </a:r>
             <a:r>
-              <a:rPr lang="en-US" dirty="0" smtClean="0">
+              <a:rPr lang="en-US" dirty="0">
                 <a:latin typeface="Roboto Light" charset="0"/>
                 <a:ea typeface="Roboto Light" charset="0"/>
                 <a:cs typeface="Roboto Light" charset="0"/>
@@ -7075,7 +7857,7 @@
               <a:t> </a:t>
             </a:r>
             <a:r>
-              <a:rPr lang="en-US" dirty="0" err="1" smtClean="0">
+              <a:rPr lang="en-US" dirty="0" err="1">
                 <a:latin typeface="Roboto Light" charset="0"/>
                 <a:ea typeface="Roboto Light" charset="0"/>
                 <a:cs typeface="Roboto Light" charset="0"/>
@@ -7083,7 +7865,7 @@
               <a:t>Projekt</a:t>
             </a:r>
             <a:r>
-              <a:rPr lang="en-US" dirty="0" smtClean="0">
+              <a:rPr lang="en-US" dirty="0">
                 <a:latin typeface="Roboto Light" charset="0"/>
                 <a:ea typeface="Roboto Light" charset="0"/>
                 <a:cs typeface="Roboto Light" charset="0"/>
@@ -7097,7 +7879,7 @@
               <a:buChar char="-"/>
             </a:pPr>
             <a:r>
-              <a:rPr lang="en-US" dirty="0" smtClean="0">
+              <a:rPr lang="en-US" dirty="0">
                 <a:latin typeface="Roboto Light" charset="0"/>
                 <a:ea typeface="Roboto Light" charset="0"/>
                 <a:cs typeface="Roboto Light" charset="0"/>
@@ -7105,7 +7887,7 @@
               <a:t>Fabrice </a:t>
             </a:r>
             <a:r>
-              <a:rPr lang="en-US" dirty="0" err="1" smtClean="0">
+              <a:rPr lang="en-US" dirty="0" err="1">
                 <a:latin typeface="Roboto Light" charset="0"/>
                 <a:ea typeface="Roboto Light" charset="0"/>
                 <a:cs typeface="Roboto Light" charset="0"/>
@@ -7113,7 +7895,7 @@
               <a:t>Bosshard</a:t>
             </a:r>
             <a:r>
-              <a:rPr lang="en-US" dirty="0" smtClean="0">
+              <a:rPr lang="en-US" dirty="0">
                 <a:latin typeface="Roboto Light" charset="0"/>
                 <a:ea typeface="Roboto Light" charset="0"/>
                 <a:cs typeface="Roboto Light" charset="0"/>
@@ -7121,7 +7903,7 @@
               <a:t> 	- </a:t>
             </a:r>
             <a:r>
-              <a:rPr lang="en-US" dirty="0" smtClean="0">
+              <a:rPr lang="en-US" dirty="0">
                 <a:latin typeface="Roboto Light" charset="0"/>
                 <a:ea typeface="Roboto Light" charset="0"/>
                 <a:cs typeface="Roboto Light" charset="0"/>
@@ -7130,7 +7912,7 @@
               <a:t>https://github.com/FabriceBosshard</a:t>
             </a:r>
             <a:r>
-              <a:rPr lang="en-US" dirty="0" smtClean="0">
+              <a:rPr lang="en-US" dirty="0">
                 <a:latin typeface="Roboto Light" charset="0"/>
                 <a:ea typeface="Roboto Light" charset="0"/>
                 <a:cs typeface="Roboto Light" charset="0"/>
@@ -7144,15 +7926,15 @@
               <a:buChar char="-"/>
             </a:pPr>
             <a:r>
-              <a:rPr lang="en-US" dirty="0" smtClean="0">
-                <a:latin typeface="Roboto Light" charset="0"/>
-                <a:ea typeface="Roboto Light" charset="0"/>
-                <a:cs typeface="Roboto Light" charset="0"/>
-              </a:rPr>
-              <a:t>Fabian Bächli 	- </a:t>
-            </a:r>
-            <a:r>
-              <a:rPr lang="en-US" dirty="0" smtClean="0">
+              <a:rPr lang="en-US" dirty="0">
+                <a:latin typeface="Roboto Light" charset="0"/>
+                <a:ea typeface="Roboto Light" charset="0"/>
+                <a:cs typeface="Roboto Light" charset="0"/>
+              </a:rPr>
+              <a:t>Fabian Bächli 		- </a:t>
+            </a:r>
+            <a:r>
+              <a:rPr lang="en-US" dirty="0">
                 <a:latin typeface="Roboto Light" charset="0"/>
                 <a:ea typeface="Roboto Light" charset="0"/>
                 <a:cs typeface="Roboto Light" charset="0"/>
@@ -7161,7 +7943,7 @@
               <a:t>https://github.com/fabianbaechli</a:t>
             </a:r>
             <a:r>
-              <a:rPr lang="en-US" dirty="0" smtClean="0">
+              <a:rPr lang="en-US" dirty="0">
                 <a:latin typeface="Roboto Light" charset="0"/>
                 <a:ea typeface="Roboto Light" charset="0"/>
                 <a:cs typeface="Roboto Light" charset="0"/>
@@ -7175,7 +7957,7 @@
               <a:buChar char="-"/>
             </a:pPr>
             <a:r>
-              <a:rPr lang="en-US" dirty="0" smtClean="0">
+              <a:rPr lang="en-US" dirty="0">
                 <a:latin typeface="Roboto Light" charset="0"/>
                 <a:ea typeface="Roboto Light" charset="0"/>
                 <a:cs typeface="Roboto Light" charset="0"/>
@@ -7183,7 +7965,7 @@
               <a:t>Igor </a:t>
             </a:r>
             <a:r>
-              <a:rPr lang="en-US" dirty="0" err="1" smtClean="0">
+              <a:rPr lang="en-US" dirty="0" err="1">
                 <a:latin typeface="Roboto Light" charset="0"/>
                 <a:ea typeface="Roboto Light" charset="0"/>
                 <a:cs typeface="Roboto Light" charset="0"/>
@@ -7191,15 +7973,15 @@
               <a:t>Cetkovic</a:t>
             </a:r>
             <a:r>
-              <a:rPr lang="en-US" dirty="0" smtClean="0">
-                <a:latin typeface="Roboto Light" charset="0"/>
-                <a:ea typeface="Roboto Light" charset="0"/>
-                <a:cs typeface="Roboto Light" charset="0"/>
-              </a:rPr>
-              <a:t> 	- </a:t>
-            </a:r>
-            <a:r>
-              <a:rPr lang="en-US" dirty="0" smtClean="0">
+              <a:rPr lang="en-US" dirty="0">
+                <a:latin typeface="Roboto Light" charset="0"/>
+                <a:ea typeface="Roboto Light" charset="0"/>
+                <a:cs typeface="Roboto Light" charset="0"/>
+              </a:rPr>
+              <a:t> 		- </a:t>
+            </a:r>
+            <a:r>
+              <a:rPr lang="en-US" dirty="0">
                 <a:latin typeface="Roboto Light" charset="0"/>
                 <a:ea typeface="Roboto Light" charset="0"/>
                 <a:cs typeface="Roboto Light" charset="0"/>
@@ -7207,7 +7989,7 @@
               </a:rPr>
               <a:t>https://github.com/bape234</a:t>
             </a:r>
-            <a:endParaRPr lang="en-US" dirty="0" smtClean="0">
+            <a:endParaRPr lang="en-US" dirty="0">
               <a:latin typeface="Roboto Light" charset="0"/>
               <a:ea typeface="Roboto Light" charset="0"/>
               <a:cs typeface="Roboto Light" charset="0"/>
@@ -7219,7 +8001,7 @@
               <a:buChar char="-"/>
             </a:pPr>
             <a:r>
-              <a:rPr lang="en-US" dirty="0" smtClean="0">
+              <a:rPr lang="en-US" dirty="0">
                 <a:latin typeface="Roboto Light" charset="0"/>
                 <a:ea typeface="Roboto Light" charset="0"/>
                 <a:cs typeface="Roboto Light" charset="0"/>
@@ -7227,7 +8009,7 @@
               <a:t>Leonard </a:t>
             </a:r>
             <a:r>
-              <a:rPr lang="en-US" dirty="0" err="1" smtClean="0">
+              <a:rPr lang="en-US" dirty="0" err="1">
                 <a:latin typeface="Roboto Light" charset="0"/>
                 <a:ea typeface="Roboto Light" charset="0"/>
                 <a:cs typeface="Roboto Light" charset="0"/>
@@ -7235,15 +8017,15 @@
               <a:t>Schütz</a:t>
             </a:r>
             <a:r>
-              <a:rPr lang="en-US" dirty="0" smtClean="0">
-                <a:latin typeface="Roboto Light" charset="0"/>
-                <a:ea typeface="Roboto Light" charset="0"/>
-                <a:cs typeface="Roboto Light" charset="0"/>
-              </a:rPr>
-              <a:t> 	- </a:t>
-            </a:r>
-            <a:r>
-              <a:rPr lang="en-US" dirty="0" smtClean="0">
+              <a:rPr lang="en-US" dirty="0">
+                <a:latin typeface="Roboto Light" charset="0"/>
+                <a:ea typeface="Roboto Light" charset="0"/>
+                <a:cs typeface="Roboto Light" charset="0"/>
+              </a:rPr>
+              <a:t> 		- </a:t>
+            </a:r>
+            <a:r>
+              <a:rPr lang="en-US" dirty="0">
                 <a:latin typeface="Roboto Light" charset="0"/>
                 <a:ea typeface="Roboto Light" charset="0"/>
                 <a:cs typeface="Roboto Light" charset="0"/>
@@ -7252,7 +8034,7 @@
               <a:t>https://github.com/KCreate</a:t>
             </a:r>
             <a:r>
-              <a:rPr lang="en-US" dirty="0" smtClean="0">
+              <a:rPr lang="en-US" dirty="0">
                 <a:latin typeface="Roboto Light" charset="0"/>
                 <a:ea typeface="Roboto Light" charset="0"/>
                 <a:cs typeface="Roboto Light" charset="0"/>
@@ -7272,17 +8054,2123 @@
   <p:clrMapOvr>
     <a:masterClrMapping/>
   </p:clrMapOvr>
-  <p:timing>
-    <p:tnLst>
-      <p:par>
-        <p:cTn id="1" dur="indefinite" restart="never" nodeType="tmRoot"/>
-      </p:par>
-    </p:tnLst>
-  </p:timing>
+</p:sld>
+</file>
+
+<file path=ppt/slides/slide10.xml><?xml version="1.0" encoding="utf-8"?>
+<p:sld xmlns:a="http://schemas.openxmlformats.org/drawingml/2006/main" xmlns:r="http://schemas.openxmlformats.org/officeDocument/2006/relationships" xmlns:p="http://schemas.openxmlformats.org/presentationml/2006/main">
+  <p:cSld>
+    <p:spTree>
+      <p:nvGrpSpPr>
+        <p:cNvPr id="1" name=""/>
+        <p:cNvGrpSpPr/>
+        <p:nvPr/>
+      </p:nvGrpSpPr>
+      <p:grpSpPr>
+        <a:xfrm>
+          <a:off x="0" y="0"/>
+          <a:ext cx="0" cy="0"/>
+          <a:chOff x="0" y="0"/>
+          <a:chExt cx="0" cy="0"/>
+        </a:xfrm>
+      </p:grpSpPr>
+      <p:sp>
+        <p:nvSpPr>
+          <p:cNvPr id="2" name="Titel 1">
+            <a:extLst>
+              <a:ext uri="{FF2B5EF4-FFF2-40B4-BE49-F238E27FC236}">
+                <a16:creationId xmlns:a16="http://schemas.microsoft.com/office/drawing/2014/main" id="{3016DD15-B2E5-48BA-AF7F-92FF2F92D8E9}"/>
+              </a:ext>
+            </a:extLst>
+          </p:cNvPr>
+          <p:cNvSpPr>
+            <a:spLocks noGrp="1"/>
+          </p:cNvSpPr>
+          <p:nvPr>
+            <p:ph type="title"/>
+          </p:nvPr>
+        </p:nvSpPr>
+        <p:spPr/>
+        <p:txBody>
+          <a:bodyPr/>
+          <a:lstStyle/>
+          <a:p>
+            <a:r>
+              <a:rPr lang="de-CH" dirty="0"/>
+              <a:t>Kommunikation</a:t>
+            </a:r>
+          </a:p>
+        </p:txBody>
+      </p:sp>
+      <p:sp>
+        <p:nvSpPr>
+          <p:cNvPr id="3" name="Inhaltsplatzhalter 2">
+            <a:extLst>
+              <a:ext uri="{FF2B5EF4-FFF2-40B4-BE49-F238E27FC236}">
+                <a16:creationId xmlns:a16="http://schemas.microsoft.com/office/drawing/2014/main" id="{FEDE5389-F2C5-4119-92E7-A765D0C2E9CA}"/>
+              </a:ext>
+            </a:extLst>
+          </p:cNvPr>
+          <p:cNvSpPr>
+            <a:spLocks noGrp="1"/>
+          </p:cNvSpPr>
+          <p:nvPr>
+            <p:ph idx="1"/>
+          </p:nvPr>
+        </p:nvSpPr>
+        <p:spPr/>
+        <p:txBody>
+          <a:bodyPr/>
+          <a:lstStyle/>
+          <a:p>
+            <a:r>
+              <a:rPr lang="en-US" i="1" dirty="0" err="1">
+                <a:latin typeface="Roboto Light" charset="0"/>
+                <a:ea typeface="Roboto Light" charset="0"/>
+                <a:cs typeface="Roboto Light" charset="0"/>
+              </a:rPr>
+              <a:t>Wochentliche</a:t>
+            </a:r>
+            <a:r>
+              <a:rPr lang="en-US" i="1" dirty="0">
+                <a:latin typeface="Roboto Light" charset="0"/>
+                <a:ea typeface="Roboto Light" charset="0"/>
+                <a:cs typeface="Roboto Light" charset="0"/>
+              </a:rPr>
+              <a:t> </a:t>
+            </a:r>
+            <a:r>
+              <a:rPr lang="en-US" i="1" dirty="0" err="1">
+                <a:latin typeface="Roboto Light" charset="0"/>
+                <a:ea typeface="Roboto Light" charset="0"/>
+                <a:cs typeface="Roboto Light" charset="0"/>
+              </a:rPr>
+              <a:t>Sitzungen</a:t>
+            </a:r>
+            <a:endParaRPr lang="en-US" i="1" dirty="0">
+              <a:latin typeface="Roboto Light" charset="0"/>
+              <a:ea typeface="Roboto Light" charset="0"/>
+              <a:cs typeface="Roboto Light" charset="0"/>
+            </a:endParaRPr>
+          </a:p>
+          <a:p>
+            <a:pPr lvl="1"/>
+            <a:r>
+              <a:rPr lang="en-US" dirty="0">
+                <a:latin typeface="Roboto Light" charset="0"/>
+                <a:ea typeface="Roboto Light" charset="0"/>
+                <a:cs typeface="Roboto Light" charset="0"/>
+              </a:rPr>
+              <a:t>Datum</a:t>
+            </a:r>
+          </a:p>
+          <a:p>
+            <a:pPr lvl="1"/>
+            <a:r>
+              <a:rPr lang="en-US" dirty="0" err="1">
+                <a:latin typeface="Roboto Light" charset="0"/>
+                <a:ea typeface="Roboto Light" charset="0"/>
+                <a:cs typeface="Roboto Light" charset="0"/>
+              </a:rPr>
+              <a:t>Anwesende</a:t>
+            </a:r>
+            <a:endParaRPr lang="en-US" dirty="0">
+              <a:latin typeface="Roboto Light" charset="0"/>
+              <a:ea typeface="Roboto Light" charset="0"/>
+              <a:cs typeface="Roboto Light" charset="0"/>
+            </a:endParaRPr>
+          </a:p>
+          <a:p>
+            <a:pPr lvl="1"/>
+            <a:r>
+              <a:rPr lang="en-US" dirty="0" err="1">
+                <a:latin typeface="Roboto Light" charset="0"/>
+                <a:ea typeface="Roboto Light" charset="0"/>
+                <a:cs typeface="Roboto Light" charset="0"/>
+              </a:rPr>
+              <a:t>Abwesende</a:t>
+            </a:r>
+            <a:endParaRPr lang="en-US" dirty="0">
+              <a:latin typeface="Roboto Light" charset="0"/>
+              <a:ea typeface="Roboto Light" charset="0"/>
+              <a:cs typeface="Roboto Light" charset="0"/>
+            </a:endParaRPr>
+          </a:p>
+          <a:p>
+            <a:pPr lvl="1"/>
+            <a:r>
+              <a:rPr lang="en-US" dirty="0">
+                <a:latin typeface="Roboto Light" charset="0"/>
+                <a:ea typeface="Roboto Light" charset="0"/>
+                <a:cs typeface="Roboto Light" charset="0"/>
+              </a:rPr>
+              <a:t>Was </a:t>
+            </a:r>
+            <a:r>
+              <a:rPr lang="en-US" dirty="0" err="1">
+                <a:latin typeface="Roboto Light" charset="0"/>
+                <a:ea typeface="Roboto Light" charset="0"/>
+                <a:cs typeface="Roboto Light" charset="0"/>
+              </a:rPr>
+              <a:t>wurde</a:t>
+            </a:r>
+            <a:r>
+              <a:rPr lang="en-US" dirty="0">
+                <a:latin typeface="Roboto Light" charset="0"/>
+                <a:ea typeface="Roboto Light" charset="0"/>
+                <a:cs typeface="Roboto Light" charset="0"/>
+              </a:rPr>
+              <a:t> </a:t>
+            </a:r>
+            <a:r>
+              <a:rPr lang="en-US" dirty="0" err="1">
+                <a:latin typeface="Roboto Light" charset="0"/>
+                <a:ea typeface="Roboto Light" charset="0"/>
+                <a:cs typeface="Roboto Light" charset="0"/>
+              </a:rPr>
+              <a:t>gemacht</a:t>
+            </a:r>
+            <a:r>
+              <a:rPr lang="en-US" dirty="0">
+                <a:latin typeface="Roboto Light" charset="0"/>
+                <a:ea typeface="Roboto Light" charset="0"/>
+                <a:cs typeface="Roboto Light" charset="0"/>
+              </a:rPr>
+              <a:t>?</a:t>
+            </a:r>
+          </a:p>
+          <a:p>
+            <a:pPr lvl="1"/>
+            <a:r>
+              <a:rPr lang="en-US" dirty="0">
+                <a:latin typeface="Roboto Light" charset="0"/>
+                <a:ea typeface="Roboto Light" charset="0"/>
+                <a:cs typeface="Roboto Light" charset="0"/>
+              </a:rPr>
+              <a:t>Was muss </a:t>
+            </a:r>
+            <a:r>
+              <a:rPr lang="en-US" dirty="0" err="1">
+                <a:latin typeface="Roboto Light" charset="0"/>
+                <a:ea typeface="Roboto Light" charset="0"/>
+                <a:cs typeface="Roboto Light" charset="0"/>
+              </a:rPr>
+              <a:t>gemacht</a:t>
+            </a:r>
+            <a:r>
+              <a:rPr lang="en-US" dirty="0">
+                <a:latin typeface="Roboto Light" charset="0"/>
+                <a:ea typeface="Roboto Light" charset="0"/>
+                <a:cs typeface="Roboto Light" charset="0"/>
+              </a:rPr>
+              <a:t> warden?</a:t>
+            </a:r>
+          </a:p>
+          <a:p>
+            <a:pPr lvl="1"/>
+            <a:r>
+              <a:rPr lang="en-US" dirty="0" err="1">
+                <a:latin typeface="Roboto Light" charset="0"/>
+                <a:ea typeface="Roboto Light" charset="0"/>
+                <a:cs typeface="Roboto Light" charset="0"/>
+              </a:rPr>
+              <a:t>Gibt</a:t>
+            </a:r>
+            <a:r>
+              <a:rPr lang="en-US" dirty="0">
+                <a:latin typeface="Roboto Light" charset="0"/>
+                <a:ea typeface="Roboto Light" charset="0"/>
+                <a:cs typeface="Roboto Light" charset="0"/>
+              </a:rPr>
+              <a:t> </a:t>
+            </a:r>
+            <a:r>
+              <a:rPr lang="en-US" dirty="0" err="1">
+                <a:latin typeface="Roboto Light" charset="0"/>
+                <a:ea typeface="Roboto Light" charset="0"/>
+                <a:cs typeface="Roboto Light" charset="0"/>
+              </a:rPr>
+              <a:t>es</a:t>
+            </a:r>
+            <a:r>
+              <a:rPr lang="en-US" dirty="0">
+                <a:latin typeface="Roboto Light" charset="0"/>
+                <a:ea typeface="Roboto Light" charset="0"/>
+                <a:cs typeface="Roboto Light" charset="0"/>
+              </a:rPr>
+              <a:t> </a:t>
+            </a:r>
+            <a:r>
+              <a:rPr lang="en-US" dirty="0" err="1">
+                <a:latin typeface="Roboto Light" charset="0"/>
+                <a:ea typeface="Roboto Light" charset="0"/>
+                <a:cs typeface="Roboto Light" charset="0"/>
+              </a:rPr>
+              <a:t>Blockaden</a:t>
+            </a:r>
+            <a:r>
+              <a:rPr lang="en-US" dirty="0">
+                <a:latin typeface="Roboto Light" charset="0"/>
+                <a:ea typeface="Roboto Light" charset="0"/>
+                <a:cs typeface="Roboto Light" charset="0"/>
+              </a:rPr>
+              <a:t>?</a:t>
+            </a:r>
+          </a:p>
+          <a:p>
+            <a:pPr marL="0" indent="0">
+              <a:buNone/>
+            </a:pPr>
+            <a:r>
+              <a:rPr lang="en-US" dirty="0">
+                <a:latin typeface="Roboto Light" charset="0"/>
+                <a:ea typeface="Roboto Light" charset="0"/>
+                <a:cs typeface="Roboto Light" charset="0"/>
+              </a:rPr>
+              <a:t> </a:t>
+            </a:r>
+            <a:r>
+              <a:rPr lang="en-US" dirty="0">
+                <a:latin typeface="Roboto Light" charset="0"/>
+                <a:ea typeface="Roboto Light" charset="0"/>
+                <a:cs typeface="Roboto Light" charset="0"/>
+                <a:hlinkClick r:id="rId2"/>
+              </a:rPr>
+              <a:t>https://github.com/fabianbaechli/online_note_tool/tree/master/meetings</a:t>
+            </a:r>
+            <a:r>
+              <a:rPr lang="en-US" dirty="0">
+                <a:latin typeface="Roboto Light" charset="0"/>
+                <a:ea typeface="Roboto Light" charset="0"/>
+                <a:cs typeface="Roboto Light" charset="0"/>
+              </a:rPr>
+              <a:t> </a:t>
+            </a:r>
+          </a:p>
+          <a:p>
+            <a:endParaRPr lang="de-CH" dirty="0"/>
+          </a:p>
+        </p:txBody>
+      </p:sp>
+    </p:spTree>
+    <p:extLst>
+      <p:ext uri="{BB962C8B-B14F-4D97-AF65-F5344CB8AC3E}">
+        <p14:creationId xmlns:p14="http://schemas.microsoft.com/office/powerpoint/2010/main" val="1372965907"/>
+      </p:ext>
+    </p:extLst>
+  </p:cSld>
+  <p:clrMapOvr>
+    <a:masterClrMapping/>
+  </p:clrMapOvr>
+</p:sld>
+</file>
+
+<file path=ppt/slides/slide11.xml><?xml version="1.0" encoding="utf-8"?>
+<p:sld xmlns:a="http://schemas.openxmlformats.org/drawingml/2006/main" xmlns:r="http://schemas.openxmlformats.org/officeDocument/2006/relationships" xmlns:p="http://schemas.openxmlformats.org/presentationml/2006/main">
+  <p:cSld>
+    <p:spTree>
+      <p:nvGrpSpPr>
+        <p:cNvPr id="1" name=""/>
+        <p:cNvGrpSpPr/>
+        <p:nvPr/>
+      </p:nvGrpSpPr>
+      <p:grpSpPr>
+        <a:xfrm>
+          <a:off x="0" y="0"/>
+          <a:ext cx="0" cy="0"/>
+          <a:chOff x="0" y="0"/>
+          <a:chExt cx="0" cy="0"/>
+        </a:xfrm>
+      </p:grpSpPr>
+      <p:sp>
+        <p:nvSpPr>
+          <p:cNvPr id="2" name="Titel 1">
+            <a:extLst>
+              <a:ext uri="{FF2B5EF4-FFF2-40B4-BE49-F238E27FC236}">
+                <a16:creationId xmlns:a16="http://schemas.microsoft.com/office/drawing/2014/main" id="{F8A1022D-0114-41EA-A1CF-71AFC8A12466}"/>
+              </a:ext>
+            </a:extLst>
+          </p:cNvPr>
+          <p:cNvSpPr>
+            <a:spLocks noGrp="1"/>
+          </p:cNvSpPr>
+          <p:nvPr>
+            <p:ph type="title"/>
+          </p:nvPr>
+        </p:nvSpPr>
+        <p:spPr/>
+        <p:txBody>
+          <a:bodyPr/>
+          <a:lstStyle/>
+          <a:p>
+            <a:r>
+              <a:rPr lang="de-CH" dirty="0"/>
+              <a:t>Protokollführung</a:t>
+            </a:r>
+          </a:p>
+        </p:txBody>
+      </p:sp>
+      <p:sp>
+        <p:nvSpPr>
+          <p:cNvPr id="3" name="Inhaltsplatzhalter 2">
+            <a:extLst>
+              <a:ext uri="{FF2B5EF4-FFF2-40B4-BE49-F238E27FC236}">
+                <a16:creationId xmlns:a16="http://schemas.microsoft.com/office/drawing/2014/main" id="{7D5371C3-328F-4929-8B67-A5BF57600A4B}"/>
+              </a:ext>
+            </a:extLst>
+          </p:cNvPr>
+          <p:cNvSpPr>
+            <a:spLocks noGrp="1"/>
+          </p:cNvSpPr>
+          <p:nvPr>
+            <p:ph idx="1"/>
+          </p:nvPr>
+        </p:nvSpPr>
+        <p:spPr/>
+        <p:txBody>
+          <a:bodyPr/>
+          <a:lstStyle/>
+          <a:p>
+            <a:r>
+              <a:rPr lang="en-US" dirty="0" err="1">
+                <a:latin typeface="Roboto Light" charset="0"/>
+                <a:ea typeface="Roboto Light" charset="0"/>
+                <a:cs typeface="Roboto Light" charset="0"/>
+              </a:rPr>
+              <a:t>Dokumentführung</a:t>
+            </a:r>
+            <a:endParaRPr lang="en-US" dirty="0">
+              <a:latin typeface="Roboto Light" charset="0"/>
+              <a:ea typeface="Roboto Light" charset="0"/>
+              <a:cs typeface="Roboto Light" charset="0"/>
+            </a:endParaRPr>
+          </a:p>
+          <a:p>
+            <a:pPr lvl="1"/>
+            <a:r>
+              <a:rPr lang="en-US" dirty="0" err="1">
+                <a:latin typeface="Roboto Light" charset="0"/>
+                <a:ea typeface="Roboto Light" charset="0"/>
+                <a:cs typeface="Roboto Light" charset="0"/>
+              </a:rPr>
+              <a:t>Möglichst</a:t>
+            </a:r>
+            <a:r>
+              <a:rPr lang="en-US" dirty="0">
+                <a:latin typeface="Roboto Light" charset="0"/>
+                <a:ea typeface="Roboto Light" charset="0"/>
+                <a:cs typeface="Roboto Light" charset="0"/>
+              </a:rPr>
+              <a:t> </a:t>
+            </a:r>
+            <a:r>
+              <a:rPr lang="en-US" dirty="0" err="1">
+                <a:latin typeface="Roboto Light" charset="0"/>
+                <a:ea typeface="Roboto Light" charset="0"/>
+                <a:cs typeface="Roboto Light" charset="0"/>
+              </a:rPr>
+              <a:t>viel</a:t>
+            </a:r>
+            <a:r>
+              <a:rPr lang="en-US" dirty="0">
+                <a:latin typeface="Roboto Light" charset="0"/>
+                <a:ea typeface="Roboto Light" charset="0"/>
+                <a:cs typeface="Roboto Light" charset="0"/>
+              </a:rPr>
+              <a:t> </a:t>
+            </a:r>
+            <a:r>
+              <a:rPr lang="en-US" dirty="0" err="1">
+                <a:latin typeface="Roboto Light" charset="0"/>
+                <a:ea typeface="Roboto Light" charset="0"/>
+                <a:cs typeface="Roboto Light" charset="0"/>
+              </a:rPr>
+              <a:t>nach</a:t>
+            </a:r>
+            <a:r>
+              <a:rPr lang="en-US" dirty="0">
+                <a:latin typeface="Roboto Light" charset="0"/>
+                <a:ea typeface="Roboto Light" charset="0"/>
+                <a:cs typeface="Roboto Light" charset="0"/>
+              </a:rPr>
+              <a:t> </a:t>
+            </a:r>
+            <a:r>
+              <a:rPr lang="en-US" dirty="0" err="1">
+                <a:latin typeface="Roboto Light" charset="0"/>
+                <a:ea typeface="Roboto Light" charset="0"/>
+                <a:cs typeface="Roboto Light" charset="0"/>
+              </a:rPr>
+              <a:t>einem</a:t>
+            </a:r>
+            <a:r>
+              <a:rPr lang="en-US" dirty="0">
+                <a:latin typeface="Roboto Light" charset="0"/>
+                <a:ea typeface="Roboto Light" charset="0"/>
+                <a:cs typeface="Roboto Light" charset="0"/>
+              </a:rPr>
+              <a:t> </a:t>
+            </a:r>
+            <a:r>
+              <a:rPr lang="en-US" dirty="0" err="1">
+                <a:latin typeface="Roboto Light" charset="0"/>
+                <a:ea typeface="Roboto Light" charset="0"/>
+                <a:cs typeface="Roboto Light" charset="0"/>
+              </a:rPr>
+              <a:t>Arbeitstag</a:t>
+            </a:r>
+            <a:r>
+              <a:rPr lang="en-US" dirty="0">
+                <a:latin typeface="Roboto Light" charset="0"/>
+                <a:ea typeface="Roboto Light" charset="0"/>
+                <a:cs typeface="Roboto Light" charset="0"/>
+              </a:rPr>
+              <a:t> in die </a:t>
+            </a:r>
+            <a:r>
+              <a:rPr lang="en-US" dirty="0" err="1">
+                <a:latin typeface="Roboto Light" charset="0"/>
+                <a:ea typeface="Roboto Light" charset="0"/>
+                <a:cs typeface="Roboto Light" charset="0"/>
+              </a:rPr>
+              <a:t>Dokumentation</a:t>
+            </a:r>
+            <a:r>
+              <a:rPr lang="en-US" dirty="0">
+                <a:latin typeface="Roboto Light" charset="0"/>
+                <a:ea typeface="Roboto Light" charset="0"/>
+                <a:cs typeface="Roboto Light" charset="0"/>
+              </a:rPr>
+              <a:t> </a:t>
+            </a:r>
+            <a:r>
+              <a:rPr lang="en-US" dirty="0" err="1">
+                <a:latin typeface="Roboto Light" charset="0"/>
+                <a:ea typeface="Roboto Light" charset="0"/>
+                <a:cs typeface="Roboto Light" charset="0"/>
+              </a:rPr>
+              <a:t>aufnehmen</a:t>
+            </a:r>
+            <a:endParaRPr lang="en-US" dirty="0">
+              <a:latin typeface="Roboto Light" charset="0"/>
+              <a:ea typeface="Roboto Light" charset="0"/>
+              <a:cs typeface="Roboto Light" charset="0"/>
+            </a:endParaRPr>
+          </a:p>
+          <a:p>
+            <a:pPr lvl="1"/>
+            <a:endParaRPr lang="en-US" dirty="0">
+              <a:latin typeface="Roboto Light" charset="0"/>
+              <a:ea typeface="Roboto Light" charset="0"/>
+              <a:cs typeface="Roboto Light" charset="0"/>
+            </a:endParaRPr>
+          </a:p>
+          <a:p>
+            <a:r>
+              <a:rPr lang="en-US" dirty="0" err="1">
+                <a:latin typeface="Roboto Light" charset="0"/>
+                <a:ea typeface="Roboto Light" charset="0"/>
+                <a:cs typeface="Roboto Light" charset="0"/>
+              </a:rPr>
+              <a:t>Probleme</a:t>
+            </a:r>
+            <a:endParaRPr lang="en-US" dirty="0">
+              <a:latin typeface="Roboto Light" charset="0"/>
+              <a:ea typeface="Roboto Light" charset="0"/>
+              <a:cs typeface="Roboto Light" charset="0"/>
+            </a:endParaRPr>
+          </a:p>
+          <a:p>
+            <a:pPr lvl="1"/>
+            <a:r>
+              <a:rPr lang="en-US" dirty="0" err="1">
+                <a:latin typeface="Roboto Light" charset="0"/>
+                <a:ea typeface="Roboto Light" charset="0"/>
+                <a:cs typeface="Roboto Light" charset="0"/>
+              </a:rPr>
+              <a:t>Es</a:t>
+            </a:r>
+            <a:r>
+              <a:rPr lang="en-US" dirty="0">
+                <a:latin typeface="Roboto Light" charset="0"/>
+                <a:ea typeface="Roboto Light" charset="0"/>
+                <a:cs typeface="Roboto Light" charset="0"/>
+              </a:rPr>
+              <a:t> war </a:t>
+            </a:r>
+            <a:r>
+              <a:rPr lang="en-US" dirty="0" err="1">
+                <a:latin typeface="Roboto Light" charset="0"/>
+                <a:ea typeface="Roboto Light" charset="0"/>
+                <a:cs typeface="Roboto Light" charset="0"/>
+              </a:rPr>
+              <a:t>schwer</a:t>
+            </a:r>
+            <a:r>
+              <a:rPr lang="en-US" dirty="0">
+                <a:latin typeface="Roboto Light" charset="0"/>
+                <a:ea typeface="Roboto Light" charset="0"/>
+                <a:cs typeface="Roboto Light" charset="0"/>
+              </a:rPr>
+              <a:t> </a:t>
+            </a:r>
+            <a:r>
+              <a:rPr lang="en-US" dirty="0" err="1">
+                <a:latin typeface="Roboto Light" charset="0"/>
+                <a:ea typeface="Roboto Light" charset="0"/>
+                <a:cs typeface="Roboto Light" charset="0"/>
+              </a:rPr>
+              <a:t>eine</a:t>
+            </a:r>
+            <a:r>
+              <a:rPr lang="en-US" dirty="0">
+                <a:latin typeface="Roboto Light" charset="0"/>
+                <a:ea typeface="Roboto Light" charset="0"/>
+                <a:cs typeface="Roboto Light" charset="0"/>
+              </a:rPr>
+              <a:t> </a:t>
+            </a:r>
+            <a:r>
+              <a:rPr lang="en-US" dirty="0" err="1">
+                <a:latin typeface="Roboto Light" charset="0"/>
+                <a:ea typeface="Roboto Light" charset="0"/>
+                <a:cs typeface="Roboto Light" charset="0"/>
+              </a:rPr>
+              <a:t>Dokumentation</a:t>
+            </a:r>
+            <a:r>
+              <a:rPr lang="en-US" dirty="0">
+                <a:latin typeface="Roboto Light" charset="0"/>
+                <a:ea typeface="Roboto Light" charset="0"/>
+                <a:cs typeface="Roboto Light" charset="0"/>
+              </a:rPr>
+              <a:t> </a:t>
+            </a:r>
+            <a:r>
+              <a:rPr lang="en-US" dirty="0" err="1">
+                <a:latin typeface="Roboto Light" charset="0"/>
+                <a:ea typeface="Roboto Light" charset="0"/>
+                <a:cs typeface="Roboto Light" charset="0"/>
+              </a:rPr>
+              <a:t>zu</a:t>
+            </a:r>
+            <a:r>
+              <a:rPr lang="en-US" dirty="0">
+                <a:latin typeface="Roboto Light" charset="0"/>
+                <a:ea typeface="Roboto Light" charset="0"/>
+                <a:cs typeface="Roboto Light" charset="0"/>
+              </a:rPr>
+              <a:t> </a:t>
+            </a:r>
+            <a:r>
+              <a:rPr lang="en-US" dirty="0" err="1">
+                <a:latin typeface="Roboto Light" charset="0"/>
+                <a:ea typeface="Roboto Light" charset="0"/>
+                <a:cs typeface="Roboto Light" charset="0"/>
+              </a:rPr>
+              <a:t>pflegen</a:t>
+            </a:r>
+            <a:r>
+              <a:rPr lang="en-US" dirty="0">
+                <a:latin typeface="Roboto Light" charset="0"/>
+                <a:ea typeface="Roboto Light" charset="0"/>
+                <a:cs typeface="Roboto Light" charset="0"/>
+              </a:rPr>
+              <a:t>, da </a:t>
+            </a:r>
+            <a:r>
+              <a:rPr lang="en-US" dirty="0" err="1">
+                <a:latin typeface="Roboto Light" charset="0"/>
+                <a:ea typeface="Roboto Light" charset="0"/>
+                <a:cs typeface="Roboto Light" charset="0"/>
+              </a:rPr>
+              <a:t>sich</a:t>
+            </a:r>
+            <a:r>
+              <a:rPr lang="en-US" dirty="0">
+                <a:latin typeface="Roboto Light" charset="0"/>
+                <a:ea typeface="Roboto Light" charset="0"/>
+                <a:cs typeface="Roboto Light" charset="0"/>
+              </a:rPr>
+              <a:t> </a:t>
+            </a:r>
+            <a:r>
+              <a:rPr lang="en-US" dirty="0" err="1">
+                <a:latin typeface="Roboto Light" charset="0"/>
+                <a:ea typeface="Roboto Light" charset="0"/>
+                <a:cs typeface="Roboto Light" charset="0"/>
+              </a:rPr>
+              <a:t>erst</a:t>
+            </a:r>
+            <a:r>
+              <a:rPr lang="en-US" dirty="0">
+                <a:latin typeface="Roboto Light" charset="0"/>
+                <a:ea typeface="Roboto Light" charset="0"/>
+                <a:cs typeface="Roboto Light" charset="0"/>
+              </a:rPr>
+              <a:t> am </a:t>
+            </a:r>
+            <a:r>
+              <a:rPr lang="en-US" dirty="0" err="1">
+                <a:latin typeface="Roboto Light" charset="0"/>
+                <a:ea typeface="Roboto Light" charset="0"/>
+                <a:cs typeface="Roboto Light" charset="0"/>
+              </a:rPr>
+              <a:t>Schluss</a:t>
+            </a:r>
+            <a:r>
+              <a:rPr lang="en-US" dirty="0">
+                <a:latin typeface="Roboto Light" charset="0"/>
+                <a:ea typeface="Roboto Light" charset="0"/>
+                <a:cs typeface="Roboto Light" charset="0"/>
+              </a:rPr>
+              <a:t> das </a:t>
+            </a:r>
+            <a:r>
+              <a:rPr lang="en-US" dirty="0" err="1">
+                <a:latin typeface="Roboto Light" charset="0"/>
+                <a:ea typeface="Roboto Light" charset="0"/>
+                <a:cs typeface="Roboto Light" charset="0"/>
+              </a:rPr>
+              <a:t>meiste</a:t>
+            </a:r>
+            <a:r>
+              <a:rPr lang="en-US" dirty="0">
+                <a:latin typeface="Roboto Light" charset="0"/>
+                <a:ea typeface="Roboto Light" charset="0"/>
+                <a:cs typeface="Roboto Light" charset="0"/>
+              </a:rPr>
+              <a:t> </a:t>
+            </a:r>
+            <a:r>
+              <a:rPr lang="en-US" dirty="0" err="1">
+                <a:latin typeface="Roboto Light" charset="0"/>
+                <a:ea typeface="Roboto Light" charset="0"/>
+                <a:cs typeface="Roboto Light" charset="0"/>
+              </a:rPr>
+              <a:t>zusammenfügte</a:t>
+            </a:r>
+            <a:r>
+              <a:rPr lang="en-US" dirty="0">
+                <a:latin typeface="Roboto Light" charset="0"/>
+                <a:ea typeface="Roboto Light" charset="0"/>
+                <a:cs typeface="Roboto Light" charset="0"/>
+              </a:rPr>
+              <a:t>.</a:t>
+            </a:r>
+          </a:p>
+        </p:txBody>
+      </p:sp>
+    </p:spTree>
+    <p:extLst>
+      <p:ext uri="{BB962C8B-B14F-4D97-AF65-F5344CB8AC3E}">
+        <p14:creationId xmlns:p14="http://schemas.microsoft.com/office/powerpoint/2010/main" val="3073491056"/>
+      </p:ext>
+    </p:extLst>
+  </p:cSld>
+  <p:clrMapOvr>
+    <a:masterClrMapping/>
+  </p:clrMapOvr>
+</p:sld>
+</file>
+
+<file path=ppt/slides/slide12.xml><?xml version="1.0" encoding="utf-8"?>
+<p:sld xmlns:a="http://schemas.openxmlformats.org/drawingml/2006/main" xmlns:r="http://schemas.openxmlformats.org/officeDocument/2006/relationships" xmlns:p="http://schemas.openxmlformats.org/presentationml/2006/main">
+  <p:cSld>
+    <p:spTree>
+      <p:nvGrpSpPr>
+        <p:cNvPr id="1" name=""/>
+        <p:cNvGrpSpPr/>
+        <p:nvPr/>
+      </p:nvGrpSpPr>
+      <p:grpSpPr>
+        <a:xfrm>
+          <a:off x="0" y="0"/>
+          <a:ext cx="0" cy="0"/>
+          <a:chOff x="0" y="0"/>
+          <a:chExt cx="0" cy="0"/>
+        </a:xfrm>
+      </p:grpSpPr>
+      <p:sp>
+        <p:nvSpPr>
+          <p:cNvPr id="2" name="Titel 1">
+            <a:extLst>
+              <a:ext uri="{FF2B5EF4-FFF2-40B4-BE49-F238E27FC236}">
+                <a16:creationId xmlns:a16="http://schemas.microsoft.com/office/drawing/2014/main" id="{695AF253-779C-45BC-B895-7149D6ECDA85}"/>
+              </a:ext>
+            </a:extLst>
+          </p:cNvPr>
+          <p:cNvSpPr>
+            <a:spLocks noGrp="1"/>
+          </p:cNvSpPr>
+          <p:nvPr>
+            <p:ph type="title"/>
+          </p:nvPr>
+        </p:nvSpPr>
+        <p:spPr/>
+        <p:txBody>
+          <a:bodyPr/>
+          <a:lstStyle/>
+          <a:p>
+            <a:r>
+              <a:rPr lang="de-CH" dirty="0"/>
+              <a:t>Vorgehensweise (</a:t>
+            </a:r>
+            <a:r>
+              <a:rPr lang="de-CH" dirty="0" err="1"/>
+              <a:t>Scrum</a:t>
+            </a:r>
+            <a:r>
+              <a:rPr lang="de-CH" dirty="0"/>
+              <a:t>)</a:t>
+            </a:r>
+          </a:p>
+        </p:txBody>
+      </p:sp>
+      <p:sp>
+        <p:nvSpPr>
+          <p:cNvPr id="3" name="Inhaltsplatzhalter 2">
+            <a:extLst>
+              <a:ext uri="{FF2B5EF4-FFF2-40B4-BE49-F238E27FC236}">
+                <a16:creationId xmlns:a16="http://schemas.microsoft.com/office/drawing/2014/main" id="{340AFB7C-354E-40C3-A380-E7F7DA16B7FB}"/>
+              </a:ext>
+            </a:extLst>
+          </p:cNvPr>
+          <p:cNvSpPr>
+            <a:spLocks noGrp="1"/>
+          </p:cNvSpPr>
+          <p:nvPr>
+            <p:ph idx="1"/>
+          </p:nvPr>
+        </p:nvSpPr>
+        <p:spPr/>
+        <p:txBody>
+          <a:bodyPr/>
+          <a:lstStyle/>
+          <a:p>
+            <a:r>
+              <a:rPr lang="de-CH" sz="2400" dirty="0" err="1"/>
+              <a:t>Scrum</a:t>
+            </a:r>
+            <a:r>
+              <a:rPr lang="de-CH" sz="2400" dirty="0"/>
+              <a:t> </a:t>
+            </a:r>
+            <a:r>
+              <a:rPr lang="de-CH" sz="2400" dirty="0" err="1"/>
+              <a:t>Artifakte</a:t>
+            </a:r>
+            <a:endParaRPr lang="de-CH" sz="2400" dirty="0"/>
+          </a:p>
+          <a:p>
+            <a:pPr lvl="1"/>
+            <a:r>
+              <a:rPr lang="de-CH" sz="2400" dirty="0" err="1"/>
+              <a:t>Planning</a:t>
+            </a:r>
+            <a:endParaRPr lang="de-CH" sz="2400" dirty="0"/>
+          </a:p>
+          <a:p>
+            <a:pPr lvl="1"/>
+            <a:r>
+              <a:rPr lang="de-CH" sz="2400" dirty="0"/>
+              <a:t>Wöchentliche Meetings (Daily </a:t>
+            </a:r>
+            <a:r>
+              <a:rPr lang="de-CH" sz="2400" dirty="0" err="1"/>
+              <a:t>Scrum</a:t>
+            </a:r>
+            <a:r>
+              <a:rPr lang="de-CH" sz="2400" dirty="0"/>
+              <a:t>)</a:t>
+            </a:r>
+          </a:p>
+          <a:p>
+            <a:pPr lvl="1"/>
+            <a:r>
+              <a:rPr lang="de-CH" sz="2400" dirty="0"/>
+              <a:t>Ein einziger Sprint, da zu klein</a:t>
+            </a:r>
+          </a:p>
+          <a:p>
+            <a:pPr lvl="1"/>
+            <a:r>
+              <a:rPr lang="de-CH" sz="2400" dirty="0"/>
+              <a:t>Retrospektive</a:t>
+            </a:r>
+          </a:p>
+          <a:p>
+            <a:pPr lvl="1"/>
+            <a:endParaRPr lang="de-CH" dirty="0"/>
+          </a:p>
+        </p:txBody>
+      </p:sp>
+    </p:spTree>
+    <p:extLst>
+      <p:ext uri="{BB962C8B-B14F-4D97-AF65-F5344CB8AC3E}">
+        <p14:creationId xmlns:p14="http://schemas.microsoft.com/office/powerpoint/2010/main" val="3046747773"/>
+      </p:ext>
+    </p:extLst>
+  </p:cSld>
+  <p:clrMapOvr>
+    <a:masterClrMapping/>
+  </p:clrMapOvr>
+</p:sld>
+</file>
+
+<file path=ppt/slides/slide13.xml><?xml version="1.0" encoding="utf-8"?>
+<p:sld xmlns:a="http://schemas.openxmlformats.org/drawingml/2006/main" xmlns:r="http://schemas.openxmlformats.org/officeDocument/2006/relationships" xmlns:p="http://schemas.openxmlformats.org/presentationml/2006/main">
+  <p:cSld>
+    <p:spTree>
+      <p:nvGrpSpPr>
+        <p:cNvPr id="1" name=""/>
+        <p:cNvGrpSpPr/>
+        <p:nvPr/>
+      </p:nvGrpSpPr>
+      <p:grpSpPr>
+        <a:xfrm>
+          <a:off x="0" y="0"/>
+          <a:ext cx="0" cy="0"/>
+          <a:chOff x="0" y="0"/>
+          <a:chExt cx="0" cy="0"/>
+        </a:xfrm>
+      </p:grpSpPr>
+      <p:sp>
+        <p:nvSpPr>
+          <p:cNvPr id="2" name="Title 1"/>
+          <p:cNvSpPr>
+            <a:spLocks noGrp="1"/>
+          </p:cNvSpPr>
+          <p:nvPr>
+            <p:ph type="title"/>
+          </p:nvPr>
+        </p:nvSpPr>
+        <p:spPr/>
+        <p:txBody>
+          <a:bodyPr/>
+          <a:lstStyle/>
+          <a:p>
+            <a:r>
+              <a:rPr lang="en-US" dirty="0" err="1"/>
+              <a:t>Risikoanalyse</a:t>
+            </a:r>
+            <a:endParaRPr lang="en-US" dirty="0"/>
+          </a:p>
+        </p:txBody>
+      </p:sp>
+      <p:sp>
+        <p:nvSpPr>
+          <p:cNvPr id="5" name="Content Placeholder 4"/>
+          <p:cNvSpPr>
+            <a:spLocks noGrp="1"/>
+          </p:cNvSpPr>
+          <p:nvPr>
+            <p:ph idx="1"/>
+          </p:nvPr>
+        </p:nvSpPr>
+        <p:spPr/>
+        <p:txBody>
+          <a:bodyPr/>
+          <a:lstStyle/>
+          <a:p>
+            <a:r>
+              <a:rPr lang="en-US" dirty="0">
+                <a:latin typeface="Roboto Light" charset="0"/>
+                <a:ea typeface="Roboto Light" charset="0"/>
+                <a:cs typeface="Roboto Light" charset="0"/>
+                <a:hlinkClick r:id="rId2"/>
+              </a:rPr>
+              <a:t>https://github.com/fabianbaechli/online_note_tool/blob/master/documentation/Risikoanalyse.pdf</a:t>
+            </a:r>
+            <a:r>
+              <a:rPr lang="en-US" dirty="0">
+                <a:latin typeface="Roboto Light" charset="0"/>
+                <a:ea typeface="Roboto Light" charset="0"/>
+                <a:cs typeface="Roboto Light" charset="0"/>
+              </a:rPr>
+              <a:t> </a:t>
+            </a:r>
+          </a:p>
+        </p:txBody>
+      </p:sp>
+    </p:spTree>
+    <p:extLst>
+      <p:ext uri="{BB962C8B-B14F-4D97-AF65-F5344CB8AC3E}">
+        <p14:creationId xmlns:p14="http://schemas.microsoft.com/office/powerpoint/2010/main" val="926076516"/>
+      </p:ext>
+    </p:extLst>
+  </p:cSld>
+  <p:clrMapOvr>
+    <a:masterClrMapping/>
+  </p:clrMapOvr>
+</p:sld>
+</file>
+
+<file path=ppt/slides/slide14.xml><?xml version="1.0" encoding="utf-8"?>
+<p:sld xmlns:a="http://schemas.openxmlformats.org/drawingml/2006/main" xmlns:r="http://schemas.openxmlformats.org/officeDocument/2006/relationships" xmlns:p="http://schemas.openxmlformats.org/presentationml/2006/main">
+  <p:cSld>
+    <p:spTree>
+      <p:nvGrpSpPr>
+        <p:cNvPr id="1" name=""/>
+        <p:cNvGrpSpPr/>
+        <p:nvPr/>
+      </p:nvGrpSpPr>
+      <p:grpSpPr>
+        <a:xfrm>
+          <a:off x="0" y="0"/>
+          <a:ext cx="0" cy="0"/>
+          <a:chOff x="0" y="0"/>
+          <a:chExt cx="0" cy="0"/>
+        </a:xfrm>
+      </p:grpSpPr>
+      <p:sp>
+        <p:nvSpPr>
+          <p:cNvPr id="2" name="Title 1"/>
+          <p:cNvSpPr>
+            <a:spLocks noGrp="1"/>
+          </p:cNvSpPr>
+          <p:nvPr>
+            <p:ph type="title"/>
+          </p:nvPr>
+        </p:nvSpPr>
+        <p:spPr/>
+        <p:txBody>
+          <a:bodyPr/>
+          <a:lstStyle/>
+          <a:p>
+            <a:r>
+              <a:rPr lang="en-US" dirty="0"/>
+              <a:t>Testing</a:t>
+            </a:r>
+          </a:p>
+        </p:txBody>
+      </p:sp>
+      <p:sp>
+        <p:nvSpPr>
+          <p:cNvPr id="3" name="Content Placeholder 2"/>
+          <p:cNvSpPr>
+            <a:spLocks noGrp="1"/>
+          </p:cNvSpPr>
+          <p:nvPr>
+            <p:ph idx="1"/>
+          </p:nvPr>
+        </p:nvSpPr>
+        <p:spPr/>
+        <p:txBody>
+          <a:bodyPr/>
+          <a:lstStyle/>
+          <a:p>
+            <a:r>
+              <a:rPr lang="en-US" dirty="0">
+                <a:hlinkClick r:id="rId2"/>
+              </a:rPr>
+              <a:t>https://github.com/fabianbaechli/online_note_tool/blob/master/planning/testing.md</a:t>
+            </a:r>
+            <a:r>
+              <a:rPr lang="en-US" dirty="0"/>
+              <a:t> </a:t>
+            </a:r>
+          </a:p>
+        </p:txBody>
+      </p:sp>
+    </p:spTree>
+    <p:extLst>
+      <p:ext uri="{BB962C8B-B14F-4D97-AF65-F5344CB8AC3E}">
+        <p14:creationId xmlns:p14="http://schemas.microsoft.com/office/powerpoint/2010/main" val="504337368"/>
+      </p:ext>
+    </p:extLst>
+  </p:cSld>
+  <p:clrMapOvr>
+    <a:masterClrMapping/>
+  </p:clrMapOvr>
 </p:sld>
 </file>
 
 <file path=ppt/slides/slide2.xml><?xml version="1.0" encoding="utf-8"?>
+<p:sld xmlns:a="http://schemas.openxmlformats.org/drawingml/2006/main" xmlns:r="http://schemas.openxmlformats.org/officeDocument/2006/relationships" xmlns:p="http://schemas.openxmlformats.org/presentationml/2006/main">
+  <p:cSld>
+    <p:spTree>
+      <p:nvGrpSpPr>
+        <p:cNvPr id="1" name=""/>
+        <p:cNvGrpSpPr/>
+        <p:nvPr/>
+      </p:nvGrpSpPr>
+      <p:grpSpPr>
+        <a:xfrm>
+          <a:off x="0" y="0"/>
+          <a:ext cx="0" cy="0"/>
+          <a:chOff x="0" y="0"/>
+          <a:chExt cx="0" cy="0"/>
+        </a:xfrm>
+      </p:grpSpPr>
+      <p:sp>
+        <p:nvSpPr>
+          <p:cNvPr id="2" name="Titel 1">
+            <a:extLst>
+              <a:ext uri="{FF2B5EF4-FFF2-40B4-BE49-F238E27FC236}">
+                <a16:creationId xmlns:a16="http://schemas.microsoft.com/office/drawing/2014/main" id="{2C399249-FA64-4E5C-AF4A-A67CBB7CDA7B}"/>
+              </a:ext>
+            </a:extLst>
+          </p:cNvPr>
+          <p:cNvSpPr>
+            <a:spLocks noGrp="1"/>
+          </p:cNvSpPr>
+          <p:nvPr>
+            <p:ph type="title"/>
+          </p:nvPr>
+        </p:nvSpPr>
+        <p:spPr/>
+        <p:txBody>
+          <a:bodyPr/>
+          <a:lstStyle/>
+          <a:p>
+            <a:r>
+              <a:rPr lang="de-CH" dirty="0"/>
+              <a:t>Inhaltsverzeichnis</a:t>
+            </a:r>
+          </a:p>
+        </p:txBody>
+      </p:sp>
+      <p:sp>
+        <p:nvSpPr>
+          <p:cNvPr id="3" name="Inhaltsplatzhalter 2">
+            <a:extLst>
+              <a:ext uri="{FF2B5EF4-FFF2-40B4-BE49-F238E27FC236}">
+                <a16:creationId xmlns:a16="http://schemas.microsoft.com/office/drawing/2014/main" id="{84C67786-D997-446C-A3C8-2D8B0CE5FFC8}"/>
+              </a:ext>
+            </a:extLst>
+          </p:cNvPr>
+          <p:cNvSpPr>
+            <a:spLocks noGrp="1"/>
+          </p:cNvSpPr>
+          <p:nvPr>
+            <p:ph idx="1"/>
+          </p:nvPr>
+        </p:nvSpPr>
+        <p:spPr>
+          <a:xfrm>
+            <a:off x="1097280" y="2302934"/>
+            <a:ext cx="4907280" cy="4023360"/>
+          </a:xfrm>
+        </p:spPr>
+        <p:txBody>
+          <a:bodyPr/>
+          <a:lstStyle/>
+          <a:p>
+            <a:r>
+              <a:rPr lang="de-CH" dirty="0"/>
+              <a:t>1.Problembeschreibung</a:t>
+            </a:r>
+          </a:p>
+          <a:p>
+            <a:r>
+              <a:rPr lang="de-CH" dirty="0"/>
+              <a:t>2. Promotion </a:t>
+            </a:r>
+          </a:p>
+          <a:p>
+            <a:r>
+              <a:rPr lang="de-CH" dirty="0"/>
+              <a:t>3. Projektauftrag</a:t>
+            </a:r>
+          </a:p>
+          <a:p>
+            <a:r>
+              <a:rPr lang="de-CH" dirty="0"/>
+              <a:t>4. Teambildungsprozess</a:t>
+            </a:r>
+          </a:p>
+          <a:p>
+            <a:r>
+              <a:rPr lang="de-CH" dirty="0"/>
+              <a:t>5. Rahmenbedingungen</a:t>
+            </a:r>
+          </a:p>
+          <a:p>
+            <a:r>
+              <a:rPr lang="de-CH" dirty="0"/>
+              <a:t>6. Arbeitsverteilung</a:t>
+            </a:r>
+          </a:p>
+        </p:txBody>
+      </p:sp>
+      <p:sp>
+        <p:nvSpPr>
+          <p:cNvPr id="4" name="Inhaltsplatzhalter 2">
+            <a:extLst>
+              <a:ext uri="{FF2B5EF4-FFF2-40B4-BE49-F238E27FC236}">
+                <a16:creationId xmlns:a16="http://schemas.microsoft.com/office/drawing/2014/main" id="{DA2444DE-D939-4C4D-BDB6-B7490CE62B3A}"/>
+              </a:ext>
+            </a:extLst>
+          </p:cNvPr>
+          <p:cNvSpPr txBox="1">
+            <a:spLocks/>
+          </p:cNvSpPr>
+          <p:nvPr/>
+        </p:nvSpPr>
+        <p:spPr>
+          <a:xfrm>
+            <a:off x="5196840" y="2302934"/>
+            <a:ext cx="4907280" cy="4023360"/>
+          </a:xfrm>
+          <a:prstGeom prst="rect">
+            <a:avLst/>
+          </a:prstGeom>
+        </p:spPr>
+        <p:txBody>
+          <a:bodyPr vert="horz" lIns="0" tIns="45720" rIns="0" bIns="45720" rtlCol="0">
+            <a:normAutofit/>
+          </a:bodyPr>
+          <a:lstStyle>
+            <a:lvl1pPr marL="91440" indent="-91440" algn="l" defTabSz="914400" rtl="0" eaLnBrk="1" latinLnBrk="0" hangingPunct="1">
+              <a:lnSpc>
+                <a:spcPct val="90000"/>
+              </a:lnSpc>
+              <a:spcBef>
+                <a:spcPts val="1200"/>
+              </a:spcBef>
+              <a:spcAft>
+                <a:spcPts val="200"/>
+              </a:spcAft>
+              <a:buClr>
+                <a:schemeClr val="accent1"/>
+              </a:buClr>
+              <a:buSzPct val="100000"/>
+              <a:buFont typeface="Calibri" panose="020F0502020204030204" pitchFamily="34" charset="0"/>
+              <a:buChar char=" "/>
+              <a:defRPr sz="2000" kern="1200">
+                <a:solidFill>
+                  <a:schemeClr val="tx1">
+                    <a:lumMod val="75000"/>
+                    <a:lumOff val="25000"/>
+                  </a:schemeClr>
+                </a:solidFill>
+                <a:latin typeface="+mn-lt"/>
+                <a:ea typeface="+mn-ea"/>
+                <a:cs typeface="+mn-cs"/>
+              </a:defRPr>
+            </a:lvl1pPr>
+            <a:lvl2pPr marL="384048" indent="-182880" algn="l" defTabSz="914400" rtl="0" eaLnBrk="1" latinLnBrk="0" hangingPunct="1">
+              <a:lnSpc>
+                <a:spcPct val="90000"/>
+              </a:lnSpc>
+              <a:spcBef>
+                <a:spcPts val="200"/>
+              </a:spcBef>
+              <a:spcAft>
+                <a:spcPts val="400"/>
+              </a:spcAft>
+              <a:buClr>
+                <a:schemeClr val="accent1"/>
+              </a:buClr>
+              <a:buFont typeface="Calibri" pitchFamily="34" charset="0"/>
+              <a:buChar char="◦"/>
+              <a:defRPr sz="1800" kern="1200">
+                <a:solidFill>
+                  <a:schemeClr val="tx1">
+                    <a:lumMod val="75000"/>
+                    <a:lumOff val="25000"/>
+                  </a:schemeClr>
+                </a:solidFill>
+                <a:latin typeface="+mn-lt"/>
+                <a:ea typeface="+mn-ea"/>
+                <a:cs typeface="+mn-cs"/>
+              </a:defRPr>
+            </a:lvl2pPr>
+            <a:lvl3pPr marL="566928" indent="-182880" algn="l" defTabSz="914400" rtl="0" eaLnBrk="1" latinLnBrk="0" hangingPunct="1">
+              <a:lnSpc>
+                <a:spcPct val="90000"/>
+              </a:lnSpc>
+              <a:spcBef>
+                <a:spcPts val="200"/>
+              </a:spcBef>
+              <a:spcAft>
+                <a:spcPts val="400"/>
+              </a:spcAft>
+              <a:buClr>
+                <a:schemeClr val="accent1"/>
+              </a:buClr>
+              <a:buFont typeface="Calibri" pitchFamily="34" charset="0"/>
+              <a:buChar char="◦"/>
+              <a:defRPr sz="1400" kern="1200">
+                <a:solidFill>
+                  <a:schemeClr val="tx1">
+                    <a:lumMod val="75000"/>
+                    <a:lumOff val="25000"/>
+                  </a:schemeClr>
+                </a:solidFill>
+                <a:latin typeface="+mn-lt"/>
+                <a:ea typeface="+mn-ea"/>
+                <a:cs typeface="+mn-cs"/>
+              </a:defRPr>
+            </a:lvl3pPr>
+            <a:lvl4pPr marL="749808" indent="-182880" algn="l" defTabSz="914400" rtl="0" eaLnBrk="1" latinLnBrk="0" hangingPunct="1">
+              <a:lnSpc>
+                <a:spcPct val="90000"/>
+              </a:lnSpc>
+              <a:spcBef>
+                <a:spcPts val="200"/>
+              </a:spcBef>
+              <a:spcAft>
+                <a:spcPts val="400"/>
+              </a:spcAft>
+              <a:buClr>
+                <a:schemeClr val="accent1"/>
+              </a:buClr>
+              <a:buFont typeface="Calibri" pitchFamily="34" charset="0"/>
+              <a:buChar char="◦"/>
+              <a:defRPr sz="1400" kern="1200">
+                <a:solidFill>
+                  <a:schemeClr val="tx1">
+                    <a:lumMod val="75000"/>
+                    <a:lumOff val="25000"/>
+                  </a:schemeClr>
+                </a:solidFill>
+                <a:latin typeface="+mn-lt"/>
+                <a:ea typeface="+mn-ea"/>
+                <a:cs typeface="+mn-cs"/>
+              </a:defRPr>
+            </a:lvl4pPr>
+            <a:lvl5pPr marL="932688" indent="-182880" algn="l" defTabSz="914400" rtl="0" eaLnBrk="1" latinLnBrk="0" hangingPunct="1">
+              <a:lnSpc>
+                <a:spcPct val="90000"/>
+              </a:lnSpc>
+              <a:spcBef>
+                <a:spcPts val="200"/>
+              </a:spcBef>
+              <a:spcAft>
+                <a:spcPts val="400"/>
+              </a:spcAft>
+              <a:buClr>
+                <a:schemeClr val="accent1"/>
+              </a:buClr>
+              <a:buFont typeface="Calibri" pitchFamily="34" charset="0"/>
+              <a:buChar char="◦"/>
+              <a:defRPr sz="1400" kern="1200">
+                <a:solidFill>
+                  <a:schemeClr val="tx1">
+                    <a:lumMod val="75000"/>
+                    <a:lumOff val="25000"/>
+                  </a:schemeClr>
+                </a:solidFill>
+                <a:latin typeface="+mn-lt"/>
+                <a:ea typeface="+mn-ea"/>
+                <a:cs typeface="+mn-cs"/>
+              </a:defRPr>
+            </a:lvl5pPr>
+            <a:lvl6pPr marL="1100000" indent="-228600" algn="l" defTabSz="914400" rtl="0" eaLnBrk="1" latinLnBrk="0" hangingPunct="1">
+              <a:lnSpc>
+                <a:spcPct val="90000"/>
+              </a:lnSpc>
+              <a:spcBef>
+                <a:spcPts val="200"/>
+              </a:spcBef>
+              <a:spcAft>
+                <a:spcPts val="400"/>
+              </a:spcAft>
+              <a:buClr>
+                <a:schemeClr val="accent1"/>
+              </a:buClr>
+              <a:buFont typeface="Calibri" pitchFamily="34" charset="0"/>
+              <a:buChar char="◦"/>
+              <a:defRPr sz="1400" kern="1200">
+                <a:solidFill>
+                  <a:schemeClr val="tx1">
+                    <a:lumMod val="75000"/>
+                    <a:lumOff val="25000"/>
+                  </a:schemeClr>
+                </a:solidFill>
+                <a:latin typeface="+mn-lt"/>
+                <a:ea typeface="+mn-ea"/>
+                <a:cs typeface="+mn-cs"/>
+              </a:defRPr>
+            </a:lvl6pPr>
+            <a:lvl7pPr marL="1300000" indent="-228600" algn="l" defTabSz="914400" rtl="0" eaLnBrk="1" latinLnBrk="0" hangingPunct="1">
+              <a:lnSpc>
+                <a:spcPct val="90000"/>
+              </a:lnSpc>
+              <a:spcBef>
+                <a:spcPts val="200"/>
+              </a:spcBef>
+              <a:spcAft>
+                <a:spcPts val="400"/>
+              </a:spcAft>
+              <a:buClr>
+                <a:schemeClr val="accent1"/>
+              </a:buClr>
+              <a:buFont typeface="Calibri" pitchFamily="34" charset="0"/>
+              <a:buChar char="◦"/>
+              <a:defRPr sz="1400" kern="1200">
+                <a:solidFill>
+                  <a:schemeClr val="tx1">
+                    <a:lumMod val="75000"/>
+                    <a:lumOff val="25000"/>
+                  </a:schemeClr>
+                </a:solidFill>
+                <a:latin typeface="+mn-lt"/>
+                <a:ea typeface="+mn-ea"/>
+                <a:cs typeface="+mn-cs"/>
+              </a:defRPr>
+            </a:lvl7pPr>
+            <a:lvl8pPr marL="1500000" indent="-228600" algn="l" defTabSz="914400" rtl="0" eaLnBrk="1" latinLnBrk="0" hangingPunct="1">
+              <a:lnSpc>
+                <a:spcPct val="90000"/>
+              </a:lnSpc>
+              <a:spcBef>
+                <a:spcPts val="200"/>
+              </a:spcBef>
+              <a:spcAft>
+                <a:spcPts val="400"/>
+              </a:spcAft>
+              <a:buClr>
+                <a:schemeClr val="accent1"/>
+              </a:buClr>
+              <a:buFont typeface="Calibri" pitchFamily="34" charset="0"/>
+              <a:buChar char="◦"/>
+              <a:defRPr sz="1400" kern="1200">
+                <a:solidFill>
+                  <a:schemeClr val="tx1">
+                    <a:lumMod val="75000"/>
+                    <a:lumOff val="25000"/>
+                  </a:schemeClr>
+                </a:solidFill>
+                <a:latin typeface="+mn-lt"/>
+                <a:ea typeface="+mn-ea"/>
+                <a:cs typeface="+mn-cs"/>
+              </a:defRPr>
+            </a:lvl8pPr>
+            <a:lvl9pPr marL="1700000" indent="-228600" algn="l" defTabSz="914400" rtl="0" eaLnBrk="1" latinLnBrk="0" hangingPunct="1">
+              <a:lnSpc>
+                <a:spcPct val="90000"/>
+              </a:lnSpc>
+              <a:spcBef>
+                <a:spcPts val="200"/>
+              </a:spcBef>
+              <a:spcAft>
+                <a:spcPts val="400"/>
+              </a:spcAft>
+              <a:buClr>
+                <a:schemeClr val="accent1"/>
+              </a:buClr>
+              <a:buFont typeface="Calibri" pitchFamily="34" charset="0"/>
+              <a:buChar char="◦"/>
+              <a:defRPr sz="1400" kern="1200">
+                <a:solidFill>
+                  <a:schemeClr val="tx1">
+                    <a:lumMod val="75000"/>
+                    <a:lumOff val="25000"/>
+                  </a:schemeClr>
+                </a:solidFill>
+                <a:latin typeface="+mn-lt"/>
+                <a:ea typeface="+mn-ea"/>
+                <a:cs typeface="+mn-cs"/>
+              </a:defRPr>
+            </a:lvl9pPr>
+          </a:lstStyle>
+          <a:p>
+            <a:r>
+              <a:rPr lang="de-CH" dirty="0"/>
+              <a:t>6. Kommunikation</a:t>
+            </a:r>
+          </a:p>
+          <a:p>
+            <a:r>
+              <a:rPr lang="de-CH" dirty="0"/>
+              <a:t>7. Protokollführung</a:t>
+            </a:r>
+          </a:p>
+          <a:p>
+            <a:r>
+              <a:rPr lang="de-CH" dirty="0"/>
+              <a:t>8. Vorgehensweise</a:t>
+            </a:r>
+          </a:p>
+          <a:p>
+            <a:r>
+              <a:rPr lang="de-CH" dirty="0"/>
+              <a:t>9. Risikoanalyse</a:t>
+            </a:r>
+          </a:p>
+          <a:p>
+            <a:r>
+              <a:rPr lang="de-CH" dirty="0"/>
+              <a:t>10. </a:t>
+            </a:r>
+            <a:r>
+              <a:rPr lang="de-CH" dirty="0" err="1"/>
+              <a:t>Testing</a:t>
+            </a:r>
+            <a:endParaRPr lang="de-CH" dirty="0"/>
+          </a:p>
+        </p:txBody>
+      </p:sp>
+    </p:spTree>
+    <p:extLst>
+      <p:ext uri="{BB962C8B-B14F-4D97-AF65-F5344CB8AC3E}">
+        <p14:creationId xmlns:p14="http://schemas.microsoft.com/office/powerpoint/2010/main" val="1200860723"/>
+      </p:ext>
+    </p:extLst>
+  </p:cSld>
+  <p:clrMapOvr>
+    <a:masterClrMapping/>
+  </p:clrMapOvr>
+</p:sld>
+</file>
+
+<file path=ppt/slides/slide3.xml><?xml version="1.0" encoding="utf-8"?>
+<p:sld xmlns:a="http://schemas.openxmlformats.org/drawingml/2006/main" xmlns:r="http://schemas.openxmlformats.org/officeDocument/2006/relationships" xmlns:p="http://schemas.openxmlformats.org/presentationml/2006/main">
+  <p:cSld>
+    <p:spTree>
+      <p:nvGrpSpPr>
+        <p:cNvPr id="1" name=""/>
+        <p:cNvGrpSpPr/>
+        <p:nvPr/>
+      </p:nvGrpSpPr>
+      <p:grpSpPr>
+        <a:xfrm>
+          <a:off x="0" y="0"/>
+          <a:ext cx="0" cy="0"/>
+          <a:chOff x="0" y="0"/>
+          <a:chExt cx="0" cy="0"/>
+        </a:xfrm>
+      </p:grpSpPr>
+      <p:sp>
+        <p:nvSpPr>
+          <p:cNvPr id="2" name="Titel 1">
+            <a:extLst>
+              <a:ext uri="{FF2B5EF4-FFF2-40B4-BE49-F238E27FC236}">
+                <a16:creationId xmlns:a16="http://schemas.microsoft.com/office/drawing/2014/main" id="{94B6904F-5B1E-4515-9CB5-F25853FF86BB}"/>
+              </a:ext>
+            </a:extLst>
+          </p:cNvPr>
+          <p:cNvSpPr>
+            <a:spLocks noGrp="1"/>
+          </p:cNvSpPr>
+          <p:nvPr>
+            <p:ph type="title"/>
+          </p:nvPr>
+        </p:nvSpPr>
+        <p:spPr/>
+        <p:txBody>
+          <a:bodyPr/>
+          <a:lstStyle/>
+          <a:p>
+            <a:r>
+              <a:rPr lang="de-CH" dirty="0"/>
+              <a:t>Problembeschreibung</a:t>
+            </a:r>
+          </a:p>
+        </p:txBody>
+      </p:sp>
+      <p:sp>
+        <p:nvSpPr>
+          <p:cNvPr id="3" name="Inhaltsplatzhalter 2">
+            <a:extLst>
+              <a:ext uri="{FF2B5EF4-FFF2-40B4-BE49-F238E27FC236}">
+                <a16:creationId xmlns:a16="http://schemas.microsoft.com/office/drawing/2014/main" id="{7D2D5009-3FCD-4B23-B17B-2550F69EE14B}"/>
+              </a:ext>
+            </a:extLst>
+          </p:cNvPr>
+          <p:cNvSpPr>
+            <a:spLocks noGrp="1"/>
+          </p:cNvSpPr>
+          <p:nvPr>
+            <p:ph idx="1"/>
+          </p:nvPr>
+        </p:nvSpPr>
+        <p:spPr/>
+        <p:txBody>
+          <a:bodyPr/>
+          <a:lstStyle/>
+          <a:p>
+            <a:r>
+              <a:rPr lang="de-CH" dirty="0"/>
+              <a:t>Usability</a:t>
+            </a:r>
+          </a:p>
+          <a:p>
+            <a:pPr lvl="1"/>
+            <a:r>
+              <a:rPr lang="de-CH" dirty="0"/>
+              <a:t>Zu umständliche Funktionalitäten</a:t>
+            </a:r>
+          </a:p>
+          <a:p>
+            <a:pPr lvl="1"/>
+            <a:r>
+              <a:rPr lang="de-CH" dirty="0"/>
+              <a:t>Bittet nicht die Möglichkeit sich mit anderen Auszutauschen</a:t>
+            </a:r>
+          </a:p>
+          <a:p>
+            <a:r>
+              <a:rPr lang="de-CH" dirty="0"/>
+              <a:t>Verwendung</a:t>
+            </a:r>
+          </a:p>
+          <a:p>
+            <a:pPr lvl="1"/>
+            <a:r>
+              <a:rPr lang="de-CH" dirty="0"/>
+              <a:t>Zentrale Verwaltung von Notizen</a:t>
+            </a:r>
+          </a:p>
+          <a:p>
+            <a:pPr lvl="1"/>
+            <a:r>
+              <a:rPr lang="de-CH" dirty="0"/>
+              <a:t>Gruppieren und Zuweisen von Notizen über Benutzeraccounts</a:t>
+            </a:r>
+          </a:p>
+          <a:p>
+            <a:pPr lvl="1"/>
+            <a:endParaRPr lang="de-CH" dirty="0"/>
+          </a:p>
+          <a:p>
+            <a:pPr marL="201168" lvl="1" indent="0">
+              <a:buNone/>
+            </a:pPr>
+            <a:endParaRPr lang="de-CH" dirty="0"/>
+          </a:p>
+        </p:txBody>
+      </p:sp>
+    </p:spTree>
+    <p:extLst>
+      <p:ext uri="{BB962C8B-B14F-4D97-AF65-F5344CB8AC3E}">
+        <p14:creationId xmlns:p14="http://schemas.microsoft.com/office/powerpoint/2010/main" val="1347145155"/>
+      </p:ext>
+    </p:extLst>
+  </p:cSld>
+  <p:clrMapOvr>
+    <a:masterClrMapping/>
+  </p:clrMapOvr>
+</p:sld>
+</file>
+
+<file path=ppt/slides/slide4.xml><?xml version="1.0" encoding="utf-8"?>
+<p:sld xmlns:a="http://schemas.openxmlformats.org/drawingml/2006/main" xmlns:r="http://schemas.openxmlformats.org/officeDocument/2006/relationships" xmlns:p="http://schemas.openxmlformats.org/presentationml/2006/main">
+  <p:cSld>
+    <p:spTree>
+      <p:nvGrpSpPr>
+        <p:cNvPr id="1" name=""/>
+        <p:cNvGrpSpPr/>
+        <p:nvPr/>
+      </p:nvGrpSpPr>
+      <p:grpSpPr>
+        <a:xfrm>
+          <a:off x="0" y="0"/>
+          <a:ext cx="0" cy="0"/>
+          <a:chOff x="0" y="0"/>
+          <a:chExt cx="0" cy="0"/>
+        </a:xfrm>
+      </p:grpSpPr>
+      <p:sp>
+        <p:nvSpPr>
+          <p:cNvPr id="2" name="Titel 1">
+            <a:extLst>
+              <a:ext uri="{FF2B5EF4-FFF2-40B4-BE49-F238E27FC236}">
+                <a16:creationId xmlns:a16="http://schemas.microsoft.com/office/drawing/2014/main" id="{C16D0F14-0B06-4B97-98D3-4CD76BB1D892}"/>
+              </a:ext>
+            </a:extLst>
+          </p:cNvPr>
+          <p:cNvSpPr>
+            <a:spLocks noGrp="1"/>
+          </p:cNvSpPr>
+          <p:nvPr>
+            <p:ph type="title"/>
+          </p:nvPr>
+        </p:nvSpPr>
+        <p:spPr/>
+        <p:txBody>
+          <a:bodyPr/>
+          <a:lstStyle/>
+          <a:p>
+            <a:r>
+              <a:rPr lang="de-CH" dirty="0"/>
+              <a:t>Marktnutzen / Marktrisiken</a:t>
+            </a:r>
+          </a:p>
+        </p:txBody>
+      </p:sp>
+      <p:sp>
+        <p:nvSpPr>
+          <p:cNvPr id="3" name="Inhaltsplatzhalter 2">
+            <a:extLst>
+              <a:ext uri="{FF2B5EF4-FFF2-40B4-BE49-F238E27FC236}">
+                <a16:creationId xmlns:a16="http://schemas.microsoft.com/office/drawing/2014/main" id="{A926359B-A545-4158-9DD0-DF98638DE9C6}"/>
+              </a:ext>
+            </a:extLst>
+          </p:cNvPr>
+          <p:cNvSpPr>
+            <a:spLocks noGrp="1"/>
+          </p:cNvSpPr>
+          <p:nvPr>
+            <p:ph sz="half" idx="1"/>
+          </p:nvPr>
+        </p:nvSpPr>
+        <p:spPr/>
+        <p:txBody>
+          <a:bodyPr/>
+          <a:lstStyle/>
+          <a:p>
+            <a:r>
+              <a:rPr lang="de-CH" dirty="0"/>
+              <a:t>Wieso sollte man in uns investieren?</a:t>
+            </a:r>
+          </a:p>
+          <a:p>
+            <a:pPr lvl="1"/>
+            <a:r>
+              <a:rPr lang="de-CH" dirty="0"/>
+              <a:t>Innovation</a:t>
+            </a:r>
+          </a:p>
+          <a:p>
+            <a:pPr lvl="2"/>
+            <a:r>
+              <a:rPr lang="de-CH" dirty="0"/>
+              <a:t>Es gibt keine App die vergleichbar funktioniert</a:t>
+            </a:r>
+          </a:p>
+          <a:p>
+            <a:pPr lvl="1"/>
+            <a:r>
+              <a:rPr lang="de-CH" dirty="0"/>
+              <a:t>Sicherheit</a:t>
+            </a:r>
+          </a:p>
+          <a:p>
+            <a:pPr lvl="2"/>
+            <a:r>
+              <a:rPr lang="de-CH" dirty="0"/>
+              <a:t>Grosse Firmen betrügen – Der Kunde kann sich auf uns verlassen</a:t>
+            </a:r>
+          </a:p>
+          <a:p>
+            <a:pPr lvl="1"/>
+            <a:r>
+              <a:rPr lang="de-CH" dirty="0"/>
+              <a:t>Verwendbarkeit</a:t>
+            </a:r>
+          </a:p>
+          <a:p>
+            <a:pPr lvl="2"/>
+            <a:r>
+              <a:rPr lang="de-CH" dirty="0"/>
+              <a:t>Man kann </a:t>
+            </a:r>
+            <a:r>
+              <a:rPr lang="de-CH" dirty="0" err="1"/>
+              <a:t>z.B</a:t>
+            </a:r>
+            <a:r>
+              <a:rPr lang="de-CH" dirty="0"/>
+              <a:t> eine Notiz erstellen, bei dem nur Familienmitglieder </a:t>
+            </a:r>
+            <a:r>
+              <a:rPr lang="de-CH"/>
+              <a:t>bearbeiten können</a:t>
+            </a:r>
+            <a:endParaRPr lang="de-CH" dirty="0"/>
+          </a:p>
+          <a:p>
+            <a:pPr lvl="2"/>
+            <a:endParaRPr lang="de-CH" dirty="0"/>
+          </a:p>
+          <a:p>
+            <a:pPr lvl="1"/>
+            <a:endParaRPr lang="de-CH" dirty="0"/>
+          </a:p>
+        </p:txBody>
+      </p:sp>
+      <p:sp>
+        <p:nvSpPr>
+          <p:cNvPr id="4" name="Inhaltsplatzhalter 3">
+            <a:extLst>
+              <a:ext uri="{FF2B5EF4-FFF2-40B4-BE49-F238E27FC236}">
+                <a16:creationId xmlns:a16="http://schemas.microsoft.com/office/drawing/2014/main" id="{C1B0DCB8-FAC0-4FE3-ADA2-FA540D4C558D}"/>
+              </a:ext>
+            </a:extLst>
+          </p:cNvPr>
+          <p:cNvSpPr>
+            <a:spLocks noGrp="1"/>
+          </p:cNvSpPr>
+          <p:nvPr>
+            <p:ph sz="half" idx="2"/>
+          </p:nvPr>
+        </p:nvSpPr>
+        <p:spPr/>
+        <p:txBody>
+          <a:bodyPr/>
+          <a:lstStyle/>
+          <a:p>
+            <a:r>
+              <a:rPr lang="de-CH" dirty="0"/>
+              <a:t>Konkurrenz</a:t>
+            </a:r>
+          </a:p>
+          <a:p>
+            <a:pPr lvl="1"/>
+            <a:r>
+              <a:rPr lang="de-CH" dirty="0"/>
+              <a:t>Es gibt bereits viele ähnliche Tools</a:t>
+            </a:r>
+          </a:p>
+          <a:p>
+            <a:pPr lvl="1"/>
+            <a:r>
+              <a:rPr lang="de-CH" dirty="0"/>
+              <a:t>Leute könnten mehr auf grosse Firmen vertrauen</a:t>
+            </a:r>
+          </a:p>
+          <a:p>
+            <a:pPr lvl="1"/>
+            <a:r>
+              <a:rPr lang="de-CH" dirty="0"/>
+              <a:t>Zu kleines Team für rasche Weiterentwicklung</a:t>
+            </a:r>
+          </a:p>
+        </p:txBody>
+      </p:sp>
+    </p:spTree>
+    <p:extLst>
+      <p:ext uri="{BB962C8B-B14F-4D97-AF65-F5344CB8AC3E}">
+        <p14:creationId xmlns:p14="http://schemas.microsoft.com/office/powerpoint/2010/main" val="2664783758"/>
+      </p:ext>
+    </p:extLst>
+  </p:cSld>
+  <p:clrMapOvr>
+    <a:masterClrMapping/>
+  </p:clrMapOvr>
+</p:sld>
+</file>
+
+<file path=ppt/slides/slide5.xml><?xml version="1.0" encoding="utf-8"?>
+<p:sld xmlns:a="http://schemas.openxmlformats.org/drawingml/2006/main" xmlns:r="http://schemas.openxmlformats.org/officeDocument/2006/relationships" xmlns:p="http://schemas.openxmlformats.org/presentationml/2006/main">
+  <p:cSld>
+    <p:spTree>
+      <p:nvGrpSpPr>
+        <p:cNvPr id="1" name=""/>
+        <p:cNvGrpSpPr/>
+        <p:nvPr/>
+      </p:nvGrpSpPr>
+      <p:grpSpPr>
+        <a:xfrm>
+          <a:off x="0" y="0"/>
+          <a:ext cx="0" cy="0"/>
+          <a:chOff x="0" y="0"/>
+          <a:chExt cx="0" cy="0"/>
+        </a:xfrm>
+      </p:grpSpPr>
+      <p:sp>
+        <p:nvSpPr>
+          <p:cNvPr id="2" name="Titel 1">
+            <a:extLst>
+              <a:ext uri="{FF2B5EF4-FFF2-40B4-BE49-F238E27FC236}">
+                <a16:creationId xmlns:a16="http://schemas.microsoft.com/office/drawing/2014/main" id="{77A482EA-0C07-4B70-BCA9-924CC76A7BDE}"/>
+              </a:ext>
+            </a:extLst>
+          </p:cNvPr>
+          <p:cNvSpPr>
+            <a:spLocks noGrp="1"/>
+          </p:cNvSpPr>
+          <p:nvPr>
+            <p:ph type="title"/>
+          </p:nvPr>
+        </p:nvSpPr>
+        <p:spPr/>
+        <p:txBody>
+          <a:bodyPr/>
+          <a:lstStyle/>
+          <a:p>
+            <a:r>
+              <a:rPr lang="de-CH" dirty="0"/>
+              <a:t>Projektauftrag</a:t>
+            </a:r>
+          </a:p>
+        </p:txBody>
+      </p:sp>
+      <p:sp>
+        <p:nvSpPr>
+          <p:cNvPr id="3" name="Inhaltsplatzhalter 2">
+            <a:extLst>
+              <a:ext uri="{FF2B5EF4-FFF2-40B4-BE49-F238E27FC236}">
+                <a16:creationId xmlns:a16="http://schemas.microsoft.com/office/drawing/2014/main" id="{B5211032-1696-4F94-AB0D-5BDE773C71F1}"/>
+              </a:ext>
+            </a:extLst>
+          </p:cNvPr>
+          <p:cNvSpPr>
+            <a:spLocks noGrp="1"/>
+          </p:cNvSpPr>
+          <p:nvPr>
+            <p:ph sz="half" idx="1"/>
+          </p:nvPr>
+        </p:nvSpPr>
+        <p:spPr/>
+        <p:txBody>
+          <a:bodyPr/>
+          <a:lstStyle/>
+          <a:p>
+            <a:r>
+              <a:rPr lang="de-CH" dirty="0"/>
+              <a:t>Online Notiz App</a:t>
+            </a:r>
+          </a:p>
+          <a:p>
+            <a:pPr lvl="1"/>
+            <a:r>
+              <a:rPr lang="de-CH" dirty="0"/>
+              <a:t>Frontend</a:t>
+            </a:r>
+          </a:p>
+          <a:p>
+            <a:pPr lvl="2"/>
+            <a:r>
+              <a:rPr lang="de-CH" dirty="0"/>
+              <a:t>Ansehen von Notizen</a:t>
+            </a:r>
+          </a:p>
+          <a:p>
+            <a:pPr lvl="2"/>
+            <a:r>
+              <a:rPr lang="de-CH" dirty="0"/>
+              <a:t>Bearbeiten, Hinzufügen und löschen von Notizen</a:t>
+            </a:r>
+          </a:p>
+          <a:p>
+            <a:pPr lvl="2"/>
+            <a:r>
+              <a:rPr lang="de-CH" dirty="0"/>
+              <a:t>Benutzerverwaltung</a:t>
+            </a:r>
+          </a:p>
+          <a:p>
+            <a:pPr lvl="2"/>
+            <a:r>
+              <a:rPr lang="de-CH" dirty="0"/>
+              <a:t>Notizen an User binden</a:t>
+            </a:r>
+          </a:p>
+          <a:p>
+            <a:pPr lvl="1"/>
+            <a:r>
+              <a:rPr lang="de-CH" dirty="0"/>
+              <a:t>Backend</a:t>
+            </a:r>
+          </a:p>
+          <a:p>
+            <a:pPr lvl="2"/>
+            <a:r>
+              <a:rPr lang="de-CH" dirty="0"/>
+              <a:t>Validierung von Eingabedaten</a:t>
+            </a:r>
+          </a:p>
+          <a:p>
+            <a:pPr lvl="2"/>
+            <a:r>
+              <a:rPr lang="de-CH" dirty="0"/>
+              <a:t>Speichern und verwalten von Daten</a:t>
+            </a:r>
+          </a:p>
+          <a:p>
+            <a:pPr lvl="2"/>
+            <a:r>
+              <a:rPr lang="de-CH" dirty="0"/>
+              <a:t>Benutzerverwaltung</a:t>
+            </a:r>
+          </a:p>
+          <a:p>
+            <a:pPr lvl="2"/>
+            <a:r>
+              <a:rPr lang="de-CH" dirty="0"/>
+              <a:t>Vergeben von Berechtigungen</a:t>
+            </a:r>
+          </a:p>
+          <a:p>
+            <a:pPr lvl="2"/>
+            <a:r>
+              <a:rPr lang="de-CH" dirty="0"/>
+              <a:t>Zuweisen von Gruppen</a:t>
+            </a:r>
+          </a:p>
+          <a:p>
+            <a:pPr lvl="1"/>
+            <a:endParaRPr lang="de-CH" dirty="0"/>
+          </a:p>
+          <a:p>
+            <a:pPr lvl="1"/>
+            <a:endParaRPr lang="de-CH" dirty="0"/>
+          </a:p>
+          <a:p>
+            <a:endParaRPr lang="de-CH" dirty="0"/>
+          </a:p>
+        </p:txBody>
+      </p:sp>
+      <p:sp>
+        <p:nvSpPr>
+          <p:cNvPr id="4" name="Inhaltsplatzhalter 3">
+            <a:extLst>
+              <a:ext uri="{FF2B5EF4-FFF2-40B4-BE49-F238E27FC236}">
+                <a16:creationId xmlns:a16="http://schemas.microsoft.com/office/drawing/2014/main" id="{DE99512F-1923-4A19-BC1D-60CDBD8E83AA}"/>
+              </a:ext>
+            </a:extLst>
+          </p:cNvPr>
+          <p:cNvSpPr>
+            <a:spLocks noGrp="1"/>
+          </p:cNvSpPr>
+          <p:nvPr>
+            <p:ph sz="half" idx="2"/>
+          </p:nvPr>
+        </p:nvSpPr>
+        <p:spPr/>
+        <p:txBody>
+          <a:bodyPr>
+            <a:normAutofit fontScale="92500" lnSpcReduction="10000"/>
+          </a:bodyPr>
+          <a:lstStyle/>
+          <a:p>
+            <a:r>
+              <a:rPr lang="de-CH" dirty="0"/>
+              <a:t>Learning</a:t>
+            </a:r>
+          </a:p>
+          <a:p>
+            <a:pPr lvl="1"/>
+            <a:r>
+              <a:rPr lang="de-CH" dirty="0"/>
+              <a:t>Führung eines Projektes mit agilen Methoden</a:t>
+            </a:r>
+          </a:p>
+          <a:p>
+            <a:pPr lvl="2"/>
+            <a:r>
+              <a:rPr lang="de-CH" dirty="0"/>
+              <a:t>Weekly Meetings</a:t>
+            </a:r>
+          </a:p>
+          <a:p>
+            <a:pPr lvl="2"/>
+            <a:r>
+              <a:rPr lang="de-CH" dirty="0"/>
+              <a:t>Backlog auf </a:t>
+            </a:r>
+            <a:r>
+              <a:rPr lang="de-CH" dirty="0" err="1"/>
+              <a:t>Github</a:t>
+            </a:r>
+            <a:endParaRPr lang="de-CH" dirty="0"/>
+          </a:p>
+          <a:p>
+            <a:pPr lvl="1"/>
+            <a:r>
+              <a:rPr lang="de-CH" dirty="0"/>
+              <a:t>Version Control mit </a:t>
+            </a:r>
+            <a:r>
+              <a:rPr lang="de-CH" dirty="0" err="1"/>
+              <a:t>Github</a:t>
+            </a:r>
+            <a:endParaRPr lang="de-CH" dirty="0"/>
+          </a:p>
+          <a:p>
+            <a:pPr lvl="1"/>
+            <a:r>
+              <a:rPr lang="de-CH" dirty="0"/>
+              <a:t>Projektrisiken analysieren</a:t>
+            </a:r>
+          </a:p>
+          <a:p>
+            <a:pPr lvl="2"/>
+            <a:r>
+              <a:rPr lang="de-CH" dirty="0"/>
+              <a:t>Risikoanalyse</a:t>
+            </a:r>
+          </a:p>
+          <a:p>
+            <a:pPr lvl="1"/>
+            <a:r>
+              <a:rPr lang="de-CH" dirty="0"/>
+              <a:t>Kommunikation in einem Team</a:t>
+            </a:r>
+          </a:p>
+          <a:p>
+            <a:pPr lvl="2"/>
+            <a:r>
+              <a:rPr lang="de-CH" dirty="0"/>
+              <a:t>RACI Chart</a:t>
+            </a:r>
+          </a:p>
+          <a:p>
+            <a:pPr lvl="2"/>
+            <a:r>
+              <a:rPr lang="de-CH" dirty="0"/>
+              <a:t>Protokolle</a:t>
+            </a:r>
+          </a:p>
+          <a:p>
+            <a:pPr lvl="1"/>
+            <a:r>
+              <a:rPr lang="de-CH" dirty="0"/>
+              <a:t>Planung</a:t>
+            </a:r>
+          </a:p>
+          <a:p>
+            <a:pPr lvl="2"/>
+            <a:r>
+              <a:rPr lang="de-CH" dirty="0"/>
+              <a:t>SMART</a:t>
+            </a:r>
+          </a:p>
+          <a:p>
+            <a:pPr lvl="2"/>
+            <a:r>
+              <a:rPr lang="de-CH" dirty="0"/>
+              <a:t>Aufgabenaufteilung</a:t>
+            </a:r>
+          </a:p>
+          <a:p>
+            <a:pPr lvl="1"/>
+            <a:r>
+              <a:rPr lang="de-CH" dirty="0"/>
+              <a:t>Realisation</a:t>
+            </a:r>
+          </a:p>
+          <a:p>
+            <a:pPr lvl="2"/>
+            <a:r>
+              <a:rPr lang="de-CH" dirty="0"/>
+              <a:t>Kommunikation</a:t>
+            </a:r>
+          </a:p>
+          <a:p>
+            <a:pPr marL="384048" lvl="2" indent="0">
+              <a:buNone/>
+            </a:pPr>
+            <a:endParaRPr lang="de-CH" dirty="0"/>
+          </a:p>
+          <a:p>
+            <a:pPr lvl="2"/>
+            <a:endParaRPr lang="de-CH" dirty="0"/>
+          </a:p>
+          <a:p>
+            <a:endParaRPr lang="de-CH" dirty="0"/>
+          </a:p>
+        </p:txBody>
+      </p:sp>
+    </p:spTree>
+    <p:extLst>
+      <p:ext uri="{BB962C8B-B14F-4D97-AF65-F5344CB8AC3E}">
+        <p14:creationId xmlns:p14="http://schemas.microsoft.com/office/powerpoint/2010/main" val="2353777051"/>
+      </p:ext>
+    </p:extLst>
+  </p:cSld>
+  <p:clrMapOvr>
+    <a:masterClrMapping/>
+  </p:clrMapOvr>
+</p:sld>
+</file>
+
+<file path=ppt/slides/slide6.xml><?xml version="1.0" encoding="utf-8"?>
 <p:sld xmlns:a="http://schemas.openxmlformats.org/drawingml/2006/main" xmlns:r="http://schemas.openxmlformats.org/officeDocument/2006/relationships" xmlns:p="http://schemas.openxmlformats.org/presentationml/2006/main">
   <p:cSld>
     <p:bg>
@@ -7318,6 +10206,10 @@
           </p:nvPr>
         </p:nvSpPr>
         <p:spPr>
+          <a:xfrm>
+            <a:off x="1097280" y="286603"/>
+            <a:ext cx="10058400" cy="1450757"/>
+          </a:xfrm>
           <a:solidFill>
             <a:schemeClr val="bg1"/>
           </a:solidFill>
@@ -7327,26 +10219,10 @@
           <a:lstStyle/>
           <a:p>
             <a:r>
-              <a:rPr lang="en-US" dirty="0" err="1" smtClean="0">
-                <a:latin typeface="Roboto Medium" charset="0"/>
-                <a:ea typeface="Roboto Medium" charset="0"/>
-                <a:cs typeface="Roboto Medium" charset="0"/>
-              </a:rPr>
+              <a:rPr lang="en-US" dirty="0" err="1"/>
               <a:t>Projektziele</a:t>
             </a:r>
-            <a:r>
-              <a:rPr lang="en-US" dirty="0" smtClean="0">
-                <a:latin typeface="Roboto Medium" charset="0"/>
-                <a:ea typeface="Roboto Medium" charset="0"/>
-                <a:cs typeface="Roboto Medium" charset="0"/>
-              </a:rPr>
-              <a:t> (SMART)</a:t>
-            </a:r>
-            <a:endParaRPr lang="en-US" dirty="0">
-              <a:latin typeface="Roboto Medium" charset="0"/>
-              <a:ea typeface="Roboto Medium" charset="0"/>
-              <a:cs typeface="Roboto Medium" charset="0"/>
-            </a:endParaRPr>
+            <a:endParaRPr lang="en-US" dirty="0"/>
           </a:p>
         </p:txBody>
       </p:sp>
@@ -7372,7 +10248,7 @@
           <a:lstStyle/>
           <a:p>
             <a:r>
-              <a:rPr lang="en-US" dirty="0" err="1" smtClean="0">
+              <a:rPr lang="en-US" sz="1800" dirty="0" err="1">
                 <a:latin typeface="Roboto Light" charset="0"/>
                 <a:ea typeface="Roboto Light" charset="0"/>
                 <a:cs typeface="Roboto Light" charset="0"/>
@@ -7380,7 +10256,7 @@
               <a:t>Benutzerbasiert</a:t>
             </a:r>
             <a:r>
-              <a:rPr lang="en-US" dirty="0" smtClean="0">
+              <a:rPr lang="en-US" sz="1800" dirty="0">
                 <a:latin typeface="Roboto Light" charset="0"/>
                 <a:ea typeface="Roboto Light" charset="0"/>
                 <a:cs typeface="Roboto Light" charset="0"/>
@@ -7391,7 +10267,7 @@
           <a:p>
             <a:pPr lvl="1"/>
             <a:r>
-              <a:rPr lang="en-US" dirty="0" smtClean="0">
+              <a:rPr lang="en-US" sz="1600" dirty="0">
                 <a:latin typeface="Roboto Light" charset="0"/>
                 <a:ea typeface="Roboto Light" charset="0"/>
                 <a:cs typeface="Roboto Light" charset="0"/>
@@ -7399,14 +10275,14 @@
               <a:t>Account </a:t>
             </a:r>
             <a:r>
-              <a:rPr lang="en-US" dirty="0" err="1" smtClean="0">
+              <a:rPr lang="en-US" sz="1600" dirty="0" err="1">
                 <a:latin typeface="Roboto Light" charset="0"/>
                 <a:ea typeface="Roboto Light" charset="0"/>
                 <a:cs typeface="Roboto Light" charset="0"/>
               </a:rPr>
               <a:t>erstellen</a:t>
             </a:r>
-            <a:endParaRPr lang="en-US" dirty="0" smtClean="0">
+            <a:endParaRPr lang="en-US" sz="1600" dirty="0">
               <a:latin typeface="Roboto Light" charset="0"/>
               <a:ea typeface="Roboto Light" charset="0"/>
               <a:cs typeface="Roboto Light" charset="0"/>
@@ -7415,23 +10291,15 @@
           <a:p>
             <a:pPr lvl="1"/>
             <a:r>
-              <a:rPr lang="en-US" dirty="0" err="1">
-                <a:latin typeface="Roboto Light" charset="0"/>
-                <a:ea typeface="Roboto Light" charset="0"/>
-                <a:cs typeface="Roboto Light" charset="0"/>
-              </a:rPr>
-              <a:t>M</a:t>
-            </a:r>
-            <a:r>
-              <a:rPr lang="en-US" dirty="0" err="1" smtClean="0">
-                <a:latin typeface="Roboto Light" charset="0"/>
-                <a:ea typeface="Roboto Light" charset="0"/>
-                <a:cs typeface="Roboto Light" charset="0"/>
-              </a:rPr>
-              <a:t>it</a:t>
-            </a:r>
-            <a:r>
-              <a:rPr lang="en-US" dirty="0" smtClean="0">
+              <a:rPr lang="en-US" sz="1600" dirty="0" err="1">
+                <a:latin typeface="Roboto Light" charset="0"/>
+                <a:ea typeface="Roboto Light" charset="0"/>
+                <a:cs typeface="Roboto Light" charset="0"/>
+              </a:rPr>
+              <a:t>Mit</a:t>
+            </a:r>
+            <a:r>
+              <a:rPr lang="en-US" sz="1600" dirty="0">
                 <a:latin typeface="Roboto Light" charset="0"/>
                 <a:ea typeface="Roboto Light" charset="0"/>
                 <a:cs typeface="Roboto Light" charset="0"/>
@@ -7439,7 +10307,7 @@
               <a:t> </a:t>
             </a:r>
             <a:r>
-              <a:rPr lang="en-US" dirty="0" err="1" smtClean="0">
+              <a:rPr lang="en-US" sz="1600" dirty="0" err="1">
                 <a:latin typeface="Roboto Light" charset="0"/>
                 <a:ea typeface="Roboto Light" charset="0"/>
                 <a:cs typeface="Roboto Light" charset="0"/>
@@ -7447,7 +10315,7 @@
               <a:t>seinen</a:t>
             </a:r>
             <a:r>
-              <a:rPr lang="en-US" dirty="0" smtClean="0">
+              <a:rPr lang="en-US" sz="1600" dirty="0">
                 <a:latin typeface="Roboto Light" charset="0"/>
                 <a:ea typeface="Roboto Light" charset="0"/>
                 <a:cs typeface="Roboto Light" charset="0"/>
@@ -7455,14 +10323,14 @@
               <a:t> account-details </a:t>
             </a:r>
             <a:r>
-              <a:rPr lang="en-US" dirty="0" err="1" smtClean="0">
+              <a:rPr lang="en-US" sz="1600" dirty="0" err="1">
                 <a:latin typeface="Roboto Light" charset="0"/>
                 <a:ea typeface="Roboto Light" charset="0"/>
                 <a:cs typeface="Roboto Light" charset="0"/>
               </a:rPr>
               <a:t>einloggen</a:t>
             </a:r>
-            <a:endParaRPr lang="en-US" dirty="0">
+            <a:endParaRPr lang="en-US" sz="1600" dirty="0">
               <a:latin typeface="Roboto Light" charset="0"/>
               <a:ea typeface="Roboto Light" charset="0"/>
               <a:cs typeface="Roboto Light" charset="0"/>
@@ -7474,7 +10342,7 @@
               <a:buChar char="•"/>
             </a:pPr>
             <a:r>
-              <a:rPr lang="en-US" dirty="0" err="1" smtClean="0">
+              <a:rPr lang="en-US" sz="1800" dirty="0" err="1">
                 <a:latin typeface="Roboto Light" charset="0"/>
                 <a:ea typeface="Roboto Light" charset="0"/>
                 <a:cs typeface="Roboto Light" charset="0"/>
@@ -7482,7 +10350,7 @@
               <a:t>Notizen</a:t>
             </a:r>
             <a:r>
-              <a:rPr lang="en-US" dirty="0" smtClean="0">
+              <a:rPr lang="en-US" sz="1800" dirty="0">
                 <a:latin typeface="Roboto Light" charset="0"/>
                 <a:ea typeface="Roboto Light" charset="0"/>
                 <a:cs typeface="Roboto Light" charset="0"/>
@@ -7490,7 +10358,7 @@
               <a:t> in </a:t>
             </a:r>
             <a:r>
-              <a:rPr lang="en-US" dirty="0" err="1" smtClean="0">
+              <a:rPr lang="en-US" sz="1800" dirty="0" err="1">
                 <a:latin typeface="Roboto Light" charset="0"/>
                 <a:ea typeface="Roboto Light" charset="0"/>
                 <a:cs typeface="Roboto Light" charset="0"/>
@@ -7498,7 +10366,7 @@
               <a:t>Textform</a:t>
             </a:r>
             <a:r>
-              <a:rPr lang="en-US" dirty="0" smtClean="0">
+              <a:rPr lang="en-US" sz="1800" dirty="0">
                 <a:latin typeface="Roboto Light" charset="0"/>
                 <a:ea typeface="Roboto Light" charset="0"/>
                 <a:cs typeface="Roboto Light" charset="0"/>
@@ -7506,14 +10374,14 @@
               <a:t> </a:t>
             </a:r>
             <a:r>
-              <a:rPr lang="en-US" dirty="0" err="1" smtClean="0">
+              <a:rPr lang="en-US" sz="1800" dirty="0" err="1">
                 <a:latin typeface="Roboto Light" charset="0"/>
                 <a:ea typeface="Roboto Light" charset="0"/>
                 <a:cs typeface="Roboto Light" charset="0"/>
               </a:rPr>
               <a:t>verfassen</a:t>
             </a:r>
-            <a:endParaRPr lang="en-US" dirty="0" smtClean="0">
+            <a:endParaRPr lang="en-US" sz="1800" dirty="0">
               <a:latin typeface="Roboto Light" charset="0"/>
               <a:ea typeface="Roboto Light" charset="0"/>
               <a:cs typeface="Roboto Light" charset="0"/>
@@ -7525,7 +10393,7 @@
               <a:buChar char="•"/>
             </a:pPr>
             <a:r>
-              <a:rPr lang="en-US" dirty="0" err="1" smtClean="0">
+              <a:rPr lang="en-US" sz="1600" dirty="0" err="1">
                 <a:latin typeface="Roboto Light" charset="0"/>
                 <a:ea typeface="Roboto Light" charset="0"/>
                 <a:cs typeface="Roboto Light" charset="0"/>
@@ -7533,7 +10401,7 @@
               <a:t>Werden</a:t>
             </a:r>
             <a:r>
-              <a:rPr lang="en-US" dirty="0" smtClean="0">
+              <a:rPr lang="en-US" sz="1600" dirty="0">
                 <a:latin typeface="Roboto Light" charset="0"/>
                 <a:ea typeface="Roboto Light" charset="0"/>
                 <a:cs typeface="Roboto Light" charset="0"/>
@@ -7541,7 +10409,7 @@
               <a:t> </a:t>
             </a:r>
             <a:r>
-              <a:rPr lang="en-US" dirty="0" err="1" smtClean="0">
+              <a:rPr lang="en-US" sz="1600" dirty="0" err="1">
                 <a:latin typeface="Roboto Light" charset="0"/>
                 <a:ea typeface="Roboto Light" charset="0"/>
                 <a:cs typeface="Roboto Light" charset="0"/>
@@ -7549,7 +10417,7 @@
               <a:t>automatisch</a:t>
             </a:r>
             <a:r>
-              <a:rPr lang="en-US" dirty="0" smtClean="0">
+              <a:rPr lang="en-US" sz="1600" dirty="0">
                 <a:latin typeface="Roboto Light" charset="0"/>
                 <a:ea typeface="Roboto Light" charset="0"/>
                 <a:cs typeface="Roboto Light" charset="0"/>
@@ -7557,7 +10425,7 @@
               <a:t> </a:t>
             </a:r>
             <a:r>
-              <a:rPr lang="en-US" dirty="0" err="1" smtClean="0">
+              <a:rPr lang="en-US" sz="1600" dirty="0" err="1">
                 <a:latin typeface="Roboto Light" charset="0"/>
                 <a:ea typeface="Roboto Light" charset="0"/>
                 <a:cs typeface="Roboto Light" charset="0"/>
@@ -7565,7 +10433,7 @@
               <a:t>gespeichert</a:t>
             </a:r>
             <a:r>
-              <a:rPr lang="en-US" dirty="0" smtClean="0">
+              <a:rPr lang="en-US" sz="1600" dirty="0">
                 <a:latin typeface="Roboto Light" charset="0"/>
                 <a:ea typeface="Roboto Light" charset="0"/>
                 <a:cs typeface="Roboto Light" charset="0"/>
@@ -7573,14 +10441,14 @@
               <a:t> via </a:t>
             </a:r>
             <a:r>
-              <a:rPr lang="en-US" dirty="0" err="1" smtClean="0">
+              <a:rPr lang="en-US" sz="1600" dirty="0" err="1">
                 <a:latin typeface="Roboto Light" charset="0"/>
                 <a:ea typeface="Roboto Light" charset="0"/>
                 <a:cs typeface="Roboto Light" charset="0"/>
               </a:rPr>
               <a:t>Websocket</a:t>
             </a:r>
-            <a:endParaRPr lang="en-US" dirty="0" smtClean="0">
+            <a:endParaRPr lang="en-US" sz="1600" dirty="0">
               <a:latin typeface="Roboto Light" charset="0"/>
               <a:ea typeface="Roboto Light" charset="0"/>
               <a:cs typeface="Roboto Light" charset="0"/>
@@ -7592,7 +10460,7 @@
               <a:buChar char="•"/>
             </a:pPr>
             <a:r>
-              <a:rPr lang="en-US" dirty="0" err="1" smtClean="0">
+              <a:rPr lang="en-US" sz="1800" dirty="0" err="1">
                 <a:latin typeface="Roboto Light" charset="0"/>
                 <a:ea typeface="Roboto Light" charset="0"/>
                 <a:cs typeface="Roboto Light" charset="0"/>
@@ -7600,7 +10468,7 @@
               <a:t>Notizen</a:t>
             </a:r>
             <a:r>
-              <a:rPr lang="en-US" dirty="0" smtClean="0">
+              <a:rPr lang="en-US" sz="1800" dirty="0">
                 <a:latin typeface="Roboto Light" charset="0"/>
                 <a:ea typeface="Roboto Light" charset="0"/>
                 <a:cs typeface="Roboto Light" charset="0"/>
@@ -7608,14 +10476,14 @@
               <a:t> </a:t>
             </a:r>
             <a:r>
-              <a:rPr lang="en-US" dirty="0" err="1" smtClean="0">
+              <a:rPr lang="en-US" sz="1800" dirty="0" err="1">
                 <a:latin typeface="Roboto Light" charset="0"/>
                 <a:ea typeface="Roboto Light" charset="0"/>
                 <a:cs typeface="Roboto Light" charset="0"/>
               </a:rPr>
               <a:t>anschauen</a:t>
             </a:r>
-            <a:endParaRPr lang="en-US" dirty="0">
+            <a:endParaRPr lang="en-US" sz="1800" dirty="0">
               <a:latin typeface="Roboto Light" charset="0"/>
               <a:ea typeface="Roboto Light" charset="0"/>
               <a:cs typeface="Roboto Light" charset="0"/>
@@ -7627,7 +10495,7 @@
               <a:buChar char="•"/>
             </a:pPr>
             <a:r>
-              <a:rPr lang="en-US" dirty="0" smtClean="0">
+              <a:rPr lang="en-US" sz="1600" dirty="0">
                 <a:latin typeface="Roboto Light" charset="0"/>
                 <a:ea typeface="Roboto Light" charset="0"/>
                 <a:cs typeface="Roboto Light" charset="0"/>
@@ -7635,7 +10503,7 @@
               <a:t>Markdown Syntax </a:t>
             </a:r>
             <a:r>
-              <a:rPr lang="en-US" dirty="0" err="1" smtClean="0">
+              <a:rPr lang="en-US" sz="1600" dirty="0" err="1">
                 <a:latin typeface="Roboto Light" charset="0"/>
                 <a:ea typeface="Roboto Light" charset="0"/>
                 <a:cs typeface="Roboto Light" charset="0"/>
@@ -7643,7 +10511,7 @@
               <a:t>wird</a:t>
             </a:r>
             <a:r>
-              <a:rPr lang="en-US" dirty="0" smtClean="0">
+              <a:rPr lang="en-US" sz="1600" dirty="0">
                 <a:latin typeface="Roboto Light" charset="0"/>
                 <a:ea typeface="Roboto Light" charset="0"/>
                 <a:cs typeface="Roboto Light" charset="0"/>
@@ -7651,7 +10519,7 @@
               <a:t> </a:t>
             </a:r>
             <a:r>
-              <a:rPr lang="en-US" dirty="0" err="1" smtClean="0">
+              <a:rPr lang="en-US" sz="1600" dirty="0" err="1">
                 <a:latin typeface="Roboto Light" charset="0"/>
                 <a:ea typeface="Roboto Light" charset="0"/>
                 <a:cs typeface="Roboto Light" charset="0"/>
@@ -7659,7 +10527,7 @@
               <a:t>à</a:t>
             </a:r>
             <a:r>
-              <a:rPr lang="en-US" dirty="0" smtClean="0">
+              <a:rPr lang="en-US" sz="1600" dirty="0">
                 <a:latin typeface="Roboto Light" charset="0"/>
                 <a:ea typeface="Roboto Light" charset="0"/>
                 <a:cs typeface="Roboto Light" charset="0"/>
@@ -7667,14 +10535,14 @@
               <a:t> la GitHub </a:t>
             </a:r>
             <a:r>
-              <a:rPr lang="en-US" dirty="0" err="1" smtClean="0">
+              <a:rPr lang="en-US" sz="1600" dirty="0" err="1">
                 <a:latin typeface="Roboto Light" charset="0"/>
                 <a:ea typeface="Roboto Light" charset="0"/>
                 <a:cs typeface="Roboto Light" charset="0"/>
               </a:rPr>
               <a:t>dargestellt</a:t>
             </a:r>
-            <a:endParaRPr lang="en-US" dirty="0" smtClean="0">
+            <a:endParaRPr lang="en-US" sz="1600" dirty="0">
               <a:latin typeface="Roboto Light" charset="0"/>
               <a:ea typeface="Roboto Light" charset="0"/>
               <a:cs typeface="Roboto Light" charset="0"/>
@@ -7686,7 +10554,7 @@
               <a:buChar char="•"/>
             </a:pPr>
             <a:r>
-              <a:rPr lang="en-US" dirty="0" err="1" smtClean="0">
+              <a:rPr lang="en-US" sz="1800" dirty="0" err="1">
                 <a:latin typeface="Roboto Light" charset="0"/>
                 <a:ea typeface="Roboto Light" charset="0"/>
                 <a:cs typeface="Roboto Light" charset="0"/>
@@ -7694,7 +10562,7 @@
               <a:t>Notizen</a:t>
             </a:r>
             <a:r>
-              <a:rPr lang="en-US" dirty="0" smtClean="0">
+              <a:rPr lang="en-US" sz="1800" dirty="0">
                 <a:latin typeface="Roboto Light" charset="0"/>
                 <a:ea typeface="Roboto Light" charset="0"/>
                 <a:cs typeface="Roboto Light" charset="0"/>
@@ -7702,7 +10570,7 @@
               <a:t> </a:t>
             </a:r>
             <a:r>
-              <a:rPr lang="en-US" dirty="0" err="1" smtClean="0">
+              <a:rPr lang="en-US" sz="1800" dirty="0" err="1">
                 <a:latin typeface="Roboto Light" charset="0"/>
                 <a:ea typeface="Roboto Light" charset="0"/>
                 <a:cs typeface="Roboto Light" charset="0"/>
@@ -7710,7 +10578,7 @@
               <a:t>Inhalt</a:t>
             </a:r>
             <a:r>
-              <a:rPr lang="en-US" dirty="0" smtClean="0">
+              <a:rPr lang="en-US" sz="1800" dirty="0">
                 <a:latin typeface="Roboto Light" charset="0"/>
                 <a:ea typeface="Roboto Light" charset="0"/>
                 <a:cs typeface="Roboto Light" charset="0"/>
@@ -7718,7 +10586,7 @@
               <a:t> </a:t>
             </a:r>
             <a:r>
-              <a:rPr lang="en-US" dirty="0" err="1" smtClean="0">
+              <a:rPr lang="en-US" sz="1800" dirty="0" err="1">
                 <a:latin typeface="Roboto Light" charset="0"/>
                 <a:ea typeface="Roboto Light" charset="0"/>
                 <a:cs typeface="Roboto Light" charset="0"/>
@@ -7726,7 +10594,7 @@
               <a:t>bearbeiten</a:t>
             </a:r>
             <a:r>
-              <a:rPr lang="en-US" dirty="0" smtClean="0">
+              <a:rPr lang="en-US" sz="1800" dirty="0">
                 <a:latin typeface="Roboto Light" charset="0"/>
                 <a:ea typeface="Roboto Light" charset="0"/>
                 <a:cs typeface="Roboto Light" charset="0"/>
@@ -7734,7 +10602,7 @@
               <a:t> </a:t>
             </a:r>
             <a:r>
-              <a:rPr lang="en-US" dirty="0" err="1" smtClean="0">
+              <a:rPr lang="en-US" sz="1800" dirty="0" err="1">
                 <a:latin typeface="Roboto Light" charset="0"/>
                 <a:ea typeface="Roboto Light" charset="0"/>
                 <a:cs typeface="Roboto Light" charset="0"/>
@@ -7742,7 +10610,7 @@
               <a:t>oder</a:t>
             </a:r>
             <a:r>
-              <a:rPr lang="en-US" dirty="0" smtClean="0">
+              <a:rPr lang="en-US" sz="1800" dirty="0">
                 <a:latin typeface="Roboto Light" charset="0"/>
                 <a:ea typeface="Roboto Light" charset="0"/>
                 <a:cs typeface="Roboto Light" charset="0"/>
@@ -7750,7 +10618,7 @@
               <a:t> </a:t>
             </a:r>
             <a:r>
-              <a:rPr lang="en-US" dirty="0" err="1" smtClean="0">
+              <a:rPr lang="en-US" sz="1800" dirty="0" err="1">
                 <a:latin typeface="Roboto Light" charset="0"/>
                 <a:ea typeface="Roboto Light" charset="0"/>
                 <a:cs typeface="Roboto Light" charset="0"/>
@@ -7758,7 +10626,7 @@
               <a:t>gesamte</a:t>
             </a:r>
             <a:r>
-              <a:rPr lang="en-US" dirty="0" smtClean="0">
+              <a:rPr lang="en-US" sz="1800" dirty="0">
                 <a:latin typeface="Roboto Light" charset="0"/>
                 <a:ea typeface="Roboto Light" charset="0"/>
                 <a:cs typeface="Roboto Light" charset="0"/>
@@ -7766,7 +10634,7 @@
               <a:t> </a:t>
             </a:r>
             <a:r>
-              <a:rPr lang="en-US" dirty="0" err="1" smtClean="0">
+              <a:rPr lang="en-US" sz="1800" dirty="0" err="1">
                 <a:latin typeface="Roboto Light" charset="0"/>
                 <a:ea typeface="Roboto Light" charset="0"/>
                 <a:cs typeface="Roboto Light" charset="0"/>
@@ -7774,7 +10642,7 @@
               <a:t>Notiz</a:t>
             </a:r>
             <a:r>
-              <a:rPr lang="en-US" dirty="0" smtClean="0">
+              <a:rPr lang="en-US" sz="1800" dirty="0">
                 <a:latin typeface="Roboto Light" charset="0"/>
                 <a:ea typeface="Roboto Light" charset="0"/>
                 <a:cs typeface="Roboto Light" charset="0"/>
@@ -7782,14 +10650,14 @@
               <a:t> </a:t>
             </a:r>
             <a:r>
-              <a:rPr lang="en-US" dirty="0" err="1" smtClean="0">
+              <a:rPr lang="en-US" sz="1800" dirty="0" err="1">
                 <a:latin typeface="Roboto Light" charset="0"/>
                 <a:ea typeface="Roboto Light" charset="0"/>
                 <a:cs typeface="Roboto Light" charset="0"/>
               </a:rPr>
               <a:t>löschen</a:t>
             </a:r>
-            <a:endParaRPr lang="en-US" dirty="0" smtClean="0">
+            <a:endParaRPr lang="en-US" sz="1800" dirty="0">
               <a:latin typeface="Roboto Light" charset="0"/>
               <a:ea typeface="Roboto Light" charset="0"/>
               <a:cs typeface="Roboto Light" charset="0"/>
@@ -7797,6 +10665,53 @@
           </a:p>
         </p:txBody>
       </p:sp>
+      <p:pic>
+        <p:nvPicPr>
+          <p:cNvPr id="1028" name="Picture 4" descr="Image result">
+            <a:extLst>
+              <a:ext uri="{FF2B5EF4-FFF2-40B4-BE49-F238E27FC236}">
+                <a16:creationId xmlns:a16="http://schemas.microsoft.com/office/drawing/2014/main" id="{0DAD068A-845C-4394-A7C9-801E9FB7281B}"/>
+              </a:ext>
+            </a:extLst>
+          </p:cNvPr>
+          <p:cNvPicPr>
+            <a:picLocks noChangeAspect="1" noChangeArrowheads="1"/>
+          </p:cNvPicPr>
+          <p:nvPr/>
+        </p:nvPicPr>
+        <p:blipFill>
+          <a:blip r:embed="rId2">
+            <a:extLst>
+              <a:ext uri="{28A0092B-C50C-407E-A947-70E740481C1C}">
+                <a14:useLocalDpi xmlns:a14="http://schemas.microsoft.com/office/drawing/2010/main" val="0"/>
+              </a:ext>
+            </a:extLst>
+          </a:blip>
+          <a:srcRect/>
+          <a:stretch>
+            <a:fillRect/>
+          </a:stretch>
+        </p:blipFill>
+        <p:spPr bwMode="auto">
+          <a:xfrm>
+            <a:off x="7637145" y="1824820"/>
+            <a:ext cx="3168015" cy="4044274"/>
+          </a:xfrm>
+          <a:prstGeom prst="rect">
+            <a:avLst/>
+          </a:prstGeom>
+          <a:noFill/>
+          <a:extLst>
+            <a:ext uri="{909E8E84-426E-40DD-AFC4-6F175D3DCCD1}">
+              <a14:hiddenFill xmlns:a14="http://schemas.microsoft.com/office/drawing/2010/main">
+                <a:solidFill>
+                  <a:srgbClr val="FFFFFF"/>
+                </a:solidFill>
+              </a14:hiddenFill>
+            </a:ext>
+          </a:extLst>
+        </p:spPr>
+      </p:pic>
     </p:spTree>
     <p:extLst>
       <p:ext uri="{BB962C8B-B14F-4D97-AF65-F5344CB8AC3E}">
@@ -7807,17 +10722,10 @@
   <p:clrMapOvr>
     <a:masterClrMapping/>
   </p:clrMapOvr>
-  <p:timing>
-    <p:tnLst>
-      <p:par>
-        <p:cTn id="1" dur="indefinite" restart="never" nodeType="tmRoot"/>
-      </p:par>
-    </p:tnLst>
-  </p:timing>
 </p:sld>
 </file>
 
-<file path=ppt/slides/slide3.xml><?xml version="1.0" encoding="utf-8"?>
+<file path=ppt/slides/slide7.xml><?xml version="1.0" encoding="utf-8"?>
 <p:sld xmlns:a="http://schemas.openxmlformats.org/drawingml/2006/main" xmlns:r="http://schemas.openxmlformats.org/officeDocument/2006/relationships" xmlns:p="http://schemas.openxmlformats.org/presentationml/2006/main">
   <p:cSld>
     <p:spTree>
@@ -7850,12 +10758,8 @@
           <a:lstStyle/>
           <a:p>
             <a:r>
-              <a:rPr lang="en-US" dirty="0" err="1" smtClean="0">
-                <a:latin typeface="Roboto Medium" charset="0"/>
-                <a:ea typeface="Roboto Medium" charset="0"/>
-                <a:cs typeface="Roboto Medium" charset="0"/>
-              </a:rPr>
-              <a:t>Arbeitsteilung</a:t>
+              <a:rPr lang="en-US" dirty="0" err="1"/>
+              <a:t>Teambildungsprozess</a:t>
             </a:r>
             <a:r>
               <a:rPr lang="en-US" dirty="0">
@@ -7864,6 +10768,18 @@
                 <a:cs typeface="Roboto Medium" charset="0"/>
               </a:rPr>
               <a:t> </a:t>
+            </a:r>
+            <a:r>
+              <a:rPr lang="en-US" dirty="0"/>
+              <a:t>(</a:t>
+            </a:r>
+            <a:r>
+              <a:rPr lang="en-US" dirty="0" err="1"/>
+              <a:t>Tuckmann</a:t>
+            </a:r>
+            <a:r>
+              <a:rPr lang="en-US" dirty="0"/>
+              <a:t>)</a:t>
             </a:r>
           </a:p>
         </p:txBody>
@@ -7883,6 +10799,737 @@
           <a:bodyPr/>
           <a:lstStyle/>
           <a:p>
+            <a:r>
+              <a:rPr lang="en-US" i="1" dirty="0">
+                <a:latin typeface="Roboto Light" charset="0"/>
+                <a:ea typeface="Roboto Light" charset="0"/>
+                <a:cs typeface="Roboto Light" charset="0"/>
+              </a:rPr>
+              <a:t>Forming</a:t>
+            </a:r>
+          </a:p>
+          <a:p>
+            <a:pPr lvl="1"/>
+            <a:r>
+              <a:rPr lang="en-US" dirty="0" err="1">
+                <a:latin typeface="Roboto Light" charset="0"/>
+                <a:ea typeface="Roboto Light" charset="0"/>
+                <a:cs typeface="Roboto Light" charset="0"/>
+              </a:rPr>
+              <a:t>Wir</a:t>
+            </a:r>
+            <a:r>
+              <a:rPr lang="en-US" dirty="0">
+                <a:latin typeface="Roboto Light" charset="0"/>
+                <a:ea typeface="Roboto Light" charset="0"/>
+                <a:cs typeface="Roboto Light" charset="0"/>
+              </a:rPr>
+              <a:t> </a:t>
+            </a:r>
+            <a:r>
+              <a:rPr lang="en-US" dirty="0" err="1">
+                <a:latin typeface="Roboto Light" charset="0"/>
+                <a:ea typeface="Roboto Light" charset="0"/>
+                <a:cs typeface="Roboto Light" charset="0"/>
+              </a:rPr>
+              <a:t>kennen</a:t>
+            </a:r>
+            <a:r>
+              <a:rPr lang="en-US" dirty="0">
+                <a:latin typeface="Roboto Light" charset="0"/>
+                <a:ea typeface="Roboto Light" charset="0"/>
+                <a:cs typeface="Roboto Light" charset="0"/>
+              </a:rPr>
+              <a:t> </a:t>
+            </a:r>
+            <a:r>
+              <a:rPr lang="en-US" dirty="0" err="1">
+                <a:latin typeface="Roboto Light" charset="0"/>
+                <a:ea typeface="Roboto Light" charset="0"/>
+                <a:cs typeface="Roboto Light" charset="0"/>
+              </a:rPr>
+              <a:t>uns</a:t>
+            </a:r>
+            <a:r>
+              <a:rPr lang="en-US" dirty="0">
+                <a:latin typeface="Roboto Light" charset="0"/>
+                <a:ea typeface="Roboto Light" charset="0"/>
+                <a:cs typeface="Roboto Light" charset="0"/>
+              </a:rPr>
+              <a:t> </a:t>
+            </a:r>
+            <a:r>
+              <a:rPr lang="en-US" dirty="0" err="1">
+                <a:latin typeface="Roboto Light" charset="0"/>
+                <a:ea typeface="Roboto Light" charset="0"/>
+                <a:cs typeface="Roboto Light" charset="0"/>
+              </a:rPr>
+              <a:t>bereits</a:t>
+            </a:r>
+            <a:r>
+              <a:rPr lang="en-US" dirty="0">
+                <a:latin typeface="Roboto Light" charset="0"/>
+                <a:ea typeface="Roboto Light" charset="0"/>
+                <a:cs typeface="Roboto Light" charset="0"/>
+              </a:rPr>
+              <a:t> gut und da </a:t>
+            </a:r>
+            <a:r>
+              <a:rPr lang="en-US" dirty="0" err="1">
+                <a:latin typeface="Roboto Light" charset="0"/>
+                <a:ea typeface="Roboto Light" charset="0"/>
+                <a:cs typeface="Roboto Light" charset="0"/>
+              </a:rPr>
+              <a:t>formte</a:t>
+            </a:r>
+            <a:r>
+              <a:rPr lang="en-US" dirty="0">
+                <a:latin typeface="Roboto Light" charset="0"/>
+                <a:ea typeface="Roboto Light" charset="0"/>
+                <a:cs typeface="Roboto Light" charset="0"/>
+              </a:rPr>
+              <a:t> </a:t>
+            </a:r>
+            <a:r>
+              <a:rPr lang="en-US" dirty="0" err="1">
+                <a:latin typeface="Roboto Light" charset="0"/>
+                <a:ea typeface="Roboto Light" charset="0"/>
+                <a:cs typeface="Roboto Light" charset="0"/>
+              </a:rPr>
+              <a:t>sich</a:t>
+            </a:r>
+            <a:r>
+              <a:rPr lang="en-US" dirty="0">
+                <a:latin typeface="Roboto Light" charset="0"/>
+                <a:ea typeface="Roboto Light" charset="0"/>
+                <a:cs typeface="Roboto Light" charset="0"/>
+              </a:rPr>
+              <a:t> die Gruppe </a:t>
+            </a:r>
+            <a:r>
+              <a:rPr lang="en-US" dirty="0" err="1">
+                <a:latin typeface="Roboto Light" charset="0"/>
+                <a:ea typeface="Roboto Light" charset="0"/>
+                <a:cs typeface="Roboto Light" charset="0"/>
+              </a:rPr>
+              <a:t>recht</a:t>
+            </a:r>
+            <a:r>
+              <a:rPr lang="en-US" dirty="0">
+                <a:latin typeface="Roboto Light" charset="0"/>
+                <a:ea typeface="Roboto Light" charset="0"/>
+                <a:cs typeface="Roboto Light" charset="0"/>
+              </a:rPr>
+              <a:t> </a:t>
+            </a:r>
+            <a:r>
+              <a:rPr lang="en-US" dirty="0" err="1">
+                <a:latin typeface="Roboto Light" charset="0"/>
+                <a:ea typeface="Roboto Light" charset="0"/>
+                <a:cs typeface="Roboto Light" charset="0"/>
+              </a:rPr>
+              <a:t>schnell</a:t>
+            </a:r>
+            <a:r>
+              <a:rPr lang="en-US" dirty="0">
+                <a:latin typeface="Roboto Light" charset="0"/>
+                <a:ea typeface="Roboto Light" charset="0"/>
+                <a:cs typeface="Roboto Light" charset="0"/>
+              </a:rPr>
+              <a:t>.</a:t>
+            </a:r>
+          </a:p>
+          <a:p>
+            <a:r>
+              <a:rPr lang="en-US" i="1" dirty="0">
+                <a:latin typeface="Roboto Light" charset="0"/>
+                <a:ea typeface="Roboto Light" charset="0"/>
+                <a:cs typeface="Roboto Light" charset="0"/>
+              </a:rPr>
+              <a:t>Storming</a:t>
+            </a:r>
+          </a:p>
+          <a:p>
+            <a:pPr lvl="1"/>
+            <a:r>
+              <a:rPr lang="en-US" dirty="0" err="1">
+                <a:latin typeface="Roboto Light" charset="0"/>
+                <a:ea typeface="Roboto Light" charset="0"/>
+                <a:cs typeface="Roboto Light" charset="0"/>
+              </a:rPr>
+              <a:t>Wir</a:t>
+            </a:r>
+            <a:r>
+              <a:rPr lang="en-US" dirty="0">
+                <a:latin typeface="Roboto Light" charset="0"/>
+                <a:ea typeface="Roboto Light" charset="0"/>
+                <a:cs typeface="Roboto Light" charset="0"/>
+              </a:rPr>
+              <a:t> </a:t>
+            </a:r>
+            <a:r>
+              <a:rPr lang="en-US" dirty="0" err="1">
+                <a:latin typeface="Roboto Light" charset="0"/>
+                <a:ea typeface="Roboto Light" charset="0"/>
+                <a:cs typeface="Roboto Light" charset="0"/>
+              </a:rPr>
+              <a:t>kamen</a:t>
+            </a:r>
+            <a:r>
+              <a:rPr lang="en-US" dirty="0">
+                <a:latin typeface="Roboto Light" charset="0"/>
+                <a:ea typeface="Roboto Light" charset="0"/>
+                <a:cs typeface="Roboto Light" charset="0"/>
+              </a:rPr>
+              <a:t> </a:t>
+            </a:r>
+            <a:r>
+              <a:rPr lang="en-US" dirty="0" err="1">
+                <a:latin typeface="Roboto Light" charset="0"/>
+                <a:ea typeface="Roboto Light" charset="0"/>
+                <a:cs typeface="Roboto Light" charset="0"/>
+              </a:rPr>
+              <a:t>schnell</a:t>
+            </a:r>
+            <a:r>
+              <a:rPr lang="en-US" dirty="0">
+                <a:latin typeface="Roboto Light" charset="0"/>
+                <a:ea typeface="Roboto Light" charset="0"/>
+                <a:cs typeface="Roboto Light" charset="0"/>
+              </a:rPr>
+              <a:t> auf </a:t>
+            </a:r>
+            <a:r>
+              <a:rPr lang="en-US" dirty="0" err="1">
+                <a:latin typeface="Roboto Light" charset="0"/>
+                <a:ea typeface="Roboto Light" charset="0"/>
+                <a:cs typeface="Roboto Light" charset="0"/>
+              </a:rPr>
+              <a:t>eine</a:t>
+            </a:r>
+            <a:r>
+              <a:rPr lang="en-US" dirty="0">
+                <a:latin typeface="Roboto Light" charset="0"/>
+                <a:ea typeface="Roboto Light" charset="0"/>
+                <a:cs typeface="Roboto Light" charset="0"/>
+              </a:rPr>
+              <a:t> </a:t>
+            </a:r>
+            <a:r>
+              <a:rPr lang="en-US" dirty="0" err="1">
+                <a:latin typeface="Roboto Light" charset="0"/>
+                <a:ea typeface="Roboto Light" charset="0"/>
+                <a:cs typeface="Roboto Light" charset="0"/>
+              </a:rPr>
+              <a:t>Idee</a:t>
+            </a:r>
+            <a:r>
+              <a:rPr lang="en-US" dirty="0">
+                <a:latin typeface="Roboto Light" charset="0"/>
+                <a:ea typeface="Roboto Light" charset="0"/>
+                <a:cs typeface="Roboto Light" charset="0"/>
+              </a:rPr>
+              <a:t>, </a:t>
+            </a:r>
+            <a:r>
+              <a:rPr lang="en-US" dirty="0" err="1">
+                <a:latin typeface="Roboto Light" charset="0"/>
+                <a:ea typeface="Roboto Light" charset="0"/>
+                <a:cs typeface="Roboto Light" charset="0"/>
+              </a:rPr>
+              <a:t>weshalb</a:t>
+            </a:r>
+            <a:r>
+              <a:rPr lang="en-US" dirty="0">
+                <a:latin typeface="Roboto Light" charset="0"/>
+                <a:ea typeface="Roboto Light" charset="0"/>
+                <a:cs typeface="Roboto Light" charset="0"/>
+              </a:rPr>
+              <a:t> </a:t>
+            </a:r>
+            <a:r>
+              <a:rPr lang="en-US" dirty="0" err="1">
+                <a:latin typeface="Roboto Light" charset="0"/>
+                <a:ea typeface="Roboto Light" charset="0"/>
+                <a:cs typeface="Roboto Light" charset="0"/>
+              </a:rPr>
+              <a:t>diese</a:t>
+            </a:r>
+            <a:r>
+              <a:rPr lang="en-US" dirty="0">
+                <a:latin typeface="Roboto Light" charset="0"/>
+                <a:ea typeface="Roboto Light" charset="0"/>
+                <a:cs typeface="Roboto Light" charset="0"/>
+              </a:rPr>
+              <a:t> Phase </a:t>
+            </a:r>
+            <a:r>
+              <a:rPr lang="en-US" dirty="0" err="1">
+                <a:latin typeface="Roboto Light" charset="0"/>
+                <a:ea typeface="Roboto Light" charset="0"/>
+                <a:cs typeface="Roboto Light" charset="0"/>
+              </a:rPr>
+              <a:t>nicht</a:t>
+            </a:r>
+            <a:r>
+              <a:rPr lang="en-US" dirty="0">
+                <a:latin typeface="Roboto Light" charset="0"/>
+                <a:ea typeface="Roboto Light" charset="0"/>
+                <a:cs typeface="Roboto Light" charset="0"/>
+              </a:rPr>
+              <a:t> </a:t>
+            </a:r>
+            <a:r>
+              <a:rPr lang="en-US" dirty="0" err="1">
+                <a:latin typeface="Roboto Light" charset="0"/>
+                <a:ea typeface="Roboto Light" charset="0"/>
+                <a:cs typeface="Roboto Light" charset="0"/>
+              </a:rPr>
+              <a:t>lange</a:t>
+            </a:r>
+            <a:r>
+              <a:rPr lang="en-US" dirty="0">
+                <a:latin typeface="Roboto Light" charset="0"/>
+                <a:ea typeface="Roboto Light" charset="0"/>
+                <a:cs typeface="Roboto Light" charset="0"/>
+              </a:rPr>
+              <a:t> </a:t>
+            </a:r>
+            <a:r>
+              <a:rPr lang="en-US" dirty="0" err="1">
+                <a:latin typeface="Roboto Light" charset="0"/>
+                <a:ea typeface="Roboto Light" charset="0"/>
+                <a:cs typeface="Roboto Light" charset="0"/>
+              </a:rPr>
+              <a:t>anhielt</a:t>
+            </a:r>
+            <a:endParaRPr lang="en-US" dirty="0">
+              <a:latin typeface="Roboto Light" charset="0"/>
+              <a:ea typeface="Roboto Light" charset="0"/>
+              <a:cs typeface="Roboto Light" charset="0"/>
+            </a:endParaRPr>
+          </a:p>
+          <a:p>
+            <a:r>
+              <a:rPr lang="en-US" i="1" dirty="0">
+                <a:latin typeface="Roboto Light" charset="0"/>
+                <a:ea typeface="Roboto Light" charset="0"/>
+                <a:cs typeface="Roboto Light" charset="0"/>
+              </a:rPr>
+              <a:t>Norming</a:t>
+            </a:r>
+          </a:p>
+          <a:p>
+            <a:pPr lvl="1"/>
+            <a:r>
+              <a:rPr lang="en-US" dirty="0" err="1">
+                <a:latin typeface="Roboto Light" charset="0"/>
+                <a:ea typeface="Roboto Light" charset="0"/>
+                <a:cs typeface="Roboto Light" charset="0"/>
+              </a:rPr>
+              <a:t>Mit</a:t>
+            </a:r>
+            <a:r>
+              <a:rPr lang="en-US" dirty="0">
+                <a:latin typeface="Roboto Light" charset="0"/>
+                <a:ea typeface="Roboto Light" charset="0"/>
+                <a:cs typeface="Roboto Light" charset="0"/>
+              </a:rPr>
+              <a:t> </a:t>
+            </a:r>
+            <a:r>
+              <a:rPr lang="en-US" dirty="0" err="1">
+                <a:latin typeface="Roboto Light" charset="0"/>
+                <a:ea typeface="Roboto Light" charset="0"/>
+                <a:cs typeface="Roboto Light" charset="0"/>
+              </a:rPr>
+              <a:t>dem</a:t>
+            </a:r>
+            <a:r>
+              <a:rPr lang="en-US" dirty="0">
+                <a:latin typeface="Roboto Light" charset="0"/>
+                <a:ea typeface="Roboto Light" charset="0"/>
+                <a:cs typeface="Roboto Light" charset="0"/>
+              </a:rPr>
+              <a:t> </a:t>
+            </a:r>
+            <a:r>
+              <a:rPr lang="en-US" dirty="0" err="1">
+                <a:latin typeface="Roboto Light" charset="0"/>
+                <a:ea typeface="Roboto Light" charset="0"/>
+                <a:cs typeface="Roboto Light" charset="0"/>
+              </a:rPr>
+              <a:t>InvestorsPitch</a:t>
+            </a:r>
+            <a:r>
+              <a:rPr lang="en-US" dirty="0">
+                <a:latin typeface="Roboto Light" charset="0"/>
+                <a:ea typeface="Roboto Light" charset="0"/>
+                <a:cs typeface="Roboto Light" charset="0"/>
+              </a:rPr>
+              <a:t> </a:t>
+            </a:r>
+            <a:r>
+              <a:rPr lang="en-US" dirty="0" err="1">
+                <a:latin typeface="Roboto Light" charset="0"/>
+                <a:ea typeface="Roboto Light" charset="0"/>
+                <a:cs typeface="Roboto Light" charset="0"/>
+              </a:rPr>
+              <a:t>konnten</a:t>
+            </a:r>
+            <a:r>
+              <a:rPr lang="en-US" dirty="0">
+                <a:latin typeface="Roboto Light" charset="0"/>
+                <a:ea typeface="Roboto Light" charset="0"/>
+                <a:cs typeface="Roboto Light" charset="0"/>
+              </a:rPr>
+              <a:t> </a:t>
+            </a:r>
+            <a:r>
+              <a:rPr lang="en-US" dirty="0" err="1">
+                <a:latin typeface="Roboto Light" charset="0"/>
+                <a:ea typeface="Roboto Light" charset="0"/>
+                <a:cs typeface="Roboto Light" charset="0"/>
+              </a:rPr>
+              <a:t>wir</a:t>
+            </a:r>
+            <a:r>
+              <a:rPr lang="en-US" dirty="0">
+                <a:latin typeface="Roboto Light" charset="0"/>
+                <a:ea typeface="Roboto Light" charset="0"/>
+                <a:cs typeface="Roboto Light" charset="0"/>
+              </a:rPr>
+              <a:t> </a:t>
+            </a:r>
+            <a:r>
+              <a:rPr lang="en-US" dirty="0" err="1">
+                <a:latin typeface="Roboto Light" charset="0"/>
+                <a:ea typeface="Roboto Light" charset="0"/>
+                <a:cs typeface="Roboto Light" charset="0"/>
+              </a:rPr>
+              <a:t>diese</a:t>
+            </a:r>
+            <a:r>
+              <a:rPr lang="en-US" dirty="0">
+                <a:latin typeface="Roboto Light" charset="0"/>
+                <a:ea typeface="Roboto Light" charset="0"/>
+                <a:cs typeface="Roboto Light" charset="0"/>
+              </a:rPr>
+              <a:t> Phase </a:t>
+            </a:r>
+            <a:r>
+              <a:rPr lang="en-US" dirty="0" err="1">
+                <a:latin typeface="Roboto Light" charset="0"/>
+                <a:ea typeface="Roboto Light" charset="0"/>
+                <a:cs typeface="Roboto Light" charset="0"/>
+              </a:rPr>
+              <a:t>abschliessen</a:t>
+            </a:r>
+            <a:endParaRPr lang="en-US" dirty="0">
+              <a:latin typeface="Roboto Light" charset="0"/>
+              <a:ea typeface="Roboto Light" charset="0"/>
+              <a:cs typeface="Roboto Light" charset="0"/>
+            </a:endParaRPr>
+          </a:p>
+          <a:p>
+            <a:r>
+              <a:rPr lang="en-US" i="1" dirty="0">
+                <a:latin typeface="Roboto Light" charset="0"/>
+                <a:ea typeface="Roboto Light" charset="0"/>
+                <a:cs typeface="Roboto Light" charset="0"/>
+              </a:rPr>
+              <a:t>Performing</a:t>
+            </a:r>
+          </a:p>
+          <a:p>
+            <a:pPr lvl="1"/>
+            <a:r>
+              <a:rPr lang="en-US" dirty="0">
+                <a:latin typeface="Roboto Light" charset="0"/>
+                <a:ea typeface="Roboto Light" charset="0"/>
+                <a:cs typeface="Roboto Light" charset="0"/>
+              </a:rPr>
+              <a:t>Die </a:t>
+            </a:r>
+            <a:r>
+              <a:rPr lang="en-US" dirty="0" err="1">
+                <a:latin typeface="Roboto Light" charset="0"/>
+                <a:ea typeface="Roboto Light" charset="0"/>
+                <a:cs typeface="Roboto Light" charset="0"/>
+              </a:rPr>
+              <a:t>längste</a:t>
+            </a:r>
+            <a:r>
+              <a:rPr lang="en-US" dirty="0">
+                <a:latin typeface="Roboto Light" charset="0"/>
+                <a:ea typeface="Roboto Light" charset="0"/>
+                <a:cs typeface="Roboto Light" charset="0"/>
+              </a:rPr>
+              <a:t> Phase</a:t>
+            </a:r>
+          </a:p>
+          <a:p>
+            <a:pPr lvl="1"/>
+            <a:r>
+              <a:rPr lang="en-US" dirty="0" err="1">
+                <a:latin typeface="Roboto Light" charset="0"/>
+                <a:ea typeface="Roboto Light" charset="0"/>
+                <a:cs typeface="Roboto Light" charset="0"/>
+              </a:rPr>
+              <a:t>Implementationsphase</a:t>
+            </a:r>
+            <a:endParaRPr lang="en-US" dirty="0">
+              <a:latin typeface="Roboto Light" charset="0"/>
+              <a:ea typeface="Roboto Light" charset="0"/>
+              <a:cs typeface="Roboto Light" charset="0"/>
+            </a:endParaRPr>
+          </a:p>
+          <a:p>
+            <a:pPr lvl="1"/>
+            <a:r>
+              <a:rPr lang="en-US" dirty="0" err="1">
+                <a:latin typeface="Roboto Light" charset="0"/>
+                <a:ea typeface="Roboto Light" charset="0"/>
+                <a:cs typeface="Roboto Light" charset="0"/>
+              </a:rPr>
+              <a:t>Viel</a:t>
+            </a:r>
+            <a:r>
+              <a:rPr lang="en-US" dirty="0">
+                <a:latin typeface="Roboto Light" charset="0"/>
+                <a:ea typeface="Roboto Light" charset="0"/>
+                <a:cs typeface="Roboto Light" charset="0"/>
+              </a:rPr>
+              <a:t> </a:t>
+            </a:r>
+            <a:r>
+              <a:rPr lang="en-US" dirty="0" err="1">
+                <a:latin typeface="Roboto Light" charset="0"/>
+                <a:ea typeface="Roboto Light" charset="0"/>
+                <a:cs typeface="Roboto Light" charset="0"/>
+              </a:rPr>
+              <a:t>Kommunikation</a:t>
+            </a:r>
+            <a:endParaRPr lang="en-US" dirty="0">
+              <a:latin typeface="Roboto Light" charset="0"/>
+              <a:ea typeface="Roboto Light" charset="0"/>
+              <a:cs typeface="Roboto Light" charset="0"/>
+            </a:endParaRPr>
+          </a:p>
+        </p:txBody>
+      </p:sp>
+    </p:spTree>
+    <p:extLst>
+      <p:ext uri="{BB962C8B-B14F-4D97-AF65-F5344CB8AC3E}">
+        <p14:creationId xmlns:p14="http://schemas.microsoft.com/office/powerpoint/2010/main" val="272765087"/>
+      </p:ext>
+    </p:extLst>
+  </p:cSld>
+  <p:clrMapOvr>
+    <a:masterClrMapping/>
+  </p:clrMapOvr>
+</p:sld>
+</file>
+
+<file path=ppt/slides/slide8.xml><?xml version="1.0" encoding="utf-8"?>
+<p:sld xmlns:a="http://schemas.openxmlformats.org/drawingml/2006/main" xmlns:r="http://schemas.openxmlformats.org/officeDocument/2006/relationships" xmlns:p="http://schemas.openxmlformats.org/presentationml/2006/main">
+  <p:cSld>
+    <p:spTree>
+      <p:nvGrpSpPr>
+        <p:cNvPr id="1" name=""/>
+        <p:cNvGrpSpPr/>
+        <p:nvPr/>
+      </p:nvGrpSpPr>
+      <p:grpSpPr>
+        <a:xfrm>
+          <a:off x="0" y="0"/>
+          <a:ext cx="0" cy="0"/>
+          <a:chOff x="0" y="0"/>
+          <a:chExt cx="0" cy="0"/>
+        </a:xfrm>
+      </p:grpSpPr>
+      <p:sp>
+        <p:nvSpPr>
+          <p:cNvPr id="2" name="Titel 1">
+            <a:extLst>
+              <a:ext uri="{FF2B5EF4-FFF2-40B4-BE49-F238E27FC236}">
+                <a16:creationId xmlns:a16="http://schemas.microsoft.com/office/drawing/2014/main" id="{0412995C-1E2F-422A-B992-6A5FBC842385}"/>
+              </a:ext>
+            </a:extLst>
+          </p:cNvPr>
+          <p:cNvSpPr>
+            <a:spLocks noGrp="1"/>
+          </p:cNvSpPr>
+          <p:nvPr>
+            <p:ph type="title"/>
+          </p:nvPr>
+        </p:nvSpPr>
+        <p:spPr/>
+        <p:txBody>
+          <a:bodyPr/>
+          <a:lstStyle/>
+          <a:p>
+            <a:r>
+              <a:rPr lang="de-CH" dirty="0"/>
+              <a:t>Rahmenbedingungen</a:t>
+            </a:r>
+          </a:p>
+        </p:txBody>
+      </p:sp>
+      <p:sp>
+        <p:nvSpPr>
+          <p:cNvPr id="4" name="Inhaltsplatzhalter 3">
+            <a:extLst>
+              <a:ext uri="{FF2B5EF4-FFF2-40B4-BE49-F238E27FC236}">
+                <a16:creationId xmlns:a16="http://schemas.microsoft.com/office/drawing/2014/main" id="{EA24E786-A72D-4BD4-86B8-28558FAC1710}"/>
+              </a:ext>
+            </a:extLst>
+          </p:cNvPr>
+          <p:cNvSpPr>
+            <a:spLocks noGrp="1"/>
+          </p:cNvSpPr>
+          <p:nvPr>
+            <p:ph sz="half" idx="1"/>
+          </p:nvPr>
+        </p:nvSpPr>
+        <p:spPr/>
+        <p:txBody>
+          <a:bodyPr/>
+          <a:lstStyle/>
+          <a:p>
+            <a:endParaRPr lang="de-CH" dirty="0"/>
+          </a:p>
+        </p:txBody>
+      </p:sp>
+      <p:pic>
+        <p:nvPicPr>
+          <p:cNvPr id="2050" name="Picture 2" descr="Image result for magisches dreieck">
+            <a:extLst>
+              <a:ext uri="{FF2B5EF4-FFF2-40B4-BE49-F238E27FC236}">
+                <a16:creationId xmlns:a16="http://schemas.microsoft.com/office/drawing/2014/main" id="{23449F84-BA65-44E7-986A-42D77702E06C}"/>
+              </a:ext>
+            </a:extLst>
+          </p:cNvPr>
+          <p:cNvPicPr>
+            <a:picLocks noGrp="1" noChangeAspect="1" noChangeArrowheads="1"/>
+          </p:cNvPicPr>
+          <p:nvPr>
+            <p:ph sz="half" idx="2"/>
+          </p:nvPr>
+        </p:nvPicPr>
+        <p:blipFill>
+          <a:blip r:embed="rId2">
+            <a:extLst>
+              <a:ext uri="{28A0092B-C50C-407E-A947-70E740481C1C}">
+                <a14:useLocalDpi xmlns:a14="http://schemas.microsoft.com/office/drawing/2010/main" val="0"/>
+              </a:ext>
+            </a:extLst>
+          </a:blip>
+          <a:srcRect/>
+          <a:stretch>
+            <a:fillRect/>
+          </a:stretch>
+        </p:blipFill>
+        <p:spPr bwMode="auto">
+          <a:xfrm>
+            <a:off x="6595987" y="1846263"/>
+            <a:ext cx="4181626" cy="4022725"/>
+          </a:xfrm>
+          <a:prstGeom prst="rect">
+            <a:avLst/>
+          </a:prstGeom>
+          <a:noFill/>
+          <a:extLst>
+            <a:ext uri="{909E8E84-426E-40DD-AFC4-6F175D3DCCD1}">
+              <a14:hiddenFill xmlns:a14="http://schemas.microsoft.com/office/drawing/2010/main">
+                <a:solidFill>
+                  <a:srgbClr val="FFFFFF"/>
+                </a:solidFill>
+              </a14:hiddenFill>
+            </a:ext>
+          </a:extLst>
+        </p:spPr>
+      </p:pic>
+    </p:spTree>
+    <p:extLst>
+      <p:ext uri="{BB962C8B-B14F-4D97-AF65-F5344CB8AC3E}">
+        <p14:creationId xmlns:p14="http://schemas.microsoft.com/office/powerpoint/2010/main" val="1859164449"/>
+      </p:ext>
+    </p:extLst>
+  </p:cSld>
+  <p:clrMapOvr>
+    <a:masterClrMapping/>
+  </p:clrMapOvr>
+</p:sld>
+</file>
+
+<file path=ppt/slides/slide9.xml><?xml version="1.0" encoding="utf-8"?>
+<p:sld xmlns:a="http://schemas.openxmlformats.org/drawingml/2006/main" xmlns:r="http://schemas.openxmlformats.org/officeDocument/2006/relationships" xmlns:p="http://schemas.openxmlformats.org/presentationml/2006/main">
+  <p:cSld>
+    <p:spTree>
+      <p:nvGrpSpPr>
+        <p:cNvPr id="1" name=""/>
+        <p:cNvGrpSpPr/>
+        <p:nvPr/>
+      </p:nvGrpSpPr>
+      <p:grpSpPr>
+        <a:xfrm>
+          <a:off x="0" y="0"/>
+          <a:ext cx="0" cy="0"/>
+          <a:chOff x="0" y="0"/>
+          <a:chExt cx="0" cy="0"/>
+        </a:xfrm>
+      </p:grpSpPr>
+      <p:sp>
+        <p:nvSpPr>
+          <p:cNvPr id="2" name="Title 1"/>
+          <p:cNvSpPr>
+            <a:spLocks noGrp="1"/>
+          </p:cNvSpPr>
+          <p:nvPr>
+            <p:ph type="title"/>
+          </p:nvPr>
+        </p:nvSpPr>
+        <p:spPr/>
+        <p:txBody>
+          <a:bodyPr/>
+          <a:lstStyle/>
+          <a:p>
+            <a:r>
+              <a:rPr lang="en-US" dirty="0" err="1"/>
+              <a:t>Arbeitsverteilung</a:t>
+            </a:r>
+            <a:r>
+              <a:rPr lang="en-US" dirty="0">
+                <a:latin typeface="Roboto Medium" charset="0"/>
+                <a:ea typeface="Roboto Medium" charset="0"/>
+                <a:cs typeface="Roboto Medium" charset="0"/>
+              </a:rPr>
+              <a:t> </a:t>
+            </a:r>
+          </a:p>
+        </p:txBody>
+      </p:sp>
+      <p:sp>
+        <p:nvSpPr>
+          <p:cNvPr id="3" name="Content Placeholder 2"/>
+          <p:cNvSpPr>
+            <a:spLocks noGrp="1"/>
+          </p:cNvSpPr>
+          <p:nvPr>
+            <p:ph idx="1"/>
+          </p:nvPr>
+        </p:nvSpPr>
+        <p:spPr>
+          <a:xfrm>
+            <a:off x="1097280" y="1982894"/>
+            <a:ext cx="10058400" cy="4023360"/>
+          </a:xfrm>
+        </p:spPr>
+        <p:txBody>
+          <a:bodyPr/>
+          <a:lstStyle/>
+          <a:p>
             <a:pPr>
               <a:lnSpc>
                 <a:spcPct val="100000"/>
@@ -7892,12 +11539,20 @@
               </a:spcBef>
             </a:pPr>
             <a:r>
-              <a:rPr lang="en-US" dirty="0" smtClean="0">
-                <a:latin typeface="Roboto Light" charset="0"/>
-                <a:ea typeface="Roboto Light" charset="0"/>
-                <a:cs typeface="Roboto Light" charset="0"/>
-              </a:rPr>
-              <a:t>Frontend: Leonard, Fabian </a:t>
+              <a:rPr lang="en-US" b="1" dirty="0">
+                <a:latin typeface="Roboto Light" charset="0"/>
+                <a:ea typeface="Roboto Light" charset="0"/>
+                <a:cs typeface="Roboto Light" charset="0"/>
+              </a:rPr>
+              <a:t>Frontend: </a:t>
+            </a:r>
+            <a:r>
+              <a:rPr lang="en-US" dirty="0">
+                <a:latin typeface="Roboto Light" charset="0"/>
+                <a:ea typeface="Roboto Light" charset="0"/>
+                <a:cs typeface="Roboto Light" charset="0"/>
+              </a:rPr>
+              <a:t>Leonard, Fabian </a:t>
             </a:r>
           </a:p>
           <a:p>
@@ -7910,86 +11565,20 @@
               </a:spcBef>
             </a:pPr>
             <a:r>
-              <a:rPr lang="en-US" dirty="0" smtClean="0">
-                <a:latin typeface="Roboto Light" charset="0"/>
-                <a:ea typeface="Roboto Light" charset="0"/>
-                <a:cs typeface="Roboto Light" charset="0"/>
-              </a:rPr>
-              <a:t>Backend: Igor, Fabrice</a:t>
-            </a:r>
-          </a:p>
-          <a:p>
-            <a:pPr>
-              <a:lnSpc>
-                <a:spcPct val="100000"/>
-              </a:lnSpc>
-              <a:spcBef>
-                <a:spcPts val="0"/>
-              </a:spcBef>
-            </a:pPr>
-            <a:r>
-              <a:rPr lang="en-US" dirty="0" err="1" smtClean="0">
-                <a:latin typeface="Roboto Light" charset="0"/>
-                <a:ea typeface="Roboto Light" charset="0"/>
-                <a:cs typeface="Roboto Light" charset="0"/>
-              </a:rPr>
-              <a:t>Dokumentation</a:t>
-            </a:r>
-            <a:r>
-              <a:rPr lang="en-US" dirty="0" smtClean="0">
-                <a:latin typeface="Roboto Light" charset="0"/>
-                <a:ea typeface="Roboto Light" charset="0"/>
-                <a:cs typeface="Roboto Light" charset="0"/>
-              </a:rPr>
-              <a:t>: </a:t>
-            </a:r>
-            <a:r>
-              <a:rPr lang="en-US" dirty="0" err="1" smtClean="0">
-                <a:latin typeface="Roboto Light" charset="0"/>
-                <a:ea typeface="Roboto Light" charset="0"/>
-                <a:cs typeface="Roboto Light" charset="0"/>
-              </a:rPr>
-              <a:t>Wer</a:t>
-            </a:r>
-            <a:r>
-              <a:rPr lang="en-US" dirty="0" smtClean="0">
-                <a:latin typeface="Roboto Light" charset="0"/>
-                <a:ea typeface="Roboto Light" charset="0"/>
-                <a:cs typeface="Roboto Light" charset="0"/>
-              </a:rPr>
-              <a:t> </a:t>
-            </a:r>
-            <a:r>
-              <a:rPr lang="en-US" dirty="0" err="1" smtClean="0">
-                <a:latin typeface="Roboto Light" charset="0"/>
-                <a:ea typeface="Roboto Light" charset="0"/>
-                <a:cs typeface="Roboto Light" charset="0"/>
-              </a:rPr>
-              <a:t>gerade</a:t>
-            </a:r>
-            <a:r>
-              <a:rPr lang="en-US" dirty="0" smtClean="0">
-                <a:latin typeface="Roboto Light" charset="0"/>
-                <a:ea typeface="Roboto Light" charset="0"/>
-                <a:cs typeface="Roboto Light" charset="0"/>
-              </a:rPr>
-              <a:t> </a:t>
-            </a:r>
-            <a:r>
-              <a:rPr lang="en-US" dirty="0" err="1" smtClean="0">
-                <a:latin typeface="Roboto Light" charset="0"/>
-                <a:ea typeface="Roboto Light" charset="0"/>
-                <a:cs typeface="Roboto Light" charset="0"/>
-              </a:rPr>
-              <a:t>Zeit</a:t>
-            </a:r>
-            <a:r>
-              <a:rPr lang="en-US" dirty="0" smtClean="0">
-                <a:latin typeface="Roboto Light" charset="0"/>
-                <a:ea typeface="Roboto Light" charset="0"/>
-                <a:cs typeface="Roboto Light" charset="0"/>
-              </a:rPr>
-              <a:t> hat</a:t>
+              <a:rPr lang="en-US" b="1" dirty="0">
+                <a:latin typeface="Roboto Light" charset="0"/>
+                <a:ea typeface="Roboto Light" charset="0"/>
+                <a:cs typeface="Roboto Light" charset="0"/>
+              </a:rPr>
+              <a:t>Backend: </a:t>
+            </a:r>
+            <a:r>
+              <a:rPr lang="en-US" dirty="0">
+                <a:latin typeface="Roboto Light" charset="0"/>
+                <a:ea typeface="Roboto Light" charset="0"/>
+                <a:cs typeface="Roboto Light" charset="0"/>
+              </a:rPr>
+              <a:t>Igor, Fabrice</a:t>
             </a:r>
           </a:p>
           <a:p>
@@ -8017,26 +11606,78 @@
               </a:spcBef>
             </a:pPr>
             <a:r>
-              <a:rPr lang="en-US" dirty="0" err="1" smtClean="0">
-                <a:latin typeface="Roboto Light" charset="0"/>
-                <a:ea typeface="Roboto Light" charset="0"/>
-                <a:cs typeface="Roboto Light" charset="0"/>
-              </a:rPr>
-              <a:t>Projektleiter</a:t>
-            </a:r>
-            <a:r>
-              <a:rPr lang="en-US" dirty="0" smtClean="0">
-                <a:latin typeface="Roboto Light" charset="0"/>
-                <a:ea typeface="Roboto Light" charset="0"/>
-                <a:cs typeface="Roboto Light" charset="0"/>
-              </a:rPr>
-              <a:t>: Fabian</a:t>
-            </a:r>
+              <a:rPr lang="en-US" b="1" dirty="0" err="1">
+                <a:latin typeface="Roboto Light" charset="0"/>
+                <a:ea typeface="Roboto Light" charset="0"/>
+                <a:cs typeface="Roboto Light" charset="0"/>
+              </a:rPr>
+              <a:t>Dokumentation</a:t>
+            </a:r>
+            <a:r>
+              <a:rPr lang="en-US" b="1" dirty="0">
+                <a:latin typeface="Roboto Light" charset="0"/>
+                <a:ea typeface="Roboto Light" charset="0"/>
+                <a:cs typeface="Roboto Light" charset="0"/>
+              </a:rPr>
+              <a:t>: </a:t>
+            </a:r>
+            <a:r>
+              <a:rPr lang="en-US" dirty="0">
+                <a:latin typeface="Roboto Light" charset="0"/>
+                <a:ea typeface="Roboto Light" charset="0"/>
+                <a:cs typeface="Roboto Light" charset="0"/>
+              </a:rPr>
+              <a:t>Fabrice</a:t>
+            </a:r>
+          </a:p>
+          <a:p>
+            <a:pPr>
+              <a:lnSpc>
+                <a:spcPct val="100000"/>
+              </a:lnSpc>
+              <a:spcBef>
+                <a:spcPts val="0"/>
+              </a:spcBef>
+            </a:pPr>
             <a:endParaRPr lang="en-US" dirty="0">
               <a:latin typeface="Roboto Light" charset="0"/>
               <a:ea typeface="Roboto Light" charset="0"/>
               <a:cs typeface="Roboto Light" charset="0"/>
             </a:endParaRPr>
+          </a:p>
+          <a:p>
+            <a:pPr>
+              <a:lnSpc>
+                <a:spcPct val="100000"/>
+              </a:lnSpc>
+              <a:spcBef>
+                <a:spcPts val="0"/>
+              </a:spcBef>
+            </a:pPr>
+            <a:r>
+              <a:rPr lang="en-US" b="1" dirty="0" err="1">
+                <a:latin typeface="Roboto Light" charset="0"/>
+                <a:ea typeface="Roboto Light" charset="0"/>
+                <a:cs typeface="Roboto Light" charset="0"/>
+              </a:rPr>
+              <a:t>Projektleiter</a:t>
+            </a:r>
+            <a:r>
+              <a:rPr lang="en-US" b="1" dirty="0">
+                <a:latin typeface="Roboto Light" charset="0"/>
+                <a:ea typeface="Roboto Light" charset="0"/>
+                <a:cs typeface="Roboto Light" charset="0"/>
+              </a:rPr>
+              <a:t>: </a:t>
+            </a:r>
+            <a:r>
+              <a:rPr lang="en-US" dirty="0">
+                <a:latin typeface="Roboto Light" charset="0"/>
+                <a:ea typeface="Roboto Light" charset="0"/>
+                <a:cs typeface="Roboto Light" charset="0"/>
+              </a:rPr>
+              <a:t>Fabian</a:t>
+            </a:r>
           </a:p>
         </p:txBody>
       </p:sp>
@@ -8112,13 +11753,13 @@
           <p:nvPr>
             <p:extLst>
               <p:ext uri="{D42A27DB-BD31-4B8C-83A1-F6EECF244321}">
-                <p14:modId xmlns:p14="http://schemas.microsoft.com/office/powerpoint/2010/main" val="359753851"/>
+                <p14:modId xmlns:p14="http://schemas.microsoft.com/office/powerpoint/2010/main" val="3230439428"/>
               </p:ext>
             </p:extLst>
           </p:nvPr>
         </p:nvGraphicFramePr>
         <p:xfrm>
-          <a:off x="6832120" y="1242203"/>
+          <a:off x="5841520" y="1982894"/>
           <a:ext cx="5486400" cy="3200400"/>
         </p:xfrm>
         <a:graphic>
@@ -8202,1115 +11843,58 @@
   <p:clrMapOvr>
     <a:masterClrMapping/>
   </p:clrMapOvr>
-  <p:timing>
-    <p:tnLst>
-      <p:par>
-        <p:cTn id="1" dur="indefinite" restart="never" nodeType="tmRoot"/>
-      </p:par>
-    </p:tnLst>
-  </p:timing>
-</p:sld>
-</file>
-
-<file path=ppt/slides/slide4.xml><?xml version="1.0" encoding="utf-8"?>
-<p:sld xmlns:a="http://schemas.openxmlformats.org/drawingml/2006/main" xmlns:r="http://schemas.openxmlformats.org/officeDocument/2006/relationships" xmlns:p="http://schemas.openxmlformats.org/presentationml/2006/main">
-  <p:cSld>
-    <p:spTree>
-      <p:nvGrpSpPr>
-        <p:cNvPr id="1" name=""/>
-        <p:cNvGrpSpPr/>
-        <p:nvPr/>
-      </p:nvGrpSpPr>
-      <p:grpSpPr>
-        <a:xfrm>
-          <a:off x="0" y="0"/>
-          <a:ext cx="0" cy="0"/>
-          <a:chOff x="0" y="0"/>
-          <a:chExt cx="0" cy="0"/>
-        </a:xfrm>
-      </p:grpSpPr>
-      <p:sp>
-        <p:nvSpPr>
-          <p:cNvPr id="2" name="Title 1"/>
-          <p:cNvSpPr>
-            <a:spLocks noGrp="1"/>
-          </p:cNvSpPr>
-          <p:nvPr>
-            <p:ph type="title"/>
-          </p:nvPr>
-        </p:nvSpPr>
-        <p:spPr/>
-        <p:txBody>
-          <a:bodyPr/>
-          <a:lstStyle/>
-          <a:p>
-            <a:r>
-              <a:rPr lang="en-US" dirty="0" err="1" smtClean="0">
-                <a:latin typeface="Roboto Medium" charset="0"/>
-                <a:ea typeface="Roboto Medium" charset="0"/>
-                <a:cs typeface="Roboto Medium" charset="0"/>
-              </a:rPr>
-              <a:t>Teambildungsprozess</a:t>
-            </a:r>
-            <a:r>
-              <a:rPr lang="en-US" dirty="0" smtClean="0">
-                <a:latin typeface="Roboto Medium" charset="0"/>
-                <a:ea typeface="Roboto Medium" charset="0"/>
-                <a:cs typeface="Roboto Medium" charset="0"/>
-              </a:rPr>
-              <a:t> (</a:t>
-            </a:r>
-            <a:r>
-              <a:rPr lang="en-US" dirty="0" err="1" smtClean="0">
-                <a:latin typeface="Roboto Medium" charset="0"/>
-                <a:ea typeface="Roboto Medium" charset="0"/>
-                <a:cs typeface="Roboto Medium" charset="0"/>
-              </a:rPr>
-              <a:t>Truckmann</a:t>
-            </a:r>
-            <a:r>
-              <a:rPr lang="en-US" dirty="0" smtClean="0">
-                <a:latin typeface="Roboto Medium" charset="0"/>
-                <a:ea typeface="Roboto Medium" charset="0"/>
-                <a:cs typeface="Roboto Medium" charset="0"/>
-              </a:rPr>
-              <a:t>)</a:t>
-            </a:r>
-            <a:endParaRPr lang="en-US" dirty="0">
-              <a:latin typeface="Roboto Medium" charset="0"/>
-              <a:ea typeface="Roboto Medium" charset="0"/>
-              <a:cs typeface="Roboto Medium" charset="0"/>
-            </a:endParaRPr>
-          </a:p>
-        </p:txBody>
-      </p:sp>
-      <p:sp>
-        <p:nvSpPr>
-          <p:cNvPr id="3" name="Content Placeholder 2"/>
-          <p:cNvSpPr>
-            <a:spLocks noGrp="1"/>
-          </p:cNvSpPr>
-          <p:nvPr>
-            <p:ph idx="1"/>
-          </p:nvPr>
-        </p:nvSpPr>
-        <p:spPr/>
-        <p:txBody>
-          <a:bodyPr/>
-          <a:lstStyle/>
-          <a:p>
-            <a:r>
-              <a:rPr lang="en-US" dirty="0" smtClean="0">
-                <a:latin typeface="Roboto Light" charset="0"/>
-                <a:ea typeface="Roboto Light" charset="0"/>
-                <a:cs typeface="Roboto Light" charset="0"/>
-              </a:rPr>
-              <a:t>Da </a:t>
-            </a:r>
-            <a:r>
-              <a:rPr lang="en-US" dirty="0" err="1" smtClean="0">
-                <a:latin typeface="Roboto Light" charset="0"/>
-                <a:ea typeface="Roboto Light" charset="0"/>
-                <a:cs typeface="Roboto Light" charset="0"/>
-              </a:rPr>
-              <a:t>wir</a:t>
-            </a:r>
-            <a:r>
-              <a:rPr lang="en-US" dirty="0" smtClean="0">
-                <a:latin typeface="Roboto Light" charset="0"/>
-                <a:ea typeface="Roboto Light" charset="0"/>
-                <a:cs typeface="Roboto Light" charset="0"/>
-              </a:rPr>
-              <a:t> </a:t>
-            </a:r>
-            <a:r>
-              <a:rPr lang="en-US" dirty="0" err="1" smtClean="0">
-                <a:latin typeface="Roboto Light" charset="0"/>
-                <a:ea typeface="Roboto Light" charset="0"/>
-                <a:cs typeface="Roboto Light" charset="0"/>
-              </a:rPr>
-              <a:t>uns</a:t>
-            </a:r>
-            <a:r>
-              <a:rPr lang="en-US" dirty="0" smtClean="0">
-                <a:latin typeface="Roboto Light" charset="0"/>
-                <a:ea typeface="Roboto Light" charset="0"/>
-                <a:cs typeface="Roboto Light" charset="0"/>
-              </a:rPr>
-              <a:t> </a:t>
-            </a:r>
-            <a:r>
-              <a:rPr lang="en-US" dirty="0" err="1" smtClean="0">
-                <a:latin typeface="Roboto Light" charset="0"/>
-                <a:ea typeface="Roboto Light" charset="0"/>
-                <a:cs typeface="Roboto Light" charset="0"/>
-              </a:rPr>
-              <a:t>bereits</a:t>
-            </a:r>
-            <a:r>
-              <a:rPr lang="en-US" dirty="0" smtClean="0">
-                <a:latin typeface="Roboto Light" charset="0"/>
-                <a:ea typeface="Roboto Light" charset="0"/>
-                <a:cs typeface="Roboto Light" charset="0"/>
-              </a:rPr>
-              <a:t> gut </a:t>
-            </a:r>
-            <a:r>
-              <a:rPr lang="en-US" dirty="0" err="1" smtClean="0">
-                <a:latin typeface="Roboto Light" charset="0"/>
-                <a:ea typeface="Roboto Light" charset="0"/>
-                <a:cs typeface="Roboto Light" charset="0"/>
-              </a:rPr>
-              <a:t>kennen</a:t>
-            </a:r>
-            <a:r>
-              <a:rPr lang="en-US" dirty="0" smtClean="0">
-                <a:latin typeface="Roboto Light" charset="0"/>
-                <a:ea typeface="Roboto Light" charset="0"/>
-                <a:cs typeface="Roboto Light" charset="0"/>
-              </a:rPr>
-              <a:t> -&gt; </a:t>
-            </a:r>
-            <a:r>
-              <a:rPr lang="en-US" dirty="0" err="1" smtClean="0">
-                <a:latin typeface="Roboto Light" charset="0"/>
-                <a:ea typeface="Roboto Light" charset="0"/>
-                <a:cs typeface="Roboto Light" charset="0"/>
-              </a:rPr>
-              <a:t>Direkter</a:t>
-            </a:r>
-            <a:r>
-              <a:rPr lang="en-US" dirty="0" smtClean="0">
-                <a:latin typeface="Roboto Light" charset="0"/>
-                <a:ea typeface="Roboto Light" charset="0"/>
-                <a:cs typeface="Roboto Light" charset="0"/>
-              </a:rPr>
-              <a:t> Start in der Storming Phase</a:t>
-            </a:r>
-          </a:p>
-          <a:p>
-            <a:r>
-              <a:rPr lang="en-US" dirty="0" smtClean="0">
-                <a:latin typeface="Roboto Light" charset="0"/>
-                <a:ea typeface="Roboto Light" charset="0"/>
-                <a:cs typeface="Roboto Light" charset="0"/>
-              </a:rPr>
-              <a:t>Storming Phase </a:t>
-            </a:r>
-            <a:r>
-              <a:rPr lang="en-US" dirty="0" err="1" smtClean="0">
-                <a:latin typeface="Roboto Light" charset="0"/>
-                <a:ea typeface="Roboto Light" charset="0"/>
-                <a:cs typeface="Roboto Light" charset="0"/>
-              </a:rPr>
-              <a:t>relativ</a:t>
-            </a:r>
-            <a:r>
-              <a:rPr lang="en-US" dirty="0" smtClean="0">
-                <a:latin typeface="Roboto Light" charset="0"/>
-                <a:ea typeface="Roboto Light" charset="0"/>
-                <a:cs typeface="Roboto Light" charset="0"/>
-              </a:rPr>
-              <a:t> </a:t>
-            </a:r>
-            <a:r>
-              <a:rPr lang="en-US" dirty="0" err="1" smtClean="0">
-                <a:latin typeface="Roboto Light" charset="0"/>
-                <a:ea typeface="Roboto Light" charset="0"/>
-                <a:cs typeface="Roboto Light" charset="0"/>
-              </a:rPr>
-              <a:t>kurz</a:t>
-            </a:r>
-            <a:r>
-              <a:rPr lang="en-US" dirty="0" smtClean="0">
-                <a:latin typeface="Roboto Light" charset="0"/>
-                <a:ea typeface="Roboto Light" charset="0"/>
-                <a:cs typeface="Roboto Light" charset="0"/>
-              </a:rPr>
-              <a:t>, da </a:t>
-            </a:r>
-            <a:r>
-              <a:rPr lang="en-US" dirty="0" err="1" smtClean="0">
-                <a:latin typeface="Roboto Light" charset="0"/>
-                <a:ea typeface="Roboto Light" charset="0"/>
-                <a:cs typeface="Roboto Light" charset="0"/>
-              </a:rPr>
-              <a:t>schnell</a:t>
-            </a:r>
-            <a:r>
-              <a:rPr lang="en-US" dirty="0" smtClean="0">
-                <a:latin typeface="Roboto Light" charset="0"/>
-                <a:ea typeface="Roboto Light" charset="0"/>
-                <a:cs typeface="Roboto Light" charset="0"/>
-              </a:rPr>
-              <a:t> </a:t>
-            </a:r>
-            <a:r>
-              <a:rPr lang="en-US" dirty="0" err="1" smtClean="0">
-                <a:latin typeface="Roboto Light" charset="0"/>
-                <a:ea typeface="Roboto Light" charset="0"/>
-                <a:cs typeface="Roboto Light" charset="0"/>
-              </a:rPr>
-              <a:t>klar</a:t>
-            </a:r>
-            <a:r>
-              <a:rPr lang="en-US" dirty="0" smtClean="0">
-                <a:latin typeface="Roboto Light" charset="0"/>
-                <a:ea typeface="Roboto Light" charset="0"/>
-                <a:cs typeface="Roboto Light" charset="0"/>
-              </a:rPr>
-              <a:t> </a:t>
-            </a:r>
-            <a:r>
-              <a:rPr lang="en-US" dirty="0" err="1" smtClean="0">
-                <a:latin typeface="Roboto Light" charset="0"/>
-                <a:ea typeface="Roboto Light" charset="0"/>
-                <a:cs typeface="Roboto Light" charset="0"/>
-              </a:rPr>
-              <a:t>ist</a:t>
-            </a:r>
-            <a:r>
-              <a:rPr lang="en-US" dirty="0" smtClean="0">
-                <a:latin typeface="Roboto Light" charset="0"/>
-                <a:ea typeface="Roboto Light" charset="0"/>
-                <a:cs typeface="Roboto Light" charset="0"/>
-              </a:rPr>
-              <a:t>, </a:t>
-            </a:r>
-            <a:r>
-              <a:rPr lang="en-US" dirty="0" err="1" smtClean="0">
-                <a:latin typeface="Roboto Light" charset="0"/>
-                <a:ea typeface="Roboto Light" charset="0"/>
-                <a:cs typeface="Roboto Light" charset="0"/>
-              </a:rPr>
-              <a:t>wer</a:t>
-            </a:r>
-            <a:r>
-              <a:rPr lang="en-US" dirty="0" smtClean="0">
-                <a:latin typeface="Roboto Light" charset="0"/>
-                <a:ea typeface="Roboto Light" charset="0"/>
-                <a:cs typeface="Roboto Light" charset="0"/>
-              </a:rPr>
-              <a:t> was </a:t>
-            </a:r>
-            <a:r>
-              <a:rPr lang="en-US" dirty="0" err="1" smtClean="0">
-                <a:latin typeface="Roboto Light" charset="0"/>
-                <a:ea typeface="Roboto Light" charset="0"/>
-                <a:cs typeface="Roboto Light" charset="0"/>
-              </a:rPr>
-              <a:t>machen</a:t>
-            </a:r>
-            <a:r>
-              <a:rPr lang="en-US" dirty="0" smtClean="0">
-                <a:latin typeface="Roboto Light" charset="0"/>
-                <a:ea typeface="Roboto Light" charset="0"/>
-                <a:cs typeface="Roboto Light" charset="0"/>
-              </a:rPr>
-              <a:t> </a:t>
-            </a:r>
-            <a:r>
-              <a:rPr lang="en-US" dirty="0" err="1" smtClean="0">
-                <a:latin typeface="Roboto Light" charset="0"/>
-                <a:ea typeface="Roboto Light" charset="0"/>
-                <a:cs typeface="Roboto Light" charset="0"/>
-              </a:rPr>
-              <a:t>möchte</a:t>
-            </a:r>
-            <a:endParaRPr lang="en-US" dirty="0" smtClean="0">
-              <a:latin typeface="Roboto Light" charset="0"/>
-              <a:ea typeface="Roboto Light" charset="0"/>
-              <a:cs typeface="Roboto Light" charset="0"/>
-            </a:endParaRPr>
-          </a:p>
-          <a:p>
-            <a:r>
-              <a:rPr lang="en-US" dirty="0" smtClean="0">
-                <a:latin typeface="Roboto Light" charset="0"/>
-                <a:ea typeface="Roboto Light" charset="0"/>
-                <a:cs typeface="Roboto Light" charset="0"/>
-              </a:rPr>
-              <a:t>Performing Phase </a:t>
-            </a:r>
-            <a:r>
-              <a:rPr lang="en-US" dirty="0" err="1" smtClean="0">
-                <a:latin typeface="Roboto Light" charset="0"/>
-                <a:ea typeface="Roboto Light" charset="0"/>
-                <a:cs typeface="Roboto Light" charset="0"/>
-              </a:rPr>
-              <a:t>schon</a:t>
-            </a:r>
-            <a:r>
-              <a:rPr lang="en-US" dirty="0" smtClean="0">
-                <a:latin typeface="Roboto Light" charset="0"/>
-                <a:ea typeface="Roboto Light" charset="0"/>
-                <a:cs typeface="Roboto Light" charset="0"/>
-              </a:rPr>
-              <a:t> </a:t>
-            </a:r>
-            <a:r>
-              <a:rPr lang="en-US" dirty="0" err="1" smtClean="0">
-                <a:latin typeface="Roboto Light" charset="0"/>
-                <a:ea typeface="Roboto Light" charset="0"/>
-                <a:cs typeface="Roboto Light" charset="0"/>
-              </a:rPr>
-              <a:t>während</a:t>
-            </a:r>
-            <a:r>
-              <a:rPr lang="en-US" dirty="0" smtClean="0">
-                <a:latin typeface="Roboto Light" charset="0"/>
-                <a:ea typeface="Roboto Light" charset="0"/>
-                <a:cs typeface="Roboto Light" charset="0"/>
-              </a:rPr>
-              <a:t> des </a:t>
-            </a:r>
-            <a:r>
-              <a:rPr lang="en-US" dirty="0" err="1" smtClean="0">
-                <a:latin typeface="Roboto Light" charset="0"/>
-                <a:ea typeface="Roboto Light" charset="0"/>
-                <a:cs typeface="Roboto Light" charset="0"/>
-              </a:rPr>
-              <a:t>ersten</a:t>
-            </a:r>
-            <a:r>
-              <a:rPr lang="en-US" dirty="0" smtClean="0">
-                <a:latin typeface="Roboto Light" charset="0"/>
-                <a:ea typeface="Roboto Light" charset="0"/>
-                <a:cs typeface="Roboto Light" charset="0"/>
-              </a:rPr>
-              <a:t> </a:t>
-            </a:r>
-            <a:r>
-              <a:rPr lang="en-US" dirty="0" err="1" smtClean="0">
-                <a:latin typeface="Roboto Light" charset="0"/>
-                <a:ea typeface="Roboto Light" charset="0"/>
-                <a:cs typeface="Roboto Light" charset="0"/>
-              </a:rPr>
-              <a:t>Realisierungs-Tages</a:t>
-            </a:r>
-            <a:r>
-              <a:rPr lang="en-US" dirty="0" smtClean="0">
-                <a:latin typeface="Roboto Light" charset="0"/>
-                <a:ea typeface="Roboto Light" charset="0"/>
-                <a:cs typeface="Roboto Light" charset="0"/>
-              </a:rPr>
-              <a:t> </a:t>
-            </a:r>
-            <a:r>
-              <a:rPr lang="en-US" dirty="0" err="1" smtClean="0">
-                <a:latin typeface="Roboto Light" charset="0"/>
-                <a:ea typeface="Roboto Light" charset="0"/>
-                <a:cs typeface="Roboto Light" charset="0"/>
-              </a:rPr>
-              <a:t>erriecht</a:t>
-            </a:r>
-            <a:endParaRPr lang="en-US" dirty="0" smtClean="0">
-              <a:latin typeface="Roboto Light" charset="0"/>
-              <a:ea typeface="Roboto Light" charset="0"/>
-              <a:cs typeface="Roboto Light" charset="0"/>
-            </a:endParaRPr>
-          </a:p>
-        </p:txBody>
-      </p:sp>
-    </p:spTree>
-    <p:extLst>
-      <p:ext uri="{BB962C8B-B14F-4D97-AF65-F5344CB8AC3E}">
-        <p14:creationId xmlns:p14="http://schemas.microsoft.com/office/powerpoint/2010/main" val="272765087"/>
-      </p:ext>
-    </p:extLst>
-  </p:cSld>
-  <p:clrMapOvr>
-    <a:masterClrMapping/>
-  </p:clrMapOvr>
-  <p:timing>
-    <p:tnLst>
-      <p:par>
-        <p:cTn id="1" dur="indefinite" restart="never" nodeType="tmRoot"/>
-      </p:par>
-    </p:tnLst>
-  </p:timing>
-</p:sld>
-</file>
-
-<file path=ppt/slides/slide5.xml><?xml version="1.0" encoding="utf-8"?>
-<p:sld xmlns:a="http://schemas.openxmlformats.org/drawingml/2006/main" xmlns:r="http://schemas.openxmlformats.org/officeDocument/2006/relationships" xmlns:p="http://schemas.openxmlformats.org/presentationml/2006/main">
-  <p:cSld>
-    <p:spTree>
-      <p:nvGrpSpPr>
-        <p:cNvPr id="1" name=""/>
-        <p:cNvGrpSpPr/>
-        <p:nvPr/>
-      </p:nvGrpSpPr>
-      <p:grpSpPr>
-        <a:xfrm>
-          <a:off x="0" y="0"/>
-          <a:ext cx="0" cy="0"/>
-          <a:chOff x="0" y="0"/>
-          <a:chExt cx="0" cy="0"/>
-        </a:xfrm>
-      </p:grpSpPr>
-      <p:sp>
-        <p:nvSpPr>
-          <p:cNvPr id="2" name="Title 1"/>
-          <p:cNvSpPr>
-            <a:spLocks noGrp="1"/>
-          </p:cNvSpPr>
-          <p:nvPr>
-            <p:ph type="title"/>
-          </p:nvPr>
-        </p:nvSpPr>
-        <p:spPr/>
-        <p:txBody>
-          <a:bodyPr/>
-          <a:lstStyle/>
-          <a:p>
-            <a:r>
-              <a:rPr lang="en-US" dirty="0" smtClean="0">
-                <a:latin typeface="Roboto Medium" charset="0"/>
-                <a:ea typeface="Roboto Medium" charset="0"/>
-                <a:cs typeface="Roboto Medium" charset="0"/>
-              </a:rPr>
-              <a:t>Progress tracking (Soll </a:t>
-            </a:r>
-            <a:r>
-              <a:rPr lang="en-US" dirty="0" err="1" smtClean="0">
-                <a:latin typeface="Roboto Medium" charset="0"/>
-                <a:ea typeface="Roboto Medium" charset="0"/>
-                <a:cs typeface="Roboto Medium" charset="0"/>
-              </a:rPr>
-              <a:t>ist</a:t>
-            </a:r>
-            <a:r>
-              <a:rPr lang="en-US" dirty="0" smtClean="0">
-                <a:latin typeface="Roboto Medium" charset="0"/>
-                <a:ea typeface="Roboto Medium" charset="0"/>
-                <a:cs typeface="Roboto Medium" charset="0"/>
-              </a:rPr>
-              <a:t> </a:t>
-            </a:r>
-            <a:r>
-              <a:rPr lang="en-US" dirty="0" err="1" smtClean="0">
-                <a:latin typeface="Roboto Medium" charset="0"/>
-                <a:ea typeface="Roboto Medium" charset="0"/>
-                <a:cs typeface="Roboto Medium" charset="0"/>
-              </a:rPr>
-              <a:t>Abgleich</a:t>
-            </a:r>
-            <a:r>
-              <a:rPr lang="en-US" dirty="0" smtClean="0">
-                <a:latin typeface="Roboto Medium" charset="0"/>
-                <a:ea typeface="Roboto Medium" charset="0"/>
-                <a:cs typeface="Roboto Medium" charset="0"/>
-              </a:rPr>
-              <a:t>)</a:t>
-            </a:r>
-            <a:endParaRPr lang="en-US" dirty="0">
-              <a:latin typeface="Roboto Medium" charset="0"/>
-              <a:ea typeface="Roboto Medium" charset="0"/>
-              <a:cs typeface="Roboto Medium" charset="0"/>
-            </a:endParaRPr>
-          </a:p>
-        </p:txBody>
-      </p:sp>
-      <p:sp>
-        <p:nvSpPr>
-          <p:cNvPr id="3" name="Content Placeholder 2"/>
-          <p:cNvSpPr>
-            <a:spLocks noGrp="1"/>
-          </p:cNvSpPr>
-          <p:nvPr>
-            <p:ph idx="1"/>
-          </p:nvPr>
-        </p:nvSpPr>
-        <p:spPr/>
-        <p:txBody>
-          <a:bodyPr/>
-          <a:lstStyle/>
-          <a:p>
-            <a:r>
-              <a:rPr lang="en-US" dirty="0" smtClean="0">
-                <a:latin typeface="Roboto Light" charset="0"/>
-                <a:ea typeface="Roboto Light" charset="0"/>
-                <a:cs typeface="Roboto Light" charset="0"/>
-              </a:rPr>
-              <a:t>Issues auf GitHub: </a:t>
-            </a:r>
-            <a:r>
-              <a:rPr lang="en-US" dirty="0" smtClean="0">
-                <a:latin typeface="Roboto Light" charset="0"/>
-                <a:ea typeface="Roboto Light" charset="0"/>
-                <a:cs typeface="Roboto Light" charset="0"/>
-                <a:hlinkClick r:id="rId2"/>
-              </a:rPr>
-              <a:t>https://github.com/fabianbaechli/online_note_tool/issues/</a:t>
-            </a:r>
-            <a:r>
-              <a:rPr lang="en-US" dirty="0" smtClean="0">
-                <a:latin typeface="Roboto Light" charset="0"/>
-                <a:ea typeface="Roboto Light" charset="0"/>
-                <a:cs typeface="Roboto Light" charset="0"/>
-              </a:rPr>
-              <a:t> </a:t>
-            </a:r>
-          </a:p>
-          <a:p>
-            <a:r>
-              <a:rPr lang="en-US" dirty="0" err="1" smtClean="0">
-                <a:latin typeface="Roboto Light" charset="0"/>
-                <a:ea typeface="Roboto Light" charset="0"/>
-                <a:cs typeface="Roboto Light" charset="0"/>
-              </a:rPr>
-              <a:t>Visualisierung</a:t>
-            </a:r>
-            <a:r>
-              <a:rPr lang="en-US" dirty="0" smtClean="0">
-                <a:latin typeface="Roboto Light" charset="0"/>
-                <a:ea typeface="Roboto Light" charset="0"/>
-                <a:cs typeface="Roboto Light" charset="0"/>
-              </a:rPr>
-              <a:t> der commits </a:t>
-            </a:r>
-            <a:r>
-              <a:rPr lang="en-US" dirty="0" err="1" smtClean="0">
-                <a:latin typeface="Roboto Light" charset="0"/>
-                <a:ea typeface="Roboto Light" charset="0"/>
-                <a:cs typeface="Roboto Light" charset="0"/>
-              </a:rPr>
-              <a:t>mit</a:t>
-            </a:r>
-            <a:r>
-              <a:rPr lang="en-US" dirty="0" smtClean="0">
-                <a:latin typeface="Roboto Light" charset="0"/>
-                <a:ea typeface="Roboto Light" charset="0"/>
-                <a:cs typeface="Roboto Light" charset="0"/>
-              </a:rPr>
-              <a:t> </a:t>
-            </a:r>
-            <a:r>
-              <a:rPr lang="en-US" dirty="0" err="1" smtClean="0">
-                <a:latin typeface="Roboto Light" charset="0"/>
-                <a:ea typeface="Roboto Light" charset="0"/>
-                <a:cs typeface="Roboto Light" charset="0"/>
-              </a:rPr>
-              <a:t>einem</a:t>
-            </a:r>
-            <a:r>
-              <a:rPr lang="en-US" dirty="0" smtClean="0">
-                <a:latin typeface="Roboto Light" charset="0"/>
-                <a:ea typeface="Roboto Light" charset="0"/>
-                <a:cs typeface="Roboto Light" charset="0"/>
-              </a:rPr>
-              <a:t> Online Tool</a:t>
-            </a:r>
-          </a:p>
-          <a:p>
-            <a:r>
-              <a:rPr lang="en-US" dirty="0" err="1" smtClean="0">
-                <a:latin typeface="Roboto Light" charset="0"/>
-                <a:ea typeface="Roboto Light" charset="0"/>
-                <a:cs typeface="Roboto Light" charset="0"/>
-              </a:rPr>
-              <a:t>Keine</a:t>
-            </a:r>
-            <a:r>
-              <a:rPr lang="en-US" dirty="0" smtClean="0">
-                <a:latin typeface="Roboto Light" charset="0"/>
-                <a:ea typeface="Roboto Light" charset="0"/>
-                <a:cs typeface="Roboto Light" charset="0"/>
-              </a:rPr>
-              <a:t> Sprints</a:t>
-            </a:r>
-          </a:p>
-          <a:p>
-            <a:pPr lvl="1"/>
-            <a:r>
-              <a:rPr lang="en-US" dirty="0" err="1" smtClean="0">
-                <a:latin typeface="Roboto Light" charset="0"/>
-                <a:ea typeface="Roboto Light" charset="0"/>
-                <a:cs typeface="Roboto Light" charset="0"/>
-              </a:rPr>
-              <a:t>Erhöhte</a:t>
-            </a:r>
-            <a:r>
-              <a:rPr lang="en-US" dirty="0" smtClean="0">
-                <a:latin typeface="Roboto Light" charset="0"/>
-                <a:ea typeface="Roboto Light" charset="0"/>
-                <a:cs typeface="Roboto Light" charset="0"/>
-              </a:rPr>
-              <a:t> </a:t>
-            </a:r>
-            <a:r>
-              <a:rPr lang="en-US" dirty="0" err="1" smtClean="0">
-                <a:latin typeface="Roboto Light" charset="0"/>
-                <a:ea typeface="Roboto Light" charset="0"/>
-                <a:cs typeface="Roboto Light" charset="0"/>
-              </a:rPr>
-              <a:t>Komplexität</a:t>
-            </a:r>
-            <a:r>
-              <a:rPr lang="en-US" dirty="0" smtClean="0">
-                <a:latin typeface="Roboto Light" charset="0"/>
-                <a:ea typeface="Roboto Light" charset="0"/>
-                <a:cs typeface="Roboto Light" charset="0"/>
-              </a:rPr>
-              <a:t>, </a:t>
-            </a:r>
-            <a:r>
-              <a:rPr lang="en-US" dirty="0" err="1" smtClean="0">
-                <a:latin typeface="Roboto Light" charset="0"/>
-                <a:ea typeface="Roboto Light" charset="0"/>
-                <a:cs typeface="Roboto Light" charset="0"/>
-              </a:rPr>
-              <a:t>für</a:t>
-            </a:r>
-            <a:r>
-              <a:rPr lang="en-US" dirty="0" smtClean="0">
-                <a:latin typeface="Roboto Light" charset="0"/>
-                <a:ea typeface="Roboto Light" charset="0"/>
-                <a:cs typeface="Roboto Light" charset="0"/>
-              </a:rPr>
-              <a:t> </a:t>
-            </a:r>
-            <a:r>
-              <a:rPr lang="en-US" dirty="0" err="1" smtClean="0">
-                <a:latin typeface="Roboto Light" charset="0"/>
-                <a:ea typeface="Roboto Light" charset="0"/>
-                <a:cs typeface="Roboto Light" charset="0"/>
-              </a:rPr>
-              <a:t>ein</a:t>
-            </a:r>
-            <a:r>
-              <a:rPr lang="en-US" dirty="0" smtClean="0">
-                <a:latin typeface="Roboto Light" charset="0"/>
-                <a:ea typeface="Roboto Light" charset="0"/>
-                <a:cs typeface="Roboto Light" charset="0"/>
-              </a:rPr>
-              <a:t> </a:t>
-            </a:r>
-            <a:r>
-              <a:rPr lang="en-US" dirty="0" err="1" smtClean="0">
-                <a:latin typeface="Roboto Light" charset="0"/>
-                <a:ea typeface="Roboto Light" charset="0"/>
-                <a:cs typeface="Roboto Light" charset="0"/>
-              </a:rPr>
-              <a:t>zu</a:t>
-            </a:r>
-            <a:r>
-              <a:rPr lang="en-US" dirty="0" smtClean="0">
-                <a:latin typeface="Roboto Light" charset="0"/>
-                <a:ea typeface="Roboto Light" charset="0"/>
-                <a:cs typeface="Roboto Light" charset="0"/>
-              </a:rPr>
-              <a:t> </a:t>
-            </a:r>
-            <a:r>
-              <a:rPr lang="en-US" dirty="0" err="1" smtClean="0">
-                <a:latin typeface="Roboto Light" charset="0"/>
-                <a:ea typeface="Roboto Light" charset="0"/>
-                <a:cs typeface="Roboto Light" charset="0"/>
-              </a:rPr>
-              <a:t>kleines</a:t>
-            </a:r>
-            <a:r>
-              <a:rPr lang="en-US" dirty="0" smtClean="0">
-                <a:latin typeface="Roboto Light" charset="0"/>
-                <a:ea typeface="Roboto Light" charset="0"/>
-                <a:cs typeface="Roboto Light" charset="0"/>
-              </a:rPr>
-              <a:t> </a:t>
-            </a:r>
-            <a:r>
-              <a:rPr lang="en-US" dirty="0" err="1" smtClean="0">
-                <a:latin typeface="Roboto Light" charset="0"/>
-                <a:ea typeface="Roboto Light" charset="0"/>
-                <a:cs typeface="Roboto Light" charset="0"/>
-              </a:rPr>
-              <a:t>Projekt</a:t>
-            </a:r>
-            <a:r>
-              <a:rPr lang="en-US" dirty="0" smtClean="0">
-                <a:latin typeface="Roboto Light" charset="0"/>
-                <a:ea typeface="Roboto Light" charset="0"/>
-                <a:cs typeface="Roboto Light" charset="0"/>
-              </a:rPr>
-              <a:t> </a:t>
-            </a:r>
-          </a:p>
-          <a:p>
-            <a:r>
-              <a:rPr lang="en-US" dirty="0" err="1" smtClean="0">
-                <a:latin typeface="Roboto Light" charset="0"/>
-                <a:ea typeface="Roboto Light" charset="0"/>
-                <a:cs typeface="Roboto Light" charset="0"/>
-              </a:rPr>
-              <a:t>Agilität</a:t>
-            </a:r>
-            <a:r>
-              <a:rPr lang="en-US" dirty="0" smtClean="0">
-                <a:latin typeface="Roboto Light" charset="0"/>
-                <a:ea typeface="Roboto Light" charset="0"/>
-                <a:cs typeface="Roboto Light" charset="0"/>
-              </a:rPr>
-              <a:t> </a:t>
-            </a:r>
-            <a:r>
-              <a:rPr lang="en-US" dirty="0" err="1" smtClean="0">
-                <a:latin typeface="Roboto Light" charset="0"/>
-                <a:ea typeface="Roboto Light" charset="0"/>
-                <a:cs typeface="Roboto Light" charset="0"/>
-              </a:rPr>
-              <a:t>durch</a:t>
-            </a:r>
-            <a:r>
-              <a:rPr lang="en-US" dirty="0" smtClean="0">
-                <a:latin typeface="Roboto Light" charset="0"/>
-                <a:ea typeface="Roboto Light" charset="0"/>
-                <a:cs typeface="Roboto Light" charset="0"/>
-              </a:rPr>
-              <a:t> </a:t>
-            </a:r>
-            <a:r>
-              <a:rPr lang="en-US" dirty="0" err="1" smtClean="0">
-                <a:latin typeface="Roboto Light" charset="0"/>
-                <a:ea typeface="Roboto Light" charset="0"/>
-                <a:cs typeface="Roboto Light" charset="0"/>
-              </a:rPr>
-              <a:t>Wöchtentliche</a:t>
-            </a:r>
-            <a:r>
-              <a:rPr lang="en-US" dirty="0" smtClean="0">
-                <a:latin typeface="Roboto Light" charset="0"/>
-                <a:ea typeface="Roboto Light" charset="0"/>
-                <a:cs typeface="Roboto Light" charset="0"/>
-              </a:rPr>
-              <a:t> </a:t>
-            </a:r>
-            <a:r>
-              <a:rPr lang="en-US" dirty="0" err="1" smtClean="0">
-                <a:latin typeface="Roboto Light" charset="0"/>
-                <a:ea typeface="Roboto Light" charset="0"/>
-                <a:cs typeface="Roboto Light" charset="0"/>
-              </a:rPr>
-              <a:t>Sitzungen</a:t>
-            </a:r>
-            <a:r>
-              <a:rPr lang="en-US" dirty="0" smtClean="0">
-                <a:latin typeface="Roboto Light" charset="0"/>
-                <a:ea typeface="Roboto Light" charset="0"/>
-                <a:cs typeface="Roboto Light" charset="0"/>
-              </a:rPr>
-              <a:t>: </a:t>
-            </a:r>
-            <a:r>
-              <a:rPr lang="en-US" dirty="0" smtClean="0">
-                <a:latin typeface="Roboto Light" charset="0"/>
-                <a:ea typeface="Roboto Light" charset="0"/>
-                <a:cs typeface="Roboto Light" charset="0"/>
-                <a:hlinkClick r:id="rId3"/>
-              </a:rPr>
-              <a:t>https://github.com/fabianbaechli/online_note_tool/tree/master/meetings</a:t>
-            </a:r>
-            <a:r>
-              <a:rPr lang="en-US" dirty="0" smtClean="0">
-                <a:latin typeface="Roboto Light" charset="0"/>
-                <a:ea typeface="Roboto Light" charset="0"/>
-                <a:cs typeface="Roboto Light" charset="0"/>
-              </a:rPr>
-              <a:t> </a:t>
-            </a:r>
-          </a:p>
-          <a:p>
-            <a:endParaRPr lang="en-US" dirty="0">
-              <a:latin typeface="Roboto Light" charset="0"/>
-              <a:ea typeface="Roboto Light" charset="0"/>
-              <a:cs typeface="Roboto Light" charset="0"/>
-            </a:endParaRPr>
-          </a:p>
-        </p:txBody>
-      </p:sp>
-    </p:spTree>
-    <p:extLst>
-      <p:ext uri="{BB962C8B-B14F-4D97-AF65-F5344CB8AC3E}">
-        <p14:creationId xmlns:p14="http://schemas.microsoft.com/office/powerpoint/2010/main" val="1430445368"/>
-      </p:ext>
-    </p:extLst>
-  </p:cSld>
-  <p:clrMapOvr>
-    <a:masterClrMapping/>
-  </p:clrMapOvr>
-  <p:timing>
-    <p:tnLst>
-      <p:par>
-        <p:cTn id="1" dur="indefinite" restart="never" nodeType="tmRoot"/>
-      </p:par>
-    </p:tnLst>
-  </p:timing>
-</p:sld>
-</file>
-
-<file path=ppt/slides/slide6.xml><?xml version="1.0" encoding="utf-8"?>
-<p:sld xmlns:a="http://schemas.openxmlformats.org/drawingml/2006/main" xmlns:r="http://schemas.openxmlformats.org/officeDocument/2006/relationships" xmlns:p="http://schemas.openxmlformats.org/presentationml/2006/main">
-  <p:cSld>
-    <p:spTree>
-      <p:nvGrpSpPr>
-        <p:cNvPr id="1" name=""/>
-        <p:cNvGrpSpPr/>
-        <p:nvPr/>
-      </p:nvGrpSpPr>
-      <p:grpSpPr>
-        <a:xfrm>
-          <a:off x="0" y="0"/>
-          <a:ext cx="0" cy="0"/>
-          <a:chOff x="0" y="0"/>
-          <a:chExt cx="0" cy="0"/>
-        </a:xfrm>
-      </p:grpSpPr>
-      <p:sp>
-        <p:nvSpPr>
-          <p:cNvPr id="2" name="Title 1"/>
-          <p:cNvSpPr>
-            <a:spLocks noGrp="1"/>
-          </p:cNvSpPr>
-          <p:nvPr>
-            <p:ph type="title"/>
-          </p:nvPr>
-        </p:nvSpPr>
-        <p:spPr/>
-        <p:txBody>
-          <a:bodyPr/>
-          <a:lstStyle/>
-          <a:p>
-            <a:r>
-              <a:rPr lang="en-US" dirty="0" err="1" smtClean="0">
-                <a:latin typeface="Roboto Medium" charset="0"/>
-                <a:ea typeface="Roboto Medium" charset="0"/>
-                <a:cs typeface="Roboto Medium" charset="0"/>
-              </a:rPr>
-              <a:t>Risikoanalyse</a:t>
-            </a:r>
-            <a:endParaRPr lang="en-US" dirty="0">
-              <a:latin typeface="Roboto Medium" charset="0"/>
-              <a:ea typeface="Roboto Medium" charset="0"/>
-              <a:cs typeface="Roboto Medium" charset="0"/>
-            </a:endParaRPr>
-          </a:p>
-        </p:txBody>
-      </p:sp>
-      <p:sp>
-        <p:nvSpPr>
-          <p:cNvPr id="5" name="Content Placeholder 4"/>
-          <p:cNvSpPr>
-            <a:spLocks noGrp="1"/>
-          </p:cNvSpPr>
-          <p:nvPr>
-            <p:ph idx="1"/>
-          </p:nvPr>
-        </p:nvSpPr>
-        <p:spPr/>
-        <p:txBody>
-          <a:bodyPr/>
-          <a:lstStyle/>
-          <a:p>
-            <a:r>
-              <a:rPr lang="en-US" dirty="0">
-                <a:latin typeface="Roboto Light" charset="0"/>
-                <a:ea typeface="Roboto Light" charset="0"/>
-                <a:cs typeface="Roboto Light" charset="0"/>
-                <a:hlinkClick r:id="rId2"/>
-              </a:rPr>
-              <a:t>https://</a:t>
-            </a:r>
-            <a:r>
-              <a:rPr lang="en-US" dirty="0" smtClean="0">
-                <a:latin typeface="Roboto Light" charset="0"/>
-                <a:ea typeface="Roboto Light" charset="0"/>
-                <a:cs typeface="Roboto Light" charset="0"/>
-                <a:hlinkClick r:id="rId2"/>
-              </a:rPr>
-              <a:t>github.com/fabianbaechli/online_note_tool/blob/master/documentation/Risikoanalyse.pdf</a:t>
-            </a:r>
-            <a:r>
-              <a:rPr lang="en-US" dirty="0" smtClean="0">
-                <a:latin typeface="Roboto Light" charset="0"/>
-                <a:ea typeface="Roboto Light" charset="0"/>
-                <a:cs typeface="Roboto Light" charset="0"/>
-              </a:rPr>
-              <a:t> </a:t>
-            </a:r>
-            <a:endParaRPr lang="en-US" dirty="0">
-              <a:latin typeface="Roboto Light" charset="0"/>
-              <a:ea typeface="Roboto Light" charset="0"/>
-              <a:cs typeface="Roboto Light" charset="0"/>
-            </a:endParaRPr>
-          </a:p>
-        </p:txBody>
-      </p:sp>
-    </p:spTree>
-    <p:extLst>
-      <p:ext uri="{BB962C8B-B14F-4D97-AF65-F5344CB8AC3E}">
-        <p14:creationId xmlns:p14="http://schemas.microsoft.com/office/powerpoint/2010/main" val="926076516"/>
-      </p:ext>
-    </p:extLst>
-  </p:cSld>
-  <p:clrMapOvr>
-    <a:masterClrMapping/>
-  </p:clrMapOvr>
-  <p:timing>
-    <p:tnLst>
-      <p:par>
-        <p:cTn id="1" dur="indefinite" restart="never" nodeType="tmRoot"/>
-      </p:par>
-    </p:tnLst>
-  </p:timing>
-</p:sld>
-</file>
-
-<file path=ppt/slides/slide7.xml><?xml version="1.0" encoding="utf-8"?>
-<p:sld xmlns:a="http://schemas.openxmlformats.org/drawingml/2006/main" xmlns:r="http://schemas.openxmlformats.org/officeDocument/2006/relationships" xmlns:p="http://schemas.openxmlformats.org/presentationml/2006/main">
-  <p:cSld>
-    <p:spTree>
-      <p:nvGrpSpPr>
-        <p:cNvPr id="1" name=""/>
-        <p:cNvGrpSpPr/>
-        <p:nvPr/>
-      </p:nvGrpSpPr>
-      <p:grpSpPr>
-        <a:xfrm>
-          <a:off x="0" y="0"/>
-          <a:ext cx="0" cy="0"/>
-          <a:chOff x="0" y="0"/>
-          <a:chExt cx="0" cy="0"/>
-        </a:xfrm>
-      </p:grpSpPr>
-      <p:sp>
-        <p:nvSpPr>
-          <p:cNvPr id="2" name="Title 1"/>
-          <p:cNvSpPr>
-            <a:spLocks noGrp="1"/>
-          </p:cNvSpPr>
-          <p:nvPr>
-            <p:ph type="title"/>
-          </p:nvPr>
-        </p:nvSpPr>
-        <p:spPr/>
-        <p:txBody>
-          <a:bodyPr/>
-          <a:lstStyle/>
-          <a:p>
-            <a:r>
-              <a:rPr lang="en-US" dirty="0" smtClean="0">
-                <a:latin typeface="Roboto Medium" charset="0"/>
-                <a:ea typeface="Roboto Medium" charset="0"/>
-                <a:cs typeface="Roboto Medium" charset="0"/>
-              </a:rPr>
-              <a:t>Testing</a:t>
-            </a:r>
-            <a:endParaRPr lang="en-US" dirty="0">
-              <a:latin typeface="Roboto Medium" charset="0"/>
-              <a:ea typeface="Roboto Medium" charset="0"/>
-              <a:cs typeface="Roboto Medium" charset="0"/>
-            </a:endParaRPr>
-          </a:p>
-        </p:txBody>
-      </p:sp>
-      <p:sp>
-        <p:nvSpPr>
-          <p:cNvPr id="3" name="Content Placeholder 2"/>
-          <p:cNvSpPr>
-            <a:spLocks noGrp="1"/>
-          </p:cNvSpPr>
-          <p:nvPr>
-            <p:ph idx="1"/>
-          </p:nvPr>
-        </p:nvSpPr>
-        <p:spPr/>
-        <p:txBody>
-          <a:bodyPr/>
-          <a:lstStyle/>
-          <a:p>
-            <a:r>
-              <a:rPr lang="en-US" dirty="0" smtClean="0">
-                <a:hlinkClick r:id="rId2"/>
-              </a:rPr>
-              <a:t>https://github.com/fabianbaechli/online_note_tool/blob/master/planning/testing.md</a:t>
-            </a:r>
-            <a:r>
-              <a:rPr lang="en-US" dirty="0" smtClean="0"/>
-              <a:t> </a:t>
-            </a:r>
-            <a:endParaRPr lang="en-US" dirty="0"/>
-          </a:p>
-        </p:txBody>
-      </p:sp>
-    </p:spTree>
-    <p:extLst>
-      <p:ext uri="{BB962C8B-B14F-4D97-AF65-F5344CB8AC3E}">
-        <p14:creationId xmlns:p14="http://schemas.microsoft.com/office/powerpoint/2010/main" val="504337368"/>
-      </p:ext>
-    </p:extLst>
-  </p:cSld>
-  <p:clrMapOvr>
-    <a:masterClrMapping/>
-  </p:clrMapOvr>
-  <p:timing>
-    <p:tnLst>
-      <p:par>
-        <p:cTn id="1" dur="indefinite" restart="never" nodeType="tmRoot"/>
-      </p:par>
-    </p:tnLst>
-  </p:timing>
 </p:sld>
 </file>
 
 <file path=ppt/theme/theme1.xml><?xml version="1.0" encoding="utf-8"?>
-<a:theme xmlns:a="http://schemas.openxmlformats.org/drawingml/2006/main" name="Office Theme">
+<a:theme xmlns:a="http://schemas.openxmlformats.org/drawingml/2006/main" name="Rückblick">
   <a:themeElements>
-    <a:clrScheme name="Office">
+    <a:clrScheme name="Rückblick">
       <a:dk1>
-        <a:sysClr val="windowText" lastClr="000000"/>
+        <a:srgbClr val="000000"/>
       </a:dk1>
       <a:lt1>
         <a:sysClr val="window" lastClr="FFFFFF"/>
       </a:lt1>
       <a:dk2>
-        <a:srgbClr val="44546A"/>
+        <a:srgbClr val="637052"/>
       </a:dk2>
       <a:lt2>
-        <a:srgbClr val="E7E6E6"/>
+        <a:srgbClr val="CCDDEA"/>
       </a:lt2>
       <a:accent1>
-        <a:srgbClr val="4472C4"/>
+        <a:srgbClr val="E48312"/>
       </a:accent1>
       <a:accent2>
-        <a:srgbClr val="ED7D31"/>
+        <a:srgbClr val="BD582C"/>
       </a:accent2>
       <a:accent3>
-        <a:srgbClr val="A5A5A5"/>
+        <a:srgbClr val="865640"/>
       </a:accent3>
       <a:accent4>
-        <a:srgbClr val="FFC000"/>
+        <a:srgbClr val="9B8357"/>
       </a:accent4>
       <a:accent5>
-        <a:srgbClr val="5B9BD5"/>
+        <a:srgbClr val="C2BC80"/>
       </a:accent5>
       <a:accent6>
-        <a:srgbClr val="70AD47"/>
+        <a:srgbClr val="94A088"/>
       </a:accent6>
       <a:hlink>
-        <a:srgbClr val="0563C1"/>
+        <a:srgbClr val="2998E3"/>
       </a:hlink>
       <a:folHlink>
-        <a:srgbClr val="954F72"/>
+        <a:srgbClr val="8C8C8C"/>
       </a:folHlink>
     </a:clrScheme>
-    <a:fontScheme name="Office">
+    <a:fontScheme name="Rückblick">
       <a:majorFont>
         <a:latin typeface="Calibri Light" panose="020F0302020204030204"/>
         <a:ea typeface=""/>
         <a:cs typeface=""/>
-        <a:font script="Jpan" typeface="Yu Gothic Light"/>
+        <a:font script="Jpan" typeface="ＭＳ Ｐゴシック"/>
         <a:font script="Hang" typeface="맑은 고딕"/>
-        <a:font script="Hans" typeface="DengXian Light"/>
+        <a:font script="Hans" typeface="宋体"/>
         <a:font script="Hant" typeface="新細明體"/>
         <a:font script="Arab" typeface="Times New Roman"/>
         <a:font script="Hebr" typeface="Times New Roman"/>
@@ -9343,9 +11927,9 @@
         <a:latin typeface="Calibri" panose="020F0502020204030204"/>
         <a:ea typeface=""/>
         <a:cs typeface=""/>
-        <a:font script="Jpan" typeface="Yu Gothic"/>
+        <a:font script="Jpan" typeface="ＭＳ Ｐゴシック"/>
         <a:font script="Hang" typeface="맑은 고딕"/>
-        <a:font script="Hans" typeface="DengXian"/>
+        <a:font script="Hans" typeface="宋体"/>
         <a:font script="Hant" typeface="新細明體"/>
         <a:font script="Arab" typeface="Arial"/>
         <a:font script="Hebr" typeface="Arial"/>
@@ -9375,7 +11959,7 @@
         <a:font script="Geor" typeface="Sylfaen"/>
       </a:minorFont>
     </a:fontScheme>
-    <a:fmtScheme name="Office">
+    <a:fmtScheme name="Rückblick">
       <a:fillStyleLst>
         <a:solidFill>
           <a:schemeClr val="phClr"/>
@@ -9384,76 +11968,81 @@
           <a:gsLst>
             <a:gs pos="0">
               <a:schemeClr val="phClr">
-                <a:lumMod val="110000"/>
-                <a:satMod val="105000"/>
-                <a:tint val="67000"/>
+                <a:tint val="65000"/>
+                <a:shade val="92000"/>
+                <a:satMod val="130000"/>
               </a:schemeClr>
             </a:gs>
-            <a:gs pos="50000">
+            <a:gs pos="45000">
               <a:schemeClr val="phClr">
-                <a:lumMod val="105000"/>
-                <a:satMod val="103000"/>
-                <a:tint val="73000"/>
+                <a:tint val="60000"/>
+                <a:shade val="99000"/>
+                <a:satMod val="120000"/>
               </a:schemeClr>
             </a:gs>
             <a:gs pos="100000">
               <a:schemeClr val="phClr">
-                <a:lumMod val="105000"/>
-                <a:satMod val="109000"/>
-                <a:tint val="81000"/>
+                <a:tint val="55000"/>
+                <a:satMod val="140000"/>
               </a:schemeClr>
             </a:gs>
           </a:gsLst>
-          <a:lin ang="5400000" scaled="0"/>
+          <a:path path="circle">
+            <a:fillToRect l="100000" t="100000" r="100000" b="100000"/>
+          </a:path>
         </a:gradFill>
         <a:gradFill rotWithShape="1">
           <a:gsLst>
             <a:gs pos="0">
               <a:schemeClr val="phClr">
-                <a:satMod val="103000"/>
-                <a:lumMod val="102000"/>
-                <a:tint val="94000"/>
+                <a:shade val="85000"/>
+                <a:satMod val="130000"/>
               </a:schemeClr>
             </a:gs>
-            <a:gs pos="50000">
+            <a:gs pos="34000">
               <a:schemeClr val="phClr">
-                <a:satMod val="110000"/>
-                <a:lumMod val="100000"/>
-                <a:shade val="100000"/>
+                <a:shade val="87000"/>
+                <a:satMod val="125000"/>
+              </a:schemeClr>
+            </a:gs>
+            <a:gs pos="70000">
+              <a:schemeClr val="phClr">
+                <a:tint val="100000"/>
+                <a:shade val="90000"/>
+                <a:satMod val="130000"/>
               </a:schemeClr>
             </a:gs>
             <a:gs pos="100000">
               <a:schemeClr val="phClr">
-                <a:lumMod val="99000"/>
-                <a:satMod val="120000"/>
-                <a:shade val="78000"/>
+                <a:tint val="100000"/>
+                <a:shade val="100000"/>
+                <a:satMod val="110000"/>
               </a:schemeClr>
             </a:gs>
           </a:gsLst>
-          <a:lin ang="5400000" scaled="0"/>
+          <a:path path="circle">
+            <a:fillToRect l="100000" t="100000" r="100000" b="100000"/>
+          </a:path>
         </a:gradFill>
       </a:fillStyleLst>
       <a:lnStyleLst>
-        <a:ln w="6350" cap="flat" cmpd="sng" algn="ctr">
-          <a:solidFill>
-            <a:schemeClr val="phClr"/>
-          </a:solidFill>
-          <a:prstDash val="solid"/>
-          <a:miter lim="800000"/>
-        </a:ln>
         <a:ln w="12700" cap="flat" cmpd="sng" algn="ctr">
           <a:solidFill>
             <a:schemeClr val="phClr"/>
           </a:solidFill>
           <a:prstDash val="solid"/>
-          <a:miter lim="800000"/>
         </a:ln>
-        <a:ln w="19050" cap="flat" cmpd="sng" algn="ctr">
+        <a:ln w="15875" cap="flat" cmpd="sng" algn="ctr">
           <a:solidFill>
             <a:schemeClr val="phClr"/>
           </a:solidFill>
           <a:prstDash val="solid"/>
-          <a:miter lim="800000"/>
+        </a:ln>
+        <a:ln w="25400" cap="flat" cmpd="sng" algn="ctr">
+          <a:solidFill>
+            <a:schemeClr val="phClr"/>
+          </a:solidFill>
+          <a:prstDash val="solid"/>
         </a:ln>
       </a:lnStyleLst>
       <a:effectStyleLst>
@@ -9461,16 +12050,33 @@
           <a:effectLst/>
         </a:effectStyle>
         <a:effectStyle>
-          <a:effectLst/>
+          <a:effectLst>
+            <a:outerShdw blurRad="38100" dist="25400" dir="2700000" algn="br" rotWithShape="0">
+              <a:srgbClr val="000000">
+                <a:alpha val="60000"/>
+              </a:srgbClr>
+            </a:outerShdw>
+          </a:effectLst>
         </a:effectStyle>
         <a:effectStyle>
           <a:effectLst>
-            <a:outerShdw blurRad="57150" dist="19050" dir="5400000" algn="ctr" rotWithShape="0">
+            <a:outerShdw blurRad="44450" dist="25400" dir="2700000" algn="br" rotWithShape="0">
               <a:srgbClr val="000000">
-                <a:alpha val="63000"/>
+                <a:alpha val="60000"/>
               </a:srgbClr>
             </a:outerShdw>
           </a:effectLst>
+          <a:scene3d>
+            <a:camera prst="orthographicFront">
+              <a:rot lat="0" lon="0" rev="0"/>
+            </a:camera>
+            <a:lightRig rig="threePt" dir="t">
+              <a:rot lat="0" lon="0" rev="19800000"/>
+            </a:lightRig>
+          </a:scene3d>
+          <a:sp3d prstMaterial="flat">
+            <a:bevelT w="25400" h="31750"/>
+          </a:sp3d>
         </a:effectStyle>
       </a:effectStyleLst>
       <a:bgFillStyleLst>
@@ -9479,36 +12085,36 @@
         </a:solidFill>
         <a:solidFill>
           <a:schemeClr val="phClr">
-            <a:tint val="95000"/>
-            <a:satMod val="170000"/>
+            <a:tint val="90000"/>
+            <a:shade val="97000"/>
+            <a:satMod val="130000"/>
           </a:schemeClr>
         </a:solidFill>
         <a:gradFill rotWithShape="1">
           <a:gsLst>
             <a:gs pos="0">
               <a:schemeClr val="phClr">
-                <a:tint val="93000"/>
-                <a:satMod val="150000"/>
-                <a:shade val="98000"/>
-                <a:lumMod val="102000"/>
+                <a:tint val="96000"/>
+                <a:shade val="99000"/>
+                <a:satMod val="140000"/>
               </a:schemeClr>
             </a:gs>
-            <a:gs pos="50000">
+            <a:gs pos="65000">
               <a:schemeClr val="phClr">
-                <a:tint val="98000"/>
+                <a:tint val="100000"/>
+                <a:shade val="80000"/>
                 <a:satMod val="130000"/>
-                <a:shade val="90000"/>
-                <a:lumMod val="103000"/>
               </a:schemeClr>
             </a:gs>
             <a:gs pos="100000">
               <a:schemeClr val="phClr">
-                <a:shade val="63000"/>
+                <a:tint val="100000"/>
+                <a:shade val="48000"/>
                 <a:satMod val="120000"/>
               </a:schemeClr>
             </a:gs>
           </a:gsLst>
-          <a:lin ang="5400000" scaled="0"/>
+          <a:lin ang="16200000" scaled="0"/>
         </a:gradFill>
       </a:bgFillStyleLst>
     </a:fmtScheme>
@@ -9517,7 +12123,7 @@
   <a:extraClrSchemeLst/>
   <a:extLst>
     <a:ext uri="{05A4C25C-085E-4340-85A3-A5531E510DB2}">
-      <thm15:themeFamily xmlns:thm15="http://schemas.microsoft.com/office/thememl/2012/main" name="Office Theme" id="{62F939B6-93AF-4DB8-9C6B-D6C7DFDC589F}" vid="{4A3C46E8-61CC-4603-A589-7422A47A8E4A}"/>
+      <thm15:themeFamily xmlns:thm15="http://schemas.microsoft.com/office/thememl/2012/main" name="Retrospect" id="{5F128B03-DCCA-4EEB-AB3B-CF2899314A46}" vid="{3F1AAB62-24C6-49D2-8E01-B56FAC9A3DCD}"/>
     </a:ext>
   </a:extLst>
 </a:theme>
